--- a/tech_with_tim/Pygame-Tuts-101-1ABC/Docs/Pygame-101-Tuts-by-MrH.pptx
+++ b/tech_with_tim/Pygame-Tuts-101-1ABC/Docs/Pygame-101-Tuts-by-MrH.pptx
@@ -1,41 +1,43 @@
 
 <file path=ppt/presentation.xml><?xml version="1.0" encoding="utf-8"?>
-<p:presentation xmlns:a="http://schemas.openxmlformats.org/drawingml/2006/main" xmlns:r="http://schemas.openxmlformats.org/officeDocument/2006/relationships" xmlns:mc="http://schemas.openxmlformats.org/markup-compatibility/2006" xmlns:mv="urn:schemas-microsoft-com:mac:vml" xmlns:p="http://schemas.openxmlformats.org/presentationml/2006/main" xmlns:c="http://schemas.openxmlformats.org/drawingml/2006/chart" xmlns:dgm="http://schemas.openxmlformats.org/drawingml/2006/diagram" xmlns:o="urn:schemas-microsoft-com:office:office" xmlns:v="urn:schemas-microsoft-com:vml" xmlns:pvml="urn:schemas-microsoft-com:office:powerpoint" xmlns:com="http://schemas.openxmlformats.org/drawingml/2006/compatibility" xmlns:p14="http://schemas.microsoft.com/office/powerpoint/2010/main" xmlns:p15="http://schemas.microsoft.com/office/powerpoint/2012/main" xmlns:ahyp="http://schemas.microsoft.com/office/drawing/2018/hyperlinkcolor" autoCompressPictures="0" strictFirstAndLastChars="0" saveSubsetFonts="1">
+<p:presentation xmlns:a="http://schemas.openxmlformats.org/drawingml/2006/main" xmlns:r="http://schemas.openxmlformats.org/officeDocument/2006/relationships" xmlns:p="http://schemas.openxmlformats.org/presentationml/2006/main" strictFirstAndLastChars="0" saveSubsetFonts="1" autoCompressPictures="0">
   <p:sldMasterIdLst>
-    <p:sldMasterId id="2147483659" r:id="rId4"/>
+    <p:sldMasterId id="2147483659" r:id="rId1"/>
   </p:sldMasterIdLst>
   <p:notesMasterIdLst>
-    <p:notesMasterId r:id="rId5"/>
+    <p:notesMasterId r:id="rId27"/>
   </p:notesMasterIdLst>
   <p:sldIdLst>
-    <p:sldId id="256" r:id="rId6"/>
-    <p:sldId id="257" r:id="rId7"/>
-    <p:sldId id="258" r:id="rId8"/>
-    <p:sldId id="259" r:id="rId9"/>
-    <p:sldId id="260" r:id="rId10"/>
-    <p:sldId id="261" r:id="rId11"/>
-    <p:sldId id="262" r:id="rId12"/>
-    <p:sldId id="263" r:id="rId13"/>
-    <p:sldId id="264" r:id="rId14"/>
-    <p:sldId id="265" r:id="rId15"/>
-    <p:sldId id="266" r:id="rId16"/>
-    <p:sldId id="267" r:id="rId17"/>
-    <p:sldId id="268" r:id="rId18"/>
-    <p:sldId id="269" r:id="rId19"/>
-    <p:sldId id="270" r:id="rId20"/>
-    <p:sldId id="271" r:id="rId21"/>
-    <p:sldId id="272" r:id="rId22"/>
-    <p:sldId id="273" r:id="rId23"/>
-    <p:sldId id="274" r:id="rId24"/>
-    <p:sldId id="275" r:id="rId25"/>
-    <p:sldId id="276" r:id="rId26"/>
-    <p:sldId id="277" r:id="rId27"/>
-    <p:sldId id="278" r:id="rId28"/>
+    <p:sldId id="256" r:id="rId2"/>
+    <p:sldId id="257" r:id="rId3"/>
+    <p:sldId id="258" r:id="rId4"/>
+    <p:sldId id="259" r:id="rId5"/>
+    <p:sldId id="260" r:id="rId6"/>
+    <p:sldId id="261" r:id="rId7"/>
+    <p:sldId id="262" r:id="rId8"/>
+    <p:sldId id="263" r:id="rId9"/>
+    <p:sldId id="264" r:id="rId10"/>
+    <p:sldId id="265" r:id="rId11"/>
+    <p:sldId id="266" r:id="rId12"/>
+    <p:sldId id="267" r:id="rId13"/>
+    <p:sldId id="268" r:id="rId14"/>
+    <p:sldId id="269" r:id="rId15"/>
+    <p:sldId id="270" r:id="rId16"/>
+    <p:sldId id="271" r:id="rId17"/>
+    <p:sldId id="272" r:id="rId18"/>
+    <p:sldId id="273" r:id="rId19"/>
+    <p:sldId id="274" r:id="rId20"/>
+    <p:sldId id="275" r:id="rId21"/>
+    <p:sldId id="276" r:id="rId22"/>
+    <p:sldId id="277" r:id="rId23"/>
+    <p:sldId id="278" r:id="rId24"/>
+    <p:sldId id="279" r:id="rId25"/>
+    <p:sldId id="280" r:id="rId26"/>
   </p:sldIdLst>
-  <p:sldSz cy="5143500" cx="9144000"/>
+  <p:sldSz cx="9144000" cy="5143500" type="screen16x9"/>
   <p:notesSz cx="6858000" cy="9144000"/>
   <p:defaultTextStyle>
-    <a:defPPr lvl="0" marR="0" rtl="0" algn="l">
+    <a:defPPr marR="0" lvl="0" algn="l" rtl="0">
       <a:lnSpc>
         <a:spcPct val="100000"/>
       </a:lnSpc>
@@ -46,7 +48,7 @@
         <a:spcPts val="0"/>
       </a:spcAft>
     </a:defPPr>
-    <a:lvl1pPr lvl="0" marR="0" rtl="0" algn="l">
+    <a:lvl1pPr marR="0" lvl="0" algn="l" rtl="0">
       <a:lnSpc>
         <a:spcPct val="100000"/>
       </a:lnSpc>
@@ -60,7 +62,7 @@
         <a:srgbClr val="000000"/>
       </a:buClr>
       <a:buFont typeface="Arial"/>
-      <a:defRPr b="0" i="0" sz="1400" u="none" cap="none" strike="noStrike">
+      <a:defRPr sz="1400" b="0" i="0" u="none" strike="noStrike" cap="none">
         <a:solidFill>
           <a:srgbClr val="000000"/>
         </a:solidFill>
@@ -70,7 +72,7 @@
         <a:sym typeface="Arial"/>
       </a:defRPr>
     </a:lvl1pPr>
-    <a:lvl2pPr lvl="1" marR="0" rtl="0" algn="l">
+    <a:lvl2pPr marR="0" lvl="1" algn="l" rtl="0">
       <a:lnSpc>
         <a:spcPct val="100000"/>
       </a:lnSpc>
@@ -84,7 +86,7 @@
         <a:srgbClr val="000000"/>
       </a:buClr>
       <a:buFont typeface="Arial"/>
-      <a:defRPr b="0" i="0" sz="1400" u="none" cap="none" strike="noStrike">
+      <a:defRPr sz="1400" b="0" i="0" u="none" strike="noStrike" cap="none">
         <a:solidFill>
           <a:srgbClr val="000000"/>
         </a:solidFill>
@@ -94,7 +96,7 @@
         <a:sym typeface="Arial"/>
       </a:defRPr>
     </a:lvl2pPr>
-    <a:lvl3pPr lvl="2" marR="0" rtl="0" algn="l">
+    <a:lvl3pPr marR="0" lvl="2" algn="l" rtl="0">
       <a:lnSpc>
         <a:spcPct val="100000"/>
       </a:lnSpc>
@@ -108,7 +110,7 @@
         <a:srgbClr val="000000"/>
       </a:buClr>
       <a:buFont typeface="Arial"/>
-      <a:defRPr b="0" i="0" sz="1400" u="none" cap="none" strike="noStrike">
+      <a:defRPr sz="1400" b="0" i="0" u="none" strike="noStrike" cap="none">
         <a:solidFill>
           <a:srgbClr val="000000"/>
         </a:solidFill>
@@ -118,7 +120,7 @@
         <a:sym typeface="Arial"/>
       </a:defRPr>
     </a:lvl3pPr>
-    <a:lvl4pPr lvl="3" marR="0" rtl="0" algn="l">
+    <a:lvl4pPr marR="0" lvl="3" algn="l" rtl="0">
       <a:lnSpc>
         <a:spcPct val="100000"/>
       </a:lnSpc>
@@ -132,7 +134,7 @@
         <a:srgbClr val="000000"/>
       </a:buClr>
       <a:buFont typeface="Arial"/>
-      <a:defRPr b="0" i="0" sz="1400" u="none" cap="none" strike="noStrike">
+      <a:defRPr sz="1400" b="0" i="0" u="none" strike="noStrike" cap="none">
         <a:solidFill>
           <a:srgbClr val="000000"/>
         </a:solidFill>
@@ -142,7 +144,7 @@
         <a:sym typeface="Arial"/>
       </a:defRPr>
     </a:lvl4pPr>
-    <a:lvl5pPr lvl="4" marR="0" rtl="0" algn="l">
+    <a:lvl5pPr marR="0" lvl="4" algn="l" rtl="0">
       <a:lnSpc>
         <a:spcPct val="100000"/>
       </a:lnSpc>
@@ -156,7 +158,7 @@
         <a:srgbClr val="000000"/>
       </a:buClr>
       <a:buFont typeface="Arial"/>
-      <a:defRPr b="0" i="0" sz="1400" u="none" cap="none" strike="noStrike">
+      <a:defRPr sz="1400" b="0" i="0" u="none" strike="noStrike" cap="none">
         <a:solidFill>
           <a:srgbClr val="000000"/>
         </a:solidFill>
@@ -166,7 +168,7 @@
         <a:sym typeface="Arial"/>
       </a:defRPr>
     </a:lvl5pPr>
-    <a:lvl6pPr lvl="5" marR="0" rtl="0" algn="l">
+    <a:lvl6pPr marR="0" lvl="5" algn="l" rtl="0">
       <a:lnSpc>
         <a:spcPct val="100000"/>
       </a:lnSpc>
@@ -180,7 +182,7 @@
         <a:srgbClr val="000000"/>
       </a:buClr>
       <a:buFont typeface="Arial"/>
-      <a:defRPr b="0" i="0" sz="1400" u="none" cap="none" strike="noStrike">
+      <a:defRPr sz="1400" b="0" i="0" u="none" strike="noStrike" cap="none">
         <a:solidFill>
           <a:srgbClr val="000000"/>
         </a:solidFill>
@@ -190,7 +192,7 @@
         <a:sym typeface="Arial"/>
       </a:defRPr>
     </a:lvl6pPr>
-    <a:lvl7pPr lvl="6" marR="0" rtl="0" algn="l">
+    <a:lvl7pPr marR="0" lvl="6" algn="l" rtl="0">
       <a:lnSpc>
         <a:spcPct val="100000"/>
       </a:lnSpc>
@@ -204,7 +206,7 @@
         <a:srgbClr val="000000"/>
       </a:buClr>
       <a:buFont typeface="Arial"/>
-      <a:defRPr b="0" i="0" sz="1400" u="none" cap="none" strike="noStrike">
+      <a:defRPr sz="1400" b="0" i="0" u="none" strike="noStrike" cap="none">
         <a:solidFill>
           <a:srgbClr val="000000"/>
         </a:solidFill>
@@ -214,7 +216,7 @@
         <a:sym typeface="Arial"/>
       </a:defRPr>
     </a:lvl7pPr>
-    <a:lvl8pPr lvl="7" marR="0" rtl="0" algn="l">
+    <a:lvl8pPr marR="0" lvl="7" algn="l" rtl="0">
       <a:lnSpc>
         <a:spcPct val="100000"/>
       </a:lnSpc>
@@ -228,7 +230,7 @@
         <a:srgbClr val="000000"/>
       </a:buClr>
       <a:buFont typeface="Arial"/>
-      <a:defRPr b="0" i="0" sz="1400" u="none" cap="none" strike="noStrike">
+      <a:defRPr sz="1400" b="0" i="0" u="none" strike="noStrike" cap="none">
         <a:solidFill>
           <a:srgbClr val="000000"/>
         </a:solidFill>
@@ -238,7 +240,7 @@
         <a:sym typeface="Arial"/>
       </a:defRPr>
     </a:lvl8pPr>
-    <a:lvl9pPr lvl="8" marR="0" rtl="0" algn="l">
+    <a:lvl9pPr marR="0" lvl="8" algn="l" rtl="0">
       <a:lnSpc>
         <a:spcPct val="100000"/>
       </a:lnSpc>
@@ -252,7 +254,7 @@
         <a:srgbClr val="000000"/>
       </a:buClr>
       <a:buFont typeface="Arial"/>
-      <a:defRPr b="0" i="0" sz="1400" u="none" cap="none" strike="noStrike">
+      <a:defRPr sz="1400" b="0" i="0" u="none" strike="noStrike" cap="none">
         <a:solidFill>
           <a:srgbClr val="000000"/>
         </a:solidFill>
@@ -265,7 +267,7 @@
   </p:defaultTextStyle>
   <p:extLst>
     <p:ext uri="{EFAFB233-063F-42B5-8137-9DF3F51BA10A}">
-      <p15:sldGuideLst>
+      <p15:sldGuideLst xmlns:p15="http://schemas.microsoft.com/office/powerpoint/2012/main">
         <p15:guide id="1" orient="horz" pos="1620">
           <p15:clr>
             <a:srgbClr val="747775"/>
@@ -283,11 +285,16 @@
 </file>
 
 <file path=ppt/notesMasters/notesMaster1.xml><?xml version="1.0" encoding="utf-8"?>
-<p:notesMaster xmlns:a="http://schemas.openxmlformats.org/drawingml/2006/main" xmlns:r="http://schemas.openxmlformats.org/officeDocument/2006/relationships" xmlns:mc="http://schemas.openxmlformats.org/markup-compatibility/2006" xmlns:mv="urn:schemas-microsoft-com:mac:vml" xmlns:p="http://schemas.openxmlformats.org/presentationml/2006/main" xmlns:c="http://schemas.openxmlformats.org/drawingml/2006/chart" xmlns:dgm="http://schemas.openxmlformats.org/drawingml/2006/diagram" xmlns:o="urn:schemas-microsoft-com:office:office" xmlns:v="urn:schemas-microsoft-com:vml" xmlns:pvml="urn:schemas-microsoft-com:office:powerpoint" xmlns:com="http://schemas.openxmlformats.org/drawingml/2006/compatibility" xmlns:p14="http://schemas.microsoft.com/office/powerpoint/2010/main" xmlns:p15="http://schemas.microsoft.com/office/powerpoint/2012/main" xmlns:ahyp="http://schemas.microsoft.com/office/drawing/2018/hyperlinkcolor">
+<p:notesMaster xmlns:a="http://schemas.openxmlformats.org/drawingml/2006/main" xmlns:r="http://schemas.openxmlformats.org/officeDocument/2006/relationships" xmlns:p="http://schemas.openxmlformats.org/presentationml/2006/main">
   <p:cSld>
+    <p:bg>
+      <p:bgRef idx="1001">
+        <a:schemeClr val="bg1"/>
+      </p:bgRef>
+    </p:bg>
     <p:spTree>
       <p:nvGrpSpPr>
-        <p:cNvPr id="2" name="Shape 2"/>
+        <p:cNvPr id="1" name="Shape 2"/>
         <p:cNvGrpSpPr/>
         <p:nvPr/>
       </p:nvGrpSpPr>
@@ -302,9 +309,11 @@
       <p:sp>
         <p:nvSpPr>
           <p:cNvPr id="3" name="Google Shape;3;n"/>
-          <p:cNvSpPr/>
+          <p:cNvSpPr>
+            <a:spLocks noGrp="1" noRot="1" noChangeAspect="1"/>
+          </p:cNvSpPr>
           <p:nvPr>
-            <p:ph idx="2" type="sldImg"/>
+            <p:ph type="sldImg" idx="2"/>
           </p:nvPr>
         </p:nvSpPr>
         <p:spPr>
@@ -313,9 +322,13 @@
             <a:ext cx="6096075" cy="3429000"/>
           </a:xfrm>
           <a:custGeom>
-            <a:rect b="b" l="l" r="r" t="t"/>
+            <a:avLst/>
+            <a:gdLst/>
+            <a:ahLst/>
+            <a:cxnLst/>
+            <a:rect l="l" t="t" r="r" b="b"/>
             <a:pathLst>
-              <a:path extrusionOk="0" h="120000" w="120000">
+              <a:path w="120000" h="120000" extrusionOk="0">
                 <a:moveTo>
                   <a:pt x="0" y="0"/>
                 </a:moveTo>
@@ -333,23 +346,25 @@
             </a:pathLst>
           </a:custGeom>
           <a:noFill/>
-          <a:ln cap="flat" cmpd="sng" w="9525">
+          <a:ln w="9525" cap="flat" cmpd="sng">
             <a:solidFill>
               <a:srgbClr val="000000"/>
             </a:solidFill>
             <a:prstDash val="solid"/>
             <a:round/>
-            <a:headEnd len="sm" w="sm" type="none"/>
-            <a:tailEnd len="sm" w="sm" type="none"/>
+            <a:headEnd type="none" w="sm" len="sm"/>
+            <a:tailEnd type="none" w="sm" len="sm"/>
           </a:ln>
         </p:spPr>
       </p:sp>
       <p:sp>
         <p:nvSpPr>
           <p:cNvPr id="4" name="Google Shape;4;n"/>
-          <p:cNvSpPr txBox="1"/>
+          <p:cNvSpPr txBox="1">
+            <a:spLocks noGrp="1"/>
+          </p:cNvSpPr>
           <p:nvPr>
-            <p:ph idx="1" type="body"/>
+            <p:ph type="body" idx="1"/>
           </p:nvPr>
         </p:nvSpPr>
         <p:spPr>
@@ -366,11 +381,11 @@
           </a:ln>
         </p:spPr>
         <p:txBody>
-          <a:bodyPr anchorCtr="0" anchor="t" bIns="91425" lIns="91425" spcFirstLastPara="1" rIns="91425" wrap="square" tIns="91425">
+          <a:bodyPr spcFirstLastPara="1" wrap="square" lIns="91425" tIns="91425" rIns="91425" bIns="91425" anchor="t" anchorCtr="0">
             <a:noAutofit/>
           </a:bodyPr>
           <a:lstStyle>
-            <a:lvl1pPr indent="-298450" lvl="0" marL="457200">
+            <a:lvl1pPr marL="457200" lvl="0" indent="-298450">
               <a:spcBef>
                 <a:spcPts val="0"/>
               </a:spcBef>
@@ -381,7 +396,7 @@
               <a:buChar char="●"/>
               <a:defRPr sz="1100"/>
             </a:lvl1pPr>
-            <a:lvl2pPr indent="-298450" lvl="1" marL="914400">
+            <a:lvl2pPr marL="914400" lvl="1" indent="-298450">
               <a:spcBef>
                 <a:spcPts val="0"/>
               </a:spcBef>
@@ -392,7 +407,7 @@
               <a:buChar char="○"/>
               <a:defRPr sz="1100"/>
             </a:lvl2pPr>
-            <a:lvl3pPr indent="-298450" lvl="2" marL="1371600">
+            <a:lvl3pPr marL="1371600" lvl="2" indent="-298450">
               <a:spcBef>
                 <a:spcPts val="0"/>
               </a:spcBef>
@@ -403,7 +418,7 @@
               <a:buChar char="■"/>
               <a:defRPr sz="1100"/>
             </a:lvl3pPr>
-            <a:lvl4pPr indent="-298450" lvl="3" marL="1828800">
+            <a:lvl4pPr marL="1828800" lvl="3" indent="-298450">
               <a:spcBef>
                 <a:spcPts val="0"/>
               </a:spcBef>
@@ -414,7 +429,7 @@
               <a:buChar char="●"/>
               <a:defRPr sz="1100"/>
             </a:lvl4pPr>
-            <a:lvl5pPr indent="-298450" lvl="4" marL="2286000">
+            <a:lvl5pPr marL="2286000" lvl="4" indent="-298450">
               <a:spcBef>
                 <a:spcPts val="0"/>
               </a:spcBef>
@@ -425,7 +440,7 @@
               <a:buChar char="○"/>
               <a:defRPr sz="1100"/>
             </a:lvl5pPr>
-            <a:lvl6pPr indent="-298450" lvl="5" marL="2743200">
+            <a:lvl6pPr marL="2743200" lvl="5" indent="-298450">
               <a:spcBef>
                 <a:spcPts val="0"/>
               </a:spcBef>
@@ -436,7 +451,7 @@
               <a:buChar char="■"/>
               <a:defRPr sz="1100"/>
             </a:lvl6pPr>
-            <a:lvl7pPr indent="-298450" lvl="6" marL="3200400">
+            <a:lvl7pPr marL="3200400" lvl="6" indent="-298450">
               <a:spcBef>
                 <a:spcPts val="0"/>
               </a:spcBef>
@@ -447,7 +462,7 @@
               <a:buChar char="●"/>
               <a:defRPr sz="1100"/>
             </a:lvl7pPr>
-            <a:lvl8pPr indent="-298450" lvl="7" marL="3657600">
+            <a:lvl8pPr marL="3657600" lvl="7" indent="-298450">
               <a:spcBef>
                 <a:spcPts val="0"/>
               </a:spcBef>
@@ -458,7 +473,7 @@
               <a:buChar char="○"/>
               <a:defRPr sz="1100"/>
             </a:lvl8pPr>
-            <a:lvl9pPr indent="-298450" lvl="8" marL="4114800">
+            <a:lvl9pPr marL="4114800" lvl="8" indent="-298450">
               <a:spcBef>
                 <a:spcPts val="0"/>
               </a:spcBef>
@@ -470,14 +485,16 @@
               <a:defRPr sz="1100"/>
             </a:lvl9pPr>
           </a:lstStyle>
-          <a:p/>
+          <a:p>
+            <a:endParaRPr/>
+          </a:p>
         </p:txBody>
       </p:sp>
     </p:spTree>
   </p:cSld>
-  <p:clrMap accent1="accent1" accent2="accent2" accent3="accent3" accent4="accent4" accent5="accent5" accent6="accent6" bg1="lt1" bg2="dk2" tx1="dk1" tx2="lt2" folHlink="folHlink" hlink="hlink"/>
+  <p:clrMap bg1="lt1" tx1="dk1" bg2="dk2" tx2="lt2" accent1="accent1" accent2="accent2" accent3="accent3" accent4="accent4" accent5="accent5" accent6="accent6" hlink="hlink" folHlink="folHlink"/>
   <p:notesStyle>
-    <a:defPPr lvl="0" marR="0" rtl="0" algn="l">
+    <a:defPPr marR="0" lvl="0" algn="l" rtl="0">
       <a:lnSpc>
         <a:spcPct val="100000"/>
       </a:lnSpc>
@@ -488,7 +505,7 @@
         <a:spcPts val="0"/>
       </a:spcAft>
     </a:defPPr>
-    <a:lvl1pPr lvl="0" marR="0" rtl="0" algn="l">
+    <a:lvl1pPr marR="0" lvl="0" algn="l" rtl="0">
       <a:lnSpc>
         <a:spcPct val="100000"/>
       </a:lnSpc>
@@ -502,7 +519,7 @@
         <a:srgbClr val="000000"/>
       </a:buClr>
       <a:buFont typeface="Arial"/>
-      <a:defRPr b="0" i="0" sz="1400" u="none" cap="none" strike="noStrike">
+      <a:defRPr sz="1400" b="0" i="0" u="none" strike="noStrike" cap="none">
         <a:solidFill>
           <a:srgbClr val="000000"/>
         </a:solidFill>
@@ -512,7 +529,7 @@
         <a:sym typeface="Arial"/>
       </a:defRPr>
     </a:lvl1pPr>
-    <a:lvl2pPr lvl="1" marR="0" rtl="0" algn="l">
+    <a:lvl2pPr marR="0" lvl="1" algn="l" rtl="0">
       <a:lnSpc>
         <a:spcPct val="100000"/>
       </a:lnSpc>
@@ -526,7 +543,7 @@
         <a:srgbClr val="000000"/>
       </a:buClr>
       <a:buFont typeface="Arial"/>
-      <a:defRPr b="0" i="0" sz="1400" u="none" cap="none" strike="noStrike">
+      <a:defRPr sz="1400" b="0" i="0" u="none" strike="noStrike" cap="none">
         <a:solidFill>
           <a:srgbClr val="000000"/>
         </a:solidFill>
@@ -536,7 +553,7 @@
         <a:sym typeface="Arial"/>
       </a:defRPr>
     </a:lvl2pPr>
-    <a:lvl3pPr lvl="2" marR="0" rtl="0" algn="l">
+    <a:lvl3pPr marR="0" lvl="2" algn="l" rtl="0">
       <a:lnSpc>
         <a:spcPct val="100000"/>
       </a:lnSpc>
@@ -550,7 +567,7 @@
         <a:srgbClr val="000000"/>
       </a:buClr>
       <a:buFont typeface="Arial"/>
-      <a:defRPr b="0" i="0" sz="1400" u="none" cap="none" strike="noStrike">
+      <a:defRPr sz="1400" b="0" i="0" u="none" strike="noStrike" cap="none">
         <a:solidFill>
           <a:srgbClr val="000000"/>
         </a:solidFill>
@@ -560,7 +577,7 @@
         <a:sym typeface="Arial"/>
       </a:defRPr>
     </a:lvl3pPr>
-    <a:lvl4pPr lvl="3" marR="0" rtl="0" algn="l">
+    <a:lvl4pPr marR="0" lvl="3" algn="l" rtl="0">
       <a:lnSpc>
         <a:spcPct val="100000"/>
       </a:lnSpc>
@@ -574,7 +591,7 @@
         <a:srgbClr val="000000"/>
       </a:buClr>
       <a:buFont typeface="Arial"/>
-      <a:defRPr b="0" i="0" sz="1400" u="none" cap="none" strike="noStrike">
+      <a:defRPr sz="1400" b="0" i="0" u="none" strike="noStrike" cap="none">
         <a:solidFill>
           <a:srgbClr val="000000"/>
         </a:solidFill>
@@ -584,7 +601,7 @@
         <a:sym typeface="Arial"/>
       </a:defRPr>
     </a:lvl4pPr>
-    <a:lvl5pPr lvl="4" marR="0" rtl="0" algn="l">
+    <a:lvl5pPr marR="0" lvl="4" algn="l" rtl="0">
       <a:lnSpc>
         <a:spcPct val="100000"/>
       </a:lnSpc>
@@ -598,7 +615,7 @@
         <a:srgbClr val="000000"/>
       </a:buClr>
       <a:buFont typeface="Arial"/>
-      <a:defRPr b="0" i="0" sz="1400" u="none" cap="none" strike="noStrike">
+      <a:defRPr sz="1400" b="0" i="0" u="none" strike="noStrike" cap="none">
         <a:solidFill>
           <a:srgbClr val="000000"/>
         </a:solidFill>
@@ -608,7 +625,7 @@
         <a:sym typeface="Arial"/>
       </a:defRPr>
     </a:lvl5pPr>
-    <a:lvl6pPr lvl="5" marR="0" rtl="0" algn="l">
+    <a:lvl6pPr marR="0" lvl="5" algn="l" rtl="0">
       <a:lnSpc>
         <a:spcPct val="100000"/>
       </a:lnSpc>
@@ -622,7 +639,7 @@
         <a:srgbClr val="000000"/>
       </a:buClr>
       <a:buFont typeface="Arial"/>
-      <a:defRPr b="0" i="0" sz="1400" u="none" cap="none" strike="noStrike">
+      <a:defRPr sz="1400" b="0" i="0" u="none" strike="noStrike" cap="none">
         <a:solidFill>
           <a:srgbClr val="000000"/>
         </a:solidFill>
@@ -632,7 +649,7 @@
         <a:sym typeface="Arial"/>
       </a:defRPr>
     </a:lvl6pPr>
-    <a:lvl7pPr lvl="6" marR="0" rtl="0" algn="l">
+    <a:lvl7pPr marR="0" lvl="6" algn="l" rtl="0">
       <a:lnSpc>
         <a:spcPct val="100000"/>
       </a:lnSpc>
@@ -646,7 +663,7 @@
         <a:srgbClr val="000000"/>
       </a:buClr>
       <a:buFont typeface="Arial"/>
-      <a:defRPr b="0" i="0" sz="1400" u="none" cap="none" strike="noStrike">
+      <a:defRPr sz="1400" b="0" i="0" u="none" strike="noStrike" cap="none">
         <a:solidFill>
           <a:srgbClr val="000000"/>
         </a:solidFill>
@@ -656,7 +673,7 @@
         <a:sym typeface="Arial"/>
       </a:defRPr>
     </a:lvl7pPr>
-    <a:lvl8pPr lvl="7" marR="0" rtl="0" algn="l">
+    <a:lvl8pPr marR="0" lvl="7" algn="l" rtl="0">
       <a:lnSpc>
         <a:spcPct val="100000"/>
       </a:lnSpc>
@@ -670,7 +687,7 @@
         <a:srgbClr val="000000"/>
       </a:buClr>
       <a:buFont typeface="Arial"/>
-      <a:defRPr b="0" i="0" sz="1400" u="none" cap="none" strike="noStrike">
+      <a:defRPr sz="1400" b="0" i="0" u="none" strike="noStrike" cap="none">
         <a:solidFill>
           <a:srgbClr val="000000"/>
         </a:solidFill>
@@ -680,7 +697,7 @@
         <a:sym typeface="Arial"/>
       </a:defRPr>
     </a:lvl8pPr>
-    <a:lvl9pPr lvl="8" marR="0" rtl="0" algn="l">
+    <a:lvl9pPr marR="0" lvl="8" algn="l" rtl="0">
       <a:lnSpc>
         <a:spcPct val="100000"/>
       </a:lnSpc>
@@ -694,7 +711,7 @@
         <a:srgbClr val="000000"/>
       </a:buClr>
       <a:buFont typeface="Arial"/>
-      <a:defRPr b="0" i="0" sz="1400" u="none" cap="none" strike="noStrike">
+      <a:defRPr sz="1400" b="0" i="0" u="none" strike="noStrike" cap="none">
         <a:solidFill>
           <a:srgbClr val="000000"/>
         </a:solidFill>
@@ -709,11 +726,11 @@
 </file>
 
 <file path=ppt/notesSlides/notesSlide1.xml><?xml version="1.0" encoding="utf-8"?>
-<p:notes xmlns:a="http://schemas.openxmlformats.org/drawingml/2006/main" xmlns:r="http://schemas.openxmlformats.org/officeDocument/2006/relationships" xmlns:mc="http://schemas.openxmlformats.org/markup-compatibility/2006" xmlns:mv="urn:schemas-microsoft-com:mac:vml" xmlns:p="http://schemas.openxmlformats.org/presentationml/2006/main" xmlns:c="http://schemas.openxmlformats.org/drawingml/2006/chart" xmlns:dgm="http://schemas.openxmlformats.org/drawingml/2006/diagram" xmlns:o="urn:schemas-microsoft-com:office:office" xmlns:v="urn:schemas-microsoft-com:vml" xmlns:pvml="urn:schemas-microsoft-com:office:powerpoint" xmlns:com="http://schemas.openxmlformats.org/drawingml/2006/compatibility" xmlns:p14="http://schemas.microsoft.com/office/powerpoint/2010/main" xmlns:p15="http://schemas.microsoft.com/office/powerpoint/2012/main" xmlns:ahyp="http://schemas.microsoft.com/office/drawing/2018/hyperlinkcolor" showMasterPhAnim="0" showMasterSp="0">
+<p:notes xmlns:a="http://schemas.openxmlformats.org/drawingml/2006/main" xmlns:r="http://schemas.openxmlformats.org/officeDocument/2006/relationships" xmlns:p="http://schemas.openxmlformats.org/presentationml/2006/main" showMasterSp="0" showMasterPhAnim="0">
   <p:cSld>
     <p:spTree>
       <p:nvGrpSpPr>
-        <p:cNvPr id="50" name="Shape 50"/>
+        <p:cNvPr id="1" name="Shape 50"/>
         <p:cNvGrpSpPr/>
         <p:nvPr/>
       </p:nvGrpSpPr>
@@ -728,9 +745,11 @@
       <p:sp>
         <p:nvSpPr>
           <p:cNvPr id="51" name="Google Shape;51;p:notes"/>
-          <p:cNvSpPr/>
+          <p:cNvSpPr>
+            <a:spLocks noGrp="1" noRot="1" noChangeAspect="1"/>
+          </p:cNvSpPr>
           <p:nvPr>
-            <p:ph idx="2" type="sldImg"/>
+            <p:ph type="sldImg" idx="2"/>
           </p:nvPr>
         </p:nvSpPr>
         <p:spPr>
@@ -739,9 +758,13 @@
             <a:ext cx="6096075" cy="3429000"/>
           </a:xfrm>
           <a:custGeom>
-            <a:rect b="b" l="l" r="r" t="t"/>
+            <a:avLst/>
+            <a:gdLst/>
+            <a:ahLst/>
+            <a:cxnLst/>
+            <a:rect l="l" t="t" r="r" b="b"/>
             <a:pathLst>
-              <a:path extrusionOk="0" h="120000" w="120000">
+              <a:path w="120000" h="120000" extrusionOk="0">
                 <a:moveTo>
                   <a:pt x="0" y="0"/>
                 </a:moveTo>
@@ -763,9 +786,11 @@
       <p:sp>
         <p:nvSpPr>
           <p:cNvPr id="52" name="Google Shape;52;p:notes"/>
-          <p:cNvSpPr txBox="1"/>
+          <p:cNvSpPr txBox="1">
+            <a:spLocks noGrp="1"/>
+          </p:cNvSpPr>
           <p:nvPr>
-            <p:ph idx="1" type="body"/>
+            <p:ph type="body" idx="1"/>
           </p:nvPr>
         </p:nvSpPr>
         <p:spPr>
@@ -778,12 +803,12 @@
           </a:prstGeom>
         </p:spPr>
         <p:txBody>
-          <a:bodyPr anchorCtr="0" anchor="t" bIns="91425" lIns="91425" spcFirstLastPara="1" rIns="91425" wrap="square" tIns="91425">
+          <a:bodyPr spcFirstLastPara="1" wrap="square" lIns="91425" tIns="91425" rIns="91425" bIns="91425" anchor="t" anchorCtr="0">
             <a:noAutofit/>
           </a:bodyPr>
           <a:lstStyle/>
           <a:p>
-            <a:pPr indent="0" lvl="0" marL="0" rtl="0" algn="l">
+            <a:pPr marL="0" lvl="0" indent="0" algn="l" rtl="0">
               <a:spcBef>
                 <a:spcPts val="0"/>
               </a:spcBef>
@@ -792,9 +817,6 @@
               </a:spcAft>
               <a:buNone/>
             </a:pPr>
-            <a:r>
-              <a:t/>
-            </a:r>
             <a:endParaRPr/>
           </a:p>
         </p:txBody>
@@ -808,11 +830,11 @@
 </file>
 
 <file path=ppt/notesSlides/notesSlide10.xml><?xml version="1.0" encoding="utf-8"?>
-<p:notes xmlns:a="http://schemas.openxmlformats.org/drawingml/2006/main" xmlns:r="http://schemas.openxmlformats.org/officeDocument/2006/relationships" xmlns:mc="http://schemas.openxmlformats.org/markup-compatibility/2006" xmlns:mv="urn:schemas-microsoft-com:mac:vml" xmlns:p="http://schemas.openxmlformats.org/presentationml/2006/main" xmlns:c="http://schemas.openxmlformats.org/drawingml/2006/chart" xmlns:dgm="http://schemas.openxmlformats.org/drawingml/2006/diagram" xmlns:o="urn:schemas-microsoft-com:office:office" xmlns:v="urn:schemas-microsoft-com:vml" xmlns:pvml="urn:schemas-microsoft-com:office:powerpoint" xmlns:com="http://schemas.openxmlformats.org/drawingml/2006/compatibility" xmlns:p14="http://schemas.microsoft.com/office/powerpoint/2010/main" xmlns:p15="http://schemas.microsoft.com/office/powerpoint/2012/main" xmlns:ahyp="http://schemas.microsoft.com/office/drawing/2018/hyperlinkcolor" showMasterPhAnim="0" showMasterSp="0">
+<p:notes xmlns:a="http://schemas.openxmlformats.org/drawingml/2006/main" xmlns:r="http://schemas.openxmlformats.org/officeDocument/2006/relationships" xmlns:p="http://schemas.openxmlformats.org/presentationml/2006/main" showMasterSp="0" showMasterPhAnim="0">
   <p:cSld>
     <p:spTree>
       <p:nvGrpSpPr>
-        <p:cNvPr id="110" name="Shape 110"/>
+        <p:cNvPr id="1" name="Shape 110"/>
         <p:cNvGrpSpPr/>
         <p:nvPr/>
       </p:nvGrpSpPr>
@@ -827,9 +849,11 @@
       <p:sp>
         <p:nvSpPr>
           <p:cNvPr id="111" name="Google Shape;111;g2ef71761700_0_11:notes"/>
-          <p:cNvSpPr/>
+          <p:cNvSpPr>
+            <a:spLocks noGrp="1" noRot="1" noChangeAspect="1"/>
+          </p:cNvSpPr>
           <p:nvPr>
-            <p:ph idx="2" type="sldImg"/>
+            <p:ph type="sldImg" idx="2"/>
           </p:nvPr>
         </p:nvSpPr>
         <p:spPr>
@@ -838,9 +862,13 @@
             <a:ext cx="6096000" cy="3429000"/>
           </a:xfrm>
           <a:custGeom>
-            <a:rect b="b" l="l" r="r" t="t"/>
+            <a:avLst/>
+            <a:gdLst/>
+            <a:ahLst/>
+            <a:cxnLst/>
+            <a:rect l="l" t="t" r="r" b="b"/>
             <a:pathLst>
-              <a:path extrusionOk="0" h="120000" w="120000">
+              <a:path w="120000" h="120000" extrusionOk="0">
                 <a:moveTo>
                   <a:pt x="0" y="0"/>
                 </a:moveTo>
@@ -862,9 +890,11 @@
       <p:sp>
         <p:nvSpPr>
           <p:cNvPr id="112" name="Google Shape;112;g2ef71761700_0_11:notes"/>
-          <p:cNvSpPr txBox="1"/>
+          <p:cNvSpPr txBox="1">
+            <a:spLocks noGrp="1"/>
+          </p:cNvSpPr>
           <p:nvPr>
-            <p:ph idx="1" type="body"/>
+            <p:ph type="body" idx="1"/>
           </p:nvPr>
         </p:nvSpPr>
         <p:spPr>
@@ -877,12 +907,12 @@
           </a:prstGeom>
         </p:spPr>
         <p:txBody>
-          <a:bodyPr anchorCtr="0" anchor="t" bIns="91425" lIns="91425" spcFirstLastPara="1" rIns="91425" wrap="square" tIns="91425">
+          <a:bodyPr spcFirstLastPara="1" wrap="square" lIns="91425" tIns="91425" rIns="91425" bIns="91425" anchor="t" anchorCtr="0">
             <a:noAutofit/>
           </a:bodyPr>
           <a:lstStyle/>
           <a:p>
-            <a:pPr indent="0" lvl="0" marL="0" rtl="0" algn="l">
+            <a:pPr marL="0" lvl="0" indent="0" algn="l" rtl="0">
               <a:spcBef>
                 <a:spcPts val="0"/>
               </a:spcBef>
@@ -891,9 +921,6 @@
               </a:spcAft>
               <a:buNone/>
             </a:pPr>
-            <a:r>
-              <a:t/>
-            </a:r>
             <a:endParaRPr/>
           </a:p>
         </p:txBody>
@@ -907,11 +934,11 @@
 </file>
 
 <file path=ppt/notesSlides/notesSlide11.xml><?xml version="1.0" encoding="utf-8"?>
-<p:notes xmlns:a="http://schemas.openxmlformats.org/drawingml/2006/main" xmlns:r="http://schemas.openxmlformats.org/officeDocument/2006/relationships" xmlns:mc="http://schemas.openxmlformats.org/markup-compatibility/2006" xmlns:mv="urn:schemas-microsoft-com:mac:vml" xmlns:p="http://schemas.openxmlformats.org/presentationml/2006/main" xmlns:c="http://schemas.openxmlformats.org/drawingml/2006/chart" xmlns:dgm="http://schemas.openxmlformats.org/drawingml/2006/diagram" xmlns:o="urn:schemas-microsoft-com:office:office" xmlns:v="urn:schemas-microsoft-com:vml" xmlns:pvml="urn:schemas-microsoft-com:office:powerpoint" xmlns:com="http://schemas.openxmlformats.org/drawingml/2006/compatibility" xmlns:p14="http://schemas.microsoft.com/office/powerpoint/2010/main" xmlns:p15="http://schemas.microsoft.com/office/powerpoint/2012/main" xmlns:ahyp="http://schemas.microsoft.com/office/drawing/2018/hyperlinkcolor" showMasterPhAnim="0" showMasterSp="0">
+<p:notes xmlns:a="http://schemas.openxmlformats.org/drawingml/2006/main" xmlns:r="http://schemas.openxmlformats.org/officeDocument/2006/relationships" xmlns:p="http://schemas.openxmlformats.org/presentationml/2006/main" showMasterSp="0" showMasterPhAnim="0">
   <p:cSld>
     <p:spTree>
       <p:nvGrpSpPr>
-        <p:cNvPr id="122" name="Shape 122"/>
+        <p:cNvPr id="1" name="Shape 122"/>
         <p:cNvGrpSpPr/>
         <p:nvPr/>
       </p:nvGrpSpPr>
@@ -926,20 +953,26 @@
       <p:sp>
         <p:nvSpPr>
           <p:cNvPr id="123" name="Google Shape;123;g2ef3c977558_0_65:notes"/>
-          <p:cNvSpPr/>
+          <p:cNvSpPr>
+            <a:spLocks noGrp="1" noRot="1" noChangeAspect="1"/>
+          </p:cNvSpPr>
           <p:nvPr>
-            <p:ph idx="2" type="sldImg"/>
+            <p:ph type="sldImg" idx="2"/>
           </p:nvPr>
         </p:nvSpPr>
         <p:spPr>
           <a:xfrm>
-            <a:off x="381300" y="685800"/>
+            <a:off x="381000" y="685800"/>
             <a:ext cx="6096000" cy="3429000"/>
           </a:xfrm>
           <a:custGeom>
-            <a:rect b="b" l="l" r="r" t="t"/>
+            <a:avLst/>
+            <a:gdLst/>
+            <a:ahLst/>
+            <a:cxnLst/>
+            <a:rect l="l" t="t" r="r" b="b"/>
             <a:pathLst>
-              <a:path extrusionOk="0" h="120000" w="120000">
+              <a:path w="120000" h="120000" extrusionOk="0">
                 <a:moveTo>
                   <a:pt x="0" y="0"/>
                 </a:moveTo>
@@ -961,9 +994,11 @@
       <p:sp>
         <p:nvSpPr>
           <p:cNvPr id="124" name="Google Shape;124;g2ef3c977558_0_65:notes"/>
-          <p:cNvSpPr txBox="1"/>
+          <p:cNvSpPr txBox="1">
+            <a:spLocks noGrp="1"/>
+          </p:cNvSpPr>
           <p:nvPr>
-            <p:ph idx="1" type="body"/>
+            <p:ph type="body" idx="1"/>
           </p:nvPr>
         </p:nvSpPr>
         <p:spPr>
@@ -976,12 +1011,12 @@
           </a:prstGeom>
         </p:spPr>
         <p:txBody>
-          <a:bodyPr anchorCtr="0" anchor="t" bIns="91425" lIns="91425" spcFirstLastPara="1" rIns="91425" wrap="square" tIns="91425">
+          <a:bodyPr spcFirstLastPara="1" wrap="square" lIns="91425" tIns="91425" rIns="91425" bIns="91425" anchor="t" anchorCtr="0">
             <a:noAutofit/>
           </a:bodyPr>
           <a:lstStyle/>
           <a:p>
-            <a:pPr indent="0" lvl="0" marL="0" rtl="0" algn="l">
+            <a:pPr marL="0" lvl="0" indent="0" algn="l" rtl="0">
               <a:spcBef>
                 <a:spcPts val="0"/>
               </a:spcBef>
@@ -990,9 +1025,6 @@
               </a:spcAft>
               <a:buNone/>
             </a:pPr>
-            <a:r>
-              <a:t/>
-            </a:r>
             <a:endParaRPr/>
           </a:p>
         </p:txBody>
@@ -1006,11 +1038,11 @@
 </file>
 
 <file path=ppt/notesSlides/notesSlide12.xml><?xml version="1.0" encoding="utf-8"?>
-<p:notes xmlns:a="http://schemas.openxmlformats.org/drawingml/2006/main" xmlns:r="http://schemas.openxmlformats.org/officeDocument/2006/relationships" xmlns:mc="http://schemas.openxmlformats.org/markup-compatibility/2006" xmlns:mv="urn:schemas-microsoft-com:mac:vml" xmlns:p="http://schemas.openxmlformats.org/presentationml/2006/main" xmlns:c="http://schemas.openxmlformats.org/drawingml/2006/chart" xmlns:dgm="http://schemas.openxmlformats.org/drawingml/2006/diagram" xmlns:o="urn:schemas-microsoft-com:office:office" xmlns:v="urn:schemas-microsoft-com:vml" xmlns:pvml="urn:schemas-microsoft-com:office:powerpoint" xmlns:com="http://schemas.openxmlformats.org/drawingml/2006/compatibility" xmlns:p14="http://schemas.microsoft.com/office/powerpoint/2010/main" xmlns:p15="http://schemas.microsoft.com/office/powerpoint/2012/main" xmlns:ahyp="http://schemas.microsoft.com/office/drawing/2018/hyperlinkcolor" showMasterPhAnim="0" showMasterSp="0">
+<p:notes xmlns:a="http://schemas.openxmlformats.org/drawingml/2006/main" xmlns:r="http://schemas.openxmlformats.org/officeDocument/2006/relationships" xmlns:p="http://schemas.openxmlformats.org/presentationml/2006/main" showMasterSp="0" showMasterPhAnim="0">
   <p:cSld>
     <p:spTree>
       <p:nvGrpSpPr>
-        <p:cNvPr id="132" name="Shape 132"/>
+        <p:cNvPr id="1" name="Shape 132"/>
         <p:cNvGrpSpPr/>
         <p:nvPr/>
       </p:nvGrpSpPr>
@@ -1025,9 +1057,11 @@
       <p:sp>
         <p:nvSpPr>
           <p:cNvPr id="133" name="Google Shape;133;g2ef3c977558_0_73:notes"/>
-          <p:cNvSpPr/>
+          <p:cNvSpPr>
+            <a:spLocks noGrp="1" noRot="1" noChangeAspect="1"/>
+          </p:cNvSpPr>
           <p:nvPr>
-            <p:ph idx="2" type="sldImg"/>
+            <p:ph type="sldImg" idx="2"/>
           </p:nvPr>
         </p:nvSpPr>
         <p:spPr>
@@ -1036,9 +1070,13 @@
             <a:ext cx="6096000" cy="3429000"/>
           </a:xfrm>
           <a:custGeom>
-            <a:rect b="b" l="l" r="r" t="t"/>
+            <a:avLst/>
+            <a:gdLst/>
+            <a:ahLst/>
+            <a:cxnLst/>
+            <a:rect l="l" t="t" r="r" b="b"/>
             <a:pathLst>
-              <a:path extrusionOk="0" h="120000" w="120000">
+              <a:path w="120000" h="120000" extrusionOk="0">
                 <a:moveTo>
                   <a:pt x="0" y="0"/>
                 </a:moveTo>
@@ -1060,9 +1098,11 @@
       <p:sp>
         <p:nvSpPr>
           <p:cNvPr id="134" name="Google Shape;134;g2ef3c977558_0_73:notes"/>
-          <p:cNvSpPr txBox="1"/>
+          <p:cNvSpPr txBox="1">
+            <a:spLocks noGrp="1"/>
+          </p:cNvSpPr>
           <p:nvPr>
-            <p:ph idx="1" type="body"/>
+            <p:ph type="body" idx="1"/>
           </p:nvPr>
         </p:nvSpPr>
         <p:spPr>
@@ -1075,12 +1115,12 @@
           </a:prstGeom>
         </p:spPr>
         <p:txBody>
-          <a:bodyPr anchorCtr="0" anchor="t" bIns="91425" lIns="91425" spcFirstLastPara="1" rIns="91425" wrap="square" tIns="91425">
+          <a:bodyPr spcFirstLastPara="1" wrap="square" lIns="91425" tIns="91425" rIns="91425" bIns="91425" anchor="t" anchorCtr="0">
             <a:noAutofit/>
           </a:bodyPr>
           <a:lstStyle/>
           <a:p>
-            <a:pPr indent="0" lvl="0" marL="0" rtl="0" algn="l">
+            <a:pPr marL="0" lvl="0" indent="0" algn="l" rtl="0">
               <a:spcBef>
                 <a:spcPts val="0"/>
               </a:spcBef>
@@ -1089,9 +1129,6 @@
               </a:spcAft>
               <a:buNone/>
             </a:pPr>
-            <a:r>
-              <a:t/>
-            </a:r>
             <a:endParaRPr/>
           </a:p>
         </p:txBody>
@@ -1105,11 +1142,11 @@
 </file>
 
 <file path=ppt/notesSlides/notesSlide13.xml><?xml version="1.0" encoding="utf-8"?>
-<p:notes xmlns:a="http://schemas.openxmlformats.org/drawingml/2006/main" xmlns:r="http://schemas.openxmlformats.org/officeDocument/2006/relationships" xmlns:mc="http://schemas.openxmlformats.org/markup-compatibility/2006" xmlns:mv="urn:schemas-microsoft-com:mac:vml" xmlns:p="http://schemas.openxmlformats.org/presentationml/2006/main" xmlns:c="http://schemas.openxmlformats.org/drawingml/2006/chart" xmlns:dgm="http://schemas.openxmlformats.org/drawingml/2006/diagram" xmlns:o="urn:schemas-microsoft-com:office:office" xmlns:v="urn:schemas-microsoft-com:vml" xmlns:pvml="urn:schemas-microsoft-com:office:powerpoint" xmlns:com="http://schemas.openxmlformats.org/drawingml/2006/compatibility" xmlns:p14="http://schemas.microsoft.com/office/powerpoint/2010/main" xmlns:p15="http://schemas.microsoft.com/office/powerpoint/2012/main" xmlns:ahyp="http://schemas.microsoft.com/office/drawing/2018/hyperlinkcolor" showMasterPhAnim="0" showMasterSp="0">
+<p:notes xmlns:a="http://schemas.openxmlformats.org/drawingml/2006/main" xmlns:r="http://schemas.openxmlformats.org/officeDocument/2006/relationships" xmlns:p="http://schemas.openxmlformats.org/presentationml/2006/main" showMasterSp="0" showMasterPhAnim="0">
   <p:cSld>
     <p:spTree>
       <p:nvGrpSpPr>
-        <p:cNvPr id="139" name="Shape 139"/>
+        <p:cNvPr id="1" name="Shape 139"/>
         <p:cNvGrpSpPr/>
         <p:nvPr/>
       </p:nvGrpSpPr>
@@ -1124,9 +1161,11 @@
       <p:sp>
         <p:nvSpPr>
           <p:cNvPr id="140" name="Google Shape;140;g2ef3c977558_0_79:notes"/>
-          <p:cNvSpPr/>
+          <p:cNvSpPr>
+            <a:spLocks noGrp="1" noRot="1" noChangeAspect="1"/>
+          </p:cNvSpPr>
           <p:nvPr>
-            <p:ph idx="2" type="sldImg"/>
+            <p:ph type="sldImg" idx="2"/>
           </p:nvPr>
         </p:nvSpPr>
         <p:spPr>
@@ -1135,9 +1174,13 @@
             <a:ext cx="6096000" cy="3429000"/>
           </a:xfrm>
           <a:custGeom>
-            <a:rect b="b" l="l" r="r" t="t"/>
+            <a:avLst/>
+            <a:gdLst/>
+            <a:ahLst/>
+            <a:cxnLst/>
+            <a:rect l="l" t="t" r="r" b="b"/>
             <a:pathLst>
-              <a:path extrusionOk="0" h="120000" w="120000">
+              <a:path w="120000" h="120000" extrusionOk="0">
                 <a:moveTo>
                   <a:pt x="0" y="0"/>
                 </a:moveTo>
@@ -1159,9 +1202,11 @@
       <p:sp>
         <p:nvSpPr>
           <p:cNvPr id="141" name="Google Shape;141;g2ef3c977558_0_79:notes"/>
-          <p:cNvSpPr txBox="1"/>
+          <p:cNvSpPr txBox="1">
+            <a:spLocks noGrp="1"/>
+          </p:cNvSpPr>
           <p:nvPr>
-            <p:ph idx="1" type="body"/>
+            <p:ph type="body" idx="1"/>
           </p:nvPr>
         </p:nvSpPr>
         <p:spPr>
@@ -1174,12 +1219,12 @@
           </a:prstGeom>
         </p:spPr>
         <p:txBody>
-          <a:bodyPr anchorCtr="0" anchor="t" bIns="91425" lIns="91425" spcFirstLastPara="1" rIns="91425" wrap="square" tIns="91425">
+          <a:bodyPr spcFirstLastPara="1" wrap="square" lIns="91425" tIns="91425" rIns="91425" bIns="91425" anchor="t" anchorCtr="0">
             <a:noAutofit/>
           </a:bodyPr>
           <a:lstStyle/>
           <a:p>
-            <a:pPr indent="0" lvl="0" marL="0" rtl="0" algn="l">
+            <a:pPr marL="0" lvl="0" indent="0" algn="l" rtl="0">
               <a:spcBef>
                 <a:spcPts val="0"/>
               </a:spcBef>
@@ -1188,9 +1233,6 @@
               </a:spcAft>
               <a:buNone/>
             </a:pPr>
-            <a:r>
-              <a:t/>
-            </a:r>
             <a:endParaRPr/>
           </a:p>
         </p:txBody>
@@ -1204,11 +1246,11 @@
 </file>
 
 <file path=ppt/notesSlides/notesSlide14.xml><?xml version="1.0" encoding="utf-8"?>
-<p:notes xmlns:a="http://schemas.openxmlformats.org/drawingml/2006/main" xmlns:r="http://schemas.openxmlformats.org/officeDocument/2006/relationships" xmlns:mc="http://schemas.openxmlformats.org/markup-compatibility/2006" xmlns:mv="urn:schemas-microsoft-com:mac:vml" xmlns:p="http://schemas.openxmlformats.org/presentationml/2006/main" xmlns:c="http://schemas.openxmlformats.org/drawingml/2006/chart" xmlns:dgm="http://schemas.openxmlformats.org/drawingml/2006/diagram" xmlns:o="urn:schemas-microsoft-com:office:office" xmlns:v="urn:schemas-microsoft-com:vml" xmlns:pvml="urn:schemas-microsoft-com:office:powerpoint" xmlns:com="http://schemas.openxmlformats.org/drawingml/2006/compatibility" xmlns:p14="http://schemas.microsoft.com/office/powerpoint/2010/main" xmlns:p15="http://schemas.microsoft.com/office/powerpoint/2012/main" xmlns:ahyp="http://schemas.microsoft.com/office/drawing/2018/hyperlinkcolor" showMasterPhAnim="0" showMasterSp="0">
+<p:notes xmlns:a="http://schemas.openxmlformats.org/drawingml/2006/main" xmlns:r="http://schemas.openxmlformats.org/officeDocument/2006/relationships" xmlns:p="http://schemas.openxmlformats.org/presentationml/2006/main" showMasterSp="0" showMasterPhAnim="0">
   <p:cSld>
     <p:spTree>
       <p:nvGrpSpPr>
-        <p:cNvPr id="149" name="Shape 149"/>
+        <p:cNvPr id="1" name="Shape 149"/>
         <p:cNvGrpSpPr/>
         <p:nvPr/>
       </p:nvGrpSpPr>
@@ -1223,9 +1265,11 @@
       <p:sp>
         <p:nvSpPr>
           <p:cNvPr id="150" name="Google Shape;150;g2ef3c977558_0_90:notes"/>
-          <p:cNvSpPr/>
+          <p:cNvSpPr>
+            <a:spLocks noGrp="1" noRot="1" noChangeAspect="1"/>
+          </p:cNvSpPr>
           <p:nvPr>
-            <p:ph idx="2" type="sldImg"/>
+            <p:ph type="sldImg" idx="2"/>
           </p:nvPr>
         </p:nvSpPr>
         <p:spPr>
@@ -1234,9 +1278,13 @@
             <a:ext cx="6096000" cy="3429000"/>
           </a:xfrm>
           <a:custGeom>
-            <a:rect b="b" l="l" r="r" t="t"/>
+            <a:avLst/>
+            <a:gdLst/>
+            <a:ahLst/>
+            <a:cxnLst/>
+            <a:rect l="l" t="t" r="r" b="b"/>
             <a:pathLst>
-              <a:path extrusionOk="0" h="120000" w="120000">
+              <a:path w="120000" h="120000" extrusionOk="0">
                 <a:moveTo>
                   <a:pt x="0" y="0"/>
                 </a:moveTo>
@@ -1258,9 +1306,11 @@
       <p:sp>
         <p:nvSpPr>
           <p:cNvPr id="151" name="Google Shape;151;g2ef3c977558_0_90:notes"/>
-          <p:cNvSpPr txBox="1"/>
+          <p:cNvSpPr txBox="1">
+            <a:spLocks noGrp="1"/>
+          </p:cNvSpPr>
           <p:nvPr>
-            <p:ph idx="1" type="body"/>
+            <p:ph type="body" idx="1"/>
           </p:nvPr>
         </p:nvSpPr>
         <p:spPr>
@@ -1273,12 +1323,12 @@
           </a:prstGeom>
         </p:spPr>
         <p:txBody>
-          <a:bodyPr anchorCtr="0" anchor="t" bIns="91425" lIns="91425" spcFirstLastPara="1" rIns="91425" wrap="square" tIns="91425">
+          <a:bodyPr spcFirstLastPara="1" wrap="square" lIns="91425" tIns="91425" rIns="91425" bIns="91425" anchor="t" anchorCtr="0">
             <a:noAutofit/>
           </a:bodyPr>
           <a:lstStyle/>
           <a:p>
-            <a:pPr indent="0" lvl="0" marL="0" rtl="0" algn="l">
+            <a:pPr marL="0" lvl="0" indent="0" algn="l" rtl="0">
               <a:spcBef>
                 <a:spcPts val="0"/>
               </a:spcBef>
@@ -1287,9 +1337,6 @@
               </a:spcAft>
               <a:buNone/>
             </a:pPr>
-            <a:r>
-              <a:t/>
-            </a:r>
             <a:endParaRPr/>
           </a:p>
         </p:txBody>
@@ -1303,11 +1350,11 @@
 </file>
 
 <file path=ppt/notesSlides/notesSlide15.xml><?xml version="1.0" encoding="utf-8"?>
-<p:notes xmlns:a="http://schemas.openxmlformats.org/drawingml/2006/main" xmlns:r="http://schemas.openxmlformats.org/officeDocument/2006/relationships" xmlns:mc="http://schemas.openxmlformats.org/markup-compatibility/2006" xmlns:mv="urn:schemas-microsoft-com:mac:vml" xmlns:p="http://schemas.openxmlformats.org/presentationml/2006/main" xmlns:c="http://schemas.openxmlformats.org/drawingml/2006/chart" xmlns:dgm="http://schemas.openxmlformats.org/drawingml/2006/diagram" xmlns:o="urn:schemas-microsoft-com:office:office" xmlns:v="urn:schemas-microsoft-com:vml" xmlns:pvml="urn:schemas-microsoft-com:office:powerpoint" xmlns:com="http://schemas.openxmlformats.org/drawingml/2006/compatibility" xmlns:p14="http://schemas.microsoft.com/office/powerpoint/2010/main" xmlns:p15="http://schemas.microsoft.com/office/powerpoint/2012/main" xmlns:ahyp="http://schemas.microsoft.com/office/drawing/2018/hyperlinkcolor" showMasterPhAnim="0" showMasterSp="0">
+<p:notes xmlns:a="http://schemas.openxmlformats.org/drawingml/2006/main" xmlns:r="http://schemas.openxmlformats.org/officeDocument/2006/relationships" xmlns:p="http://schemas.openxmlformats.org/presentationml/2006/main" showMasterSp="0" showMasterPhAnim="0">
   <p:cSld>
     <p:spTree>
       <p:nvGrpSpPr>
-        <p:cNvPr id="158" name="Shape 158"/>
+        <p:cNvPr id="1" name="Shape 158"/>
         <p:cNvGrpSpPr/>
         <p:nvPr/>
       </p:nvGrpSpPr>
@@ -1322,9 +1369,11 @@
       <p:sp>
         <p:nvSpPr>
           <p:cNvPr id="159" name="Google Shape;159;g2ef3c977558_0_100:notes"/>
-          <p:cNvSpPr/>
+          <p:cNvSpPr>
+            <a:spLocks noGrp="1" noRot="1" noChangeAspect="1"/>
+          </p:cNvSpPr>
           <p:nvPr>
-            <p:ph idx="2" type="sldImg"/>
+            <p:ph type="sldImg" idx="2"/>
           </p:nvPr>
         </p:nvSpPr>
         <p:spPr>
@@ -1333,9 +1382,13 @@
             <a:ext cx="6096000" cy="3429000"/>
           </a:xfrm>
           <a:custGeom>
-            <a:rect b="b" l="l" r="r" t="t"/>
+            <a:avLst/>
+            <a:gdLst/>
+            <a:ahLst/>
+            <a:cxnLst/>
+            <a:rect l="l" t="t" r="r" b="b"/>
             <a:pathLst>
-              <a:path extrusionOk="0" h="120000" w="120000">
+              <a:path w="120000" h="120000" extrusionOk="0">
                 <a:moveTo>
                   <a:pt x="0" y="0"/>
                 </a:moveTo>
@@ -1357,9 +1410,11 @@
       <p:sp>
         <p:nvSpPr>
           <p:cNvPr id="160" name="Google Shape;160;g2ef3c977558_0_100:notes"/>
-          <p:cNvSpPr txBox="1"/>
+          <p:cNvSpPr txBox="1">
+            <a:spLocks noGrp="1"/>
+          </p:cNvSpPr>
           <p:nvPr>
-            <p:ph idx="1" type="body"/>
+            <p:ph type="body" idx="1"/>
           </p:nvPr>
         </p:nvSpPr>
         <p:spPr>
@@ -1372,12 +1427,12 @@
           </a:prstGeom>
         </p:spPr>
         <p:txBody>
-          <a:bodyPr anchorCtr="0" anchor="t" bIns="91425" lIns="91425" spcFirstLastPara="1" rIns="91425" wrap="square" tIns="91425">
+          <a:bodyPr spcFirstLastPara="1" wrap="square" lIns="91425" tIns="91425" rIns="91425" bIns="91425" anchor="t" anchorCtr="0">
             <a:noAutofit/>
           </a:bodyPr>
           <a:lstStyle/>
           <a:p>
-            <a:pPr indent="0" lvl="0" marL="0" rtl="0" algn="l">
+            <a:pPr marL="0" lvl="0" indent="0" algn="l" rtl="0">
               <a:spcBef>
                 <a:spcPts val="0"/>
               </a:spcBef>
@@ -1386,9 +1441,6 @@
               </a:spcAft>
               <a:buNone/>
             </a:pPr>
-            <a:r>
-              <a:t/>
-            </a:r>
             <a:endParaRPr/>
           </a:p>
         </p:txBody>
@@ -1402,11 +1454,11 @@
 </file>
 
 <file path=ppt/notesSlides/notesSlide16.xml><?xml version="1.0" encoding="utf-8"?>
-<p:notes xmlns:a="http://schemas.openxmlformats.org/drawingml/2006/main" xmlns:r="http://schemas.openxmlformats.org/officeDocument/2006/relationships" xmlns:mc="http://schemas.openxmlformats.org/markup-compatibility/2006" xmlns:mv="urn:schemas-microsoft-com:mac:vml" xmlns:p="http://schemas.openxmlformats.org/presentationml/2006/main" xmlns:c="http://schemas.openxmlformats.org/drawingml/2006/chart" xmlns:dgm="http://schemas.openxmlformats.org/drawingml/2006/diagram" xmlns:o="urn:schemas-microsoft-com:office:office" xmlns:v="urn:schemas-microsoft-com:vml" xmlns:pvml="urn:schemas-microsoft-com:office:powerpoint" xmlns:com="http://schemas.openxmlformats.org/drawingml/2006/compatibility" xmlns:p14="http://schemas.microsoft.com/office/powerpoint/2010/main" xmlns:p15="http://schemas.microsoft.com/office/powerpoint/2012/main" xmlns:ahyp="http://schemas.microsoft.com/office/drawing/2018/hyperlinkcolor" showMasterPhAnim="0" showMasterSp="0">
+<p:notes xmlns:a="http://schemas.openxmlformats.org/drawingml/2006/main" xmlns:r="http://schemas.openxmlformats.org/officeDocument/2006/relationships" xmlns:p="http://schemas.openxmlformats.org/presentationml/2006/main" showMasterSp="0" showMasterPhAnim="0">
   <p:cSld>
     <p:spTree>
       <p:nvGrpSpPr>
-        <p:cNvPr id="168" name="Shape 168"/>
+        <p:cNvPr id="1" name="Shape 168"/>
         <p:cNvGrpSpPr/>
         <p:nvPr/>
       </p:nvGrpSpPr>
@@ -1421,9 +1473,11 @@
       <p:sp>
         <p:nvSpPr>
           <p:cNvPr id="169" name="Google Shape;169;g2ef3c977558_0_116:notes"/>
-          <p:cNvSpPr/>
+          <p:cNvSpPr>
+            <a:spLocks noGrp="1" noRot="1" noChangeAspect="1"/>
+          </p:cNvSpPr>
           <p:nvPr>
-            <p:ph idx="2" type="sldImg"/>
+            <p:ph type="sldImg" idx="2"/>
           </p:nvPr>
         </p:nvSpPr>
         <p:spPr>
@@ -1432,9 +1486,13 @@
             <a:ext cx="6096000" cy="3429000"/>
           </a:xfrm>
           <a:custGeom>
-            <a:rect b="b" l="l" r="r" t="t"/>
+            <a:avLst/>
+            <a:gdLst/>
+            <a:ahLst/>
+            <a:cxnLst/>
+            <a:rect l="l" t="t" r="r" b="b"/>
             <a:pathLst>
-              <a:path extrusionOk="0" h="120000" w="120000">
+              <a:path w="120000" h="120000" extrusionOk="0">
                 <a:moveTo>
                   <a:pt x="0" y="0"/>
                 </a:moveTo>
@@ -1456,9 +1514,11 @@
       <p:sp>
         <p:nvSpPr>
           <p:cNvPr id="170" name="Google Shape;170;g2ef3c977558_0_116:notes"/>
-          <p:cNvSpPr txBox="1"/>
+          <p:cNvSpPr txBox="1">
+            <a:spLocks noGrp="1"/>
+          </p:cNvSpPr>
           <p:nvPr>
-            <p:ph idx="1" type="body"/>
+            <p:ph type="body" idx="1"/>
           </p:nvPr>
         </p:nvSpPr>
         <p:spPr>
@@ -1471,12 +1531,12 @@
           </a:prstGeom>
         </p:spPr>
         <p:txBody>
-          <a:bodyPr anchorCtr="0" anchor="t" bIns="91425" lIns="91425" spcFirstLastPara="1" rIns="91425" wrap="square" tIns="91425">
+          <a:bodyPr spcFirstLastPara="1" wrap="square" lIns="91425" tIns="91425" rIns="91425" bIns="91425" anchor="t" anchorCtr="0">
             <a:noAutofit/>
           </a:bodyPr>
           <a:lstStyle/>
           <a:p>
-            <a:pPr indent="0" lvl="0" marL="0" rtl="0" algn="l">
+            <a:pPr marL="0" lvl="0" indent="0" algn="l" rtl="0">
               <a:spcBef>
                 <a:spcPts val="0"/>
               </a:spcBef>
@@ -1485,9 +1545,6 @@
               </a:spcAft>
               <a:buNone/>
             </a:pPr>
-            <a:r>
-              <a:t/>
-            </a:r>
             <a:endParaRPr/>
           </a:p>
         </p:txBody>
@@ -1501,11 +1558,11 @@
 </file>
 
 <file path=ppt/notesSlides/notesSlide17.xml><?xml version="1.0" encoding="utf-8"?>
-<p:notes xmlns:a="http://schemas.openxmlformats.org/drawingml/2006/main" xmlns:r="http://schemas.openxmlformats.org/officeDocument/2006/relationships" xmlns:mc="http://schemas.openxmlformats.org/markup-compatibility/2006" xmlns:mv="urn:schemas-microsoft-com:mac:vml" xmlns:p="http://schemas.openxmlformats.org/presentationml/2006/main" xmlns:c="http://schemas.openxmlformats.org/drawingml/2006/chart" xmlns:dgm="http://schemas.openxmlformats.org/drawingml/2006/diagram" xmlns:o="urn:schemas-microsoft-com:office:office" xmlns:v="urn:schemas-microsoft-com:vml" xmlns:pvml="urn:schemas-microsoft-com:office:powerpoint" xmlns:com="http://schemas.openxmlformats.org/drawingml/2006/compatibility" xmlns:p14="http://schemas.microsoft.com/office/powerpoint/2010/main" xmlns:p15="http://schemas.microsoft.com/office/powerpoint/2012/main" xmlns:ahyp="http://schemas.microsoft.com/office/drawing/2018/hyperlinkcolor" showMasterPhAnim="0" showMasterSp="0">
+<p:notes xmlns:a="http://schemas.openxmlformats.org/drawingml/2006/main" xmlns:r="http://schemas.openxmlformats.org/officeDocument/2006/relationships" xmlns:p="http://schemas.openxmlformats.org/presentationml/2006/main" showMasterSp="0" showMasterPhAnim="0">
   <p:cSld>
     <p:spTree>
       <p:nvGrpSpPr>
-        <p:cNvPr id="179" name="Shape 179"/>
+        <p:cNvPr id="1" name="Shape 179"/>
         <p:cNvGrpSpPr/>
         <p:nvPr/>
       </p:nvGrpSpPr>
@@ -1520,9 +1577,11 @@
       <p:sp>
         <p:nvSpPr>
           <p:cNvPr id="180" name="Google Shape;180;g2ef3c977558_0_128:notes"/>
-          <p:cNvSpPr/>
+          <p:cNvSpPr>
+            <a:spLocks noGrp="1" noRot="1" noChangeAspect="1"/>
+          </p:cNvSpPr>
           <p:nvPr>
-            <p:ph idx="2" type="sldImg"/>
+            <p:ph type="sldImg" idx="2"/>
           </p:nvPr>
         </p:nvSpPr>
         <p:spPr>
@@ -1531,9 +1590,13 @@
             <a:ext cx="6096000" cy="3429000"/>
           </a:xfrm>
           <a:custGeom>
-            <a:rect b="b" l="l" r="r" t="t"/>
+            <a:avLst/>
+            <a:gdLst/>
+            <a:ahLst/>
+            <a:cxnLst/>
+            <a:rect l="l" t="t" r="r" b="b"/>
             <a:pathLst>
-              <a:path extrusionOk="0" h="120000" w="120000">
+              <a:path w="120000" h="120000" extrusionOk="0">
                 <a:moveTo>
                   <a:pt x="0" y="0"/>
                 </a:moveTo>
@@ -1555,9 +1618,11 @@
       <p:sp>
         <p:nvSpPr>
           <p:cNvPr id="181" name="Google Shape;181;g2ef3c977558_0_128:notes"/>
-          <p:cNvSpPr txBox="1"/>
+          <p:cNvSpPr txBox="1">
+            <a:spLocks noGrp="1"/>
+          </p:cNvSpPr>
           <p:nvPr>
-            <p:ph idx="1" type="body"/>
+            <p:ph type="body" idx="1"/>
           </p:nvPr>
         </p:nvSpPr>
         <p:spPr>
@@ -1570,12 +1635,12 @@
           </a:prstGeom>
         </p:spPr>
         <p:txBody>
-          <a:bodyPr anchorCtr="0" anchor="t" bIns="91425" lIns="91425" spcFirstLastPara="1" rIns="91425" wrap="square" tIns="91425">
+          <a:bodyPr spcFirstLastPara="1" wrap="square" lIns="91425" tIns="91425" rIns="91425" bIns="91425" anchor="t" anchorCtr="0">
             <a:noAutofit/>
           </a:bodyPr>
           <a:lstStyle/>
           <a:p>
-            <a:pPr indent="0" lvl="0" marL="0" rtl="0" algn="l">
+            <a:pPr marL="0" lvl="0" indent="0" algn="l" rtl="0">
               <a:spcBef>
                 <a:spcPts val="0"/>
               </a:spcBef>
@@ -1584,9 +1649,6 @@
               </a:spcAft>
               <a:buNone/>
             </a:pPr>
-            <a:r>
-              <a:t/>
-            </a:r>
             <a:endParaRPr/>
           </a:p>
         </p:txBody>
@@ -1600,11 +1662,11 @@
 </file>
 
 <file path=ppt/notesSlides/notesSlide18.xml><?xml version="1.0" encoding="utf-8"?>
-<p:notes xmlns:a="http://schemas.openxmlformats.org/drawingml/2006/main" xmlns:r="http://schemas.openxmlformats.org/officeDocument/2006/relationships" xmlns:mc="http://schemas.openxmlformats.org/markup-compatibility/2006" xmlns:mv="urn:schemas-microsoft-com:mac:vml" xmlns:p="http://schemas.openxmlformats.org/presentationml/2006/main" xmlns:c="http://schemas.openxmlformats.org/drawingml/2006/chart" xmlns:dgm="http://schemas.openxmlformats.org/drawingml/2006/diagram" xmlns:o="urn:schemas-microsoft-com:office:office" xmlns:v="urn:schemas-microsoft-com:vml" xmlns:pvml="urn:schemas-microsoft-com:office:powerpoint" xmlns:com="http://schemas.openxmlformats.org/drawingml/2006/compatibility" xmlns:p14="http://schemas.microsoft.com/office/powerpoint/2010/main" xmlns:p15="http://schemas.microsoft.com/office/powerpoint/2012/main" xmlns:ahyp="http://schemas.microsoft.com/office/drawing/2018/hyperlinkcolor" showMasterPhAnim="0" showMasterSp="0">
+<p:notes xmlns:a="http://schemas.openxmlformats.org/drawingml/2006/main" xmlns:r="http://schemas.openxmlformats.org/officeDocument/2006/relationships" xmlns:p="http://schemas.openxmlformats.org/presentationml/2006/main" showMasterSp="0" showMasterPhAnim="0">
   <p:cSld>
     <p:spTree>
       <p:nvGrpSpPr>
-        <p:cNvPr id="190" name="Shape 190"/>
+        <p:cNvPr id="1" name="Shape 190"/>
         <p:cNvGrpSpPr/>
         <p:nvPr/>
       </p:nvGrpSpPr>
@@ -1619,20 +1681,26 @@
       <p:sp>
         <p:nvSpPr>
           <p:cNvPr id="191" name="Google Shape;191;g2ef3c977558_0_111:notes"/>
-          <p:cNvSpPr/>
+          <p:cNvSpPr>
+            <a:spLocks noGrp="1" noRot="1" noChangeAspect="1"/>
+          </p:cNvSpPr>
           <p:nvPr>
-            <p:ph idx="2" type="sldImg"/>
+            <p:ph type="sldImg" idx="2"/>
           </p:nvPr>
         </p:nvSpPr>
         <p:spPr>
           <a:xfrm>
-            <a:off x="381300" y="685800"/>
+            <a:off x="381000" y="685800"/>
             <a:ext cx="6096000" cy="3429000"/>
           </a:xfrm>
           <a:custGeom>
-            <a:rect b="b" l="l" r="r" t="t"/>
+            <a:avLst/>
+            <a:gdLst/>
+            <a:ahLst/>
+            <a:cxnLst/>
+            <a:rect l="l" t="t" r="r" b="b"/>
             <a:pathLst>
-              <a:path extrusionOk="0" h="120000" w="120000">
+              <a:path w="120000" h="120000" extrusionOk="0">
                 <a:moveTo>
                   <a:pt x="0" y="0"/>
                 </a:moveTo>
@@ -1654,9 +1722,11 @@
       <p:sp>
         <p:nvSpPr>
           <p:cNvPr id="192" name="Google Shape;192;g2ef3c977558_0_111:notes"/>
-          <p:cNvSpPr txBox="1"/>
+          <p:cNvSpPr txBox="1">
+            <a:spLocks noGrp="1"/>
+          </p:cNvSpPr>
           <p:nvPr>
-            <p:ph idx="1" type="body"/>
+            <p:ph type="body" idx="1"/>
           </p:nvPr>
         </p:nvSpPr>
         <p:spPr>
@@ -1669,12 +1739,12 @@
           </a:prstGeom>
         </p:spPr>
         <p:txBody>
-          <a:bodyPr anchorCtr="0" anchor="t" bIns="91425" lIns="91425" spcFirstLastPara="1" rIns="91425" wrap="square" tIns="91425">
+          <a:bodyPr spcFirstLastPara="1" wrap="square" lIns="91425" tIns="91425" rIns="91425" bIns="91425" anchor="t" anchorCtr="0">
             <a:noAutofit/>
           </a:bodyPr>
           <a:lstStyle/>
           <a:p>
-            <a:pPr indent="0" lvl="0" marL="0" rtl="0" algn="l">
+            <a:pPr marL="0" lvl="0" indent="0" algn="l" rtl="0">
               <a:spcBef>
                 <a:spcPts val="0"/>
               </a:spcBef>
@@ -1683,9 +1753,6 @@
               </a:spcAft>
               <a:buNone/>
             </a:pPr>
-            <a:r>
-              <a:t/>
-            </a:r>
             <a:endParaRPr/>
           </a:p>
         </p:txBody>
@@ -1699,11 +1766,11 @@
 </file>
 
 <file path=ppt/notesSlides/notesSlide19.xml><?xml version="1.0" encoding="utf-8"?>
-<p:notes xmlns:a="http://schemas.openxmlformats.org/drawingml/2006/main" xmlns:r="http://schemas.openxmlformats.org/officeDocument/2006/relationships" xmlns:mc="http://schemas.openxmlformats.org/markup-compatibility/2006" xmlns:mv="urn:schemas-microsoft-com:mac:vml" xmlns:p="http://schemas.openxmlformats.org/presentationml/2006/main" xmlns:c="http://schemas.openxmlformats.org/drawingml/2006/chart" xmlns:dgm="http://schemas.openxmlformats.org/drawingml/2006/diagram" xmlns:o="urn:schemas-microsoft-com:office:office" xmlns:v="urn:schemas-microsoft-com:vml" xmlns:pvml="urn:schemas-microsoft-com:office:powerpoint" xmlns:com="http://schemas.openxmlformats.org/drawingml/2006/compatibility" xmlns:p14="http://schemas.microsoft.com/office/powerpoint/2010/main" xmlns:p15="http://schemas.microsoft.com/office/powerpoint/2012/main" xmlns:ahyp="http://schemas.microsoft.com/office/drawing/2018/hyperlinkcolor" showMasterPhAnim="0" showMasterSp="0">
+<p:notes xmlns:a="http://schemas.openxmlformats.org/drawingml/2006/main" xmlns:r="http://schemas.openxmlformats.org/officeDocument/2006/relationships" xmlns:p="http://schemas.openxmlformats.org/presentationml/2006/main" showMasterSp="0" showMasterPhAnim="0">
   <p:cSld>
     <p:spTree>
       <p:nvGrpSpPr>
-        <p:cNvPr id="197" name="Shape 197"/>
+        <p:cNvPr id="1" name="Shape 197"/>
         <p:cNvGrpSpPr/>
         <p:nvPr/>
       </p:nvGrpSpPr>
@@ -1718,20 +1785,26 @@
       <p:sp>
         <p:nvSpPr>
           <p:cNvPr id="198" name="Google Shape;198;g2ef3c977558_0_144:notes"/>
-          <p:cNvSpPr/>
+          <p:cNvSpPr>
+            <a:spLocks noGrp="1" noRot="1" noChangeAspect="1"/>
+          </p:cNvSpPr>
           <p:nvPr>
-            <p:ph idx="2" type="sldImg"/>
+            <p:ph type="sldImg" idx="2"/>
           </p:nvPr>
         </p:nvSpPr>
         <p:spPr>
           <a:xfrm>
-            <a:off x="381300" y="685800"/>
+            <a:off x="381000" y="685800"/>
             <a:ext cx="6096000" cy="3429000"/>
           </a:xfrm>
           <a:custGeom>
-            <a:rect b="b" l="l" r="r" t="t"/>
+            <a:avLst/>
+            <a:gdLst/>
+            <a:ahLst/>
+            <a:cxnLst/>
+            <a:rect l="l" t="t" r="r" b="b"/>
             <a:pathLst>
-              <a:path extrusionOk="0" h="120000" w="120000">
+              <a:path w="120000" h="120000" extrusionOk="0">
                 <a:moveTo>
                   <a:pt x="0" y="0"/>
                 </a:moveTo>
@@ -1753,9 +1826,11 @@
       <p:sp>
         <p:nvSpPr>
           <p:cNvPr id="199" name="Google Shape;199;g2ef3c977558_0_144:notes"/>
-          <p:cNvSpPr txBox="1"/>
+          <p:cNvSpPr txBox="1">
+            <a:spLocks noGrp="1"/>
+          </p:cNvSpPr>
           <p:nvPr>
-            <p:ph idx="1" type="body"/>
+            <p:ph type="body" idx="1"/>
           </p:nvPr>
         </p:nvSpPr>
         <p:spPr>
@@ -1768,12 +1843,12 @@
           </a:prstGeom>
         </p:spPr>
         <p:txBody>
-          <a:bodyPr anchorCtr="0" anchor="t" bIns="91425" lIns="91425" spcFirstLastPara="1" rIns="91425" wrap="square" tIns="91425">
+          <a:bodyPr spcFirstLastPara="1" wrap="square" lIns="91425" tIns="91425" rIns="91425" bIns="91425" anchor="t" anchorCtr="0">
             <a:noAutofit/>
           </a:bodyPr>
           <a:lstStyle/>
           <a:p>
-            <a:pPr indent="0" lvl="0" marL="0" rtl="0" algn="l">
+            <a:pPr marL="0" lvl="0" indent="0" algn="l" rtl="0">
               <a:spcBef>
                 <a:spcPts val="0"/>
               </a:spcBef>
@@ -1782,9 +1857,6 @@
               </a:spcAft>
               <a:buNone/>
             </a:pPr>
-            <a:r>
-              <a:t/>
-            </a:r>
             <a:endParaRPr/>
           </a:p>
         </p:txBody>
@@ -1798,11 +1870,11 @@
 </file>
 
 <file path=ppt/notesSlides/notesSlide2.xml><?xml version="1.0" encoding="utf-8"?>
-<p:notes xmlns:a="http://schemas.openxmlformats.org/drawingml/2006/main" xmlns:r="http://schemas.openxmlformats.org/officeDocument/2006/relationships" xmlns:mc="http://schemas.openxmlformats.org/markup-compatibility/2006" xmlns:mv="urn:schemas-microsoft-com:mac:vml" xmlns:p="http://schemas.openxmlformats.org/presentationml/2006/main" xmlns:c="http://schemas.openxmlformats.org/drawingml/2006/chart" xmlns:dgm="http://schemas.openxmlformats.org/drawingml/2006/diagram" xmlns:o="urn:schemas-microsoft-com:office:office" xmlns:v="urn:schemas-microsoft-com:vml" xmlns:pvml="urn:schemas-microsoft-com:office:powerpoint" xmlns:com="http://schemas.openxmlformats.org/drawingml/2006/compatibility" xmlns:p14="http://schemas.microsoft.com/office/powerpoint/2010/main" xmlns:p15="http://schemas.microsoft.com/office/powerpoint/2012/main" xmlns:ahyp="http://schemas.microsoft.com/office/drawing/2018/hyperlinkcolor" showMasterPhAnim="0" showMasterSp="0">
+<p:notes xmlns:a="http://schemas.openxmlformats.org/drawingml/2006/main" xmlns:r="http://schemas.openxmlformats.org/officeDocument/2006/relationships" xmlns:p="http://schemas.openxmlformats.org/presentationml/2006/main" showMasterSp="0" showMasterPhAnim="0">
   <p:cSld>
     <p:spTree>
       <p:nvGrpSpPr>
-        <p:cNvPr id="56" name="Shape 56"/>
+        <p:cNvPr id="1" name="Shape 56"/>
         <p:cNvGrpSpPr/>
         <p:nvPr/>
       </p:nvGrpSpPr>
@@ -1817,9 +1889,11 @@
       <p:sp>
         <p:nvSpPr>
           <p:cNvPr id="57" name="Google Shape;57;g2ef3c977558_0_0:notes"/>
-          <p:cNvSpPr/>
+          <p:cNvSpPr>
+            <a:spLocks noGrp="1" noRot="1" noChangeAspect="1"/>
+          </p:cNvSpPr>
           <p:nvPr>
-            <p:ph idx="2" type="sldImg"/>
+            <p:ph type="sldImg" idx="2"/>
           </p:nvPr>
         </p:nvSpPr>
         <p:spPr>
@@ -1828,9 +1902,13 @@
             <a:ext cx="6096000" cy="3429000"/>
           </a:xfrm>
           <a:custGeom>
-            <a:rect b="b" l="l" r="r" t="t"/>
+            <a:avLst/>
+            <a:gdLst/>
+            <a:ahLst/>
+            <a:cxnLst/>
+            <a:rect l="l" t="t" r="r" b="b"/>
             <a:pathLst>
-              <a:path extrusionOk="0" h="120000" w="120000">
+              <a:path w="120000" h="120000" extrusionOk="0">
                 <a:moveTo>
                   <a:pt x="0" y="0"/>
                 </a:moveTo>
@@ -1852,9 +1930,11 @@
       <p:sp>
         <p:nvSpPr>
           <p:cNvPr id="58" name="Google Shape;58;g2ef3c977558_0_0:notes"/>
-          <p:cNvSpPr txBox="1"/>
+          <p:cNvSpPr txBox="1">
+            <a:spLocks noGrp="1"/>
+          </p:cNvSpPr>
           <p:nvPr>
-            <p:ph idx="1" type="body"/>
+            <p:ph type="body" idx="1"/>
           </p:nvPr>
         </p:nvSpPr>
         <p:spPr>
@@ -1867,12 +1947,12 @@
           </a:prstGeom>
         </p:spPr>
         <p:txBody>
-          <a:bodyPr anchorCtr="0" anchor="t" bIns="91425" lIns="91425" spcFirstLastPara="1" rIns="91425" wrap="square" tIns="91425">
+          <a:bodyPr spcFirstLastPara="1" wrap="square" lIns="91425" tIns="91425" rIns="91425" bIns="91425" anchor="t" anchorCtr="0">
             <a:noAutofit/>
           </a:bodyPr>
           <a:lstStyle/>
           <a:p>
-            <a:pPr indent="0" lvl="0" marL="0" rtl="0" algn="l">
+            <a:pPr marL="0" lvl="0" indent="0" algn="l" rtl="0">
               <a:spcBef>
                 <a:spcPts val="0"/>
               </a:spcBef>
@@ -1881,9 +1961,6 @@
               </a:spcAft>
               <a:buNone/>
             </a:pPr>
-            <a:r>
-              <a:t/>
-            </a:r>
             <a:endParaRPr/>
           </a:p>
         </p:txBody>
@@ -1897,11 +1974,11 @@
 </file>
 
 <file path=ppt/notesSlides/notesSlide20.xml><?xml version="1.0" encoding="utf-8"?>
-<p:notes xmlns:a="http://schemas.openxmlformats.org/drawingml/2006/main" xmlns:r="http://schemas.openxmlformats.org/officeDocument/2006/relationships" xmlns:mc="http://schemas.openxmlformats.org/markup-compatibility/2006" xmlns:mv="urn:schemas-microsoft-com:mac:vml" xmlns:p="http://schemas.openxmlformats.org/presentationml/2006/main" xmlns:c="http://schemas.openxmlformats.org/drawingml/2006/chart" xmlns:dgm="http://schemas.openxmlformats.org/drawingml/2006/diagram" xmlns:o="urn:schemas-microsoft-com:office:office" xmlns:v="urn:schemas-microsoft-com:vml" xmlns:pvml="urn:schemas-microsoft-com:office:powerpoint" xmlns:com="http://schemas.openxmlformats.org/drawingml/2006/compatibility" xmlns:p14="http://schemas.microsoft.com/office/powerpoint/2010/main" xmlns:p15="http://schemas.microsoft.com/office/powerpoint/2012/main" xmlns:ahyp="http://schemas.microsoft.com/office/drawing/2018/hyperlinkcolor" showMasterPhAnim="0" showMasterSp="0">
+<p:notes xmlns:a="http://schemas.openxmlformats.org/drawingml/2006/main" xmlns:r="http://schemas.openxmlformats.org/officeDocument/2006/relationships" xmlns:p="http://schemas.openxmlformats.org/presentationml/2006/main" showMasterSp="0" showMasterPhAnim="0">
   <p:cSld>
     <p:spTree>
       <p:nvGrpSpPr>
-        <p:cNvPr id="204" name="Shape 204"/>
+        <p:cNvPr id="1" name="Shape 204"/>
         <p:cNvGrpSpPr/>
         <p:nvPr/>
       </p:nvGrpSpPr>
@@ -1916,20 +1993,26 @@
       <p:sp>
         <p:nvSpPr>
           <p:cNvPr id="205" name="Google Shape;205;g2ef3c977558_0_153:notes"/>
-          <p:cNvSpPr/>
+          <p:cNvSpPr>
+            <a:spLocks noGrp="1" noRot="1" noChangeAspect="1"/>
+          </p:cNvSpPr>
           <p:nvPr>
-            <p:ph idx="2" type="sldImg"/>
+            <p:ph type="sldImg" idx="2"/>
           </p:nvPr>
         </p:nvSpPr>
         <p:spPr>
           <a:xfrm>
-            <a:off x="381300" y="685800"/>
+            <a:off x="381000" y="685800"/>
             <a:ext cx="6096000" cy="3429000"/>
           </a:xfrm>
           <a:custGeom>
-            <a:rect b="b" l="l" r="r" t="t"/>
+            <a:avLst/>
+            <a:gdLst/>
+            <a:ahLst/>
+            <a:cxnLst/>
+            <a:rect l="l" t="t" r="r" b="b"/>
             <a:pathLst>
-              <a:path extrusionOk="0" h="120000" w="120000">
+              <a:path w="120000" h="120000" extrusionOk="0">
                 <a:moveTo>
                   <a:pt x="0" y="0"/>
                 </a:moveTo>
@@ -1951,9 +2034,11 @@
       <p:sp>
         <p:nvSpPr>
           <p:cNvPr id="206" name="Google Shape;206;g2ef3c977558_0_153:notes"/>
-          <p:cNvSpPr txBox="1"/>
+          <p:cNvSpPr txBox="1">
+            <a:spLocks noGrp="1"/>
+          </p:cNvSpPr>
           <p:nvPr>
-            <p:ph idx="1" type="body"/>
+            <p:ph type="body" idx="1"/>
           </p:nvPr>
         </p:nvSpPr>
         <p:spPr>
@@ -1966,12 +2051,12 @@
           </a:prstGeom>
         </p:spPr>
         <p:txBody>
-          <a:bodyPr anchorCtr="0" anchor="t" bIns="91425" lIns="91425" spcFirstLastPara="1" rIns="91425" wrap="square" tIns="91425">
+          <a:bodyPr spcFirstLastPara="1" wrap="square" lIns="91425" tIns="91425" rIns="91425" bIns="91425" anchor="t" anchorCtr="0">
             <a:noAutofit/>
           </a:bodyPr>
           <a:lstStyle/>
           <a:p>
-            <a:pPr indent="0" lvl="0" marL="0" rtl="0" algn="l">
+            <a:pPr marL="0" lvl="0" indent="0" algn="l" rtl="0">
               <a:spcBef>
                 <a:spcPts val="0"/>
               </a:spcBef>
@@ -1980,9 +2065,6 @@
               </a:spcAft>
               <a:buNone/>
             </a:pPr>
-            <a:r>
-              <a:t/>
-            </a:r>
             <a:endParaRPr/>
           </a:p>
         </p:txBody>
@@ -1996,11 +2078,11 @@
 </file>
 
 <file path=ppt/notesSlides/notesSlide21.xml><?xml version="1.0" encoding="utf-8"?>
-<p:notes xmlns:a="http://schemas.openxmlformats.org/drawingml/2006/main" xmlns:r="http://schemas.openxmlformats.org/officeDocument/2006/relationships" xmlns:mc="http://schemas.openxmlformats.org/markup-compatibility/2006" xmlns:mv="urn:schemas-microsoft-com:mac:vml" xmlns:p="http://schemas.openxmlformats.org/presentationml/2006/main" xmlns:c="http://schemas.openxmlformats.org/drawingml/2006/chart" xmlns:dgm="http://schemas.openxmlformats.org/drawingml/2006/diagram" xmlns:o="urn:schemas-microsoft-com:office:office" xmlns:v="urn:schemas-microsoft-com:vml" xmlns:pvml="urn:schemas-microsoft-com:office:powerpoint" xmlns:com="http://schemas.openxmlformats.org/drawingml/2006/compatibility" xmlns:p14="http://schemas.microsoft.com/office/powerpoint/2010/main" xmlns:p15="http://schemas.microsoft.com/office/powerpoint/2012/main" xmlns:ahyp="http://schemas.microsoft.com/office/drawing/2018/hyperlinkcolor" showMasterPhAnim="0" showMasterSp="0">
+<p:notes xmlns:a="http://schemas.openxmlformats.org/drawingml/2006/main" xmlns:r="http://schemas.openxmlformats.org/officeDocument/2006/relationships" xmlns:p="http://schemas.openxmlformats.org/presentationml/2006/main" showMasterSp="0" showMasterPhAnim="0">
   <p:cSld>
     <p:spTree>
       <p:nvGrpSpPr>
-        <p:cNvPr id="212" name="Shape 212"/>
+        <p:cNvPr id="1" name="Shape 212"/>
         <p:cNvGrpSpPr/>
         <p:nvPr/>
       </p:nvGrpSpPr>
@@ -2015,9 +2097,11 @@
       <p:sp>
         <p:nvSpPr>
           <p:cNvPr id="213" name="Google Shape;213;g2ef3c977558_0_161:notes"/>
-          <p:cNvSpPr/>
+          <p:cNvSpPr>
+            <a:spLocks noGrp="1" noRot="1" noChangeAspect="1"/>
+          </p:cNvSpPr>
           <p:nvPr>
-            <p:ph idx="2" type="sldImg"/>
+            <p:ph type="sldImg" idx="2"/>
           </p:nvPr>
         </p:nvSpPr>
         <p:spPr>
@@ -2026,9 +2110,13 @@
             <a:ext cx="6096000" cy="3429000"/>
           </a:xfrm>
           <a:custGeom>
-            <a:rect b="b" l="l" r="r" t="t"/>
+            <a:avLst/>
+            <a:gdLst/>
+            <a:ahLst/>
+            <a:cxnLst/>
+            <a:rect l="l" t="t" r="r" b="b"/>
             <a:pathLst>
-              <a:path extrusionOk="0" h="120000" w="120000">
+              <a:path w="120000" h="120000" extrusionOk="0">
                 <a:moveTo>
                   <a:pt x="0" y="0"/>
                 </a:moveTo>
@@ -2050,9 +2138,11 @@
       <p:sp>
         <p:nvSpPr>
           <p:cNvPr id="214" name="Google Shape;214;g2ef3c977558_0_161:notes"/>
-          <p:cNvSpPr txBox="1"/>
+          <p:cNvSpPr txBox="1">
+            <a:spLocks noGrp="1"/>
+          </p:cNvSpPr>
           <p:nvPr>
-            <p:ph idx="1" type="body"/>
+            <p:ph type="body" idx="1"/>
           </p:nvPr>
         </p:nvSpPr>
         <p:spPr>
@@ -2065,12 +2155,12 @@
           </a:prstGeom>
         </p:spPr>
         <p:txBody>
-          <a:bodyPr anchorCtr="0" anchor="t" bIns="91425" lIns="91425" spcFirstLastPara="1" rIns="91425" wrap="square" tIns="91425">
+          <a:bodyPr spcFirstLastPara="1" wrap="square" lIns="91425" tIns="91425" rIns="91425" bIns="91425" anchor="t" anchorCtr="0">
             <a:noAutofit/>
           </a:bodyPr>
           <a:lstStyle/>
           <a:p>
-            <a:pPr indent="0" lvl="0" marL="0" rtl="0" algn="l">
+            <a:pPr marL="0" lvl="0" indent="0" algn="l" rtl="0">
               <a:spcBef>
                 <a:spcPts val="0"/>
               </a:spcBef>
@@ -2079,9 +2169,6 @@
               </a:spcAft>
               <a:buNone/>
             </a:pPr>
-            <a:r>
-              <a:t/>
-            </a:r>
             <a:endParaRPr/>
           </a:p>
         </p:txBody>
@@ -2095,11 +2182,11 @@
 </file>
 
 <file path=ppt/notesSlides/notesSlide22.xml><?xml version="1.0" encoding="utf-8"?>
-<p:notes xmlns:a="http://schemas.openxmlformats.org/drawingml/2006/main" xmlns:r="http://schemas.openxmlformats.org/officeDocument/2006/relationships" xmlns:mc="http://schemas.openxmlformats.org/markup-compatibility/2006" xmlns:mv="urn:schemas-microsoft-com:mac:vml" xmlns:p="http://schemas.openxmlformats.org/presentationml/2006/main" xmlns:c="http://schemas.openxmlformats.org/drawingml/2006/chart" xmlns:dgm="http://schemas.openxmlformats.org/drawingml/2006/diagram" xmlns:o="urn:schemas-microsoft-com:office:office" xmlns:v="urn:schemas-microsoft-com:vml" xmlns:pvml="urn:schemas-microsoft-com:office:powerpoint" xmlns:com="http://schemas.openxmlformats.org/drawingml/2006/compatibility" xmlns:p14="http://schemas.microsoft.com/office/powerpoint/2010/main" xmlns:p15="http://schemas.microsoft.com/office/powerpoint/2012/main" xmlns:ahyp="http://schemas.microsoft.com/office/drawing/2018/hyperlinkcolor" showMasterPhAnim="0" showMasterSp="0">
+<p:notes xmlns:a="http://schemas.openxmlformats.org/drawingml/2006/main" xmlns:r="http://schemas.openxmlformats.org/officeDocument/2006/relationships" xmlns:p="http://schemas.openxmlformats.org/presentationml/2006/main" showMasterSp="0" showMasterPhAnim="0">
   <p:cSld>
     <p:spTree>
       <p:nvGrpSpPr>
-        <p:cNvPr id="223" name="Shape 223"/>
+        <p:cNvPr id="1" name="Shape 223"/>
         <p:cNvGrpSpPr/>
         <p:nvPr/>
       </p:nvGrpSpPr>
@@ -2114,9 +2201,11 @@
       <p:sp>
         <p:nvSpPr>
           <p:cNvPr id="224" name="Google Shape;224;g2ef3c977558_0_172:notes"/>
-          <p:cNvSpPr/>
+          <p:cNvSpPr>
+            <a:spLocks noGrp="1" noRot="1" noChangeAspect="1"/>
+          </p:cNvSpPr>
           <p:nvPr>
-            <p:ph idx="2" type="sldImg"/>
+            <p:ph type="sldImg" idx="2"/>
           </p:nvPr>
         </p:nvSpPr>
         <p:spPr>
@@ -2125,9 +2214,13 @@
             <a:ext cx="6096000" cy="3429000"/>
           </a:xfrm>
           <a:custGeom>
-            <a:rect b="b" l="l" r="r" t="t"/>
+            <a:avLst/>
+            <a:gdLst/>
+            <a:ahLst/>
+            <a:cxnLst/>
+            <a:rect l="l" t="t" r="r" b="b"/>
             <a:pathLst>
-              <a:path extrusionOk="0" h="120000" w="120000">
+              <a:path w="120000" h="120000" extrusionOk="0">
                 <a:moveTo>
                   <a:pt x="0" y="0"/>
                 </a:moveTo>
@@ -2149,9 +2242,11 @@
       <p:sp>
         <p:nvSpPr>
           <p:cNvPr id="225" name="Google Shape;225;g2ef3c977558_0_172:notes"/>
-          <p:cNvSpPr txBox="1"/>
+          <p:cNvSpPr txBox="1">
+            <a:spLocks noGrp="1"/>
+          </p:cNvSpPr>
           <p:nvPr>
-            <p:ph idx="1" type="body"/>
+            <p:ph type="body" idx="1"/>
           </p:nvPr>
         </p:nvSpPr>
         <p:spPr>
@@ -2164,12 +2259,12 @@
           </a:prstGeom>
         </p:spPr>
         <p:txBody>
-          <a:bodyPr anchorCtr="0" anchor="t" bIns="91425" lIns="91425" spcFirstLastPara="1" rIns="91425" wrap="square" tIns="91425">
+          <a:bodyPr spcFirstLastPara="1" wrap="square" lIns="91425" tIns="91425" rIns="91425" bIns="91425" anchor="t" anchorCtr="0">
             <a:noAutofit/>
           </a:bodyPr>
           <a:lstStyle/>
           <a:p>
-            <a:pPr indent="0" lvl="0" marL="0" rtl="0" algn="l">
+            <a:pPr marL="0" lvl="0" indent="0" algn="l" rtl="0">
               <a:spcBef>
                 <a:spcPts val="0"/>
               </a:spcBef>
@@ -2178,9 +2273,6 @@
               </a:spcAft>
               <a:buNone/>
             </a:pPr>
-            <a:r>
-              <a:t/>
-            </a:r>
             <a:endParaRPr/>
           </a:p>
         </p:txBody>
@@ -2194,11 +2286,11 @@
 </file>
 
 <file path=ppt/notesSlides/notesSlide23.xml><?xml version="1.0" encoding="utf-8"?>
-<p:notes xmlns:a="http://schemas.openxmlformats.org/drawingml/2006/main" xmlns:r="http://schemas.openxmlformats.org/officeDocument/2006/relationships" xmlns:mc="http://schemas.openxmlformats.org/markup-compatibility/2006" xmlns:mv="urn:schemas-microsoft-com:mac:vml" xmlns:p="http://schemas.openxmlformats.org/presentationml/2006/main" xmlns:c="http://schemas.openxmlformats.org/drawingml/2006/chart" xmlns:dgm="http://schemas.openxmlformats.org/drawingml/2006/diagram" xmlns:o="urn:schemas-microsoft-com:office:office" xmlns:v="urn:schemas-microsoft-com:vml" xmlns:pvml="urn:schemas-microsoft-com:office:powerpoint" xmlns:com="http://schemas.openxmlformats.org/drawingml/2006/compatibility" xmlns:p14="http://schemas.microsoft.com/office/powerpoint/2010/main" xmlns:p15="http://schemas.microsoft.com/office/powerpoint/2012/main" xmlns:ahyp="http://schemas.microsoft.com/office/drawing/2018/hyperlinkcolor" showMasterPhAnim="0" showMasterSp="0">
+<p:notes xmlns:a="http://schemas.openxmlformats.org/drawingml/2006/main" xmlns:r="http://schemas.openxmlformats.org/officeDocument/2006/relationships" xmlns:p="http://schemas.openxmlformats.org/presentationml/2006/main" showMasterSp="0" showMasterPhAnim="0">
   <p:cSld>
     <p:spTree>
       <p:nvGrpSpPr>
-        <p:cNvPr id="232" name="Shape 232"/>
+        <p:cNvPr id="1" name="Shape 232"/>
         <p:cNvGrpSpPr/>
         <p:nvPr/>
       </p:nvGrpSpPr>
@@ -2213,20 +2305,26 @@
       <p:sp>
         <p:nvSpPr>
           <p:cNvPr id="233" name="Google Shape;233;g3a5ee78766a25ddd_0:notes"/>
-          <p:cNvSpPr/>
+          <p:cNvSpPr>
+            <a:spLocks noGrp="1" noRot="1" noChangeAspect="1"/>
+          </p:cNvSpPr>
           <p:nvPr>
-            <p:ph idx="2" type="sldImg"/>
+            <p:ph type="sldImg" idx="2"/>
           </p:nvPr>
         </p:nvSpPr>
         <p:spPr>
           <a:xfrm>
-            <a:off x="381300" y="685800"/>
+            <a:off x="381000" y="685800"/>
             <a:ext cx="6096000" cy="3429000"/>
           </a:xfrm>
           <a:custGeom>
-            <a:rect b="b" l="l" r="r" t="t"/>
+            <a:avLst/>
+            <a:gdLst/>
+            <a:ahLst/>
+            <a:cxnLst/>
+            <a:rect l="l" t="t" r="r" b="b"/>
             <a:pathLst>
-              <a:path extrusionOk="0" h="120000" w="120000">
+              <a:path w="120000" h="120000" extrusionOk="0">
                 <a:moveTo>
                   <a:pt x="0" y="0"/>
                 </a:moveTo>
@@ -2248,9 +2346,11 @@
       <p:sp>
         <p:nvSpPr>
           <p:cNvPr id="234" name="Google Shape;234;g3a5ee78766a25ddd_0:notes"/>
-          <p:cNvSpPr txBox="1"/>
+          <p:cNvSpPr txBox="1">
+            <a:spLocks noGrp="1"/>
+          </p:cNvSpPr>
           <p:nvPr>
-            <p:ph idx="1" type="body"/>
+            <p:ph type="body" idx="1"/>
           </p:nvPr>
         </p:nvSpPr>
         <p:spPr>
@@ -2263,12 +2363,12 @@
           </a:prstGeom>
         </p:spPr>
         <p:txBody>
-          <a:bodyPr anchorCtr="0" anchor="t" bIns="91425" lIns="91425" spcFirstLastPara="1" rIns="91425" wrap="square" tIns="91425">
+          <a:bodyPr spcFirstLastPara="1" wrap="square" lIns="91425" tIns="91425" rIns="91425" bIns="91425" anchor="t" anchorCtr="0">
             <a:noAutofit/>
           </a:bodyPr>
           <a:lstStyle/>
           <a:p>
-            <a:pPr indent="0" lvl="0" marL="0" rtl="0" algn="l">
+            <a:pPr marL="0" lvl="0" indent="0" algn="l" rtl="0">
               <a:spcBef>
                 <a:spcPts val="0"/>
               </a:spcBef>
@@ -2277,9 +2377,6 @@
               </a:spcAft>
               <a:buNone/>
             </a:pPr>
-            <a:r>
-              <a:t/>
-            </a:r>
             <a:endParaRPr/>
           </a:p>
         </p:txBody>
@@ -2293,11 +2390,11 @@
 </file>
 
 <file path=ppt/notesSlides/notesSlide3.xml><?xml version="1.0" encoding="utf-8"?>
-<p:notes xmlns:a="http://schemas.openxmlformats.org/drawingml/2006/main" xmlns:r="http://schemas.openxmlformats.org/officeDocument/2006/relationships" xmlns:mc="http://schemas.openxmlformats.org/markup-compatibility/2006" xmlns:mv="urn:schemas-microsoft-com:mac:vml" xmlns:p="http://schemas.openxmlformats.org/presentationml/2006/main" xmlns:c="http://schemas.openxmlformats.org/drawingml/2006/chart" xmlns:dgm="http://schemas.openxmlformats.org/drawingml/2006/diagram" xmlns:o="urn:schemas-microsoft-com:office:office" xmlns:v="urn:schemas-microsoft-com:vml" xmlns:pvml="urn:schemas-microsoft-com:office:powerpoint" xmlns:com="http://schemas.openxmlformats.org/drawingml/2006/compatibility" xmlns:p14="http://schemas.microsoft.com/office/powerpoint/2010/main" xmlns:p15="http://schemas.microsoft.com/office/powerpoint/2012/main" xmlns:ahyp="http://schemas.microsoft.com/office/drawing/2018/hyperlinkcolor" showMasterPhAnim="0" showMasterSp="0">
+<p:notes xmlns:a="http://schemas.openxmlformats.org/drawingml/2006/main" xmlns:r="http://schemas.openxmlformats.org/officeDocument/2006/relationships" xmlns:p="http://schemas.openxmlformats.org/presentationml/2006/main" showMasterSp="0" showMasterPhAnim="0">
   <p:cSld>
     <p:spTree>
       <p:nvGrpSpPr>
-        <p:cNvPr id="63" name="Shape 63"/>
+        <p:cNvPr id="1" name="Shape 63"/>
         <p:cNvGrpSpPr/>
         <p:nvPr/>
       </p:nvGrpSpPr>
@@ -2312,9 +2409,11 @@
       <p:sp>
         <p:nvSpPr>
           <p:cNvPr id="64" name="Google Shape;64;g2ef3c977558_0_10:notes"/>
-          <p:cNvSpPr/>
+          <p:cNvSpPr>
+            <a:spLocks noGrp="1" noRot="1" noChangeAspect="1"/>
+          </p:cNvSpPr>
           <p:nvPr>
-            <p:ph idx="2" type="sldImg"/>
+            <p:ph type="sldImg" idx="2"/>
           </p:nvPr>
         </p:nvSpPr>
         <p:spPr>
@@ -2323,9 +2422,13 @@
             <a:ext cx="6096000" cy="3429000"/>
           </a:xfrm>
           <a:custGeom>
-            <a:rect b="b" l="l" r="r" t="t"/>
+            <a:avLst/>
+            <a:gdLst/>
+            <a:ahLst/>
+            <a:cxnLst/>
+            <a:rect l="l" t="t" r="r" b="b"/>
             <a:pathLst>
-              <a:path extrusionOk="0" h="120000" w="120000">
+              <a:path w="120000" h="120000" extrusionOk="0">
                 <a:moveTo>
                   <a:pt x="0" y="0"/>
                 </a:moveTo>
@@ -2347,9 +2450,11 @@
       <p:sp>
         <p:nvSpPr>
           <p:cNvPr id="65" name="Google Shape;65;g2ef3c977558_0_10:notes"/>
-          <p:cNvSpPr txBox="1"/>
+          <p:cNvSpPr txBox="1">
+            <a:spLocks noGrp="1"/>
+          </p:cNvSpPr>
           <p:nvPr>
-            <p:ph idx="1" type="body"/>
+            <p:ph type="body" idx="1"/>
           </p:nvPr>
         </p:nvSpPr>
         <p:spPr>
@@ -2362,12 +2467,12 @@
           </a:prstGeom>
         </p:spPr>
         <p:txBody>
-          <a:bodyPr anchorCtr="0" anchor="t" bIns="91425" lIns="91425" spcFirstLastPara="1" rIns="91425" wrap="square" tIns="91425">
+          <a:bodyPr spcFirstLastPara="1" wrap="square" lIns="91425" tIns="91425" rIns="91425" bIns="91425" anchor="t" anchorCtr="0">
             <a:noAutofit/>
           </a:bodyPr>
           <a:lstStyle/>
           <a:p>
-            <a:pPr indent="0" lvl="0" marL="0" rtl="0" algn="l">
+            <a:pPr marL="0" lvl="0" indent="0" algn="l" rtl="0">
               <a:spcBef>
                 <a:spcPts val="0"/>
               </a:spcBef>
@@ -2376,9 +2481,6 @@
               </a:spcAft>
               <a:buNone/>
             </a:pPr>
-            <a:r>
-              <a:t/>
-            </a:r>
             <a:endParaRPr/>
           </a:p>
         </p:txBody>
@@ -2392,11 +2494,11 @@
 </file>
 
 <file path=ppt/notesSlides/notesSlide4.xml><?xml version="1.0" encoding="utf-8"?>
-<p:notes xmlns:a="http://schemas.openxmlformats.org/drawingml/2006/main" xmlns:r="http://schemas.openxmlformats.org/officeDocument/2006/relationships" xmlns:mc="http://schemas.openxmlformats.org/markup-compatibility/2006" xmlns:mv="urn:schemas-microsoft-com:mac:vml" xmlns:p="http://schemas.openxmlformats.org/presentationml/2006/main" xmlns:c="http://schemas.openxmlformats.org/drawingml/2006/chart" xmlns:dgm="http://schemas.openxmlformats.org/drawingml/2006/diagram" xmlns:o="urn:schemas-microsoft-com:office:office" xmlns:v="urn:schemas-microsoft-com:vml" xmlns:pvml="urn:schemas-microsoft-com:office:powerpoint" xmlns:com="http://schemas.openxmlformats.org/drawingml/2006/compatibility" xmlns:p14="http://schemas.microsoft.com/office/powerpoint/2010/main" xmlns:p15="http://schemas.microsoft.com/office/powerpoint/2012/main" xmlns:ahyp="http://schemas.microsoft.com/office/drawing/2018/hyperlinkcolor" showMasterPhAnim="0" showMasterSp="0">
+<p:notes xmlns:a="http://schemas.openxmlformats.org/drawingml/2006/main" xmlns:r="http://schemas.openxmlformats.org/officeDocument/2006/relationships" xmlns:p="http://schemas.openxmlformats.org/presentationml/2006/main" showMasterSp="0" showMasterPhAnim="0">
   <p:cSld>
     <p:spTree>
       <p:nvGrpSpPr>
-        <p:cNvPr id="69" name="Shape 69"/>
+        <p:cNvPr id="1" name="Shape 69"/>
         <p:cNvGrpSpPr/>
         <p:nvPr/>
       </p:nvGrpSpPr>
@@ -2411,9 +2513,11 @@
       <p:sp>
         <p:nvSpPr>
           <p:cNvPr id="70" name="Google Shape;70;g2ef3c977558_0_18:notes"/>
-          <p:cNvSpPr/>
+          <p:cNvSpPr>
+            <a:spLocks noGrp="1" noRot="1" noChangeAspect="1"/>
+          </p:cNvSpPr>
           <p:nvPr>
-            <p:ph idx="2" type="sldImg"/>
+            <p:ph type="sldImg" idx="2"/>
           </p:nvPr>
         </p:nvSpPr>
         <p:spPr>
@@ -2422,9 +2526,13 @@
             <a:ext cx="6096000" cy="3429000"/>
           </a:xfrm>
           <a:custGeom>
-            <a:rect b="b" l="l" r="r" t="t"/>
+            <a:avLst/>
+            <a:gdLst/>
+            <a:ahLst/>
+            <a:cxnLst/>
+            <a:rect l="l" t="t" r="r" b="b"/>
             <a:pathLst>
-              <a:path extrusionOk="0" h="120000" w="120000">
+              <a:path w="120000" h="120000" extrusionOk="0">
                 <a:moveTo>
                   <a:pt x="0" y="0"/>
                 </a:moveTo>
@@ -2446,9 +2554,11 @@
       <p:sp>
         <p:nvSpPr>
           <p:cNvPr id="71" name="Google Shape;71;g2ef3c977558_0_18:notes"/>
-          <p:cNvSpPr txBox="1"/>
+          <p:cNvSpPr txBox="1">
+            <a:spLocks noGrp="1"/>
+          </p:cNvSpPr>
           <p:nvPr>
-            <p:ph idx="1" type="body"/>
+            <p:ph type="body" idx="1"/>
           </p:nvPr>
         </p:nvSpPr>
         <p:spPr>
@@ -2461,12 +2571,12 @@
           </a:prstGeom>
         </p:spPr>
         <p:txBody>
-          <a:bodyPr anchorCtr="0" anchor="t" bIns="91425" lIns="91425" spcFirstLastPara="1" rIns="91425" wrap="square" tIns="91425">
+          <a:bodyPr spcFirstLastPara="1" wrap="square" lIns="91425" tIns="91425" rIns="91425" bIns="91425" anchor="t" anchorCtr="0">
             <a:noAutofit/>
           </a:bodyPr>
           <a:lstStyle/>
           <a:p>
-            <a:pPr indent="0" lvl="0" marL="0" rtl="0" algn="l">
+            <a:pPr marL="0" lvl="0" indent="0" algn="l" rtl="0">
               <a:spcBef>
                 <a:spcPts val="0"/>
               </a:spcBef>
@@ -2475,9 +2585,6 @@
               </a:spcAft>
               <a:buNone/>
             </a:pPr>
-            <a:r>
-              <a:t/>
-            </a:r>
             <a:endParaRPr/>
           </a:p>
         </p:txBody>
@@ -2491,11 +2598,11 @@
 </file>
 
 <file path=ppt/notesSlides/notesSlide5.xml><?xml version="1.0" encoding="utf-8"?>
-<p:notes xmlns:a="http://schemas.openxmlformats.org/drawingml/2006/main" xmlns:r="http://schemas.openxmlformats.org/officeDocument/2006/relationships" xmlns:mc="http://schemas.openxmlformats.org/markup-compatibility/2006" xmlns:mv="urn:schemas-microsoft-com:mac:vml" xmlns:p="http://schemas.openxmlformats.org/presentationml/2006/main" xmlns:c="http://schemas.openxmlformats.org/drawingml/2006/chart" xmlns:dgm="http://schemas.openxmlformats.org/drawingml/2006/diagram" xmlns:o="urn:schemas-microsoft-com:office:office" xmlns:v="urn:schemas-microsoft-com:vml" xmlns:pvml="urn:schemas-microsoft-com:office:powerpoint" xmlns:com="http://schemas.openxmlformats.org/drawingml/2006/compatibility" xmlns:p14="http://schemas.microsoft.com/office/powerpoint/2010/main" xmlns:p15="http://schemas.microsoft.com/office/powerpoint/2012/main" xmlns:ahyp="http://schemas.microsoft.com/office/drawing/2018/hyperlinkcolor" showMasterPhAnim="0" showMasterSp="0">
+<p:notes xmlns:a="http://schemas.openxmlformats.org/drawingml/2006/main" xmlns:r="http://schemas.openxmlformats.org/officeDocument/2006/relationships" xmlns:p="http://schemas.openxmlformats.org/presentationml/2006/main" showMasterSp="0" showMasterPhAnim="0">
   <p:cSld>
     <p:spTree>
       <p:nvGrpSpPr>
-        <p:cNvPr id="75" name="Shape 75"/>
+        <p:cNvPr id="1" name="Shape 75"/>
         <p:cNvGrpSpPr/>
         <p:nvPr/>
       </p:nvGrpSpPr>
@@ -2510,9 +2617,11 @@
       <p:sp>
         <p:nvSpPr>
           <p:cNvPr id="76" name="Google Shape;76;g2ef3c977558_0_25:notes"/>
-          <p:cNvSpPr/>
+          <p:cNvSpPr>
+            <a:spLocks noGrp="1" noRot="1" noChangeAspect="1"/>
+          </p:cNvSpPr>
           <p:nvPr>
-            <p:ph idx="2" type="sldImg"/>
+            <p:ph type="sldImg" idx="2"/>
           </p:nvPr>
         </p:nvSpPr>
         <p:spPr>
@@ -2521,9 +2630,13 @@
             <a:ext cx="6096000" cy="3429000"/>
           </a:xfrm>
           <a:custGeom>
-            <a:rect b="b" l="l" r="r" t="t"/>
+            <a:avLst/>
+            <a:gdLst/>
+            <a:ahLst/>
+            <a:cxnLst/>
+            <a:rect l="l" t="t" r="r" b="b"/>
             <a:pathLst>
-              <a:path extrusionOk="0" h="120000" w="120000">
+              <a:path w="120000" h="120000" extrusionOk="0">
                 <a:moveTo>
                   <a:pt x="0" y="0"/>
                 </a:moveTo>
@@ -2545,9 +2658,11 @@
       <p:sp>
         <p:nvSpPr>
           <p:cNvPr id="77" name="Google Shape;77;g2ef3c977558_0_25:notes"/>
-          <p:cNvSpPr txBox="1"/>
+          <p:cNvSpPr txBox="1">
+            <a:spLocks noGrp="1"/>
+          </p:cNvSpPr>
           <p:nvPr>
-            <p:ph idx="1" type="body"/>
+            <p:ph type="body" idx="1"/>
           </p:nvPr>
         </p:nvSpPr>
         <p:spPr>
@@ -2560,12 +2675,12 @@
           </a:prstGeom>
         </p:spPr>
         <p:txBody>
-          <a:bodyPr anchorCtr="0" anchor="t" bIns="91425" lIns="91425" spcFirstLastPara="1" rIns="91425" wrap="square" tIns="91425">
+          <a:bodyPr spcFirstLastPara="1" wrap="square" lIns="91425" tIns="91425" rIns="91425" bIns="91425" anchor="t" anchorCtr="0">
             <a:noAutofit/>
           </a:bodyPr>
           <a:lstStyle/>
           <a:p>
-            <a:pPr indent="0" lvl="0" marL="0" rtl="0" algn="l">
+            <a:pPr marL="0" lvl="0" indent="0" algn="l" rtl="0">
               <a:spcBef>
                 <a:spcPts val="0"/>
               </a:spcBef>
@@ -2574,9 +2689,6 @@
               </a:spcAft>
               <a:buNone/>
             </a:pPr>
-            <a:r>
-              <a:t/>
-            </a:r>
             <a:endParaRPr/>
           </a:p>
         </p:txBody>
@@ -2590,11 +2702,11 @@
 </file>
 
 <file path=ppt/notesSlides/notesSlide6.xml><?xml version="1.0" encoding="utf-8"?>
-<p:notes xmlns:a="http://schemas.openxmlformats.org/drawingml/2006/main" xmlns:r="http://schemas.openxmlformats.org/officeDocument/2006/relationships" xmlns:mc="http://schemas.openxmlformats.org/markup-compatibility/2006" xmlns:mv="urn:schemas-microsoft-com:mac:vml" xmlns:p="http://schemas.openxmlformats.org/presentationml/2006/main" xmlns:c="http://schemas.openxmlformats.org/drawingml/2006/chart" xmlns:dgm="http://schemas.openxmlformats.org/drawingml/2006/diagram" xmlns:o="urn:schemas-microsoft-com:office:office" xmlns:v="urn:schemas-microsoft-com:vml" xmlns:pvml="urn:schemas-microsoft-com:office:powerpoint" xmlns:com="http://schemas.openxmlformats.org/drawingml/2006/compatibility" xmlns:p14="http://schemas.microsoft.com/office/powerpoint/2010/main" xmlns:p15="http://schemas.microsoft.com/office/powerpoint/2012/main" xmlns:ahyp="http://schemas.microsoft.com/office/drawing/2018/hyperlinkcolor" showMasterPhAnim="0" showMasterSp="0">
+<p:notes xmlns:a="http://schemas.openxmlformats.org/drawingml/2006/main" xmlns:r="http://schemas.openxmlformats.org/officeDocument/2006/relationships" xmlns:p="http://schemas.openxmlformats.org/presentationml/2006/main" showMasterSp="0" showMasterPhAnim="0">
   <p:cSld>
     <p:spTree>
       <p:nvGrpSpPr>
-        <p:cNvPr id="81" name="Shape 81"/>
+        <p:cNvPr id="1" name="Shape 81"/>
         <p:cNvGrpSpPr/>
         <p:nvPr/>
       </p:nvGrpSpPr>
@@ -2609,20 +2721,26 @@
       <p:sp>
         <p:nvSpPr>
           <p:cNvPr id="82" name="Google Shape;82;g2ef3c977558_0_50:notes"/>
-          <p:cNvSpPr/>
+          <p:cNvSpPr>
+            <a:spLocks noGrp="1" noRot="1" noChangeAspect="1"/>
+          </p:cNvSpPr>
           <p:nvPr>
-            <p:ph idx="2" type="sldImg"/>
+            <p:ph type="sldImg" idx="2"/>
           </p:nvPr>
         </p:nvSpPr>
         <p:spPr>
           <a:xfrm>
-            <a:off x="381300" y="685800"/>
+            <a:off x="381000" y="685800"/>
             <a:ext cx="6096000" cy="3429000"/>
           </a:xfrm>
           <a:custGeom>
-            <a:rect b="b" l="l" r="r" t="t"/>
+            <a:avLst/>
+            <a:gdLst/>
+            <a:ahLst/>
+            <a:cxnLst/>
+            <a:rect l="l" t="t" r="r" b="b"/>
             <a:pathLst>
-              <a:path extrusionOk="0" h="120000" w="120000">
+              <a:path w="120000" h="120000" extrusionOk="0">
                 <a:moveTo>
                   <a:pt x="0" y="0"/>
                 </a:moveTo>
@@ -2644,9 +2762,11 @@
       <p:sp>
         <p:nvSpPr>
           <p:cNvPr id="83" name="Google Shape;83;g2ef3c977558_0_50:notes"/>
-          <p:cNvSpPr txBox="1"/>
+          <p:cNvSpPr txBox="1">
+            <a:spLocks noGrp="1"/>
+          </p:cNvSpPr>
           <p:nvPr>
-            <p:ph idx="1" type="body"/>
+            <p:ph type="body" idx="1"/>
           </p:nvPr>
         </p:nvSpPr>
         <p:spPr>
@@ -2659,12 +2779,12 @@
           </a:prstGeom>
         </p:spPr>
         <p:txBody>
-          <a:bodyPr anchorCtr="0" anchor="t" bIns="91425" lIns="91425" spcFirstLastPara="1" rIns="91425" wrap="square" tIns="91425">
+          <a:bodyPr spcFirstLastPara="1" wrap="square" lIns="91425" tIns="91425" rIns="91425" bIns="91425" anchor="t" anchorCtr="0">
             <a:noAutofit/>
           </a:bodyPr>
           <a:lstStyle/>
           <a:p>
-            <a:pPr indent="0" lvl="0" marL="0" rtl="0" algn="l">
+            <a:pPr marL="0" lvl="0" indent="0" algn="l" rtl="0">
               <a:spcBef>
                 <a:spcPts val="0"/>
               </a:spcBef>
@@ -2673,9 +2793,6 @@
               </a:spcAft>
               <a:buNone/>
             </a:pPr>
-            <a:r>
-              <a:t/>
-            </a:r>
             <a:endParaRPr/>
           </a:p>
         </p:txBody>
@@ -2689,11 +2806,11 @@
 </file>
 
 <file path=ppt/notesSlides/notesSlide7.xml><?xml version="1.0" encoding="utf-8"?>
-<p:notes xmlns:a="http://schemas.openxmlformats.org/drawingml/2006/main" xmlns:r="http://schemas.openxmlformats.org/officeDocument/2006/relationships" xmlns:mc="http://schemas.openxmlformats.org/markup-compatibility/2006" xmlns:mv="urn:schemas-microsoft-com:mac:vml" xmlns:p="http://schemas.openxmlformats.org/presentationml/2006/main" xmlns:c="http://schemas.openxmlformats.org/drawingml/2006/chart" xmlns:dgm="http://schemas.openxmlformats.org/drawingml/2006/diagram" xmlns:o="urn:schemas-microsoft-com:office:office" xmlns:v="urn:schemas-microsoft-com:vml" xmlns:pvml="urn:schemas-microsoft-com:office:powerpoint" xmlns:com="http://schemas.openxmlformats.org/drawingml/2006/compatibility" xmlns:p14="http://schemas.microsoft.com/office/powerpoint/2010/main" xmlns:p15="http://schemas.microsoft.com/office/powerpoint/2012/main" xmlns:ahyp="http://schemas.microsoft.com/office/drawing/2018/hyperlinkcolor" showMasterPhAnim="0" showMasterSp="0">
+<p:notes xmlns:a="http://schemas.openxmlformats.org/drawingml/2006/main" xmlns:r="http://schemas.openxmlformats.org/officeDocument/2006/relationships" xmlns:p="http://schemas.openxmlformats.org/presentationml/2006/main" showMasterSp="0" showMasterPhAnim="0">
   <p:cSld>
     <p:spTree>
       <p:nvGrpSpPr>
-        <p:cNvPr id="87" name="Shape 87"/>
+        <p:cNvPr id="1" name="Shape 87"/>
         <p:cNvGrpSpPr/>
         <p:nvPr/>
       </p:nvGrpSpPr>
@@ -2708,9 +2825,11 @@
       <p:sp>
         <p:nvSpPr>
           <p:cNvPr id="88" name="Google Shape;88;g2ef3c977558_0_32:notes"/>
-          <p:cNvSpPr/>
+          <p:cNvSpPr>
+            <a:spLocks noGrp="1" noRot="1" noChangeAspect="1"/>
+          </p:cNvSpPr>
           <p:nvPr>
-            <p:ph idx="2" type="sldImg"/>
+            <p:ph type="sldImg" idx="2"/>
           </p:nvPr>
         </p:nvSpPr>
         <p:spPr>
@@ -2719,9 +2838,13 @@
             <a:ext cx="6096000" cy="3429000"/>
           </a:xfrm>
           <a:custGeom>
-            <a:rect b="b" l="l" r="r" t="t"/>
+            <a:avLst/>
+            <a:gdLst/>
+            <a:ahLst/>
+            <a:cxnLst/>
+            <a:rect l="l" t="t" r="r" b="b"/>
             <a:pathLst>
-              <a:path extrusionOk="0" h="120000" w="120000">
+              <a:path w="120000" h="120000" extrusionOk="0">
                 <a:moveTo>
                   <a:pt x="0" y="0"/>
                 </a:moveTo>
@@ -2743,9 +2866,11 @@
       <p:sp>
         <p:nvSpPr>
           <p:cNvPr id="89" name="Google Shape;89;g2ef3c977558_0_32:notes"/>
-          <p:cNvSpPr txBox="1"/>
+          <p:cNvSpPr txBox="1">
+            <a:spLocks noGrp="1"/>
+          </p:cNvSpPr>
           <p:nvPr>
-            <p:ph idx="1" type="body"/>
+            <p:ph type="body" idx="1"/>
           </p:nvPr>
         </p:nvSpPr>
         <p:spPr>
@@ -2758,12 +2883,12 @@
           </a:prstGeom>
         </p:spPr>
         <p:txBody>
-          <a:bodyPr anchorCtr="0" anchor="t" bIns="91425" lIns="91425" spcFirstLastPara="1" rIns="91425" wrap="square" tIns="91425">
+          <a:bodyPr spcFirstLastPara="1" wrap="square" lIns="91425" tIns="91425" rIns="91425" bIns="91425" anchor="t" anchorCtr="0">
             <a:noAutofit/>
           </a:bodyPr>
           <a:lstStyle/>
           <a:p>
-            <a:pPr indent="0" lvl="0" marL="0" rtl="0" algn="l">
+            <a:pPr marL="0" lvl="0" indent="0" algn="l" rtl="0">
               <a:spcBef>
                 <a:spcPts val="0"/>
               </a:spcBef>
@@ -2772,9 +2897,6 @@
               </a:spcAft>
               <a:buNone/>
             </a:pPr>
-            <a:r>
-              <a:t/>
-            </a:r>
             <a:endParaRPr/>
           </a:p>
         </p:txBody>
@@ -2788,11 +2910,11 @@
 </file>
 
 <file path=ppt/notesSlides/notesSlide8.xml><?xml version="1.0" encoding="utf-8"?>
-<p:notes xmlns:a="http://schemas.openxmlformats.org/drawingml/2006/main" xmlns:r="http://schemas.openxmlformats.org/officeDocument/2006/relationships" xmlns:mc="http://schemas.openxmlformats.org/markup-compatibility/2006" xmlns:mv="urn:schemas-microsoft-com:mac:vml" xmlns:p="http://schemas.openxmlformats.org/presentationml/2006/main" xmlns:c="http://schemas.openxmlformats.org/drawingml/2006/chart" xmlns:dgm="http://schemas.openxmlformats.org/drawingml/2006/diagram" xmlns:o="urn:schemas-microsoft-com:office:office" xmlns:v="urn:schemas-microsoft-com:vml" xmlns:pvml="urn:schemas-microsoft-com:office:powerpoint" xmlns:com="http://schemas.openxmlformats.org/drawingml/2006/compatibility" xmlns:p14="http://schemas.microsoft.com/office/powerpoint/2010/main" xmlns:p15="http://schemas.microsoft.com/office/powerpoint/2012/main" xmlns:ahyp="http://schemas.microsoft.com/office/drawing/2018/hyperlinkcolor" showMasterPhAnim="0" showMasterSp="0">
+<p:notes xmlns:a="http://schemas.openxmlformats.org/drawingml/2006/main" xmlns:r="http://schemas.openxmlformats.org/officeDocument/2006/relationships" xmlns:p="http://schemas.openxmlformats.org/presentationml/2006/main" showMasterSp="0" showMasterPhAnim="0">
   <p:cSld>
     <p:spTree>
       <p:nvGrpSpPr>
-        <p:cNvPr id="95" name="Shape 95"/>
+        <p:cNvPr id="1" name="Shape 95"/>
         <p:cNvGrpSpPr/>
         <p:nvPr/>
       </p:nvGrpSpPr>
@@ -2807,9 +2929,11 @@
       <p:sp>
         <p:nvSpPr>
           <p:cNvPr id="96" name="Google Shape;96;g2ef3c977558_0_37:notes"/>
-          <p:cNvSpPr/>
+          <p:cNvSpPr>
+            <a:spLocks noGrp="1" noRot="1" noChangeAspect="1"/>
+          </p:cNvSpPr>
           <p:nvPr>
-            <p:ph idx="2" type="sldImg"/>
+            <p:ph type="sldImg" idx="2"/>
           </p:nvPr>
         </p:nvSpPr>
         <p:spPr>
@@ -2818,9 +2942,13 @@
             <a:ext cx="6096000" cy="3429000"/>
           </a:xfrm>
           <a:custGeom>
-            <a:rect b="b" l="l" r="r" t="t"/>
+            <a:avLst/>
+            <a:gdLst/>
+            <a:ahLst/>
+            <a:cxnLst/>
+            <a:rect l="l" t="t" r="r" b="b"/>
             <a:pathLst>
-              <a:path extrusionOk="0" h="120000" w="120000">
+              <a:path w="120000" h="120000" extrusionOk="0">
                 <a:moveTo>
                   <a:pt x="0" y="0"/>
                 </a:moveTo>
@@ -2842,9 +2970,11 @@
       <p:sp>
         <p:nvSpPr>
           <p:cNvPr id="97" name="Google Shape;97;g2ef3c977558_0_37:notes"/>
-          <p:cNvSpPr txBox="1"/>
+          <p:cNvSpPr txBox="1">
+            <a:spLocks noGrp="1"/>
+          </p:cNvSpPr>
           <p:nvPr>
-            <p:ph idx="1" type="body"/>
+            <p:ph type="body" idx="1"/>
           </p:nvPr>
         </p:nvSpPr>
         <p:spPr>
@@ -2857,12 +2987,12 @@
           </a:prstGeom>
         </p:spPr>
         <p:txBody>
-          <a:bodyPr anchorCtr="0" anchor="t" bIns="91425" lIns="91425" spcFirstLastPara="1" rIns="91425" wrap="square" tIns="91425">
+          <a:bodyPr spcFirstLastPara="1" wrap="square" lIns="91425" tIns="91425" rIns="91425" bIns="91425" anchor="t" anchorCtr="0">
             <a:noAutofit/>
           </a:bodyPr>
           <a:lstStyle/>
           <a:p>
-            <a:pPr indent="0" lvl="0" marL="0" rtl="0" algn="l">
+            <a:pPr marL="0" lvl="0" indent="0" algn="l" rtl="0">
               <a:spcBef>
                 <a:spcPts val="0"/>
               </a:spcBef>
@@ -2871,9 +3001,6 @@
               </a:spcAft>
               <a:buNone/>
             </a:pPr>
-            <a:r>
-              <a:t/>
-            </a:r>
             <a:endParaRPr/>
           </a:p>
         </p:txBody>
@@ -2887,11 +3014,11 @@
 </file>
 
 <file path=ppt/notesSlides/notesSlide9.xml><?xml version="1.0" encoding="utf-8"?>
-<p:notes xmlns:a="http://schemas.openxmlformats.org/drawingml/2006/main" xmlns:r="http://schemas.openxmlformats.org/officeDocument/2006/relationships" xmlns:mc="http://schemas.openxmlformats.org/markup-compatibility/2006" xmlns:mv="urn:schemas-microsoft-com:mac:vml" xmlns:p="http://schemas.openxmlformats.org/presentationml/2006/main" xmlns:c="http://schemas.openxmlformats.org/drawingml/2006/chart" xmlns:dgm="http://schemas.openxmlformats.org/drawingml/2006/diagram" xmlns:o="urn:schemas-microsoft-com:office:office" xmlns:v="urn:schemas-microsoft-com:vml" xmlns:pvml="urn:schemas-microsoft-com:office:powerpoint" xmlns:com="http://schemas.openxmlformats.org/drawingml/2006/compatibility" xmlns:p14="http://schemas.microsoft.com/office/powerpoint/2010/main" xmlns:p15="http://schemas.microsoft.com/office/powerpoint/2012/main" xmlns:ahyp="http://schemas.microsoft.com/office/drawing/2018/hyperlinkcolor" showMasterPhAnim="0" showMasterSp="0">
+<p:notes xmlns:a="http://schemas.openxmlformats.org/drawingml/2006/main" xmlns:r="http://schemas.openxmlformats.org/officeDocument/2006/relationships" xmlns:p="http://schemas.openxmlformats.org/presentationml/2006/main" showMasterSp="0" showMasterPhAnim="0">
   <p:cSld>
     <p:spTree>
       <p:nvGrpSpPr>
-        <p:cNvPr id="102" name="Shape 102"/>
+        <p:cNvPr id="1" name="Shape 102"/>
         <p:cNvGrpSpPr/>
         <p:nvPr/>
       </p:nvGrpSpPr>
@@ -2906,9 +3033,11 @@
       <p:sp>
         <p:nvSpPr>
           <p:cNvPr id="103" name="Google Shape;103;g2ef3c977558_0_42:notes"/>
-          <p:cNvSpPr/>
+          <p:cNvSpPr>
+            <a:spLocks noGrp="1" noRot="1" noChangeAspect="1"/>
+          </p:cNvSpPr>
           <p:nvPr>
-            <p:ph idx="2" type="sldImg"/>
+            <p:ph type="sldImg" idx="2"/>
           </p:nvPr>
         </p:nvSpPr>
         <p:spPr>
@@ -2917,9 +3046,13 @@
             <a:ext cx="6096000" cy="3429000"/>
           </a:xfrm>
           <a:custGeom>
-            <a:rect b="b" l="l" r="r" t="t"/>
+            <a:avLst/>
+            <a:gdLst/>
+            <a:ahLst/>
+            <a:cxnLst/>
+            <a:rect l="l" t="t" r="r" b="b"/>
             <a:pathLst>
-              <a:path extrusionOk="0" h="120000" w="120000">
+              <a:path w="120000" h="120000" extrusionOk="0">
                 <a:moveTo>
                   <a:pt x="0" y="0"/>
                 </a:moveTo>
@@ -2941,9 +3074,11 @@
       <p:sp>
         <p:nvSpPr>
           <p:cNvPr id="104" name="Google Shape;104;g2ef3c977558_0_42:notes"/>
-          <p:cNvSpPr txBox="1"/>
+          <p:cNvSpPr txBox="1">
+            <a:spLocks noGrp="1"/>
+          </p:cNvSpPr>
           <p:nvPr>
-            <p:ph idx="1" type="body"/>
+            <p:ph type="body" idx="1"/>
           </p:nvPr>
         </p:nvSpPr>
         <p:spPr>
@@ -2956,12 +3091,12 @@
           </a:prstGeom>
         </p:spPr>
         <p:txBody>
-          <a:bodyPr anchorCtr="0" anchor="t" bIns="91425" lIns="91425" spcFirstLastPara="1" rIns="91425" wrap="square" tIns="91425">
+          <a:bodyPr spcFirstLastPara="1" wrap="square" lIns="91425" tIns="91425" rIns="91425" bIns="91425" anchor="t" anchorCtr="0">
             <a:noAutofit/>
           </a:bodyPr>
           <a:lstStyle/>
           <a:p>
-            <a:pPr indent="0" lvl="0" marL="0" rtl="0" algn="l">
+            <a:pPr marL="0" lvl="0" indent="0" algn="l" rtl="0">
               <a:spcBef>
                 <a:spcPts val="0"/>
               </a:spcBef>
@@ -2970,9 +3105,6 @@
               </a:spcAft>
               <a:buNone/>
             </a:pPr>
-            <a:r>
-              <a:t/>
-            </a:r>
             <a:endParaRPr/>
           </a:p>
         </p:txBody>
@@ -2986,11 +3118,11 @@
 </file>
 
 <file path=ppt/slideLayouts/slideLayout1.xml><?xml version="1.0" encoding="utf-8"?>
-<p:sldLayout xmlns:a="http://schemas.openxmlformats.org/drawingml/2006/main" xmlns:r="http://schemas.openxmlformats.org/officeDocument/2006/relationships" xmlns:mc="http://schemas.openxmlformats.org/markup-compatibility/2006" xmlns:mv="urn:schemas-microsoft-com:mac:vml" xmlns:p="http://schemas.openxmlformats.org/presentationml/2006/main" xmlns:c="http://schemas.openxmlformats.org/drawingml/2006/chart" xmlns:dgm="http://schemas.openxmlformats.org/drawingml/2006/diagram" xmlns:o="urn:schemas-microsoft-com:office:office" xmlns:v="urn:schemas-microsoft-com:vml" xmlns:pvml="urn:schemas-microsoft-com:office:powerpoint" xmlns:com="http://schemas.openxmlformats.org/drawingml/2006/compatibility" xmlns:p14="http://schemas.microsoft.com/office/powerpoint/2010/main" xmlns:p15="http://schemas.microsoft.com/office/powerpoint/2012/main" xmlns:ahyp="http://schemas.microsoft.com/office/drawing/2018/hyperlinkcolor" matchingName="Title slide" type="title">
+<p:sldLayout xmlns:a="http://schemas.openxmlformats.org/drawingml/2006/main" xmlns:r="http://schemas.openxmlformats.org/officeDocument/2006/relationships" xmlns:p="http://schemas.openxmlformats.org/presentationml/2006/main" matchingName="Title slide" type="title">
   <p:cSld name="TITLE">
     <p:spTree>
       <p:nvGrpSpPr>
-        <p:cNvPr id="9" name="Shape 9"/>
+        <p:cNvPr id="1" name="Shape 9"/>
         <p:cNvGrpSpPr/>
         <p:nvPr/>
       </p:nvGrpSpPr>
@@ -3005,7 +3137,9 @@
       <p:sp>
         <p:nvSpPr>
           <p:cNvPr id="10" name="Google Shape;10;p2"/>
-          <p:cNvSpPr txBox="1"/>
+          <p:cNvSpPr txBox="1">
+            <a:spLocks noGrp="1"/>
+          </p:cNvSpPr>
           <p:nvPr>
             <p:ph type="ctrTitle"/>
           </p:nvPr>
@@ -3020,7 +3154,7 @@
           </a:prstGeom>
         </p:spPr>
         <p:txBody>
-          <a:bodyPr anchorCtr="0" anchor="b" bIns="91425" lIns="91425" spcFirstLastPara="1" rIns="91425" wrap="square" tIns="91425">
+          <a:bodyPr spcFirstLastPara="1" wrap="square" lIns="91425" tIns="91425" rIns="91425" bIns="91425" anchor="b" anchorCtr="0">
             <a:normAutofit/>
           </a:bodyPr>
           <a:lstStyle>
@@ -3124,15 +3258,19 @@
               <a:defRPr sz="5200"/>
             </a:lvl9pPr>
           </a:lstStyle>
-          <a:p/>
+          <a:p>
+            <a:endParaRPr/>
+          </a:p>
         </p:txBody>
       </p:sp>
       <p:sp>
         <p:nvSpPr>
           <p:cNvPr id="11" name="Google Shape;11;p2"/>
-          <p:cNvSpPr txBox="1"/>
+          <p:cNvSpPr txBox="1">
+            <a:spLocks noGrp="1"/>
+          </p:cNvSpPr>
           <p:nvPr>
-            <p:ph idx="1" type="subTitle"/>
+            <p:ph type="subTitle" idx="1"/>
           </p:nvPr>
         </p:nvSpPr>
         <p:spPr>
@@ -3145,7 +3283,7 @@
           </a:prstGeom>
         </p:spPr>
         <p:txBody>
-          <a:bodyPr anchorCtr="0" anchor="t" bIns="91425" lIns="91425" spcFirstLastPara="1" rIns="91425" wrap="square" tIns="91425">
+          <a:bodyPr spcFirstLastPara="1" wrap="square" lIns="91425" tIns="91425" rIns="91425" bIns="91425" anchor="t" anchorCtr="0">
             <a:normAutofit/>
           </a:bodyPr>
           <a:lstStyle>
@@ -3276,15 +3414,19 @@
               <a:defRPr sz="2800"/>
             </a:lvl9pPr>
           </a:lstStyle>
-          <a:p/>
+          <a:p>
+            <a:endParaRPr/>
+          </a:p>
         </p:txBody>
       </p:sp>
       <p:sp>
         <p:nvSpPr>
           <p:cNvPr id="12" name="Google Shape;12;p2"/>
-          <p:cNvSpPr txBox="1"/>
+          <p:cNvSpPr txBox="1">
+            <a:spLocks noGrp="1"/>
+          </p:cNvSpPr>
           <p:nvPr>
-            <p:ph idx="12" type="sldNum"/>
+            <p:ph type="sldNum" idx="12"/>
           </p:nvPr>
         </p:nvSpPr>
         <p:spPr>
@@ -3297,7 +3439,7 @@
           </a:prstGeom>
         </p:spPr>
         <p:txBody>
-          <a:bodyPr anchorCtr="0" anchor="ctr" bIns="91425" lIns="91425" spcFirstLastPara="1" rIns="91425" wrap="square" tIns="91425">
+          <a:bodyPr spcFirstLastPara="1" wrap="square" lIns="91425" tIns="91425" rIns="91425" bIns="91425" anchor="ctr" anchorCtr="0">
             <a:normAutofit/>
           </a:bodyPr>
           <a:lstStyle>
@@ -3339,7 +3481,7 @@
             </a:lvl9pPr>
           </a:lstStyle>
           <a:p>
-            <a:pPr indent="0" lvl="0" marL="0" rtl="0" algn="r">
+            <a:pPr marL="0" lvl="0" indent="0" algn="r" rtl="0">
               <a:spcBef>
                 <a:spcPts val="0"/>
               </a:spcBef>
@@ -3365,11 +3507,11 @@
 </file>
 
 <file path=ppt/slideLayouts/slideLayout10.xml><?xml version="1.0" encoding="utf-8"?>
-<p:sldLayout xmlns:a="http://schemas.openxmlformats.org/drawingml/2006/main" xmlns:r="http://schemas.openxmlformats.org/officeDocument/2006/relationships" xmlns:mc="http://schemas.openxmlformats.org/markup-compatibility/2006" xmlns:mv="urn:schemas-microsoft-com:mac:vml" xmlns:p="http://schemas.openxmlformats.org/presentationml/2006/main" xmlns:c="http://schemas.openxmlformats.org/drawingml/2006/chart" xmlns:dgm="http://schemas.openxmlformats.org/drawingml/2006/diagram" xmlns:o="urn:schemas-microsoft-com:office:office" xmlns:v="urn:schemas-microsoft-com:vml" xmlns:pvml="urn:schemas-microsoft-com:office:powerpoint" xmlns:com="http://schemas.openxmlformats.org/drawingml/2006/compatibility" xmlns:p14="http://schemas.microsoft.com/office/powerpoint/2010/main" xmlns:p15="http://schemas.microsoft.com/office/powerpoint/2012/main" xmlns:ahyp="http://schemas.microsoft.com/office/drawing/2018/hyperlinkcolor" matchingName="Big number">
+<p:sldLayout xmlns:a="http://schemas.openxmlformats.org/drawingml/2006/main" xmlns:r="http://schemas.openxmlformats.org/officeDocument/2006/relationships" xmlns:p="http://schemas.openxmlformats.org/presentationml/2006/main" matchingName="Big number">
   <p:cSld name="BIG_NUMBER">
     <p:spTree>
       <p:nvGrpSpPr>
-        <p:cNvPr id="44" name="Shape 44"/>
+        <p:cNvPr id="1" name="Shape 44"/>
         <p:cNvGrpSpPr/>
         <p:nvPr/>
       </p:nvGrpSpPr>
@@ -3384,9 +3526,11 @@
       <p:sp>
         <p:nvSpPr>
           <p:cNvPr id="45" name="Google Shape;45;p11"/>
-          <p:cNvSpPr txBox="1"/>
+          <p:cNvSpPr txBox="1">
+            <a:spLocks noGrp="1"/>
+          </p:cNvSpPr>
           <p:nvPr>
-            <p:ph hasCustomPrompt="1" type="title"/>
+            <p:ph type="title" hasCustomPrompt="1"/>
           </p:nvPr>
         </p:nvSpPr>
         <p:spPr>
@@ -3399,7 +3543,7 @@
           </a:prstGeom>
         </p:spPr>
         <p:txBody>
-          <a:bodyPr anchorCtr="0" anchor="b" bIns="91425" lIns="91425" spcFirstLastPara="1" rIns="91425" wrap="square" tIns="91425">
+          <a:bodyPr spcFirstLastPara="1" wrap="square" lIns="91425" tIns="91425" rIns="91425" bIns="91425" anchor="b" anchorCtr="0">
             <a:normAutofit/>
           </a:bodyPr>
           <a:lstStyle>
@@ -3513,9 +3657,11 @@
       <p:sp>
         <p:nvSpPr>
           <p:cNvPr id="46" name="Google Shape;46;p11"/>
-          <p:cNvSpPr txBox="1"/>
+          <p:cNvSpPr txBox="1">
+            <a:spLocks noGrp="1"/>
+          </p:cNvSpPr>
           <p:nvPr>
-            <p:ph idx="1" type="body"/>
+            <p:ph type="body" idx="1"/>
           </p:nvPr>
         </p:nvSpPr>
         <p:spPr>
@@ -3528,11 +3674,11 @@
           </a:prstGeom>
         </p:spPr>
         <p:txBody>
-          <a:bodyPr anchorCtr="0" anchor="t" bIns="91425" lIns="91425" spcFirstLastPara="1" rIns="91425" wrap="square" tIns="91425">
+          <a:bodyPr spcFirstLastPara="1" wrap="square" lIns="91425" tIns="91425" rIns="91425" bIns="91425" anchor="t" anchorCtr="0">
             <a:normAutofit/>
           </a:bodyPr>
           <a:lstStyle>
-            <a:lvl1pPr indent="-342900" lvl="0" marL="457200" algn="ctr">
+            <a:lvl1pPr marL="457200" lvl="0" indent="-342900" algn="ctr">
               <a:spcBef>
                 <a:spcPts val="0"/>
               </a:spcBef>
@@ -3543,7 +3689,7 @@
               <a:buChar char="●"/>
               <a:defRPr/>
             </a:lvl1pPr>
-            <a:lvl2pPr indent="-317500" lvl="1" marL="914400" algn="ctr">
+            <a:lvl2pPr marL="914400" lvl="1" indent="-317500" algn="ctr">
               <a:spcBef>
                 <a:spcPts val="0"/>
               </a:spcBef>
@@ -3554,7 +3700,7 @@
               <a:buChar char="○"/>
               <a:defRPr/>
             </a:lvl2pPr>
-            <a:lvl3pPr indent="-317500" lvl="2" marL="1371600" algn="ctr">
+            <a:lvl3pPr marL="1371600" lvl="2" indent="-317500" algn="ctr">
               <a:spcBef>
                 <a:spcPts val="0"/>
               </a:spcBef>
@@ -3565,7 +3711,7 @@
               <a:buChar char="■"/>
               <a:defRPr/>
             </a:lvl3pPr>
-            <a:lvl4pPr indent="-317500" lvl="3" marL="1828800" algn="ctr">
+            <a:lvl4pPr marL="1828800" lvl="3" indent="-317500" algn="ctr">
               <a:spcBef>
                 <a:spcPts val="0"/>
               </a:spcBef>
@@ -3576,7 +3722,7 @@
               <a:buChar char="●"/>
               <a:defRPr/>
             </a:lvl4pPr>
-            <a:lvl5pPr indent="-317500" lvl="4" marL="2286000" algn="ctr">
+            <a:lvl5pPr marL="2286000" lvl="4" indent="-317500" algn="ctr">
               <a:spcBef>
                 <a:spcPts val="0"/>
               </a:spcBef>
@@ -3587,7 +3733,7 @@
               <a:buChar char="○"/>
               <a:defRPr/>
             </a:lvl5pPr>
-            <a:lvl6pPr indent="-317500" lvl="5" marL="2743200" algn="ctr">
+            <a:lvl6pPr marL="2743200" lvl="5" indent="-317500" algn="ctr">
               <a:spcBef>
                 <a:spcPts val="0"/>
               </a:spcBef>
@@ -3598,7 +3744,7 @@
               <a:buChar char="■"/>
               <a:defRPr/>
             </a:lvl6pPr>
-            <a:lvl7pPr indent="-317500" lvl="6" marL="3200400" algn="ctr">
+            <a:lvl7pPr marL="3200400" lvl="6" indent="-317500" algn="ctr">
               <a:spcBef>
                 <a:spcPts val="0"/>
               </a:spcBef>
@@ -3609,7 +3755,7 @@
               <a:buChar char="●"/>
               <a:defRPr/>
             </a:lvl7pPr>
-            <a:lvl8pPr indent="-317500" lvl="7" marL="3657600" algn="ctr">
+            <a:lvl8pPr marL="3657600" lvl="7" indent="-317500" algn="ctr">
               <a:spcBef>
                 <a:spcPts val="0"/>
               </a:spcBef>
@@ -3620,7 +3766,7 @@
               <a:buChar char="○"/>
               <a:defRPr/>
             </a:lvl8pPr>
-            <a:lvl9pPr indent="-317500" lvl="8" marL="4114800" algn="ctr">
+            <a:lvl9pPr marL="4114800" lvl="8" indent="-317500" algn="ctr">
               <a:spcBef>
                 <a:spcPts val="0"/>
               </a:spcBef>
@@ -3632,15 +3778,19 @@
               <a:defRPr/>
             </a:lvl9pPr>
           </a:lstStyle>
-          <a:p/>
+          <a:p>
+            <a:endParaRPr/>
+          </a:p>
         </p:txBody>
       </p:sp>
       <p:sp>
         <p:nvSpPr>
           <p:cNvPr id="47" name="Google Shape;47;p11"/>
-          <p:cNvSpPr txBox="1"/>
+          <p:cNvSpPr txBox="1">
+            <a:spLocks noGrp="1"/>
+          </p:cNvSpPr>
           <p:nvPr>
-            <p:ph idx="12" type="sldNum"/>
+            <p:ph type="sldNum" idx="12"/>
           </p:nvPr>
         </p:nvSpPr>
         <p:spPr>
@@ -3653,7 +3803,7 @@
           </a:prstGeom>
         </p:spPr>
         <p:txBody>
-          <a:bodyPr anchorCtr="0" anchor="ctr" bIns="91425" lIns="91425" spcFirstLastPara="1" rIns="91425" wrap="square" tIns="91425">
+          <a:bodyPr spcFirstLastPara="1" wrap="square" lIns="91425" tIns="91425" rIns="91425" bIns="91425" anchor="ctr" anchorCtr="0">
             <a:normAutofit/>
           </a:bodyPr>
           <a:lstStyle>
@@ -3695,7 +3845,7 @@
             </a:lvl9pPr>
           </a:lstStyle>
           <a:p>
-            <a:pPr indent="0" lvl="0" marL="0" rtl="0" algn="r">
+            <a:pPr marL="0" lvl="0" indent="0" algn="r" rtl="0">
               <a:spcBef>
                 <a:spcPts val="0"/>
               </a:spcBef>
@@ -3721,11 +3871,11 @@
 </file>
 
 <file path=ppt/slideLayouts/slideLayout11.xml><?xml version="1.0" encoding="utf-8"?>
-<p:sldLayout xmlns:a="http://schemas.openxmlformats.org/drawingml/2006/main" xmlns:r="http://schemas.openxmlformats.org/officeDocument/2006/relationships" xmlns:mc="http://schemas.openxmlformats.org/markup-compatibility/2006" xmlns:mv="urn:schemas-microsoft-com:mac:vml" xmlns:p="http://schemas.openxmlformats.org/presentationml/2006/main" xmlns:c="http://schemas.openxmlformats.org/drawingml/2006/chart" xmlns:dgm="http://schemas.openxmlformats.org/drawingml/2006/diagram" xmlns:o="urn:schemas-microsoft-com:office:office" xmlns:v="urn:schemas-microsoft-com:vml" xmlns:pvml="urn:schemas-microsoft-com:office:powerpoint" xmlns:com="http://schemas.openxmlformats.org/drawingml/2006/compatibility" xmlns:p14="http://schemas.microsoft.com/office/powerpoint/2010/main" xmlns:p15="http://schemas.microsoft.com/office/powerpoint/2012/main" xmlns:ahyp="http://schemas.microsoft.com/office/drawing/2018/hyperlinkcolor" matchingName="Blank" type="blank">
+<p:sldLayout xmlns:a="http://schemas.openxmlformats.org/drawingml/2006/main" xmlns:r="http://schemas.openxmlformats.org/officeDocument/2006/relationships" xmlns:p="http://schemas.openxmlformats.org/presentationml/2006/main" matchingName="Blank" type="blank">
   <p:cSld name="BLANK">
     <p:spTree>
       <p:nvGrpSpPr>
-        <p:cNvPr id="48" name="Shape 48"/>
+        <p:cNvPr id="1" name="Shape 48"/>
         <p:cNvGrpSpPr/>
         <p:nvPr/>
       </p:nvGrpSpPr>
@@ -3740,9 +3890,11 @@
       <p:sp>
         <p:nvSpPr>
           <p:cNvPr id="49" name="Google Shape;49;p12"/>
-          <p:cNvSpPr txBox="1"/>
+          <p:cNvSpPr txBox="1">
+            <a:spLocks noGrp="1"/>
+          </p:cNvSpPr>
           <p:nvPr>
-            <p:ph idx="12" type="sldNum"/>
+            <p:ph type="sldNum" idx="12"/>
           </p:nvPr>
         </p:nvSpPr>
         <p:spPr>
@@ -3755,7 +3907,7 @@
           </a:prstGeom>
         </p:spPr>
         <p:txBody>
-          <a:bodyPr anchorCtr="0" anchor="ctr" bIns="91425" lIns="91425" spcFirstLastPara="1" rIns="91425" wrap="square" tIns="91425">
+          <a:bodyPr spcFirstLastPara="1" wrap="square" lIns="91425" tIns="91425" rIns="91425" bIns="91425" anchor="ctr" anchorCtr="0">
             <a:normAutofit/>
           </a:bodyPr>
           <a:lstStyle>
@@ -3797,7 +3949,7 @@
             </a:lvl9pPr>
           </a:lstStyle>
           <a:p>
-            <a:pPr indent="0" lvl="0" marL="0" rtl="0" algn="r">
+            <a:pPr marL="0" lvl="0" indent="0" algn="r" rtl="0">
               <a:spcBef>
                 <a:spcPts val="0"/>
               </a:spcBef>
@@ -3823,11 +3975,11 @@
 </file>
 
 <file path=ppt/slideLayouts/slideLayout2.xml><?xml version="1.0" encoding="utf-8"?>
-<p:sldLayout xmlns:a="http://schemas.openxmlformats.org/drawingml/2006/main" xmlns:r="http://schemas.openxmlformats.org/officeDocument/2006/relationships" xmlns:mc="http://schemas.openxmlformats.org/markup-compatibility/2006" xmlns:mv="urn:schemas-microsoft-com:mac:vml" xmlns:p="http://schemas.openxmlformats.org/presentationml/2006/main" xmlns:c="http://schemas.openxmlformats.org/drawingml/2006/chart" xmlns:dgm="http://schemas.openxmlformats.org/drawingml/2006/diagram" xmlns:o="urn:schemas-microsoft-com:office:office" xmlns:v="urn:schemas-microsoft-com:vml" xmlns:pvml="urn:schemas-microsoft-com:office:powerpoint" xmlns:com="http://schemas.openxmlformats.org/drawingml/2006/compatibility" xmlns:p14="http://schemas.microsoft.com/office/powerpoint/2010/main" xmlns:p15="http://schemas.microsoft.com/office/powerpoint/2012/main" xmlns:ahyp="http://schemas.microsoft.com/office/drawing/2018/hyperlinkcolor" matchingName="Section header" type="secHead">
+<p:sldLayout xmlns:a="http://schemas.openxmlformats.org/drawingml/2006/main" xmlns:r="http://schemas.openxmlformats.org/officeDocument/2006/relationships" xmlns:p="http://schemas.openxmlformats.org/presentationml/2006/main" matchingName="Section header" type="secHead">
   <p:cSld name="SECTION_HEADER">
     <p:spTree>
       <p:nvGrpSpPr>
-        <p:cNvPr id="13" name="Shape 13"/>
+        <p:cNvPr id="1" name="Shape 13"/>
         <p:cNvGrpSpPr/>
         <p:nvPr/>
       </p:nvGrpSpPr>
@@ -3842,7 +3994,9 @@
       <p:sp>
         <p:nvSpPr>
           <p:cNvPr id="14" name="Google Shape;14;p3"/>
-          <p:cNvSpPr txBox="1"/>
+          <p:cNvSpPr txBox="1">
+            <a:spLocks noGrp="1"/>
+          </p:cNvSpPr>
           <p:nvPr>
             <p:ph type="title"/>
           </p:nvPr>
@@ -3857,7 +4011,7 @@
           </a:prstGeom>
         </p:spPr>
         <p:txBody>
-          <a:bodyPr anchorCtr="0" anchor="ctr" bIns="91425" lIns="91425" spcFirstLastPara="1" rIns="91425" wrap="square" tIns="91425">
+          <a:bodyPr spcFirstLastPara="1" wrap="square" lIns="91425" tIns="91425" rIns="91425" bIns="91425" anchor="ctr" anchorCtr="0">
             <a:normAutofit/>
           </a:bodyPr>
           <a:lstStyle>
@@ -3961,15 +4115,19 @@
               <a:defRPr sz="3600"/>
             </a:lvl9pPr>
           </a:lstStyle>
-          <a:p/>
+          <a:p>
+            <a:endParaRPr/>
+          </a:p>
         </p:txBody>
       </p:sp>
       <p:sp>
         <p:nvSpPr>
           <p:cNvPr id="15" name="Google Shape;15;p3"/>
-          <p:cNvSpPr txBox="1"/>
+          <p:cNvSpPr txBox="1">
+            <a:spLocks noGrp="1"/>
+          </p:cNvSpPr>
           <p:nvPr>
-            <p:ph idx="12" type="sldNum"/>
+            <p:ph type="sldNum" idx="12"/>
           </p:nvPr>
         </p:nvSpPr>
         <p:spPr>
@@ -3982,7 +4140,7 @@
           </a:prstGeom>
         </p:spPr>
         <p:txBody>
-          <a:bodyPr anchorCtr="0" anchor="ctr" bIns="91425" lIns="91425" spcFirstLastPara="1" rIns="91425" wrap="square" tIns="91425">
+          <a:bodyPr spcFirstLastPara="1" wrap="square" lIns="91425" tIns="91425" rIns="91425" bIns="91425" anchor="ctr" anchorCtr="0">
             <a:normAutofit/>
           </a:bodyPr>
           <a:lstStyle>
@@ -4024,7 +4182,7 @@
             </a:lvl9pPr>
           </a:lstStyle>
           <a:p>
-            <a:pPr indent="0" lvl="0" marL="0" rtl="0" algn="r">
+            <a:pPr marL="0" lvl="0" indent="0" algn="r" rtl="0">
               <a:spcBef>
                 <a:spcPts val="0"/>
               </a:spcBef>
@@ -4050,11 +4208,11 @@
 </file>
 
 <file path=ppt/slideLayouts/slideLayout3.xml><?xml version="1.0" encoding="utf-8"?>
-<p:sldLayout xmlns:a="http://schemas.openxmlformats.org/drawingml/2006/main" xmlns:r="http://schemas.openxmlformats.org/officeDocument/2006/relationships" xmlns:mc="http://schemas.openxmlformats.org/markup-compatibility/2006" xmlns:mv="urn:schemas-microsoft-com:mac:vml" xmlns:p="http://schemas.openxmlformats.org/presentationml/2006/main" xmlns:c="http://schemas.openxmlformats.org/drawingml/2006/chart" xmlns:dgm="http://schemas.openxmlformats.org/drawingml/2006/diagram" xmlns:o="urn:schemas-microsoft-com:office:office" xmlns:v="urn:schemas-microsoft-com:vml" xmlns:pvml="urn:schemas-microsoft-com:office:powerpoint" xmlns:com="http://schemas.openxmlformats.org/drawingml/2006/compatibility" xmlns:p14="http://schemas.microsoft.com/office/powerpoint/2010/main" xmlns:p15="http://schemas.microsoft.com/office/powerpoint/2012/main" xmlns:ahyp="http://schemas.microsoft.com/office/drawing/2018/hyperlinkcolor" matchingName="Title and body" type="tx">
+<p:sldLayout xmlns:a="http://schemas.openxmlformats.org/drawingml/2006/main" xmlns:r="http://schemas.openxmlformats.org/officeDocument/2006/relationships" xmlns:p="http://schemas.openxmlformats.org/presentationml/2006/main" matchingName="Title and body" type="tx">
   <p:cSld name="TITLE_AND_BODY">
     <p:spTree>
       <p:nvGrpSpPr>
-        <p:cNvPr id="16" name="Shape 16"/>
+        <p:cNvPr id="1" name="Shape 16"/>
         <p:cNvGrpSpPr/>
         <p:nvPr/>
       </p:nvGrpSpPr>
@@ -4069,7 +4227,9 @@
       <p:sp>
         <p:nvSpPr>
           <p:cNvPr id="17" name="Google Shape;17;p4"/>
-          <p:cNvSpPr txBox="1"/>
+          <p:cNvSpPr txBox="1">
+            <a:spLocks noGrp="1"/>
+          </p:cNvSpPr>
           <p:nvPr>
             <p:ph type="title"/>
           </p:nvPr>
@@ -4084,7 +4244,7 @@
           </a:prstGeom>
         </p:spPr>
         <p:txBody>
-          <a:bodyPr anchorCtr="0" anchor="t" bIns="91425" lIns="91425" spcFirstLastPara="1" rIns="91425" wrap="square" tIns="91425">
+          <a:bodyPr spcFirstLastPara="1" wrap="square" lIns="91425" tIns="91425" rIns="91425" bIns="91425" anchor="t" anchorCtr="0">
             <a:normAutofit/>
           </a:bodyPr>
           <a:lstStyle>
@@ -4188,15 +4348,19 @@
               <a:defRPr/>
             </a:lvl9pPr>
           </a:lstStyle>
-          <a:p/>
+          <a:p>
+            <a:endParaRPr/>
+          </a:p>
         </p:txBody>
       </p:sp>
       <p:sp>
         <p:nvSpPr>
           <p:cNvPr id="18" name="Google Shape;18;p4"/>
-          <p:cNvSpPr txBox="1"/>
+          <p:cNvSpPr txBox="1">
+            <a:spLocks noGrp="1"/>
+          </p:cNvSpPr>
           <p:nvPr>
-            <p:ph idx="1" type="body"/>
+            <p:ph type="body" idx="1"/>
           </p:nvPr>
         </p:nvSpPr>
         <p:spPr>
@@ -4209,11 +4373,11 @@
           </a:prstGeom>
         </p:spPr>
         <p:txBody>
-          <a:bodyPr anchorCtr="0" anchor="t" bIns="91425" lIns="91425" spcFirstLastPara="1" rIns="91425" wrap="square" tIns="91425">
+          <a:bodyPr spcFirstLastPara="1" wrap="square" lIns="91425" tIns="91425" rIns="91425" bIns="91425" anchor="t" anchorCtr="0">
             <a:normAutofit/>
           </a:bodyPr>
           <a:lstStyle>
-            <a:lvl1pPr indent="-342900" lvl="0" marL="457200">
+            <a:lvl1pPr marL="457200" lvl="0" indent="-342900">
               <a:spcBef>
                 <a:spcPts val="0"/>
               </a:spcBef>
@@ -4224,7 +4388,7 @@
               <a:buChar char="●"/>
               <a:defRPr/>
             </a:lvl1pPr>
-            <a:lvl2pPr indent="-317500" lvl="1" marL="914400">
+            <a:lvl2pPr marL="914400" lvl="1" indent="-317500">
               <a:spcBef>
                 <a:spcPts val="0"/>
               </a:spcBef>
@@ -4235,7 +4399,7 @@
               <a:buChar char="○"/>
               <a:defRPr/>
             </a:lvl2pPr>
-            <a:lvl3pPr indent="-317500" lvl="2" marL="1371600">
+            <a:lvl3pPr marL="1371600" lvl="2" indent="-317500">
               <a:spcBef>
                 <a:spcPts val="0"/>
               </a:spcBef>
@@ -4246,7 +4410,7 @@
               <a:buChar char="■"/>
               <a:defRPr/>
             </a:lvl3pPr>
-            <a:lvl4pPr indent="-317500" lvl="3" marL="1828800">
+            <a:lvl4pPr marL="1828800" lvl="3" indent="-317500">
               <a:spcBef>
                 <a:spcPts val="0"/>
               </a:spcBef>
@@ -4257,7 +4421,7 @@
               <a:buChar char="●"/>
               <a:defRPr/>
             </a:lvl4pPr>
-            <a:lvl5pPr indent="-317500" lvl="4" marL="2286000">
+            <a:lvl5pPr marL="2286000" lvl="4" indent="-317500">
               <a:spcBef>
                 <a:spcPts val="0"/>
               </a:spcBef>
@@ -4268,7 +4432,7 @@
               <a:buChar char="○"/>
               <a:defRPr/>
             </a:lvl5pPr>
-            <a:lvl6pPr indent="-317500" lvl="5" marL="2743200">
+            <a:lvl6pPr marL="2743200" lvl="5" indent="-317500">
               <a:spcBef>
                 <a:spcPts val="0"/>
               </a:spcBef>
@@ -4279,7 +4443,7 @@
               <a:buChar char="■"/>
               <a:defRPr/>
             </a:lvl6pPr>
-            <a:lvl7pPr indent="-317500" lvl="6" marL="3200400">
+            <a:lvl7pPr marL="3200400" lvl="6" indent="-317500">
               <a:spcBef>
                 <a:spcPts val="0"/>
               </a:spcBef>
@@ -4290,7 +4454,7 @@
               <a:buChar char="●"/>
               <a:defRPr/>
             </a:lvl7pPr>
-            <a:lvl8pPr indent="-317500" lvl="7" marL="3657600">
+            <a:lvl8pPr marL="3657600" lvl="7" indent="-317500">
               <a:spcBef>
                 <a:spcPts val="0"/>
               </a:spcBef>
@@ -4301,7 +4465,7 @@
               <a:buChar char="○"/>
               <a:defRPr/>
             </a:lvl8pPr>
-            <a:lvl9pPr indent="-317500" lvl="8" marL="4114800">
+            <a:lvl9pPr marL="4114800" lvl="8" indent="-317500">
               <a:spcBef>
                 <a:spcPts val="0"/>
               </a:spcBef>
@@ -4313,15 +4477,19 @@
               <a:defRPr/>
             </a:lvl9pPr>
           </a:lstStyle>
-          <a:p/>
+          <a:p>
+            <a:endParaRPr/>
+          </a:p>
         </p:txBody>
       </p:sp>
       <p:sp>
         <p:nvSpPr>
           <p:cNvPr id="19" name="Google Shape;19;p4"/>
-          <p:cNvSpPr txBox="1"/>
+          <p:cNvSpPr txBox="1">
+            <a:spLocks noGrp="1"/>
+          </p:cNvSpPr>
           <p:nvPr>
-            <p:ph idx="12" type="sldNum"/>
+            <p:ph type="sldNum" idx="12"/>
           </p:nvPr>
         </p:nvSpPr>
         <p:spPr>
@@ -4334,7 +4502,7 @@
           </a:prstGeom>
         </p:spPr>
         <p:txBody>
-          <a:bodyPr anchorCtr="0" anchor="ctr" bIns="91425" lIns="91425" spcFirstLastPara="1" rIns="91425" wrap="square" tIns="91425">
+          <a:bodyPr spcFirstLastPara="1" wrap="square" lIns="91425" tIns="91425" rIns="91425" bIns="91425" anchor="ctr" anchorCtr="0">
             <a:normAutofit/>
           </a:bodyPr>
           <a:lstStyle>
@@ -4376,7 +4544,7 @@
             </a:lvl9pPr>
           </a:lstStyle>
           <a:p>
-            <a:pPr indent="0" lvl="0" marL="0" rtl="0" algn="r">
+            <a:pPr marL="0" lvl="0" indent="0" algn="r" rtl="0">
               <a:spcBef>
                 <a:spcPts val="0"/>
               </a:spcBef>
@@ -4402,11 +4570,11 @@
 </file>
 
 <file path=ppt/slideLayouts/slideLayout4.xml><?xml version="1.0" encoding="utf-8"?>
-<p:sldLayout xmlns:a="http://schemas.openxmlformats.org/drawingml/2006/main" xmlns:r="http://schemas.openxmlformats.org/officeDocument/2006/relationships" xmlns:mc="http://schemas.openxmlformats.org/markup-compatibility/2006" xmlns:mv="urn:schemas-microsoft-com:mac:vml" xmlns:p="http://schemas.openxmlformats.org/presentationml/2006/main" xmlns:c="http://schemas.openxmlformats.org/drawingml/2006/chart" xmlns:dgm="http://schemas.openxmlformats.org/drawingml/2006/diagram" xmlns:o="urn:schemas-microsoft-com:office:office" xmlns:v="urn:schemas-microsoft-com:vml" xmlns:pvml="urn:schemas-microsoft-com:office:powerpoint" xmlns:com="http://schemas.openxmlformats.org/drawingml/2006/compatibility" xmlns:p14="http://schemas.microsoft.com/office/powerpoint/2010/main" xmlns:p15="http://schemas.microsoft.com/office/powerpoint/2012/main" xmlns:ahyp="http://schemas.microsoft.com/office/drawing/2018/hyperlinkcolor" matchingName="Title and two columns" type="twoColTx">
+<p:sldLayout xmlns:a="http://schemas.openxmlformats.org/drawingml/2006/main" xmlns:r="http://schemas.openxmlformats.org/officeDocument/2006/relationships" xmlns:p="http://schemas.openxmlformats.org/presentationml/2006/main" matchingName="Title and two columns" type="twoColTx">
   <p:cSld name="TITLE_AND_TWO_COLUMNS">
     <p:spTree>
       <p:nvGrpSpPr>
-        <p:cNvPr id="20" name="Shape 20"/>
+        <p:cNvPr id="1" name="Shape 20"/>
         <p:cNvGrpSpPr/>
         <p:nvPr/>
       </p:nvGrpSpPr>
@@ -4421,7 +4589,9 @@
       <p:sp>
         <p:nvSpPr>
           <p:cNvPr id="21" name="Google Shape;21;p5"/>
-          <p:cNvSpPr txBox="1"/>
+          <p:cNvSpPr txBox="1">
+            <a:spLocks noGrp="1"/>
+          </p:cNvSpPr>
           <p:nvPr>
             <p:ph type="title"/>
           </p:nvPr>
@@ -4436,7 +4606,7 @@
           </a:prstGeom>
         </p:spPr>
         <p:txBody>
-          <a:bodyPr anchorCtr="0" anchor="t" bIns="91425" lIns="91425" spcFirstLastPara="1" rIns="91425" wrap="square" tIns="91425">
+          <a:bodyPr spcFirstLastPara="1" wrap="square" lIns="91425" tIns="91425" rIns="91425" bIns="91425" anchor="t" anchorCtr="0">
             <a:normAutofit/>
           </a:bodyPr>
           <a:lstStyle>
@@ -4540,15 +4710,19 @@
               <a:defRPr/>
             </a:lvl9pPr>
           </a:lstStyle>
-          <a:p/>
+          <a:p>
+            <a:endParaRPr/>
+          </a:p>
         </p:txBody>
       </p:sp>
       <p:sp>
         <p:nvSpPr>
           <p:cNvPr id="22" name="Google Shape;22;p5"/>
-          <p:cNvSpPr txBox="1"/>
+          <p:cNvSpPr txBox="1">
+            <a:spLocks noGrp="1"/>
+          </p:cNvSpPr>
           <p:nvPr>
-            <p:ph idx="1" type="body"/>
+            <p:ph type="body" idx="1"/>
           </p:nvPr>
         </p:nvSpPr>
         <p:spPr>
@@ -4561,11 +4735,11 @@
           </a:prstGeom>
         </p:spPr>
         <p:txBody>
-          <a:bodyPr anchorCtr="0" anchor="t" bIns="91425" lIns="91425" spcFirstLastPara="1" rIns="91425" wrap="square" tIns="91425">
+          <a:bodyPr spcFirstLastPara="1" wrap="square" lIns="91425" tIns="91425" rIns="91425" bIns="91425" anchor="t" anchorCtr="0">
             <a:normAutofit/>
           </a:bodyPr>
           <a:lstStyle>
-            <a:lvl1pPr indent="-317500" lvl="0" marL="457200">
+            <a:lvl1pPr marL="457200" lvl="0" indent="-317500">
               <a:spcBef>
                 <a:spcPts val="0"/>
               </a:spcBef>
@@ -4576,7 +4750,7 @@
               <a:buChar char="●"/>
               <a:defRPr sz="1400"/>
             </a:lvl1pPr>
-            <a:lvl2pPr indent="-304800" lvl="1" marL="914400">
+            <a:lvl2pPr marL="914400" lvl="1" indent="-304800">
               <a:spcBef>
                 <a:spcPts val="0"/>
               </a:spcBef>
@@ -4587,7 +4761,7 @@
               <a:buChar char="○"/>
               <a:defRPr sz="1200"/>
             </a:lvl2pPr>
-            <a:lvl3pPr indent="-304800" lvl="2" marL="1371600">
+            <a:lvl3pPr marL="1371600" lvl="2" indent="-304800">
               <a:spcBef>
                 <a:spcPts val="0"/>
               </a:spcBef>
@@ -4598,7 +4772,7 @@
               <a:buChar char="■"/>
               <a:defRPr sz="1200"/>
             </a:lvl3pPr>
-            <a:lvl4pPr indent="-304800" lvl="3" marL="1828800">
+            <a:lvl4pPr marL="1828800" lvl="3" indent="-304800">
               <a:spcBef>
                 <a:spcPts val="0"/>
               </a:spcBef>
@@ -4609,7 +4783,7 @@
               <a:buChar char="●"/>
               <a:defRPr sz="1200"/>
             </a:lvl4pPr>
-            <a:lvl5pPr indent="-304800" lvl="4" marL="2286000">
+            <a:lvl5pPr marL="2286000" lvl="4" indent="-304800">
               <a:spcBef>
                 <a:spcPts val="0"/>
               </a:spcBef>
@@ -4620,7 +4794,7 @@
               <a:buChar char="○"/>
               <a:defRPr sz="1200"/>
             </a:lvl5pPr>
-            <a:lvl6pPr indent="-304800" lvl="5" marL="2743200">
+            <a:lvl6pPr marL="2743200" lvl="5" indent="-304800">
               <a:spcBef>
                 <a:spcPts val="0"/>
               </a:spcBef>
@@ -4631,7 +4805,7 @@
               <a:buChar char="■"/>
               <a:defRPr sz="1200"/>
             </a:lvl6pPr>
-            <a:lvl7pPr indent="-304800" lvl="6" marL="3200400">
+            <a:lvl7pPr marL="3200400" lvl="6" indent="-304800">
               <a:spcBef>
                 <a:spcPts val="0"/>
               </a:spcBef>
@@ -4642,7 +4816,7 @@
               <a:buChar char="●"/>
               <a:defRPr sz="1200"/>
             </a:lvl7pPr>
-            <a:lvl8pPr indent="-304800" lvl="7" marL="3657600">
+            <a:lvl8pPr marL="3657600" lvl="7" indent="-304800">
               <a:spcBef>
                 <a:spcPts val="0"/>
               </a:spcBef>
@@ -4653,7 +4827,7 @@
               <a:buChar char="○"/>
               <a:defRPr sz="1200"/>
             </a:lvl8pPr>
-            <a:lvl9pPr indent="-304800" lvl="8" marL="4114800">
+            <a:lvl9pPr marL="4114800" lvl="8" indent="-304800">
               <a:spcBef>
                 <a:spcPts val="0"/>
               </a:spcBef>
@@ -4665,15 +4839,19 @@
               <a:defRPr sz="1200"/>
             </a:lvl9pPr>
           </a:lstStyle>
-          <a:p/>
+          <a:p>
+            <a:endParaRPr/>
+          </a:p>
         </p:txBody>
       </p:sp>
       <p:sp>
         <p:nvSpPr>
           <p:cNvPr id="23" name="Google Shape;23;p5"/>
-          <p:cNvSpPr txBox="1"/>
+          <p:cNvSpPr txBox="1">
+            <a:spLocks noGrp="1"/>
+          </p:cNvSpPr>
           <p:nvPr>
-            <p:ph idx="2" type="body"/>
+            <p:ph type="body" idx="2"/>
           </p:nvPr>
         </p:nvSpPr>
         <p:spPr>
@@ -4686,11 +4864,11 @@
           </a:prstGeom>
         </p:spPr>
         <p:txBody>
-          <a:bodyPr anchorCtr="0" anchor="t" bIns="91425" lIns="91425" spcFirstLastPara="1" rIns="91425" wrap="square" tIns="91425">
+          <a:bodyPr spcFirstLastPara="1" wrap="square" lIns="91425" tIns="91425" rIns="91425" bIns="91425" anchor="t" anchorCtr="0">
             <a:normAutofit/>
           </a:bodyPr>
           <a:lstStyle>
-            <a:lvl1pPr indent="-317500" lvl="0" marL="457200">
+            <a:lvl1pPr marL="457200" lvl="0" indent="-317500">
               <a:spcBef>
                 <a:spcPts val="0"/>
               </a:spcBef>
@@ -4701,7 +4879,7 @@
               <a:buChar char="●"/>
               <a:defRPr sz="1400"/>
             </a:lvl1pPr>
-            <a:lvl2pPr indent="-304800" lvl="1" marL="914400">
+            <a:lvl2pPr marL="914400" lvl="1" indent="-304800">
               <a:spcBef>
                 <a:spcPts val="0"/>
               </a:spcBef>
@@ -4712,7 +4890,7 @@
               <a:buChar char="○"/>
               <a:defRPr sz="1200"/>
             </a:lvl2pPr>
-            <a:lvl3pPr indent="-304800" lvl="2" marL="1371600">
+            <a:lvl3pPr marL="1371600" lvl="2" indent="-304800">
               <a:spcBef>
                 <a:spcPts val="0"/>
               </a:spcBef>
@@ -4723,7 +4901,7 @@
               <a:buChar char="■"/>
               <a:defRPr sz="1200"/>
             </a:lvl3pPr>
-            <a:lvl4pPr indent="-304800" lvl="3" marL="1828800">
+            <a:lvl4pPr marL="1828800" lvl="3" indent="-304800">
               <a:spcBef>
                 <a:spcPts val="0"/>
               </a:spcBef>
@@ -4734,7 +4912,7 @@
               <a:buChar char="●"/>
               <a:defRPr sz="1200"/>
             </a:lvl4pPr>
-            <a:lvl5pPr indent="-304800" lvl="4" marL="2286000">
+            <a:lvl5pPr marL="2286000" lvl="4" indent="-304800">
               <a:spcBef>
                 <a:spcPts val="0"/>
               </a:spcBef>
@@ -4745,7 +4923,7 @@
               <a:buChar char="○"/>
               <a:defRPr sz="1200"/>
             </a:lvl5pPr>
-            <a:lvl6pPr indent="-304800" lvl="5" marL="2743200">
+            <a:lvl6pPr marL="2743200" lvl="5" indent="-304800">
               <a:spcBef>
                 <a:spcPts val="0"/>
               </a:spcBef>
@@ -4756,7 +4934,7 @@
               <a:buChar char="■"/>
               <a:defRPr sz="1200"/>
             </a:lvl6pPr>
-            <a:lvl7pPr indent="-304800" lvl="6" marL="3200400">
+            <a:lvl7pPr marL="3200400" lvl="6" indent="-304800">
               <a:spcBef>
                 <a:spcPts val="0"/>
               </a:spcBef>
@@ -4767,7 +4945,7 @@
               <a:buChar char="●"/>
               <a:defRPr sz="1200"/>
             </a:lvl7pPr>
-            <a:lvl8pPr indent="-304800" lvl="7" marL="3657600">
+            <a:lvl8pPr marL="3657600" lvl="7" indent="-304800">
               <a:spcBef>
                 <a:spcPts val="0"/>
               </a:spcBef>
@@ -4778,7 +4956,7 @@
               <a:buChar char="○"/>
               <a:defRPr sz="1200"/>
             </a:lvl8pPr>
-            <a:lvl9pPr indent="-304800" lvl="8" marL="4114800">
+            <a:lvl9pPr marL="4114800" lvl="8" indent="-304800">
               <a:spcBef>
                 <a:spcPts val="0"/>
               </a:spcBef>
@@ -4790,15 +4968,19 @@
               <a:defRPr sz="1200"/>
             </a:lvl9pPr>
           </a:lstStyle>
-          <a:p/>
+          <a:p>
+            <a:endParaRPr/>
+          </a:p>
         </p:txBody>
       </p:sp>
       <p:sp>
         <p:nvSpPr>
           <p:cNvPr id="24" name="Google Shape;24;p5"/>
-          <p:cNvSpPr txBox="1"/>
+          <p:cNvSpPr txBox="1">
+            <a:spLocks noGrp="1"/>
+          </p:cNvSpPr>
           <p:nvPr>
-            <p:ph idx="12" type="sldNum"/>
+            <p:ph type="sldNum" idx="12"/>
           </p:nvPr>
         </p:nvSpPr>
         <p:spPr>
@@ -4811,7 +4993,7 @@
           </a:prstGeom>
         </p:spPr>
         <p:txBody>
-          <a:bodyPr anchorCtr="0" anchor="ctr" bIns="91425" lIns="91425" spcFirstLastPara="1" rIns="91425" wrap="square" tIns="91425">
+          <a:bodyPr spcFirstLastPara="1" wrap="square" lIns="91425" tIns="91425" rIns="91425" bIns="91425" anchor="ctr" anchorCtr="0">
             <a:normAutofit/>
           </a:bodyPr>
           <a:lstStyle>
@@ -4853,7 +5035,7 @@
             </a:lvl9pPr>
           </a:lstStyle>
           <a:p>
-            <a:pPr indent="0" lvl="0" marL="0" rtl="0" algn="r">
+            <a:pPr marL="0" lvl="0" indent="0" algn="r" rtl="0">
               <a:spcBef>
                 <a:spcPts val="0"/>
               </a:spcBef>
@@ -4879,11 +5061,11 @@
 </file>
 
 <file path=ppt/slideLayouts/slideLayout5.xml><?xml version="1.0" encoding="utf-8"?>
-<p:sldLayout xmlns:a="http://schemas.openxmlformats.org/drawingml/2006/main" xmlns:r="http://schemas.openxmlformats.org/officeDocument/2006/relationships" xmlns:mc="http://schemas.openxmlformats.org/markup-compatibility/2006" xmlns:mv="urn:schemas-microsoft-com:mac:vml" xmlns:p="http://schemas.openxmlformats.org/presentationml/2006/main" xmlns:c="http://schemas.openxmlformats.org/drawingml/2006/chart" xmlns:dgm="http://schemas.openxmlformats.org/drawingml/2006/diagram" xmlns:o="urn:schemas-microsoft-com:office:office" xmlns:v="urn:schemas-microsoft-com:vml" xmlns:pvml="urn:schemas-microsoft-com:office:powerpoint" xmlns:com="http://schemas.openxmlformats.org/drawingml/2006/compatibility" xmlns:p14="http://schemas.microsoft.com/office/powerpoint/2010/main" xmlns:p15="http://schemas.microsoft.com/office/powerpoint/2012/main" xmlns:ahyp="http://schemas.microsoft.com/office/drawing/2018/hyperlinkcolor" matchingName="Title only" type="titleOnly">
+<p:sldLayout xmlns:a="http://schemas.openxmlformats.org/drawingml/2006/main" xmlns:r="http://schemas.openxmlformats.org/officeDocument/2006/relationships" xmlns:p="http://schemas.openxmlformats.org/presentationml/2006/main" matchingName="Title only" type="titleOnly">
   <p:cSld name="TITLE_ONLY">
     <p:spTree>
       <p:nvGrpSpPr>
-        <p:cNvPr id="25" name="Shape 25"/>
+        <p:cNvPr id="1" name="Shape 25"/>
         <p:cNvGrpSpPr/>
         <p:nvPr/>
       </p:nvGrpSpPr>
@@ -4898,7 +5080,9 @@
       <p:sp>
         <p:nvSpPr>
           <p:cNvPr id="26" name="Google Shape;26;p6"/>
-          <p:cNvSpPr txBox="1"/>
+          <p:cNvSpPr txBox="1">
+            <a:spLocks noGrp="1"/>
+          </p:cNvSpPr>
           <p:nvPr>
             <p:ph type="title"/>
           </p:nvPr>
@@ -4913,7 +5097,7 @@
           </a:prstGeom>
         </p:spPr>
         <p:txBody>
-          <a:bodyPr anchorCtr="0" anchor="t" bIns="91425" lIns="91425" spcFirstLastPara="1" rIns="91425" wrap="square" tIns="91425">
+          <a:bodyPr spcFirstLastPara="1" wrap="square" lIns="91425" tIns="91425" rIns="91425" bIns="91425" anchor="t" anchorCtr="0">
             <a:normAutofit/>
           </a:bodyPr>
           <a:lstStyle>
@@ -5017,15 +5201,19 @@
               <a:defRPr/>
             </a:lvl9pPr>
           </a:lstStyle>
-          <a:p/>
+          <a:p>
+            <a:endParaRPr/>
+          </a:p>
         </p:txBody>
       </p:sp>
       <p:sp>
         <p:nvSpPr>
           <p:cNvPr id="27" name="Google Shape;27;p6"/>
-          <p:cNvSpPr txBox="1"/>
+          <p:cNvSpPr txBox="1">
+            <a:spLocks noGrp="1"/>
+          </p:cNvSpPr>
           <p:nvPr>
-            <p:ph idx="12" type="sldNum"/>
+            <p:ph type="sldNum" idx="12"/>
           </p:nvPr>
         </p:nvSpPr>
         <p:spPr>
@@ -5038,7 +5226,7 @@
           </a:prstGeom>
         </p:spPr>
         <p:txBody>
-          <a:bodyPr anchorCtr="0" anchor="ctr" bIns="91425" lIns="91425" spcFirstLastPara="1" rIns="91425" wrap="square" tIns="91425">
+          <a:bodyPr spcFirstLastPara="1" wrap="square" lIns="91425" tIns="91425" rIns="91425" bIns="91425" anchor="ctr" anchorCtr="0">
             <a:normAutofit/>
           </a:bodyPr>
           <a:lstStyle>
@@ -5080,7 +5268,7 @@
             </a:lvl9pPr>
           </a:lstStyle>
           <a:p>
-            <a:pPr indent="0" lvl="0" marL="0" rtl="0" algn="r">
+            <a:pPr marL="0" lvl="0" indent="0" algn="r" rtl="0">
               <a:spcBef>
                 <a:spcPts val="0"/>
               </a:spcBef>
@@ -5106,11 +5294,11 @@
 </file>
 
 <file path=ppt/slideLayouts/slideLayout6.xml><?xml version="1.0" encoding="utf-8"?>
-<p:sldLayout xmlns:a="http://schemas.openxmlformats.org/drawingml/2006/main" xmlns:r="http://schemas.openxmlformats.org/officeDocument/2006/relationships" xmlns:mc="http://schemas.openxmlformats.org/markup-compatibility/2006" xmlns:mv="urn:schemas-microsoft-com:mac:vml" xmlns:p="http://schemas.openxmlformats.org/presentationml/2006/main" xmlns:c="http://schemas.openxmlformats.org/drawingml/2006/chart" xmlns:dgm="http://schemas.openxmlformats.org/drawingml/2006/diagram" xmlns:o="urn:schemas-microsoft-com:office:office" xmlns:v="urn:schemas-microsoft-com:vml" xmlns:pvml="urn:schemas-microsoft-com:office:powerpoint" xmlns:com="http://schemas.openxmlformats.org/drawingml/2006/compatibility" xmlns:p14="http://schemas.microsoft.com/office/powerpoint/2010/main" xmlns:p15="http://schemas.microsoft.com/office/powerpoint/2012/main" xmlns:ahyp="http://schemas.microsoft.com/office/drawing/2018/hyperlinkcolor" matchingName="One column text">
+<p:sldLayout xmlns:a="http://schemas.openxmlformats.org/drawingml/2006/main" xmlns:r="http://schemas.openxmlformats.org/officeDocument/2006/relationships" xmlns:p="http://schemas.openxmlformats.org/presentationml/2006/main" matchingName="One column text">
   <p:cSld name="ONE_COLUMN_TEXT">
     <p:spTree>
       <p:nvGrpSpPr>
-        <p:cNvPr id="28" name="Shape 28"/>
+        <p:cNvPr id="1" name="Shape 28"/>
         <p:cNvGrpSpPr/>
         <p:nvPr/>
       </p:nvGrpSpPr>
@@ -5125,7 +5313,9 @@
       <p:sp>
         <p:nvSpPr>
           <p:cNvPr id="29" name="Google Shape;29;p7"/>
-          <p:cNvSpPr txBox="1"/>
+          <p:cNvSpPr txBox="1">
+            <a:spLocks noGrp="1"/>
+          </p:cNvSpPr>
           <p:nvPr>
             <p:ph type="title"/>
           </p:nvPr>
@@ -5140,7 +5330,7 @@
           </a:prstGeom>
         </p:spPr>
         <p:txBody>
-          <a:bodyPr anchorCtr="0" anchor="b" bIns="91425" lIns="91425" spcFirstLastPara="1" rIns="91425" wrap="square" tIns="91425">
+          <a:bodyPr spcFirstLastPara="1" wrap="square" lIns="91425" tIns="91425" rIns="91425" bIns="91425" anchor="b" anchorCtr="0">
             <a:normAutofit/>
           </a:bodyPr>
           <a:lstStyle>
@@ -5244,15 +5434,19 @@
               <a:defRPr sz="2400"/>
             </a:lvl9pPr>
           </a:lstStyle>
-          <a:p/>
+          <a:p>
+            <a:endParaRPr/>
+          </a:p>
         </p:txBody>
       </p:sp>
       <p:sp>
         <p:nvSpPr>
           <p:cNvPr id="30" name="Google Shape;30;p7"/>
-          <p:cNvSpPr txBox="1"/>
+          <p:cNvSpPr txBox="1">
+            <a:spLocks noGrp="1"/>
+          </p:cNvSpPr>
           <p:nvPr>
-            <p:ph idx="1" type="body"/>
+            <p:ph type="body" idx="1"/>
           </p:nvPr>
         </p:nvSpPr>
         <p:spPr>
@@ -5265,11 +5459,11 @@
           </a:prstGeom>
         </p:spPr>
         <p:txBody>
-          <a:bodyPr anchorCtr="0" anchor="t" bIns="91425" lIns="91425" spcFirstLastPara="1" rIns="91425" wrap="square" tIns="91425">
+          <a:bodyPr spcFirstLastPara="1" wrap="square" lIns="91425" tIns="91425" rIns="91425" bIns="91425" anchor="t" anchorCtr="0">
             <a:normAutofit/>
           </a:bodyPr>
           <a:lstStyle>
-            <a:lvl1pPr indent="-304800" lvl="0" marL="457200">
+            <a:lvl1pPr marL="457200" lvl="0" indent="-304800">
               <a:spcBef>
                 <a:spcPts val="0"/>
               </a:spcBef>
@@ -5280,7 +5474,7 @@
               <a:buChar char="●"/>
               <a:defRPr sz="1200"/>
             </a:lvl1pPr>
-            <a:lvl2pPr indent="-304800" lvl="1" marL="914400">
+            <a:lvl2pPr marL="914400" lvl="1" indent="-304800">
               <a:spcBef>
                 <a:spcPts val="0"/>
               </a:spcBef>
@@ -5291,7 +5485,7 @@
               <a:buChar char="○"/>
               <a:defRPr sz="1200"/>
             </a:lvl2pPr>
-            <a:lvl3pPr indent="-304800" lvl="2" marL="1371600">
+            <a:lvl3pPr marL="1371600" lvl="2" indent="-304800">
               <a:spcBef>
                 <a:spcPts val="0"/>
               </a:spcBef>
@@ -5302,7 +5496,7 @@
               <a:buChar char="■"/>
               <a:defRPr sz="1200"/>
             </a:lvl3pPr>
-            <a:lvl4pPr indent="-304800" lvl="3" marL="1828800">
+            <a:lvl4pPr marL="1828800" lvl="3" indent="-304800">
               <a:spcBef>
                 <a:spcPts val="0"/>
               </a:spcBef>
@@ -5313,7 +5507,7 @@
               <a:buChar char="●"/>
               <a:defRPr sz="1200"/>
             </a:lvl4pPr>
-            <a:lvl5pPr indent="-304800" lvl="4" marL="2286000">
+            <a:lvl5pPr marL="2286000" lvl="4" indent="-304800">
               <a:spcBef>
                 <a:spcPts val="0"/>
               </a:spcBef>
@@ -5324,7 +5518,7 @@
               <a:buChar char="○"/>
               <a:defRPr sz="1200"/>
             </a:lvl5pPr>
-            <a:lvl6pPr indent="-304800" lvl="5" marL="2743200">
+            <a:lvl6pPr marL="2743200" lvl="5" indent="-304800">
               <a:spcBef>
                 <a:spcPts val="0"/>
               </a:spcBef>
@@ -5335,7 +5529,7 @@
               <a:buChar char="■"/>
               <a:defRPr sz="1200"/>
             </a:lvl6pPr>
-            <a:lvl7pPr indent="-304800" lvl="6" marL="3200400">
+            <a:lvl7pPr marL="3200400" lvl="6" indent="-304800">
               <a:spcBef>
                 <a:spcPts val="0"/>
               </a:spcBef>
@@ -5346,7 +5540,7 @@
               <a:buChar char="●"/>
               <a:defRPr sz="1200"/>
             </a:lvl7pPr>
-            <a:lvl8pPr indent="-304800" lvl="7" marL="3657600">
+            <a:lvl8pPr marL="3657600" lvl="7" indent="-304800">
               <a:spcBef>
                 <a:spcPts val="0"/>
               </a:spcBef>
@@ -5357,7 +5551,7 @@
               <a:buChar char="○"/>
               <a:defRPr sz="1200"/>
             </a:lvl8pPr>
-            <a:lvl9pPr indent="-304800" lvl="8" marL="4114800">
+            <a:lvl9pPr marL="4114800" lvl="8" indent="-304800">
               <a:spcBef>
                 <a:spcPts val="0"/>
               </a:spcBef>
@@ -5369,15 +5563,19 @@
               <a:defRPr sz="1200"/>
             </a:lvl9pPr>
           </a:lstStyle>
-          <a:p/>
+          <a:p>
+            <a:endParaRPr/>
+          </a:p>
         </p:txBody>
       </p:sp>
       <p:sp>
         <p:nvSpPr>
           <p:cNvPr id="31" name="Google Shape;31;p7"/>
-          <p:cNvSpPr txBox="1"/>
+          <p:cNvSpPr txBox="1">
+            <a:spLocks noGrp="1"/>
+          </p:cNvSpPr>
           <p:nvPr>
-            <p:ph idx="12" type="sldNum"/>
+            <p:ph type="sldNum" idx="12"/>
           </p:nvPr>
         </p:nvSpPr>
         <p:spPr>
@@ -5390,7 +5588,7 @@
           </a:prstGeom>
         </p:spPr>
         <p:txBody>
-          <a:bodyPr anchorCtr="0" anchor="ctr" bIns="91425" lIns="91425" spcFirstLastPara="1" rIns="91425" wrap="square" tIns="91425">
+          <a:bodyPr spcFirstLastPara="1" wrap="square" lIns="91425" tIns="91425" rIns="91425" bIns="91425" anchor="ctr" anchorCtr="0">
             <a:normAutofit/>
           </a:bodyPr>
           <a:lstStyle>
@@ -5432,7 +5630,7 @@
             </a:lvl9pPr>
           </a:lstStyle>
           <a:p>
-            <a:pPr indent="0" lvl="0" marL="0" rtl="0" algn="r">
+            <a:pPr marL="0" lvl="0" indent="0" algn="r" rtl="0">
               <a:spcBef>
                 <a:spcPts val="0"/>
               </a:spcBef>
@@ -5458,11 +5656,11 @@
 </file>
 
 <file path=ppt/slideLayouts/slideLayout7.xml><?xml version="1.0" encoding="utf-8"?>
-<p:sldLayout xmlns:a="http://schemas.openxmlformats.org/drawingml/2006/main" xmlns:r="http://schemas.openxmlformats.org/officeDocument/2006/relationships" xmlns:mc="http://schemas.openxmlformats.org/markup-compatibility/2006" xmlns:mv="urn:schemas-microsoft-com:mac:vml" xmlns:p="http://schemas.openxmlformats.org/presentationml/2006/main" xmlns:c="http://schemas.openxmlformats.org/drawingml/2006/chart" xmlns:dgm="http://schemas.openxmlformats.org/drawingml/2006/diagram" xmlns:o="urn:schemas-microsoft-com:office:office" xmlns:v="urn:schemas-microsoft-com:vml" xmlns:pvml="urn:schemas-microsoft-com:office:powerpoint" xmlns:com="http://schemas.openxmlformats.org/drawingml/2006/compatibility" xmlns:p14="http://schemas.microsoft.com/office/powerpoint/2010/main" xmlns:p15="http://schemas.microsoft.com/office/powerpoint/2012/main" xmlns:ahyp="http://schemas.microsoft.com/office/drawing/2018/hyperlinkcolor" matchingName="Main point">
+<p:sldLayout xmlns:a="http://schemas.openxmlformats.org/drawingml/2006/main" xmlns:r="http://schemas.openxmlformats.org/officeDocument/2006/relationships" xmlns:p="http://schemas.openxmlformats.org/presentationml/2006/main" matchingName="Main point">
   <p:cSld name="MAIN_POINT">
     <p:spTree>
       <p:nvGrpSpPr>
-        <p:cNvPr id="32" name="Shape 32"/>
+        <p:cNvPr id="1" name="Shape 32"/>
         <p:cNvGrpSpPr/>
         <p:nvPr/>
       </p:nvGrpSpPr>
@@ -5477,7 +5675,9 @@
       <p:sp>
         <p:nvSpPr>
           <p:cNvPr id="33" name="Google Shape;33;p8"/>
-          <p:cNvSpPr txBox="1"/>
+          <p:cNvSpPr txBox="1">
+            <a:spLocks noGrp="1"/>
+          </p:cNvSpPr>
           <p:nvPr>
             <p:ph type="title"/>
           </p:nvPr>
@@ -5492,7 +5692,7 @@
           </a:prstGeom>
         </p:spPr>
         <p:txBody>
-          <a:bodyPr anchorCtr="0" anchor="ctr" bIns="91425" lIns="91425" spcFirstLastPara="1" rIns="91425" wrap="square" tIns="91425">
+          <a:bodyPr spcFirstLastPara="1" wrap="square" lIns="91425" tIns="91425" rIns="91425" bIns="91425" anchor="ctr" anchorCtr="0">
             <a:normAutofit/>
           </a:bodyPr>
           <a:lstStyle>
@@ -5596,15 +5796,19 @@
               <a:defRPr sz="4800"/>
             </a:lvl9pPr>
           </a:lstStyle>
-          <a:p/>
+          <a:p>
+            <a:endParaRPr/>
+          </a:p>
         </p:txBody>
       </p:sp>
       <p:sp>
         <p:nvSpPr>
           <p:cNvPr id="34" name="Google Shape;34;p8"/>
-          <p:cNvSpPr txBox="1"/>
+          <p:cNvSpPr txBox="1">
+            <a:spLocks noGrp="1"/>
+          </p:cNvSpPr>
           <p:nvPr>
-            <p:ph idx="12" type="sldNum"/>
+            <p:ph type="sldNum" idx="12"/>
           </p:nvPr>
         </p:nvSpPr>
         <p:spPr>
@@ -5617,7 +5821,7 @@
           </a:prstGeom>
         </p:spPr>
         <p:txBody>
-          <a:bodyPr anchorCtr="0" anchor="ctr" bIns="91425" lIns="91425" spcFirstLastPara="1" rIns="91425" wrap="square" tIns="91425">
+          <a:bodyPr spcFirstLastPara="1" wrap="square" lIns="91425" tIns="91425" rIns="91425" bIns="91425" anchor="ctr" anchorCtr="0">
             <a:normAutofit/>
           </a:bodyPr>
           <a:lstStyle>
@@ -5659,7 +5863,7 @@
             </a:lvl9pPr>
           </a:lstStyle>
           <a:p>
-            <a:pPr indent="0" lvl="0" marL="0" rtl="0" algn="r">
+            <a:pPr marL="0" lvl="0" indent="0" algn="r" rtl="0">
               <a:spcBef>
                 <a:spcPts val="0"/>
               </a:spcBef>
@@ -5685,11 +5889,11 @@
 </file>
 
 <file path=ppt/slideLayouts/slideLayout8.xml><?xml version="1.0" encoding="utf-8"?>
-<p:sldLayout xmlns:a="http://schemas.openxmlformats.org/drawingml/2006/main" xmlns:r="http://schemas.openxmlformats.org/officeDocument/2006/relationships" xmlns:mc="http://schemas.openxmlformats.org/markup-compatibility/2006" xmlns:mv="urn:schemas-microsoft-com:mac:vml" xmlns:p="http://schemas.openxmlformats.org/presentationml/2006/main" xmlns:c="http://schemas.openxmlformats.org/drawingml/2006/chart" xmlns:dgm="http://schemas.openxmlformats.org/drawingml/2006/diagram" xmlns:o="urn:schemas-microsoft-com:office:office" xmlns:v="urn:schemas-microsoft-com:vml" xmlns:pvml="urn:schemas-microsoft-com:office:powerpoint" xmlns:com="http://schemas.openxmlformats.org/drawingml/2006/compatibility" xmlns:p14="http://schemas.microsoft.com/office/powerpoint/2010/main" xmlns:p15="http://schemas.microsoft.com/office/powerpoint/2012/main" xmlns:ahyp="http://schemas.microsoft.com/office/drawing/2018/hyperlinkcolor" matchingName="Section title and description">
+<p:sldLayout xmlns:a="http://schemas.openxmlformats.org/drawingml/2006/main" xmlns:r="http://schemas.openxmlformats.org/officeDocument/2006/relationships" xmlns:p="http://schemas.openxmlformats.org/presentationml/2006/main" matchingName="Section title and description">
   <p:cSld name="SECTION_TITLE_AND_DESCRIPTION">
     <p:spTree>
       <p:nvGrpSpPr>
-        <p:cNvPr id="35" name="Shape 35"/>
+        <p:cNvPr id="1" name="Shape 35"/>
         <p:cNvGrpSpPr/>
         <p:nvPr/>
       </p:nvGrpSpPr>
@@ -5723,12 +5927,12 @@
           </a:ln>
         </p:spPr>
         <p:txBody>
-          <a:bodyPr anchorCtr="0" anchor="ctr" bIns="91425" lIns="91425" spcFirstLastPara="1" rIns="91425" wrap="square" tIns="91425">
+          <a:bodyPr spcFirstLastPara="1" wrap="square" lIns="91425" tIns="91425" rIns="91425" bIns="91425" anchor="ctr" anchorCtr="0">
             <a:noAutofit/>
           </a:bodyPr>
           <a:lstStyle/>
           <a:p>
-            <a:pPr indent="0" lvl="0" marL="0" rtl="0" algn="l">
+            <a:pPr marL="0" lvl="0" indent="0" algn="l" rtl="0">
               <a:spcBef>
                 <a:spcPts val="0"/>
               </a:spcBef>
@@ -5737,9 +5941,6 @@
               </a:spcAft>
               <a:buNone/>
             </a:pPr>
-            <a:r>
-              <a:t/>
-            </a:r>
             <a:endParaRPr/>
           </a:p>
         </p:txBody>
@@ -5747,7 +5948,9 @@
       <p:sp>
         <p:nvSpPr>
           <p:cNvPr id="37" name="Google Shape;37;p9"/>
-          <p:cNvSpPr txBox="1"/>
+          <p:cNvSpPr txBox="1">
+            <a:spLocks noGrp="1"/>
+          </p:cNvSpPr>
           <p:nvPr>
             <p:ph type="title"/>
           </p:nvPr>
@@ -5762,7 +5965,7 @@
           </a:prstGeom>
         </p:spPr>
         <p:txBody>
-          <a:bodyPr anchorCtr="0" anchor="b" bIns="91425" lIns="91425" spcFirstLastPara="1" rIns="91425" wrap="square" tIns="91425">
+          <a:bodyPr spcFirstLastPara="1" wrap="square" lIns="91425" tIns="91425" rIns="91425" bIns="91425" anchor="b" anchorCtr="0">
             <a:normAutofit/>
           </a:bodyPr>
           <a:lstStyle>
@@ -5866,15 +6069,19 @@
               <a:defRPr sz="4200"/>
             </a:lvl9pPr>
           </a:lstStyle>
-          <a:p/>
+          <a:p>
+            <a:endParaRPr/>
+          </a:p>
         </p:txBody>
       </p:sp>
       <p:sp>
         <p:nvSpPr>
           <p:cNvPr id="38" name="Google Shape;38;p9"/>
-          <p:cNvSpPr txBox="1"/>
+          <p:cNvSpPr txBox="1">
+            <a:spLocks noGrp="1"/>
+          </p:cNvSpPr>
           <p:nvPr>
-            <p:ph idx="1" type="subTitle"/>
+            <p:ph type="subTitle" idx="1"/>
           </p:nvPr>
         </p:nvSpPr>
         <p:spPr>
@@ -5887,7 +6094,7 @@
           </a:prstGeom>
         </p:spPr>
         <p:txBody>
-          <a:bodyPr anchorCtr="0" anchor="t" bIns="91425" lIns="91425" spcFirstLastPara="1" rIns="91425" wrap="square" tIns="91425">
+          <a:bodyPr spcFirstLastPara="1" wrap="square" lIns="91425" tIns="91425" rIns="91425" bIns="91425" anchor="t" anchorCtr="0">
             <a:normAutofit/>
           </a:bodyPr>
           <a:lstStyle>
@@ -6018,15 +6225,19 @@
               <a:defRPr sz="2100"/>
             </a:lvl9pPr>
           </a:lstStyle>
-          <a:p/>
+          <a:p>
+            <a:endParaRPr/>
+          </a:p>
         </p:txBody>
       </p:sp>
       <p:sp>
         <p:nvSpPr>
           <p:cNvPr id="39" name="Google Shape;39;p9"/>
-          <p:cNvSpPr txBox="1"/>
+          <p:cNvSpPr txBox="1">
+            <a:spLocks noGrp="1"/>
+          </p:cNvSpPr>
           <p:nvPr>
-            <p:ph idx="2" type="body"/>
+            <p:ph type="body" idx="2"/>
           </p:nvPr>
         </p:nvSpPr>
         <p:spPr>
@@ -6039,11 +6250,11 @@
           </a:prstGeom>
         </p:spPr>
         <p:txBody>
-          <a:bodyPr anchorCtr="0" anchor="ctr" bIns="91425" lIns="91425" spcFirstLastPara="1" rIns="91425" wrap="square" tIns="91425">
+          <a:bodyPr spcFirstLastPara="1" wrap="square" lIns="91425" tIns="91425" rIns="91425" bIns="91425" anchor="ctr" anchorCtr="0">
             <a:normAutofit/>
           </a:bodyPr>
           <a:lstStyle>
-            <a:lvl1pPr indent="-342900" lvl="0" marL="457200">
+            <a:lvl1pPr marL="457200" lvl="0" indent="-342900">
               <a:spcBef>
                 <a:spcPts val="0"/>
               </a:spcBef>
@@ -6054,7 +6265,7 @@
               <a:buChar char="●"/>
               <a:defRPr/>
             </a:lvl1pPr>
-            <a:lvl2pPr indent="-317500" lvl="1" marL="914400">
+            <a:lvl2pPr marL="914400" lvl="1" indent="-317500">
               <a:spcBef>
                 <a:spcPts val="0"/>
               </a:spcBef>
@@ -6065,7 +6276,7 @@
               <a:buChar char="○"/>
               <a:defRPr/>
             </a:lvl2pPr>
-            <a:lvl3pPr indent="-317500" lvl="2" marL="1371600">
+            <a:lvl3pPr marL="1371600" lvl="2" indent="-317500">
               <a:spcBef>
                 <a:spcPts val="0"/>
               </a:spcBef>
@@ -6076,7 +6287,7 @@
               <a:buChar char="■"/>
               <a:defRPr/>
             </a:lvl3pPr>
-            <a:lvl4pPr indent="-317500" lvl="3" marL="1828800">
+            <a:lvl4pPr marL="1828800" lvl="3" indent="-317500">
               <a:spcBef>
                 <a:spcPts val="0"/>
               </a:spcBef>
@@ -6087,7 +6298,7 @@
               <a:buChar char="●"/>
               <a:defRPr/>
             </a:lvl4pPr>
-            <a:lvl5pPr indent="-317500" lvl="4" marL="2286000">
+            <a:lvl5pPr marL="2286000" lvl="4" indent="-317500">
               <a:spcBef>
                 <a:spcPts val="0"/>
               </a:spcBef>
@@ -6098,7 +6309,7 @@
               <a:buChar char="○"/>
               <a:defRPr/>
             </a:lvl5pPr>
-            <a:lvl6pPr indent="-317500" lvl="5" marL="2743200">
+            <a:lvl6pPr marL="2743200" lvl="5" indent="-317500">
               <a:spcBef>
                 <a:spcPts val="0"/>
               </a:spcBef>
@@ -6109,7 +6320,7 @@
               <a:buChar char="■"/>
               <a:defRPr/>
             </a:lvl6pPr>
-            <a:lvl7pPr indent="-317500" lvl="6" marL="3200400">
+            <a:lvl7pPr marL="3200400" lvl="6" indent="-317500">
               <a:spcBef>
                 <a:spcPts val="0"/>
               </a:spcBef>
@@ -6120,7 +6331,7 @@
               <a:buChar char="●"/>
               <a:defRPr/>
             </a:lvl7pPr>
-            <a:lvl8pPr indent="-317500" lvl="7" marL="3657600">
+            <a:lvl8pPr marL="3657600" lvl="7" indent="-317500">
               <a:spcBef>
                 <a:spcPts val="0"/>
               </a:spcBef>
@@ -6131,7 +6342,7 @@
               <a:buChar char="○"/>
               <a:defRPr/>
             </a:lvl8pPr>
-            <a:lvl9pPr indent="-317500" lvl="8" marL="4114800">
+            <a:lvl9pPr marL="4114800" lvl="8" indent="-317500">
               <a:spcBef>
                 <a:spcPts val="0"/>
               </a:spcBef>
@@ -6143,15 +6354,19 @@
               <a:defRPr/>
             </a:lvl9pPr>
           </a:lstStyle>
-          <a:p/>
+          <a:p>
+            <a:endParaRPr/>
+          </a:p>
         </p:txBody>
       </p:sp>
       <p:sp>
         <p:nvSpPr>
           <p:cNvPr id="40" name="Google Shape;40;p9"/>
-          <p:cNvSpPr txBox="1"/>
+          <p:cNvSpPr txBox="1">
+            <a:spLocks noGrp="1"/>
+          </p:cNvSpPr>
           <p:nvPr>
-            <p:ph idx="12" type="sldNum"/>
+            <p:ph type="sldNum" idx="12"/>
           </p:nvPr>
         </p:nvSpPr>
         <p:spPr>
@@ -6164,7 +6379,7 @@
           </a:prstGeom>
         </p:spPr>
         <p:txBody>
-          <a:bodyPr anchorCtr="0" anchor="ctr" bIns="91425" lIns="91425" spcFirstLastPara="1" rIns="91425" wrap="square" tIns="91425">
+          <a:bodyPr spcFirstLastPara="1" wrap="square" lIns="91425" tIns="91425" rIns="91425" bIns="91425" anchor="ctr" anchorCtr="0">
             <a:normAutofit/>
           </a:bodyPr>
           <a:lstStyle>
@@ -6206,7 +6421,7 @@
             </a:lvl9pPr>
           </a:lstStyle>
           <a:p>
-            <a:pPr indent="0" lvl="0" marL="0" rtl="0" algn="r">
+            <a:pPr marL="0" lvl="0" indent="0" algn="r" rtl="0">
               <a:spcBef>
                 <a:spcPts val="0"/>
               </a:spcBef>
@@ -6232,11 +6447,11 @@
 </file>
 
 <file path=ppt/slideLayouts/slideLayout9.xml><?xml version="1.0" encoding="utf-8"?>
-<p:sldLayout xmlns:a="http://schemas.openxmlformats.org/drawingml/2006/main" xmlns:r="http://schemas.openxmlformats.org/officeDocument/2006/relationships" xmlns:mc="http://schemas.openxmlformats.org/markup-compatibility/2006" xmlns:mv="urn:schemas-microsoft-com:mac:vml" xmlns:p="http://schemas.openxmlformats.org/presentationml/2006/main" xmlns:c="http://schemas.openxmlformats.org/drawingml/2006/chart" xmlns:dgm="http://schemas.openxmlformats.org/drawingml/2006/diagram" xmlns:o="urn:schemas-microsoft-com:office:office" xmlns:v="urn:schemas-microsoft-com:vml" xmlns:pvml="urn:schemas-microsoft-com:office:powerpoint" xmlns:com="http://schemas.openxmlformats.org/drawingml/2006/compatibility" xmlns:p14="http://schemas.microsoft.com/office/powerpoint/2010/main" xmlns:p15="http://schemas.microsoft.com/office/powerpoint/2012/main" xmlns:ahyp="http://schemas.microsoft.com/office/drawing/2018/hyperlinkcolor" matchingName="Caption">
+<p:sldLayout xmlns:a="http://schemas.openxmlformats.org/drawingml/2006/main" xmlns:r="http://schemas.openxmlformats.org/officeDocument/2006/relationships" xmlns:p="http://schemas.openxmlformats.org/presentationml/2006/main" matchingName="Caption">
   <p:cSld name="CAPTION_ONLY">
     <p:spTree>
       <p:nvGrpSpPr>
-        <p:cNvPr id="41" name="Shape 41"/>
+        <p:cNvPr id="1" name="Shape 41"/>
         <p:cNvGrpSpPr/>
         <p:nvPr/>
       </p:nvGrpSpPr>
@@ -6251,9 +6466,11 @@
       <p:sp>
         <p:nvSpPr>
           <p:cNvPr id="42" name="Google Shape;42;p10"/>
-          <p:cNvSpPr txBox="1"/>
+          <p:cNvSpPr txBox="1">
+            <a:spLocks noGrp="1"/>
+          </p:cNvSpPr>
           <p:nvPr>
-            <p:ph idx="1" type="body"/>
+            <p:ph type="body" idx="1"/>
           </p:nvPr>
         </p:nvSpPr>
         <p:spPr>
@@ -6266,11 +6483,11 @@
           </a:prstGeom>
         </p:spPr>
         <p:txBody>
-          <a:bodyPr anchorCtr="0" anchor="ctr" bIns="91425" lIns="91425" spcFirstLastPara="1" rIns="91425" wrap="square" tIns="91425">
+          <a:bodyPr spcFirstLastPara="1" wrap="square" lIns="91425" tIns="91425" rIns="91425" bIns="91425" anchor="ctr" anchorCtr="0">
             <a:normAutofit/>
           </a:bodyPr>
           <a:lstStyle>
-            <a:lvl1pPr indent="-228600" lvl="0" marL="457200">
+            <a:lvl1pPr marL="457200" lvl="0" indent="-228600">
               <a:lnSpc>
                 <a:spcPct val="100000"/>
               </a:lnSpc>
@@ -6285,15 +6502,19 @@
               <a:defRPr/>
             </a:lvl1pPr>
           </a:lstStyle>
-          <a:p/>
+          <a:p>
+            <a:endParaRPr/>
+          </a:p>
         </p:txBody>
       </p:sp>
       <p:sp>
         <p:nvSpPr>
           <p:cNvPr id="43" name="Google Shape;43;p10"/>
-          <p:cNvSpPr txBox="1"/>
+          <p:cNvSpPr txBox="1">
+            <a:spLocks noGrp="1"/>
+          </p:cNvSpPr>
           <p:nvPr>
-            <p:ph idx="12" type="sldNum"/>
+            <p:ph type="sldNum" idx="12"/>
           </p:nvPr>
         </p:nvSpPr>
         <p:spPr>
@@ -6306,7 +6527,7 @@
           </a:prstGeom>
         </p:spPr>
         <p:txBody>
-          <a:bodyPr anchorCtr="0" anchor="ctr" bIns="91425" lIns="91425" spcFirstLastPara="1" rIns="91425" wrap="square" tIns="91425">
+          <a:bodyPr spcFirstLastPara="1" wrap="square" lIns="91425" tIns="91425" rIns="91425" bIns="91425" anchor="ctr" anchorCtr="0">
             <a:normAutofit/>
           </a:bodyPr>
           <a:lstStyle>
@@ -6348,7 +6569,7 @@
             </a:lvl9pPr>
           </a:lstStyle>
           <a:p>
-            <a:pPr indent="0" lvl="0" marL="0" rtl="0" algn="r">
+            <a:pPr marL="0" lvl="0" indent="0" algn="r" rtl="0">
               <a:spcBef>
                 <a:spcPts val="0"/>
               </a:spcBef>
@@ -6374,18 +6595,19 @@
 </file>
 
 <file path=ppt/slideMasters/slideMaster1.xml><?xml version="1.0" encoding="utf-8"?>
-<p:sldMaster xmlns:a="http://schemas.openxmlformats.org/drawingml/2006/main" xmlns:r="http://schemas.openxmlformats.org/officeDocument/2006/relationships" xmlns:mc="http://schemas.openxmlformats.org/markup-compatibility/2006" xmlns:mv="urn:schemas-microsoft-com:mac:vml" xmlns:p="http://schemas.openxmlformats.org/presentationml/2006/main" xmlns:c="http://schemas.openxmlformats.org/drawingml/2006/chart" xmlns:dgm="http://schemas.openxmlformats.org/drawingml/2006/diagram" xmlns:o="urn:schemas-microsoft-com:office:office" xmlns:v="urn:schemas-microsoft-com:vml" xmlns:pvml="urn:schemas-microsoft-com:office:powerpoint" xmlns:com="http://schemas.openxmlformats.org/drawingml/2006/compatibility" xmlns:p14="http://schemas.microsoft.com/office/powerpoint/2010/main" xmlns:p15="http://schemas.microsoft.com/office/powerpoint/2012/main" xmlns:ahyp="http://schemas.microsoft.com/office/drawing/2018/hyperlinkcolor">
+<p:sldMaster xmlns:a="http://schemas.openxmlformats.org/drawingml/2006/main" xmlns:r="http://schemas.openxmlformats.org/officeDocument/2006/relationships" xmlns:p="http://schemas.openxmlformats.org/presentationml/2006/main">
   <p:cSld name="simple-light-2">
     <p:bg>
       <p:bgPr>
         <a:solidFill>
           <a:schemeClr val="lt1"/>
         </a:solidFill>
+        <a:effectLst/>
       </p:bgPr>
     </p:bg>
     <p:spTree>
       <p:nvGrpSpPr>
-        <p:cNvPr id="5" name="Shape 5"/>
+        <p:cNvPr id="1" name="Shape 5"/>
         <p:cNvGrpSpPr/>
         <p:nvPr/>
       </p:nvGrpSpPr>
@@ -6400,7 +6622,9 @@
       <p:sp>
         <p:nvSpPr>
           <p:cNvPr id="6" name="Google Shape;6;p1"/>
-          <p:cNvSpPr txBox="1"/>
+          <p:cNvSpPr txBox="1">
+            <a:spLocks noGrp="1"/>
+          </p:cNvSpPr>
           <p:nvPr>
             <p:ph type="title"/>
           </p:nvPr>
@@ -6419,7 +6643,7 @@
           </a:ln>
         </p:spPr>
         <p:txBody>
-          <a:bodyPr anchorCtr="0" anchor="t" bIns="91425" lIns="91425" spcFirstLastPara="1" rIns="91425" wrap="square" tIns="91425">
+          <a:bodyPr spcFirstLastPara="1" wrap="square" lIns="91425" tIns="91425" rIns="91425" bIns="91425" anchor="t" anchorCtr="0">
             <a:normAutofit/>
           </a:bodyPr>
           <a:lstStyle>
@@ -6586,15 +6810,19 @@
               </a:defRPr>
             </a:lvl9pPr>
           </a:lstStyle>
-          <a:p/>
+          <a:p>
+            <a:endParaRPr/>
+          </a:p>
         </p:txBody>
       </p:sp>
       <p:sp>
         <p:nvSpPr>
           <p:cNvPr id="7" name="Google Shape;7;p1"/>
-          <p:cNvSpPr txBox="1"/>
+          <p:cNvSpPr txBox="1">
+            <a:spLocks noGrp="1"/>
+          </p:cNvSpPr>
           <p:nvPr>
-            <p:ph idx="1" type="body"/>
+            <p:ph type="body" idx="1"/>
           </p:nvPr>
         </p:nvSpPr>
         <p:spPr>
@@ -6611,11 +6839,11 @@
           </a:ln>
         </p:spPr>
         <p:txBody>
-          <a:bodyPr anchorCtr="0" anchor="t" bIns="91425" lIns="91425" spcFirstLastPara="1" rIns="91425" wrap="square" tIns="91425">
+          <a:bodyPr spcFirstLastPara="1" wrap="square" lIns="91425" tIns="91425" rIns="91425" bIns="91425" anchor="t" anchorCtr="0">
             <a:normAutofit/>
           </a:bodyPr>
           <a:lstStyle>
-            <a:lvl1pPr indent="-342900" lvl="0" marL="457200">
+            <a:lvl1pPr marL="457200" lvl="0" indent="-342900">
               <a:lnSpc>
                 <a:spcPct val="115000"/>
               </a:lnSpc>
@@ -6636,7 +6864,7 @@
                 </a:solidFill>
               </a:defRPr>
             </a:lvl1pPr>
-            <a:lvl2pPr indent="-317500" lvl="1" marL="914400">
+            <a:lvl2pPr marL="914400" lvl="1" indent="-317500">
               <a:lnSpc>
                 <a:spcPct val="115000"/>
               </a:lnSpc>
@@ -6657,7 +6885,7 @@
                 </a:solidFill>
               </a:defRPr>
             </a:lvl2pPr>
-            <a:lvl3pPr indent="-317500" lvl="2" marL="1371600">
+            <a:lvl3pPr marL="1371600" lvl="2" indent="-317500">
               <a:lnSpc>
                 <a:spcPct val="115000"/>
               </a:lnSpc>
@@ -6678,7 +6906,7 @@
                 </a:solidFill>
               </a:defRPr>
             </a:lvl3pPr>
-            <a:lvl4pPr indent="-317500" lvl="3" marL="1828800">
+            <a:lvl4pPr marL="1828800" lvl="3" indent="-317500">
               <a:lnSpc>
                 <a:spcPct val="115000"/>
               </a:lnSpc>
@@ -6699,7 +6927,7 @@
                 </a:solidFill>
               </a:defRPr>
             </a:lvl4pPr>
-            <a:lvl5pPr indent="-317500" lvl="4" marL="2286000">
+            <a:lvl5pPr marL="2286000" lvl="4" indent="-317500">
               <a:lnSpc>
                 <a:spcPct val="115000"/>
               </a:lnSpc>
@@ -6720,7 +6948,7 @@
                 </a:solidFill>
               </a:defRPr>
             </a:lvl5pPr>
-            <a:lvl6pPr indent="-317500" lvl="5" marL="2743200">
+            <a:lvl6pPr marL="2743200" lvl="5" indent="-317500">
               <a:lnSpc>
                 <a:spcPct val="115000"/>
               </a:lnSpc>
@@ -6741,7 +6969,7 @@
                 </a:solidFill>
               </a:defRPr>
             </a:lvl6pPr>
-            <a:lvl7pPr indent="-317500" lvl="6" marL="3200400">
+            <a:lvl7pPr marL="3200400" lvl="6" indent="-317500">
               <a:lnSpc>
                 <a:spcPct val="115000"/>
               </a:lnSpc>
@@ -6762,7 +6990,7 @@
                 </a:solidFill>
               </a:defRPr>
             </a:lvl7pPr>
-            <a:lvl8pPr indent="-317500" lvl="7" marL="3657600">
+            <a:lvl8pPr marL="3657600" lvl="7" indent="-317500">
               <a:lnSpc>
                 <a:spcPct val="115000"/>
               </a:lnSpc>
@@ -6783,7 +7011,7 @@
                 </a:solidFill>
               </a:defRPr>
             </a:lvl8pPr>
-            <a:lvl9pPr indent="-317500" lvl="8" marL="4114800">
+            <a:lvl9pPr marL="4114800" lvl="8" indent="-317500">
               <a:lnSpc>
                 <a:spcPct val="115000"/>
               </a:lnSpc>
@@ -6805,15 +7033,19 @@
               </a:defRPr>
             </a:lvl9pPr>
           </a:lstStyle>
-          <a:p/>
+          <a:p>
+            <a:endParaRPr/>
+          </a:p>
         </p:txBody>
       </p:sp>
       <p:sp>
         <p:nvSpPr>
           <p:cNvPr id="8" name="Google Shape;8;p1"/>
-          <p:cNvSpPr txBox="1"/>
+          <p:cNvSpPr txBox="1">
+            <a:spLocks noGrp="1"/>
+          </p:cNvSpPr>
           <p:nvPr>
-            <p:ph idx="12" type="sldNum"/>
+            <p:ph type="sldNum" idx="12"/>
           </p:nvPr>
         </p:nvSpPr>
         <p:spPr>
@@ -6830,7 +7062,7 @@
           </a:ln>
         </p:spPr>
         <p:txBody>
-          <a:bodyPr anchorCtr="0" anchor="ctr" bIns="91425" lIns="91425" spcFirstLastPara="1" rIns="91425" wrap="square" tIns="91425">
+          <a:bodyPr spcFirstLastPara="1" wrap="square" lIns="91425" tIns="91425" rIns="91425" bIns="91425" anchor="ctr" anchorCtr="0">
             <a:normAutofit/>
           </a:bodyPr>
           <a:lstStyle>
@@ -6908,7 +7140,7 @@
             </a:lvl9pPr>
           </a:lstStyle>
           <a:p>
-            <a:pPr indent="0" lvl="0" marL="0" rtl="0" algn="r">
+            <a:pPr marL="0" lvl="0" indent="0" algn="r" rtl="0">
               <a:spcBef>
                 <a:spcPts val="0"/>
               </a:spcBef>
@@ -6927,7 +7159,7 @@
       </p:sp>
     </p:spTree>
   </p:cSld>
-  <p:clrMap accent1="accent1" accent2="accent2" accent3="accent3" accent4="accent4" accent5="accent5" accent6="accent6" bg1="lt1" bg2="dk2" tx1="dk1" tx2="lt2" folHlink="folHlink" hlink="hlink"/>
+  <p:clrMap bg1="lt1" tx1="dk1" bg2="dk2" tx2="lt2" accent1="accent1" accent2="accent2" accent3="accent3" accent4="accent4" accent5="accent5" accent6="accent6" hlink="hlink" folHlink="folHlink"/>
   <p:sldLayoutIdLst>
     <p:sldLayoutId id="2147483648" r:id="rId1"/>
     <p:sldLayoutId id="2147483649" r:id="rId2"/>
@@ -6941,10 +7173,10 @@
     <p:sldLayoutId id="2147483657" r:id="rId10"/>
     <p:sldLayoutId id="2147483658" r:id="rId11"/>
   </p:sldLayoutIdLst>
-  <p:hf dt="0" ftr="0" hdr="0" sldNum="0"/>
+  <p:hf sldNum="0" hdr="0" ftr="0" dt="0"/>
   <p:txStyles>
     <p:titleStyle>
-      <a:defPPr lvl="0" marR="0" rtl="0" algn="l">
+      <a:defPPr marR="0" lvl="0" algn="l" rtl="0">
         <a:lnSpc>
           <a:spcPct val="100000"/>
         </a:lnSpc>
@@ -6955,7 +7187,7 @@
           <a:spcPts val="0"/>
         </a:spcAft>
       </a:defPPr>
-      <a:lvl1pPr lvl="0" marR="0" rtl="0" algn="l">
+      <a:lvl1pPr marR="0" lvl="0" algn="l" rtl="0">
         <a:lnSpc>
           <a:spcPct val="100000"/>
         </a:lnSpc>
@@ -6969,7 +7201,7 @@
           <a:srgbClr val="000000"/>
         </a:buClr>
         <a:buFont typeface="Arial"/>
-        <a:defRPr b="0" i="0" sz="1400" u="none" cap="none" strike="noStrike">
+        <a:defRPr sz="1400" b="0" i="0" u="none" strike="noStrike" cap="none">
           <a:solidFill>
             <a:srgbClr val="000000"/>
           </a:solidFill>
@@ -6979,7 +7211,7 @@
           <a:sym typeface="Arial"/>
         </a:defRPr>
       </a:lvl1pPr>
-      <a:lvl2pPr lvl="1" marR="0" rtl="0" algn="l">
+      <a:lvl2pPr marR="0" lvl="1" algn="l" rtl="0">
         <a:lnSpc>
           <a:spcPct val="100000"/>
         </a:lnSpc>
@@ -6993,7 +7225,7 @@
           <a:srgbClr val="000000"/>
         </a:buClr>
         <a:buFont typeface="Arial"/>
-        <a:defRPr b="0" i="0" sz="1400" u="none" cap="none" strike="noStrike">
+        <a:defRPr sz="1400" b="0" i="0" u="none" strike="noStrike" cap="none">
           <a:solidFill>
             <a:srgbClr val="000000"/>
           </a:solidFill>
@@ -7003,7 +7235,7 @@
           <a:sym typeface="Arial"/>
         </a:defRPr>
       </a:lvl2pPr>
-      <a:lvl3pPr lvl="2" marR="0" rtl="0" algn="l">
+      <a:lvl3pPr marR="0" lvl="2" algn="l" rtl="0">
         <a:lnSpc>
           <a:spcPct val="100000"/>
         </a:lnSpc>
@@ -7017,7 +7249,7 @@
           <a:srgbClr val="000000"/>
         </a:buClr>
         <a:buFont typeface="Arial"/>
-        <a:defRPr b="0" i="0" sz="1400" u="none" cap="none" strike="noStrike">
+        <a:defRPr sz="1400" b="0" i="0" u="none" strike="noStrike" cap="none">
           <a:solidFill>
             <a:srgbClr val="000000"/>
           </a:solidFill>
@@ -7027,7 +7259,7 @@
           <a:sym typeface="Arial"/>
         </a:defRPr>
       </a:lvl3pPr>
-      <a:lvl4pPr lvl="3" marR="0" rtl="0" algn="l">
+      <a:lvl4pPr marR="0" lvl="3" algn="l" rtl="0">
         <a:lnSpc>
           <a:spcPct val="100000"/>
         </a:lnSpc>
@@ -7041,7 +7273,7 @@
           <a:srgbClr val="000000"/>
         </a:buClr>
         <a:buFont typeface="Arial"/>
-        <a:defRPr b="0" i="0" sz="1400" u="none" cap="none" strike="noStrike">
+        <a:defRPr sz="1400" b="0" i="0" u="none" strike="noStrike" cap="none">
           <a:solidFill>
             <a:srgbClr val="000000"/>
           </a:solidFill>
@@ -7051,7 +7283,7 @@
           <a:sym typeface="Arial"/>
         </a:defRPr>
       </a:lvl4pPr>
-      <a:lvl5pPr lvl="4" marR="0" rtl="0" algn="l">
+      <a:lvl5pPr marR="0" lvl="4" algn="l" rtl="0">
         <a:lnSpc>
           <a:spcPct val="100000"/>
         </a:lnSpc>
@@ -7065,7 +7297,7 @@
           <a:srgbClr val="000000"/>
         </a:buClr>
         <a:buFont typeface="Arial"/>
-        <a:defRPr b="0" i="0" sz="1400" u="none" cap="none" strike="noStrike">
+        <a:defRPr sz="1400" b="0" i="0" u="none" strike="noStrike" cap="none">
           <a:solidFill>
             <a:srgbClr val="000000"/>
           </a:solidFill>
@@ -7075,7 +7307,7 @@
           <a:sym typeface="Arial"/>
         </a:defRPr>
       </a:lvl5pPr>
-      <a:lvl6pPr lvl="5" marR="0" rtl="0" algn="l">
+      <a:lvl6pPr marR="0" lvl="5" algn="l" rtl="0">
         <a:lnSpc>
           <a:spcPct val="100000"/>
         </a:lnSpc>
@@ -7089,7 +7321,7 @@
           <a:srgbClr val="000000"/>
         </a:buClr>
         <a:buFont typeface="Arial"/>
-        <a:defRPr b="0" i="0" sz="1400" u="none" cap="none" strike="noStrike">
+        <a:defRPr sz="1400" b="0" i="0" u="none" strike="noStrike" cap="none">
           <a:solidFill>
             <a:srgbClr val="000000"/>
           </a:solidFill>
@@ -7099,7 +7331,7 @@
           <a:sym typeface="Arial"/>
         </a:defRPr>
       </a:lvl6pPr>
-      <a:lvl7pPr lvl="6" marR="0" rtl="0" algn="l">
+      <a:lvl7pPr marR="0" lvl="6" algn="l" rtl="0">
         <a:lnSpc>
           <a:spcPct val="100000"/>
         </a:lnSpc>
@@ -7113,7 +7345,7 @@
           <a:srgbClr val="000000"/>
         </a:buClr>
         <a:buFont typeface="Arial"/>
-        <a:defRPr b="0" i="0" sz="1400" u="none" cap="none" strike="noStrike">
+        <a:defRPr sz="1400" b="0" i="0" u="none" strike="noStrike" cap="none">
           <a:solidFill>
             <a:srgbClr val="000000"/>
           </a:solidFill>
@@ -7123,7 +7355,7 @@
           <a:sym typeface="Arial"/>
         </a:defRPr>
       </a:lvl7pPr>
-      <a:lvl8pPr lvl="7" marR="0" rtl="0" algn="l">
+      <a:lvl8pPr marR="0" lvl="7" algn="l" rtl="0">
         <a:lnSpc>
           <a:spcPct val="100000"/>
         </a:lnSpc>
@@ -7137,7 +7369,7 @@
           <a:srgbClr val="000000"/>
         </a:buClr>
         <a:buFont typeface="Arial"/>
-        <a:defRPr b="0" i="0" sz="1400" u="none" cap="none" strike="noStrike">
+        <a:defRPr sz="1400" b="0" i="0" u="none" strike="noStrike" cap="none">
           <a:solidFill>
             <a:srgbClr val="000000"/>
           </a:solidFill>
@@ -7147,7 +7379,7 @@
           <a:sym typeface="Arial"/>
         </a:defRPr>
       </a:lvl8pPr>
-      <a:lvl9pPr lvl="8" marR="0" rtl="0" algn="l">
+      <a:lvl9pPr marR="0" lvl="8" algn="l" rtl="0">
         <a:lnSpc>
           <a:spcPct val="100000"/>
         </a:lnSpc>
@@ -7161,7 +7393,7 @@
           <a:srgbClr val="000000"/>
         </a:buClr>
         <a:buFont typeface="Arial"/>
-        <a:defRPr b="0" i="0" sz="1400" u="none" cap="none" strike="noStrike">
+        <a:defRPr sz="1400" b="0" i="0" u="none" strike="noStrike" cap="none">
           <a:solidFill>
             <a:srgbClr val="000000"/>
           </a:solidFill>
@@ -7173,7 +7405,7 @@
       </a:lvl9pPr>
     </p:titleStyle>
     <p:bodyStyle>
-      <a:defPPr lvl="0" marR="0" rtl="0" algn="l">
+      <a:defPPr marR="0" lvl="0" algn="l" rtl="0">
         <a:lnSpc>
           <a:spcPct val="100000"/>
         </a:lnSpc>
@@ -7184,7 +7416,7 @@
           <a:spcPts val="0"/>
         </a:spcAft>
       </a:defPPr>
-      <a:lvl1pPr lvl="0" marR="0" rtl="0" algn="l">
+      <a:lvl1pPr marR="0" lvl="0" algn="l" rtl="0">
         <a:lnSpc>
           <a:spcPct val="100000"/>
         </a:lnSpc>
@@ -7198,7 +7430,7 @@
           <a:srgbClr val="000000"/>
         </a:buClr>
         <a:buFont typeface="Arial"/>
-        <a:defRPr b="0" i="0" sz="1400" u="none" cap="none" strike="noStrike">
+        <a:defRPr sz="1400" b="0" i="0" u="none" strike="noStrike" cap="none">
           <a:solidFill>
             <a:srgbClr val="000000"/>
           </a:solidFill>
@@ -7208,7 +7440,7 @@
           <a:sym typeface="Arial"/>
         </a:defRPr>
       </a:lvl1pPr>
-      <a:lvl2pPr lvl="1" marR="0" rtl="0" algn="l">
+      <a:lvl2pPr marR="0" lvl="1" algn="l" rtl="0">
         <a:lnSpc>
           <a:spcPct val="100000"/>
         </a:lnSpc>
@@ -7222,7 +7454,7 @@
           <a:srgbClr val="000000"/>
         </a:buClr>
         <a:buFont typeface="Arial"/>
-        <a:defRPr b="0" i="0" sz="1400" u="none" cap="none" strike="noStrike">
+        <a:defRPr sz="1400" b="0" i="0" u="none" strike="noStrike" cap="none">
           <a:solidFill>
             <a:srgbClr val="000000"/>
           </a:solidFill>
@@ -7232,7 +7464,7 @@
           <a:sym typeface="Arial"/>
         </a:defRPr>
       </a:lvl2pPr>
-      <a:lvl3pPr lvl="2" marR="0" rtl="0" algn="l">
+      <a:lvl3pPr marR="0" lvl="2" algn="l" rtl="0">
         <a:lnSpc>
           <a:spcPct val="100000"/>
         </a:lnSpc>
@@ -7246,7 +7478,7 @@
           <a:srgbClr val="000000"/>
         </a:buClr>
         <a:buFont typeface="Arial"/>
-        <a:defRPr b="0" i="0" sz="1400" u="none" cap="none" strike="noStrike">
+        <a:defRPr sz="1400" b="0" i="0" u="none" strike="noStrike" cap="none">
           <a:solidFill>
             <a:srgbClr val="000000"/>
           </a:solidFill>
@@ -7256,7 +7488,7 @@
           <a:sym typeface="Arial"/>
         </a:defRPr>
       </a:lvl3pPr>
-      <a:lvl4pPr lvl="3" marR="0" rtl="0" algn="l">
+      <a:lvl4pPr marR="0" lvl="3" algn="l" rtl="0">
         <a:lnSpc>
           <a:spcPct val="100000"/>
         </a:lnSpc>
@@ -7270,7 +7502,7 @@
           <a:srgbClr val="000000"/>
         </a:buClr>
         <a:buFont typeface="Arial"/>
-        <a:defRPr b="0" i="0" sz="1400" u="none" cap="none" strike="noStrike">
+        <a:defRPr sz="1400" b="0" i="0" u="none" strike="noStrike" cap="none">
           <a:solidFill>
             <a:srgbClr val="000000"/>
           </a:solidFill>
@@ -7280,7 +7512,7 @@
           <a:sym typeface="Arial"/>
         </a:defRPr>
       </a:lvl4pPr>
-      <a:lvl5pPr lvl="4" marR="0" rtl="0" algn="l">
+      <a:lvl5pPr marR="0" lvl="4" algn="l" rtl="0">
         <a:lnSpc>
           <a:spcPct val="100000"/>
         </a:lnSpc>
@@ -7294,7 +7526,7 @@
           <a:srgbClr val="000000"/>
         </a:buClr>
         <a:buFont typeface="Arial"/>
-        <a:defRPr b="0" i="0" sz="1400" u="none" cap="none" strike="noStrike">
+        <a:defRPr sz="1400" b="0" i="0" u="none" strike="noStrike" cap="none">
           <a:solidFill>
             <a:srgbClr val="000000"/>
           </a:solidFill>
@@ -7304,7 +7536,7 @@
           <a:sym typeface="Arial"/>
         </a:defRPr>
       </a:lvl5pPr>
-      <a:lvl6pPr lvl="5" marR="0" rtl="0" algn="l">
+      <a:lvl6pPr marR="0" lvl="5" algn="l" rtl="0">
         <a:lnSpc>
           <a:spcPct val="100000"/>
         </a:lnSpc>
@@ -7318,7 +7550,7 @@
           <a:srgbClr val="000000"/>
         </a:buClr>
         <a:buFont typeface="Arial"/>
-        <a:defRPr b="0" i="0" sz="1400" u="none" cap="none" strike="noStrike">
+        <a:defRPr sz="1400" b="0" i="0" u="none" strike="noStrike" cap="none">
           <a:solidFill>
             <a:srgbClr val="000000"/>
           </a:solidFill>
@@ -7328,7 +7560,7 @@
           <a:sym typeface="Arial"/>
         </a:defRPr>
       </a:lvl6pPr>
-      <a:lvl7pPr lvl="6" marR="0" rtl="0" algn="l">
+      <a:lvl7pPr marR="0" lvl="6" algn="l" rtl="0">
         <a:lnSpc>
           <a:spcPct val="100000"/>
         </a:lnSpc>
@@ -7342,7 +7574,7 @@
           <a:srgbClr val="000000"/>
         </a:buClr>
         <a:buFont typeface="Arial"/>
-        <a:defRPr b="0" i="0" sz="1400" u="none" cap="none" strike="noStrike">
+        <a:defRPr sz="1400" b="0" i="0" u="none" strike="noStrike" cap="none">
           <a:solidFill>
             <a:srgbClr val="000000"/>
           </a:solidFill>
@@ -7352,7 +7584,7 @@
           <a:sym typeface="Arial"/>
         </a:defRPr>
       </a:lvl7pPr>
-      <a:lvl8pPr lvl="7" marR="0" rtl="0" algn="l">
+      <a:lvl8pPr marR="0" lvl="7" algn="l" rtl="0">
         <a:lnSpc>
           <a:spcPct val="100000"/>
         </a:lnSpc>
@@ -7366,7 +7598,7 @@
           <a:srgbClr val="000000"/>
         </a:buClr>
         <a:buFont typeface="Arial"/>
-        <a:defRPr b="0" i="0" sz="1400" u="none" cap="none" strike="noStrike">
+        <a:defRPr sz="1400" b="0" i="0" u="none" strike="noStrike" cap="none">
           <a:solidFill>
             <a:srgbClr val="000000"/>
           </a:solidFill>
@@ -7376,7 +7608,7 @@
           <a:sym typeface="Arial"/>
         </a:defRPr>
       </a:lvl8pPr>
-      <a:lvl9pPr lvl="8" marR="0" rtl="0" algn="l">
+      <a:lvl9pPr marR="0" lvl="8" algn="l" rtl="0">
         <a:lnSpc>
           <a:spcPct val="100000"/>
         </a:lnSpc>
@@ -7390,7 +7622,7 @@
           <a:srgbClr val="000000"/>
         </a:buClr>
         <a:buFont typeface="Arial"/>
-        <a:defRPr b="0" i="0" sz="1400" u="none" cap="none" strike="noStrike">
+        <a:defRPr sz="1400" b="0" i="0" u="none" strike="noStrike" cap="none">
           <a:solidFill>
             <a:srgbClr val="000000"/>
           </a:solidFill>
@@ -7402,7 +7634,7 @@
       </a:lvl9pPr>
     </p:bodyStyle>
     <p:otherStyle>
-      <a:defPPr lvl="0" marR="0" rtl="0" algn="l">
+      <a:defPPr marR="0" lvl="0" algn="l" rtl="0">
         <a:lnSpc>
           <a:spcPct val="100000"/>
         </a:lnSpc>
@@ -7413,7 +7645,7 @@
           <a:spcPts val="0"/>
         </a:spcAft>
       </a:defPPr>
-      <a:lvl1pPr lvl="0" marR="0" rtl="0" algn="l">
+      <a:lvl1pPr marR="0" lvl="0" algn="l" rtl="0">
         <a:lnSpc>
           <a:spcPct val="100000"/>
         </a:lnSpc>
@@ -7427,7 +7659,7 @@
           <a:srgbClr val="000000"/>
         </a:buClr>
         <a:buFont typeface="Arial"/>
-        <a:defRPr b="0" i="0" sz="1400" u="none" cap="none" strike="noStrike">
+        <a:defRPr sz="1400" b="0" i="0" u="none" strike="noStrike" cap="none">
           <a:solidFill>
             <a:srgbClr val="000000"/>
           </a:solidFill>
@@ -7437,7 +7669,7 @@
           <a:sym typeface="Arial"/>
         </a:defRPr>
       </a:lvl1pPr>
-      <a:lvl2pPr lvl="1" marR="0" rtl="0" algn="l">
+      <a:lvl2pPr marR="0" lvl="1" algn="l" rtl="0">
         <a:lnSpc>
           <a:spcPct val="100000"/>
         </a:lnSpc>
@@ -7451,7 +7683,7 @@
           <a:srgbClr val="000000"/>
         </a:buClr>
         <a:buFont typeface="Arial"/>
-        <a:defRPr b="0" i="0" sz="1400" u="none" cap="none" strike="noStrike">
+        <a:defRPr sz="1400" b="0" i="0" u="none" strike="noStrike" cap="none">
           <a:solidFill>
             <a:srgbClr val="000000"/>
           </a:solidFill>
@@ -7461,7 +7693,7 @@
           <a:sym typeface="Arial"/>
         </a:defRPr>
       </a:lvl2pPr>
-      <a:lvl3pPr lvl="2" marR="0" rtl="0" algn="l">
+      <a:lvl3pPr marR="0" lvl="2" algn="l" rtl="0">
         <a:lnSpc>
           <a:spcPct val="100000"/>
         </a:lnSpc>
@@ -7475,7 +7707,7 @@
           <a:srgbClr val="000000"/>
         </a:buClr>
         <a:buFont typeface="Arial"/>
-        <a:defRPr b="0" i="0" sz="1400" u="none" cap="none" strike="noStrike">
+        <a:defRPr sz="1400" b="0" i="0" u="none" strike="noStrike" cap="none">
           <a:solidFill>
             <a:srgbClr val="000000"/>
           </a:solidFill>
@@ -7485,7 +7717,7 @@
           <a:sym typeface="Arial"/>
         </a:defRPr>
       </a:lvl3pPr>
-      <a:lvl4pPr lvl="3" marR="0" rtl="0" algn="l">
+      <a:lvl4pPr marR="0" lvl="3" algn="l" rtl="0">
         <a:lnSpc>
           <a:spcPct val="100000"/>
         </a:lnSpc>
@@ -7499,7 +7731,7 @@
           <a:srgbClr val="000000"/>
         </a:buClr>
         <a:buFont typeface="Arial"/>
-        <a:defRPr b="0" i="0" sz="1400" u="none" cap="none" strike="noStrike">
+        <a:defRPr sz="1400" b="0" i="0" u="none" strike="noStrike" cap="none">
           <a:solidFill>
             <a:srgbClr val="000000"/>
           </a:solidFill>
@@ -7509,7 +7741,7 @@
           <a:sym typeface="Arial"/>
         </a:defRPr>
       </a:lvl4pPr>
-      <a:lvl5pPr lvl="4" marR="0" rtl="0" algn="l">
+      <a:lvl5pPr marR="0" lvl="4" algn="l" rtl="0">
         <a:lnSpc>
           <a:spcPct val="100000"/>
         </a:lnSpc>
@@ -7523,7 +7755,7 @@
           <a:srgbClr val="000000"/>
         </a:buClr>
         <a:buFont typeface="Arial"/>
-        <a:defRPr b="0" i="0" sz="1400" u="none" cap="none" strike="noStrike">
+        <a:defRPr sz="1400" b="0" i="0" u="none" strike="noStrike" cap="none">
           <a:solidFill>
             <a:srgbClr val="000000"/>
           </a:solidFill>
@@ -7533,7 +7765,7 @@
           <a:sym typeface="Arial"/>
         </a:defRPr>
       </a:lvl5pPr>
-      <a:lvl6pPr lvl="5" marR="0" rtl="0" algn="l">
+      <a:lvl6pPr marR="0" lvl="5" algn="l" rtl="0">
         <a:lnSpc>
           <a:spcPct val="100000"/>
         </a:lnSpc>
@@ -7547,7 +7779,7 @@
           <a:srgbClr val="000000"/>
         </a:buClr>
         <a:buFont typeface="Arial"/>
-        <a:defRPr b="0" i="0" sz="1400" u="none" cap="none" strike="noStrike">
+        <a:defRPr sz="1400" b="0" i="0" u="none" strike="noStrike" cap="none">
           <a:solidFill>
             <a:srgbClr val="000000"/>
           </a:solidFill>
@@ -7557,7 +7789,7 @@
           <a:sym typeface="Arial"/>
         </a:defRPr>
       </a:lvl6pPr>
-      <a:lvl7pPr lvl="6" marR="0" rtl="0" algn="l">
+      <a:lvl7pPr marR="0" lvl="6" algn="l" rtl="0">
         <a:lnSpc>
           <a:spcPct val="100000"/>
         </a:lnSpc>
@@ -7571,7 +7803,7 @@
           <a:srgbClr val="000000"/>
         </a:buClr>
         <a:buFont typeface="Arial"/>
-        <a:defRPr b="0" i="0" sz="1400" u="none" cap="none" strike="noStrike">
+        <a:defRPr sz="1400" b="0" i="0" u="none" strike="noStrike" cap="none">
           <a:solidFill>
             <a:srgbClr val="000000"/>
           </a:solidFill>
@@ -7581,7 +7813,7 @@
           <a:sym typeface="Arial"/>
         </a:defRPr>
       </a:lvl7pPr>
-      <a:lvl8pPr lvl="7" marR="0" rtl="0" algn="l">
+      <a:lvl8pPr marR="0" lvl="7" algn="l" rtl="0">
         <a:lnSpc>
           <a:spcPct val="100000"/>
         </a:lnSpc>
@@ -7595,7 +7827,7 @@
           <a:srgbClr val="000000"/>
         </a:buClr>
         <a:buFont typeface="Arial"/>
-        <a:defRPr b="0" i="0" sz="1400" u="none" cap="none" strike="noStrike">
+        <a:defRPr sz="1400" b="0" i="0" u="none" strike="noStrike" cap="none">
           <a:solidFill>
             <a:srgbClr val="000000"/>
           </a:solidFill>
@@ -7605,7 +7837,7 @@
           <a:sym typeface="Arial"/>
         </a:defRPr>
       </a:lvl8pPr>
-      <a:lvl9pPr lvl="8" marR="0" rtl="0" algn="l">
+      <a:lvl9pPr marR="0" lvl="8" algn="l" rtl="0">
         <a:lnSpc>
           <a:spcPct val="100000"/>
         </a:lnSpc>
@@ -7619,7 +7851,7 @@
           <a:srgbClr val="000000"/>
         </a:buClr>
         <a:buFont typeface="Arial"/>
-        <a:defRPr b="0" i="0" sz="1400" u="none" cap="none" strike="noStrike">
+        <a:defRPr sz="1400" b="0" i="0" u="none" strike="noStrike" cap="none">
           <a:solidFill>
             <a:srgbClr val="000000"/>
           </a:solidFill>
@@ -7635,11 +7867,11 @@
 </file>
 
 <file path=ppt/slides/slide1.xml><?xml version="1.0" encoding="utf-8"?>
-<p:sld xmlns:a="http://schemas.openxmlformats.org/drawingml/2006/main" xmlns:r="http://schemas.openxmlformats.org/officeDocument/2006/relationships" xmlns:mc="http://schemas.openxmlformats.org/markup-compatibility/2006" xmlns:mv="urn:schemas-microsoft-com:mac:vml" xmlns:p="http://schemas.openxmlformats.org/presentationml/2006/main" xmlns:c="http://schemas.openxmlformats.org/drawingml/2006/chart" xmlns:dgm="http://schemas.openxmlformats.org/drawingml/2006/diagram" xmlns:o="urn:schemas-microsoft-com:office:office" xmlns:v="urn:schemas-microsoft-com:vml" xmlns:pvml="urn:schemas-microsoft-com:office:powerpoint" xmlns:com="http://schemas.openxmlformats.org/drawingml/2006/compatibility" xmlns:p14="http://schemas.microsoft.com/office/powerpoint/2010/main" xmlns:p15="http://schemas.microsoft.com/office/powerpoint/2012/main" xmlns:ahyp="http://schemas.microsoft.com/office/drawing/2018/hyperlinkcolor">
+<p:sld xmlns:a="http://schemas.openxmlformats.org/drawingml/2006/main" xmlns:r="http://schemas.openxmlformats.org/officeDocument/2006/relationships" xmlns:p="http://schemas.openxmlformats.org/presentationml/2006/main">
   <p:cSld>
     <p:spTree>
       <p:nvGrpSpPr>
-        <p:cNvPr id="53" name="Shape 53"/>
+        <p:cNvPr id="1" name="Shape 53"/>
         <p:cNvGrpSpPr/>
         <p:nvPr/>
       </p:nvGrpSpPr>
@@ -7654,7 +7886,9 @@
       <p:sp>
         <p:nvSpPr>
           <p:cNvPr id="54" name="Google Shape;54;p13"/>
-          <p:cNvSpPr txBox="1"/>
+          <p:cNvSpPr txBox="1">
+            <a:spLocks noGrp="1"/>
+          </p:cNvSpPr>
           <p:nvPr>
             <p:ph type="ctrTitle"/>
           </p:nvPr>
@@ -7669,12 +7903,12 @@
           </a:prstGeom>
         </p:spPr>
         <p:txBody>
-          <a:bodyPr anchorCtr="0" anchor="b" bIns="91425" lIns="91425" spcFirstLastPara="1" rIns="91425" wrap="square" tIns="91425">
+          <a:bodyPr spcFirstLastPara="1" wrap="square" lIns="91425" tIns="91425" rIns="91425" bIns="91425" anchor="b" anchorCtr="0">
             <a:normAutofit/>
           </a:bodyPr>
           <a:lstStyle/>
           <a:p>
-            <a:pPr indent="0" lvl="0" marL="0" rtl="0" algn="ctr">
+            <a:pPr marL="0" lvl="0" indent="0" algn="ctr" rtl="0">
               <a:spcBef>
                 <a:spcPts val="0"/>
               </a:spcBef>
@@ -7694,9 +7928,11 @@
       <p:sp>
         <p:nvSpPr>
           <p:cNvPr id="55" name="Google Shape;55;p13"/>
-          <p:cNvSpPr txBox="1"/>
+          <p:cNvSpPr txBox="1">
+            <a:spLocks noGrp="1"/>
+          </p:cNvSpPr>
           <p:nvPr>
-            <p:ph idx="1" type="subTitle"/>
+            <p:ph type="subTitle" idx="1"/>
           </p:nvPr>
         </p:nvSpPr>
         <p:spPr>
@@ -7709,12 +7945,12 @@
           </a:prstGeom>
         </p:spPr>
         <p:txBody>
-          <a:bodyPr anchorCtr="0" anchor="t" bIns="91425" lIns="91425" spcFirstLastPara="1" rIns="91425" wrap="square" tIns="91425">
+          <a:bodyPr spcFirstLastPara="1" wrap="square" lIns="91425" tIns="91425" rIns="91425" bIns="91425" anchor="t" anchorCtr="0">
             <a:normAutofit/>
           </a:bodyPr>
           <a:lstStyle/>
           <a:p>
-            <a:pPr indent="0" lvl="0" marL="0" rtl="0" algn="ctr">
+            <a:pPr marL="0" lvl="0" indent="0" algn="ctr" rtl="0">
               <a:spcBef>
                 <a:spcPts val="0"/>
               </a:spcBef>
@@ -7740,11 +7976,11 @@
 </file>
 
 <file path=ppt/slides/slide10.xml><?xml version="1.0" encoding="utf-8"?>
-<p:sld xmlns:a="http://schemas.openxmlformats.org/drawingml/2006/main" xmlns:r="http://schemas.openxmlformats.org/officeDocument/2006/relationships" xmlns:mc="http://schemas.openxmlformats.org/markup-compatibility/2006" xmlns:mv="urn:schemas-microsoft-com:mac:vml" xmlns:p="http://schemas.openxmlformats.org/presentationml/2006/main" xmlns:c="http://schemas.openxmlformats.org/drawingml/2006/chart" xmlns:dgm="http://schemas.openxmlformats.org/drawingml/2006/diagram" xmlns:o="urn:schemas-microsoft-com:office:office" xmlns:v="urn:schemas-microsoft-com:vml" xmlns:pvml="urn:schemas-microsoft-com:office:powerpoint" xmlns:com="http://schemas.openxmlformats.org/drawingml/2006/compatibility" xmlns:p14="http://schemas.microsoft.com/office/powerpoint/2010/main" xmlns:p15="http://schemas.microsoft.com/office/powerpoint/2012/main" xmlns:ahyp="http://schemas.microsoft.com/office/drawing/2018/hyperlinkcolor">
+<p:sld xmlns:a="http://schemas.openxmlformats.org/drawingml/2006/main" xmlns:r="http://schemas.openxmlformats.org/officeDocument/2006/relationships" xmlns:p="http://schemas.openxmlformats.org/presentationml/2006/main">
   <p:cSld>
     <p:spTree>
       <p:nvGrpSpPr>
-        <p:cNvPr id="113" name="Shape 113"/>
+        <p:cNvPr id="1" name="Shape 113"/>
         <p:cNvGrpSpPr/>
         <p:nvPr/>
       </p:nvGrpSpPr>
@@ -7759,7 +7995,9 @@
       <p:sp>
         <p:nvSpPr>
           <p:cNvPr id="114" name="Google Shape;114;p22"/>
-          <p:cNvSpPr txBox="1"/>
+          <p:cNvSpPr txBox="1">
+            <a:spLocks noGrp="1"/>
+          </p:cNvSpPr>
           <p:nvPr>
             <p:ph type="title"/>
           </p:nvPr>
@@ -7774,12 +8012,12 @@
           </a:prstGeom>
         </p:spPr>
         <p:txBody>
-          <a:bodyPr anchorCtr="0" anchor="t" bIns="91425" lIns="91425" spcFirstLastPara="1" rIns="91425" wrap="square" tIns="91425">
+          <a:bodyPr spcFirstLastPara="1" wrap="square" lIns="91425" tIns="91425" rIns="91425" bIns="91425" anchor="t" anchorCtr="0">
             <a:normAutofit fontScale="90000"/>
           </a:bodyPr>
           <a:lstStyle/>
           <a:p>
-            <a:pPr indent="0" lvl="0" marL="0" rtl="0" algn="l">
+            <a:pPr marL="0" lvl="0" indent="0" algn="l" rtl="0">
               <a:spcBef>
                 <a:spcPts val="0"/>
               </a:spcBef>
@@ -7893,29 +8131,29 @@
           </a:xfrm>
           <a:prstGeom prst="foldedCorner">
             <a:avLst>
-              <a:gd fmla="val 16667" name="adj"/>
+              <a:gd name="adj" fmla="val 16667"/>
             </a:avLst>
           </a:prstGeom>
           <a:solidFill>
             <a:schemeClr val="lt2"/>
           </a:solidFill>
-          <a:ln cap="flat" cmpd="sng" w="9525">
+          <a:ln w="9525" cap="flat" cmpd="sng">
             <a:solidFill>
               <a:schemeClr val="dk2"/>
             </a:solidFill>
             <a:prstDash val="solid"/>
             <a:round/>
-            <a:headEnd len="sm" w="sm" type="none"/>
-            <a:tailEnd len="sm" w="sm" type="none"/>
+            <a:headEnd type="none" w="sm" len="sm"/>
+            <a:tailEnd type="none" w="sm" len="sm"/>
           </a:ln>
         </p:spPr>
         <p:txBody>
-          <a:bodyPr anchorCtr="0" anchor="ctr" bIns="91425" lIns="91425" spcFirstLastPara="1" rIns="91425" wrap="square" tIns="91425">
+          <a:bodyPr spcFirstLastPara="1" wrap="square" lIns="91425" tIns="91425" rIns="91425" bIns="91425" anchor="ctr" anchorCtr="0">
             <a:noAutofit/>
           </a:bodyPr>
           <a:lstStyle/>
           <a:p>
-            <a:pPr indent="0" lvl="0" marL="0" rtl="0" algn="ctr">
+            <a:pPr marL="0" lvl="0" indent="0" algn="ctr" rtl="0">
               <a:spcBef>
                 <a:spcPts val="0"/>
               </a:spcBef>
@@ -7931,7 +8169,7 @@
             <a:endParaRPr/>
           </a:p>
           <a:p>
-            <a:pPr indent="0" lvl="0" marL="0" rtl="0" algn="ctr">
+            <a:pPr marL="0" lvl="0" indent="0" algn="ctr" rtl="0">
               <a:spcBef>
                 <a:spcPts val="0"/>
               </a:spcBef>
@@ -7961,29 +8199,29 @@
           </a:xfrm>
           <a:prstGeom prst="foldedCorner">
             <a:avLst>
-              <a:gd fmla="val 16667" name="adj"/>
+              <a:gd name="adj" fmla="val 16667"/>
             </a:avLst>
           </a:prstGeom>
           <a:solidFill>
             <a:schemeClr val="lt2"/>
           </a:solidFill>
-          <a:ln cap="flat" cmpd="sng" w="9525">
+          <a:ln w="9525" cap="flat" cmpd="sng">
             <a:solidFill>
               <a:schemeClr val="dk2"/>
             </a:solidFill>
             <a:prstDash val="solid"/>
             <a:round/>
-            <a:headEnd len="sm" w="sm" type="none"/>
-            <a:tailEnd len="sm" w="sm" type="none"/>
+            <a:headEnd type="none" w="sm" len="sm"/>
+            <a:tailEnd type="none" w="sm" len="sm"/>
           </a:ln>
         </p:spPr>
         <p:txBody>
-          <a:bodyPr anchorCtr="0" anchor="ctr" bIns="91425" lIns="91425" spcFirstLastPara="1" rIns="91425" wrap="square" tIns="91425">
+          <a:bodyPr spcFirstLastPara="1" wrap="square" lIns="91425" tIns="91425" rIns="91425" bIns="91425" anchor="ctr" anchorCtr="0">
             <a:noAutofit/>
           </a:bodyPr>
           <a:lstStyle/>
           <a:p>
-            <a:pPr indent="0" lvl="0" marL="0" rtl="0" algn="ctr">
+            <a:pPr marL="0" lvl="0" indent="0" algn="ctr" rtl="0">
               <a:spcBef>
                 <a:spcPts val="0"/>
               </a:spcBef>
@@ -7994,15 +8232,7 @@
             </a:pPr>
             <a:r>
               <a:rPr lang="en-GB"/>
-              <a:t>Program </a:t>
-            </a:r>
-            <a:r>
-              <a:rPr lang="en-GB"/>
-              <a:t>exited</a:t>
-            </a:r>
-            <a:r>
-              <a:rPr lang="en-GB"/>
-              <a:t> without error when windows X pressed… </a:t>
+              <a:t>Program exited without error when windows X pressed… </a:t>
             </a:r>
             <a:endParaRPr/>
           </a:p>
@@ -8017,7 +8247,7 @@
           <p:nvPr/>
         </p:nvCxnSpPr>
         <p:spPr>
-          <a:xfrm flipH="1" rot="10800000">
+          <a:xfrm rot="10800000" flipH="1">
             <a:off x="7691100" y="355850"/>
             <a:ext cx="902700" cy="2464800"/>
           </a:xfrm>
@@ -8025,14 +8255,14 @@
             <a:avLst/>
           </a:prstGeom>
           <a:noFill/>
-          <a:ln cap="flat" cmpd="sng" w="9525">
+          <a:ln w="9525" cap="flat" cmpd="sng">
             <a:solidFill>
               <a:srgbClr val="00FF00"/>
             </a:solidFill>
             <a:prstDash val="solid"/>
             <a:round/>
-            <a:headEnd len="med" w="med" type="none"/>
-            <a:tailEnd len="med" w="med" type="triangle"/>
+            <a:headEnd type="none" w="med" len="med"/>
+            <a:tailEnd type="triangle" w="med" len="med"/>
           </a:ln>
         </p:spPr>
       </p:cxnSp>
@@ -8053,14 +8283,14 @@
             <a:avLst/>
           </a:prstGeom>
           <a:noFill/>
-          <a:ln cap="flat" cmpd="sng" w="9525">
+          <a:ln w="9525" cap="flat" cmpd="sng">
             <a:solidFill>
               <a:srgbClr val="00FF00"/>
             </a:solidFill>
             <a:prstDash val="solid"/>
             <a:round/>
-            <a:headEnd len="med" w="med" type="none"/>
-            <a:tailEnd len="med" w="med" type="triangle"/>
+            <a:headEnd type="none" w="med" len="med"/>
+            <a:tailEnd type="triangle" w="med" len="med"/>
           </a:ln>
         </p:spPr>
       </p:cxnSp>
@@ -8073,11 +8303,11 @@
 </file>
 
 <file path=ppt/slides/slide11.xml><?xml version="1.0" encoding="utf-8"?>
-<p:sld xmlns:a="http://schemas.openxmlformats.org/drawingml/2006/main" xmlns:r="http://schemas.openxmlformats.org/officeDocument/2006/relationships" xmlns:mc="http://schemas.openxmlformats.org/markup-compatibility/2006" xmlns:mv="urn:schemas-microsoft-com:mac:vml" xmlns:p="http://schemas.openxmlformats.org/presentationml/2006/main" xmlns:c="http://schemas.openxmlformats.org/drawingml/2006/chart" xmlns:dgm="http://schemas.openxmlformats.org/drawingml/2006/diagram" xmlns:o="urn:schemas-microsoft-com:office:office" xmlns:v="urn:schemas-microsoft-com:vml" xmlns:pvml="urn:schemas-microsoft-com:office:powerpoint" xmlns:com="http://schemas.openxmlformats.org/drawingml/2006/compatibility" xmlns:p14="http://schemas.microsoft.com/office/powerpoint/2010/main" xmlns:p15="http://schemas.microsoft.com/office/powerpoint/2012/main" xmlns:ahyp="http://schemas.microsoft.com/office/drawing/2018/hyperlinkcolor">
+<p:sld xmlns:a="http://schemas.openxmlformats.org/drawingml/2006/main" xmlns:r="http://schemas.openxmlformats.org/officeDocument/2006/relationships" xmlns:p="http://schemas.openxmlformats.org/presentationml/2006/main">
   <p:cSld>
     <p:spTree>
       <p:nvGrpSpPr>
-        <p:cNvPr id="125" name="Shape 125"/>
+        <p:cNvPr id="1" name="Shape 125"/>
         <p:cNvGrpSpPr/>
         <p:nvPr/>
       </p:nvGrpSpPr>
@@ -8092,7 +8322,9 @@
       <p:sp>
         <p:nvSpPr>
           <p:cNvPr id="126" name="Google Shape;126;p23"/>
-          <p:cNvSpPr txBox="1"/>
+          <p:cNvSpPr txBox="1">
+            <a:spLocks noGrp="1"/>
+          </p:cNvSpPr>
           <p:nvPr>
             <p:ph type="title"/>
           </p:nvPr>
@@ -8107,12 +8339,12 @@
           </a:prstGeom>
         </p:spPr>
         <p:txBody>
-          <a:bodyPr anchorCtr="0" anchor="t" bIns="91425" lIns="91425" spcFirstLastPara="1" rIns="91425" wrap="square" tIns="91425">
+          <a:bodyPr spcFirstLastPara="1" wrap="square" lIns="91425" tIns="91425" rIns="91425" bIns="91425" anchor="t" anchorCtr="0">
             <a:normAutofit fontScale="90000"/>
           </a:bodyPr>
           <a:lstStyle/>
           <a:p>
-            <a:pPr indent="0" lvl="0" marL="0" rtl="0" algn="l">
+            <a:pPr marL="0" lvl="0" indent="0" algn="l" rtl="0">
               <a:spcBef>
                 <a:spcPts val="0"/>
               </a:spcBef>
@@ -8139,7 +8371,7 @@
           <a:blip r:embed="rId3">
             <a:alphaModFix/>
           </a:blip>
-          <a:srcRect b="-5355" l="0" r="0" t="7450"/>
+          <a:srcRect t="7450" b="-5355"/>
           <a:stretch/>
         </p:blipFill>
         <p:spPr>
@@ -8176,12 +8408,12 @@
           </a:ln>
         </p:spPr>
         <p:txBody>
-          <a:bodyPr anchorCtr="0" anchor="t" bIns="91425" lIns="91425" spcFirstLastPara="1" rIns="91425" wrap="square" tIns="91425">
+          <a:bodyPr spcFirstLastPara="1" wrap="square" lIns="91425" tIns="91425" rIns="91425" bIns="91425" anchor="t" anchorCtr="0">
             <a:spAutoFit/>
           </a:bodyPr>
           <a:lstStyle/>
           <a:p>
-            <a:pPr indent="0" lvl="0" marL="0" rtl="0" algn="l">
+            <a:pPr marL="0" lvl="0" indent="0" algn="l" rtl="0">
               <a:spcBef>
                 <a:spcPts val="0"/>
               </a:spcBef>
@@ -8226,12 +8458,12 @@
           </a:ln>
         </p:spPr>
         <p:txBody>
-          <a:bodyPr anchorCtr="0" anchor="t" bIns="91425" lIns="91425" spcFirstLastPara="1" rIns="91425" wrap="square" tIns="91425">
+          <a:bodyPr spcFirstLastPara="1" wrap="square" lIns="91425" tIns="91425" rIns="91425" bIns="91425" anchor="t" anchorCtr="0">
             <a:spAutoFit/>
           </a:bodyPr>
           <a:lstStyle/>
           <a:p>
-            <a:pPr indent="0" lvl="0" marL="0" rtl="0" algn="l">
+            <a:pPr marL="0" lvl="0" indent="0" algn="l" rtl="0">
               <a:spcBef>
                 <a:spcPts val="0"/>
               </a:spcBef>
@@ -8241,21 +8473,37 @@
               <a:buNone/>
             </a:pPr>
             <a:r>
-              <a:rPr lang="en-GB" sz="1200">
+              <a:rPr lang="en-GB" sz="1200" dirty="0">
                 <a:solidFill>
                   <a:schemeClr val="dk2"/>
                 </a:solidFill>
               </a:rPr>
-              <a:t>In order to create a scalable Object Orientated system, gfxObjects (dictionary) was added as an attribute of the World class.</a:t>
-            </a:r>
-            <a:endParaRPr sz="1200">
+              <a:t>In order to create a scalable Object Orientated system, </a:t>
+            </a:r>
+            <a:r>
+              <a:rPr lang="en-GB" sz="1200" dirty="0" err="1">
+                <a:solidFill>
+                  <a:schemeClr val="dk2"/>
+                </a:solidFill>
+              </a:rPr>
+              <a:t>gfxObjects</a:t>
+            </a:r>
+            <a:r>
+              <a:rPr lang="en-GB" sz="1200" dirty="0">
+                <a:solidFill>
+                  <a:schemeClr val="dk2"/>
+                </a:solidFill>
+              </a:rPr>
+              <a:t> (dictionary) was added as an attribute of the World class.</a:t>
+            </a:r>
+            <a:endParaRPr sz="1200" dirty="0">
               <a:solidFill>
                 <a:schemeClr val="dk2"/>
               </a:solidFill>
             </a:endParaRPr>
           </a:p>
           <a:p>
-            <a:pPr indent="0" lvl="0" marL="0" rtl="0" algn="l">
+            <a:pPr marL="0" lvl="0" indent="0" algn="l" rtl="0">
               <a:spcBef>
                 <a:spcPts val="0"/>
               </a:spcBef>
@@ -8264,17 +8512,14 @@
               </a:spcAft>
               <a:buNone/>
             </a:pPr>
-            <a:r>
-              <a:t/>
-            </a:r>
-            <a:endParaRPr sz="1200">
+            <a:endParaRPr sz="1200" dirty="0">
               <a:solidFill>
                 <a:schemeClr val="dk2"/>
               </a:solidFill>
             </a:endParaRPr>
           </a:p>
           <a:p>
-            <a:pPr indent="0" lvl="0" marL="0" rtl="0" algn="l">
+            <a:pPr marL="0" lvl="0" indent="0" algn="l" rtl="0">
               <a:spcBef>
                 <a:spcPts val="0"/>
               </a:spcBef>
@@ -8284,37 +8529,21 @@
               <a:buNone/>
             </a:pPr>
             <a:r>
-              <a:rPr lang="en-GB" sz="1200">
+              <a:rPr lang="en-GB" sz="1200" dirty="0">
                 <a:solidFill>
                   <a:schemeClr val="dk2"/>
                 </a:solidFill>
               </a:rPr>
-              <a:t>This dictionary will hold all graphical objects (that are </a:t>
-            </a:r>
-            <a:r>
-              <a:rPr lang="en-GB" sz="1200">
-                <a:solidFill>
-                  <a:schemeClr val="dk2"/>
-                </a:solidFill>
-              </a:rPr>
-              <a:t>essentially</a:t>
-            </a:r>
-            <a:r>
-              <a:rPr lang="en-GB" sz="1200">
-                <a:solidFill>
-                  <a:schemeClr val="dk2"/>
-                </a:solidFill>
-              </a:rPr>
-              <a:t> Surfaces with other attributes) visible in the World.</a:t>
-            </a:r>
-            <a:endParaRPr sz="1200">
+              <a:t>This dictionary will hold all graphical objects (that are essentially Surfaces with other attributes) visible in the World.</a:t>
+            </a:r>
+            <a:endParaRPr sz="1200" dirty="0">
               <a:solidFill>
                 <a:schemeClr val="dk2"/>
               </a:solidFill>
             </a:endParaRPr>
           </a:p>
           <a:p>
-            <a:pPr indent="0" lvl="0" marL="0" rtl="0" algn="l">
+            <a:pPr marL="0" lvl="0" indent="0" algn="l" rtl="0">
               <a:spcBef>
                 <a:spcPts val="0"/>
               </a:spcBef>
@@ -8323,17 +8552,14 @@
               </a:spcAft>
               <a:buNone/>
             </a:pPr>
-            <a:r>
-              <a:t/>
-            </a:r>
-            <a:endParaRPr sz="1200">
+            <a:endParaRPr sz="1200" dirty="0">
               <a:solidFill>
                 <a:schemeClr val="dk2"/>
               </a:solidFill>
             </a:endParaRPr>
           </a:p>
           <a:p>
-            <a:pPr indent="0" lvl="0" marL="0" rtl="0" algn="l">
+            <a:pPr marL="0" lvl="0" indent="0" algn="l" rtl="0">
               <a:spcBef>
                 <a:spcPts val="0"/>
               </a:spcBef>
@@ -8343,21 +8569,85 @@
               <a:buNone/>
             </a:pPr>
             <a:r>
-              <a:rPr lang="en-GB" sz="1200">
+              <a:rPr lang="en-GB" sz="1200" dirty="0">
                 <a:solidFill>
                   <a:schemeClr val="dk2"/>
                 </a:solidFill>
               </a:rPr>
-              <a:t>A GfxObject is instantiated and must have the standard pygame (x-pos,y-pos,width,height) tuple to control its position.</a:t>
-            </a:r>
-            <a:endParaRPr sz="1200">
+              <a:t>A </a:t>
+            </a:r>
+            <a:r>
+              <a:rPr lang="en-GB" sz="1200" dirty="0" err="1">
+                <a:solidFill>
+                  <a:schemeClr val="dk2"/>
+                </a:solidFill>
+              </a:rPr>
+              <a:t>GfxObject</a:t>
+            </a:r>
+            <a:r>
+              <a:rPr lang="en-GB" sz="1200" dirty="0">
+                <a:solidFill>
+                  <a:schemeClr val="dk2"/>
+                </a:solidFill>
+              </a:rPr>
+              <a:t> is instantiated and must have the standard </a:t>
+            </a:r>
+            <a:r>
+              <a:rPr lang="en-GB" sz="1200" dirty="0" err="1">
+                <a:solidFill>
+                  <a:schemeClr val="dk2"/>
+                </a:solidFill>
+              </a:rPr>
+              <a:t>pygame</a:t>
+            </a:r>
+            <a:r>
+              <a:rPr lang="en-GB" sz="1200" dirty="0">
+                <a:solidFill>
+                  <a:schemeClr val="dk2"/>
+                </a:solidFill>
+              </a:rPr>
+              <a:t> (x-</a:t>
+            </a:r>
+            <a:r>
+              <a:rPr lang="en-GB" sz="1200" dirty="0" err="1">
+                <a:solidFill>
+                  <a:schemeClr val="dk2"/>
+                </a:solidFill>
+              </a:rPr>
+              <a:t>pos,y</a:t>
+            </a:r>
+            <a:r>
+              <a:rPr lang="en-GB" sz="1200" dirty="0">
+                <a:solidFill>
+                  <a:schemeClr val="dk2"/>
+                </a:solidFill>
+              </a:rPr>
+              <a:t>-</a:t>
+            </a:r>
+            <a:r>
+              <a:rPr lang="en-GB" sz="1200" dirty="0" err="1">
+                <a:solidFill>
+                  <a:schemeClr val="dk2"/>
+                </a:solidFill>
+              </a:rPr>
+              <a:t>pos,width,height</a:t>
+            </a:r>
+            <a:r>
+              <a:rPr lang="en-GB" sz="1200" dirty="0">
+                <a:solidFill>
+                  <a:schemeClr val="dk2"/>
+                </a:solidFill>
+              </a:rPr>
+              <a:t>) tuple to control its position.</a:t>
+            </a:r>
+            <a:endParaRPr sz="1200" dirty="0">
               <a:solidFill>
                 <a:schemeClr val="dk2"/>
               </a:solidFill>
             </a:endParaRPr>
           </a:p>
           <a:p>
-            <a:pPr indent="0" lvl="0" marL="0" rtl="0" algn="l">
+            <a:pPr marL="0" lvl="0" indent="0" algn="l" rtl="0">
               <a:spcBef>
                 <a:spcPts val="0"/>
               </a:spcBef>
@@ -8366,17 +8656,14 @@
               </a:spcAft>
               <a:buNone/>
             </a:pPr>
-            <a:r>
-              <a:t/>
-            </a:r>
-            <a:endParaRPr sz="1200">
+            <a:endParaRPr sz="1200" dirty="0">
               <a:solidFill>
                 <a:schemeClr val="dk2"/>
               </a:solidFill>
             </a:endParaRPr>
           </a:p>
           <a:p>
-            <a:pPr indent="0" lvl="0" marL="0" rtl="0" algn="l">
+            <a:pPr marL="0" lvl="0" indent="0" algn="l" rtl="0">
               <a:spcBef>
                 <a:spcPts val="0"/>
               </a:spcBef>
@@ -8386,21 +8673,53 @@
               <a:buNone/>
             </a:pPr>
             <a:r>
-              <a:rPr lang="en-GB" sz="1200">
+              <a:rPr lang="en-GB" sz="1200" dirty="0">
                 <a:solidFill>
                   <a:schemeClr val="dk2"/>
                 </a:solidFill>
               </a:rPr>
-              <a:t>The stringId parameter must be unique and is used as its key index value within the gfxObjects dictionary that World contains.</a:t>
-            </a:r>
-            <a:endParaRPr sz="1200">
+              <a:t>The </a:t>
+            </a:r>
+            <a:r>
+              <a:rPr lang="en-GB" sz="1200" dirty="0" err="1">
+                <a:solidFill>
+                  <a:schemeClr val="dk2"/>
+                </a:solidFill>
+              </a:rPr>
+              <a:t>stringId</a:t>
+            </a:r>
+            <a:r>
+              <a:rPr lang="en-GB" sz="1200" dirty="0">
+                <a:solidFill>
+                  <a:schemeClr val="dk2"/>
+                </a:solidFill>
+              </a:rPr>
+              <a:t> parameter must be unique and is used as its key index value within the </a:t>
+            </a:r>
+            <a:r>
+              <a:rPr lang="en-GB" sz="1200" dirty="0" err="1">
+                <a:solidFill>
+                  <a:schemeClr val="dk2"/>
+                </a:solidFill>
+              </a:rPr>
+              <a:t>gfxObjects</a:t>
+            </a:r>
+            <a:r>
+              <a:rPr lang="en-GB" sz="1200" dirty="0">
+                <a:solidFill>
+                  <a:schemeClr val="dk2"/>
+                </a:solidFill>
+              </a:rPr>
+              <a:t> dictionary that World contains.</a:t>
+            </a:r>
+            <a:endParaRPr sz="1200" dirty="0">
               <a:solidFill>
                 <a:schemeClr val="dk2"/>
               </a:solidFill>
             </a:endParaRPr>
           </a:p>
           <a:p>
-            <a:pPr indent="0" lvl="0" marL="0" rtl="0" algn="l">
+            <a:pPr marL="0" lvl="0" indent="0" algn="l" rtl="0">
               <a:spcBef>
                 <a:spcPts val="0"/>
               </a:spcBef>
@@ -8409,17 +8728,14 @@
               </a:spcAft>
               <a:buNone/>
             </a:pPr>
-            <a:r>
-              <a:t/>
-            </a:r>
-            <a:endParaRPr sz="1200">
+            <a:endParaRPr sz="1200" dirty="0">
               <a:solidFill>
                 <a:schemeClr val="dk2"/>
               </a:solidFill>
             </a:endParaRPr>
           </a:p>
           <a:p>
-            <a:pPr indent="0" lvl="0" marL="0" rtl="0" algn="l">
+            <a:pPr marL="0" lvl="0" indent="0" algn="l" rtl="0">
               <a:spcBef>
                 <a:spcPts val="0"/>
               </a:spcBef>
@@ -8429,21 +8745,53 @@
               <a:buNone/>
             </a:pPr>
             <a:r>
-              <a:rPr lang="en-GB" sz="1200">
+              <a:rPr lang="en-GB" sz="1200" dirty="0">
                 <a:solidFill>
                   <a:schemeClr val="dk2"/>
                 </a:solidFill>
               </a:rPr>
-              <a:t>The World.addObject() method inserts a GfxObject into this dictionary.</a:t>
-            </a:r>
-            <a:endParaRPr sz="1200">
+              <a:t>The </a:t>
+            </a:r>
+            <a:r>
+              <a:rPr lang="en-GB" sz="1200" dirty="0" err="1">
+                <a:solidFill>
+                  <a:schemeClr val="dk2"/>
+                </a:solidFill>
+              </a:rPr>
+              <a:t>World.addObject</a:t>
+            </a:r>
+            <a:r>
+              <a:rPr lang="en-GB" sz="1200" dirty="0">
+                <a:solidFill>
+                  <a:schemeClr val="dk2"/>
+                </a:solidFill>
+              </a:rPr>
+              <a:t>() method inserts a </a:t>
+            </a:r>
+            <a:r>
+              <a:rPr lang="en-GB" sz="1200" dirty="0" err="1">
+                <a:solidFill>
+                  <a:schemeClr val="dk2"/>
+                </a:solidFill>
+              </a:rPr>
+              <a:t>GfxObject</a:t>
+            </a:r>
+            <a:r>
+              <a:rPr lang="en-GB" sz="1200" dirty="0">
+                <a:solidFill>
+                  <a:schemeClr val="dk2"/>
+                </a:solidFill>
+              </a:rPr>
+              <a:t> into this dictionary.</a:t>
+            </a:r>
+            <a:endParaRPr sz="1200" dirty="0">
               <a:solidFill>
                 <a:schemeClr val="dk2"/>
               </a:solidFill>
             </a:endParaRPr>
           </a:p>
           <a:p>
-            <a:pPr indent="0" lvl="0" marL="0" rtl="0" algn="l">
+            <a:pPr marL="0" lvl="0" indent="0" algn="l" rtl="0">
               <a:spcBef>
                 <a:spcPts val="0"/>
               </a:spcBef>
@@ -8452,17 +8800,14 @@
               </a:spcAft>
               <a:buNone/>
             </a:pPr>
-            <a:r>
-              <a:t/>
-            </a:r>
-            <a:endParaRPr sz="1200">
+            <a:endParaRPr sz="1200" dirty="0">
               <a:solidFill>
                 <a:schemeClr val="dk2"/>
               </a:solidFill>
             </a:endParaRPr>
           </a:p>
           <a:p>
-            <a:pPr indent="0" lvl="0" marL="0" rtl="0" algn="l">
+            <a:pPr marL="0" lvl="0" indent="0" algn="l" rtl="0">
               <a:spcBef>
                 <a:spcPts val="0"/>
               </a:spcBef>
@@ -8472,36 +8817,100 @@
               <a:buNone/>
             </a:pPr>
             <a:r>
-              <a:rPr lang="en-GB" sz="1200">
+              <a:rPr lang="en-GB" sz="1200" dirty="0">
                 <a:solidFill>
                   <a:schemeClr val="dk2"/>
                 </a:solidFill>
               </a:rPr>
-              <a:t>The method World.loop() iterates over all GfxObjects calling their:</a:t>
+              <a:t>The method </a:t>
+            </a:r>
+            <a:r>
+              <a:rPr lang="en-GB" sz="1200" dirty="0" err="1">
+                <a:solidFill>
+                  <a:schemeClr val="dk2"/>
+                </a:solidFill>
+              </a:rPr>
+              <a:t>World.loop</a:t>
+            </a:r>
+            <a:r>
+              <a:rPr lang="en-GB" sz="1200" dirty="0">
+                <a:solidFill>
+                  <a:schemeClr val="dk2"/>
+                </a:solidFill>
+              </a:rPr>
+              <a:t>() iterates over all </a:t>
+            </a:r>
+            <a:r>
+              <a:rPr lang="en-GB" sz="1200" dirty="0" err="1">
+                <a:solidFill>
+                  <a:schemeClr val="dk2"/>
+                </a:solidFill>
+              </a:rPr>
+              <a:t>GfxObjects</a:t>
+            </a:r>
+            <a:r>
+              <a:rPr lang="en-GB" sz="1200" dirty="0">
+                <a:solidFill>
+                  <a:schemeClr val="dk2"/>
+                </a:solidFill>
+              </a:rPr>
+              <a:t> calling their:</a:t>
             </a:r>
             <a:br>
-              <a:rPr lang="en-GB" sz="1200">
+              <a:rPr lang="en-GB" sz="1200" dirty="0">
                 <a:solidFill>
                   <a:schemeClr val="dk2"/>
                 </a:solidFill>
               </a:rPr>
             </a:br>
             <a:r>
-              <a:rPr lang="en-GB" sz="1200">
+              <a:rPr lang="en-GB" sz="1200" dirty="0">
                 <a:solidFill>
                   <a:schemeClr val="dk2"/>
                 </a:solidFill>
               </a:rPr>
-              <a:t>   GfxObject.update(dx,dy) methods - to move the objects</a:t>
-            </a:r>
-            <a:endParaRPr sz="1200">
+              <a:t>   </a:t>
+            </a:r>
+            <a:r>
+              <a:rPr lang="en-GB" sz="1200" dirty="0" err="1">
+                <a:solidFill>
+                  <a:schemeClr val="dk2"/>
+                </a:solidFill>
+              </a:rPr>
+              <a:t>GfxObject.update</a:t>
+            </a:r>
+            <a:r>
+              <a:rPr lang="en-GB" sz="1200" dirty="0">
+                <a:solidFill>
+                  <a:schemeClr val="dk2"/>
+                </a:solidFill>
+              </a:rPr>
+              <a:t>(</a:t>
+            </a:r>
+            <a:r>
+              <a:rPr lang="en-GB" sz="1200" dirty="0" err="1">
+                <a:solidFill>
+                  <a:schemeClr val="dk2"/>
+                </a:solidFill>
+              </a:rPr>
+              <a:t>dx,dy</a:t>
+            </a:r>
+            <a:r>
+              <a:rPr lang="en-GB" sz="1200" dirty="0">
+                <a:solidFill>
+                  <a:schemeClr val="dk2"/>
+                </a:solidFill>
+              </a:rPr>
+              <a:t>) methods - to move the objects</a:t>
+            </a:r>
+            <a:endParaRPr sz="1200" dirty="0">
               <a:solidFill>
                 <a:schemeClr val="dk2"/>
               </a:solidFill>
             </a:endParaRPr>
           </a:p>
           <a:p>
-            <a:pPr indent="0" lvl="0" marL="0" rtl="0" algn="l">
+            <a:pPr marL="0" lvl="0" indent="0" algn="l" rtl="0">
               <a:spcBef>
                 <a:spcPts val="0"/>
               </a:spcBef>
@@ -8511,21 +8920,37 @@
               <a:buNone/>
             </a:pPr>
             <a:r>
-              <a:rPr lang="en-GB" sz="1200">
+              <a:rPr lang="en-GB" sz="1200" dirty="0">
                 <a:solidFill>
                   <a:schemeClr val="dk2"/>
                 </a:solidFill>
               </a:rPr>
-              <a:t>   GfxObject.draw(win) method to draw it on the “win” surface</a:t>
-            </a:r>
-            <a:endParaRPr sz="1200">
+              <a:t>   </a:t>
+            </a:r>
+            <a:r>
+              <a:rPr lang="en-GB" sz="1200" dirty="0" err="1">
+                <a:solidFill>
+                  <a:schemeClr val="dk2"/>
+                </a:solidFill>
+              </a:rPr>
+              <a:t>GfxObject.draw</a:t>
+            </a:r>
+            <a:r>
+              <a:rPr lang="en-GB" sz="1200" dirty="0">
+                <a:solidFill>
+                  <a:schemeClr val="dk2"/>
+                </a:solidFill>
+              </a:rPr>
+              <a:t>(win) method to draw it on the “win” surface</a:t>
+            </a:r>
+            <a:endParaRPr sz="1200" dirty="0">
               <a:solidFill>
                 <a:schemeClr val="dk2"/>
               </a:solidFill>
             </a:endParaRPr>
           </a:p>
           <a:p>
-            <a:pPr indent="0" lvl="0" marL="0" rtl="0" algn="l">
+            <a:pPr marL="0" lvl="0" indent="0" algn="l" rtl="0">
               <a:spcBef>
                 <a:spcPts val="0"/>
               </a:spcBef>
@@ -8534,17 +8959,14 @@
               </a:spcAft>
               <a:buNone/>
             </a:pPr>
-            <a:r>
-              <a:t/>
-            </a:r>
-            <a:endParaRPr sz="1200">
+            <a:endParaRPr sz="1200" dirty="0">
               <a:solidFill>
                 <a:schemeClr val="dk2"/>
               </a:solidFill>
             </a:endParaRPr>
           </a:p>
           <a:p>
-            <a:pPr indent="0" lvl="0" marL="0" rtl="0" algn="l">
+            <a:pPr marL="0" lvl="0" indent="0" algn="l" rtl="0">
               <a:spcBef>
                 <a:spcPts val="0"/>
               </a:spcBef>
@@ -8554,29 +8976,69 @@
               <a:buNone/>
             </a:pPr>
             <a:r>
-              <a:rPr lang="en-GB" sz="1200">
+              <a:rPr lang="en-GB" sz="1200" dirty="0">
                 <a:solidFill>
                   <a:schemeClr val="dk2"/>
                 </a:solidFill>
               </a:rPr>
-              <a:t>In this example move increments x so the redFig object moves right each frame. </a:t>
-            </a:r>
-            <a:r>
-              <a:rPr i="1" lang="en-GB" sz="1200">
+              <a:t>In this example move increments x so the </a:t>
+            </a:r>
+            <a:r>
+              <a:rPr lang="en-GB" sz="1200" dirty="0" err="1">
                 <a:solidFill>
                   <a:schemeClr val="dk2"/>
                 </a:solidFill>
               </a:rPr>
-              <a:t>In the next iteration 101c, the method GfxObject.handleKeyMovement() will mange dx and dy</a:t>
-            </a:r>
-            <a:endParaRPr i="1" sz="1200">
+              <a:t>redFig</a:t>
+            </a:r>
+            <a:r>
+              <a:rPr lang="en-GB" sz="1200" dirty="0">
+                <a:solidFill>
+                  <a:schemeClr val="dk2"/>
+                </a:solidFill>
+              </a:rPr>
+              <a:t> object moves right each frame. </a:t>
+            </a:r>
+            <a:r>
+              <a:rPr lang="en-GB" sz="1200" i="1" dirty="0">
+                <a:solidFill>
+                  <a:schemeClr val="dk2"/>
+                </a:solidFill>
+              </a:rPr>
+              <a:t>In the next iteration 101c, the method </a:t>
+            </a:r>
+            <a:r>
+              <a:rPr lang="en-GB" sz="1200" i="1" dirty="0" err="1">
+                <a:solidFill>
+                  <a:schemeClr val="dk2"/>
+                </a:solidFill>
+              </a:rPr>
+              <a:t>GfxObject.handleKeyMovement</a:t>
+            </a:r>
+            <a:r>
+              <a:rPr lang="en-GB" sz="1200" i="1" dirty="0">
+                <a:solidFill>
+                  <a:schemeClr val="dk2"/>
+                </a:solidFill>
+              </a:rPr>
+              <a:t>() will manage movement (displacement) by dx and </a:t>
+            </a:r>
+            <a:r>
+              <a:rPr lang="en-GB" sz="1200" i="1" dirty="0" err="1">
+                <a:solidFill>
+                  <a:schemeClr val="dk2"/>
+                </a:solidFill>
+              </a:rPr>
+              <a:t>dy</a:t>
+            </a:r>
+            <a:endParaRPr sz="1200" i="1" dirty="0">
               <a:solidFill>
                 <a:schemeClr val="dk2"/>
               </a:solidFill>
             </a:endParaRPr>
           </a:p>
           <a:p>
-            <a:pPr indent="0" lvl="0" marL="0" rtl="0" algn="l">
+            <a:pPr marL="0" lvl="0" indent="0" algn="l" rtl="0">
               <a:spcBef>
                 <a:spcPts val="0"/>
               </a:spcBef>
@@ -8585,17 +9047,14 @@
               </a:spcAft>
               <a:buNone/>
             </a:pPr>
-            <a:r>
-              <a:t/>
-            </a:r>
-            <a:endParaRPr i="1" sz="1200">
+            <a:endParaRPr sz="1200" i="1" dirty="0">
               <a:solidFill>
                 <a:schemeClr val="dk2"/>
               </a:solidFill>
             </a:endParaRPr>
           </a:p>
           <a:p>
-            <a:pPr indent="0" lvl="0" marL="0" rtl="0" algn="l">
+            <a:pPr marL="0" lvl="0" indent="0" algn="l" rtl="0">
               <a:spcBef>
                 <a:spcPts val="0"/>
               </a:spcBef>
@@ -8605,21 +9064,37 @@
               <a:buNone/>
             </a:pPr>
             <a:r>
-              <a:rPr lang="en-GB" sz="1200">
+              <a:rPr lang="en-GB" sz="1200" dirty="0">
                 <a:solidFill>
                   <a:schemeClr val="dk2"/>
                 </a:solidFill>
               </a:rPr>
-              <a:t>The surface that is to be drawn must be added to each GfxObject using its</a:t>
-            </a:r>
-            <a:endParaRPr sz="1200">
+              <a:t>The surface that is to be drawn must be added to each </a:t>
+            </a:r>
+            <a:r>
+              <a:rPr lang="en-GB" sz="1200" dirty="0" err="1">
+                <a:solidFill>
+                  <a:schemeClr val="dk2"/>
+                </a:solidFill>
+              </a:rPr>
+              <a:t>GfxObject</a:t>
+            </a:r>
+            <a:r>
+              <a:rPr lang="en-GB" sz="1200" dirty="0">
+                <a:solidFill>
+                  <a:schemeClr val="dk2"/>
+                </a:solidFill>
+              </a:rPr>
+              <a:t> using its</a:t>
+            </a:r>
+            <a:endParaRPr sz="1200" dirty="0">
               <a:solidFill>
                 <a:schemeClr val="dk2"/>
               </a:solidFill>
             </a:endParaRPr>
           </a:p>
           <a:p>
-            <a:pPr indent="0" lvl="0" marL="0" rtl="0" algn="l">
+            <a:pPr marL="0" lvl="0" indent="0" algn="l" rtl="0">
               <a:spcBef>
                 <a:spcPts val="0"/>
               </a:spcBef>
@@ -8629,14 +9104,30 @@
               <a:buNone/>
             </a:pPr>
             <a:r>
-              <a:rPr lang="en-GB" sz="1200">
+              <a:rPr lang="en-GB" sz="1200" dirty="0">
                 <a:solidFill>
                   <a:schemeClr val="dk2"/>
                 </a:solidFill>
               </a:rPr>
-              <a:t>.setSurface() method. </a:t>
-            </a:r>
-            <a:endParaRPr sz="1200">
+              <a:t>.</a:t>
+            </a:r>
+            <a:r>
+              <a:rPr lang="en-GB" sz="1200" dirty="0" err="1">
+                <a:solidFill>
+                  <a:schemeClr val="dk2"/>
+                </a:solidFill>
+              </a:rPr>
+              <a:t>setSurface</a:t>
+            </a:r>
+            <a:r>
+              <a:rPr lang="en-GB" sz="1200" dirty="0">
+                <a:solidFill>
+                  <a:schemeClr val="dk2"/>
+                </a:solidFill>
+              </a:rPr>
+              <a:t>() method. </a:t>
+            </a:r>
+            <a:endParaRPr sz="1200" dirty="0">
               <a:solidFill>
                 <a:schemeClr val="dk2"/>
               </a:solidFill>
@@ -8664,12 +9155,12 @@
           </a:ln>
         </p:spPr>
         <p:txBody>
-          <a:bodyPr anchorCtr="0" anchor="t" bIns="91425" lIns="91425" spcFirstLastPara="1" rIns="91425" wrap="square" tIns="91425">
+          <a:bodyPr spcFirstLastPara="1" wrap="square" lIns="91425" tIns="91425" rIns="91425" bIns="91425" anchor="t" anchorCtr="0">
             <a:spAutoFit/>
           </a:bodyPr>
           <a:lstStyle/>
           <a:p>
-            <a:pPr indent="0" lvl="0" marL="0" rtl="0" algn="l">
+            <a:pPr marL="0" lvl="0" indent="0" algn="l" rtl="0">
               <a:spcBef>
                 <a:spcPts val="0"/>
               </a:spcBef>
@@ -8720,23 +9211,23 @@
           <a:solidFill>
             <a:schemeClr val="dk1"/>
           </a:solidFill>
-          <a:ln cap="flat" cmpd="sng" w="9525">
+          <a:ln w="9525" cap="flat" cmpd="sng">
             <a:solidFill>
               <a:schemeClr val="dk2"/>
             </a:solidFill>
             <a:prstDash val="solid"/>
             <a:round/>
-            <a:headEnd len="sm" w="sm" type="none"/>
-            <a:tailEnd len="sm" w="sm" type="none"/>
+            <a:headEnd type="none" w="sm" len="sm"/>
+            <a:tailEnd type="none" w="sm" len="sm"/>
           </a:ln>
         </p:spPr>
         <p:txBody>
-          <a:bodyPr anchorCtr="0" anchor="ctr" bIns="91425" lIns="91425" spcFirstLastPara="1" rIns="91425" wrap="square" tIns="91425">
+          <a:bodyPr spcFirstLastPara="1" wrap="square" lIns="91425" tIns="91425" rIns="91425" bIns="91425" anchor="ctr" anchorCtr="0">
             <a:noAutofit/>
           </a:bodyPr>
           <a:lstStyle/>
           <a:p>
-            <a:pPr indent="0" lvl="0" marL="0" rtl="0" algn="ctr">
+            <a:pPr marL="0" lvl="0" indent="0" algn="ctr" rtl="0">
               <a:spcBef>
                 <a:spcPts val="0"/>
               </a:spcBef>
@@ -8745,9 +9236,6 @@
               </a:spcAft>
               <a:buNone/>
             </a:pPr>
-            <a:r>
-              <a:t/>
-            </a:r>
             <a:endParaRPr/>
           </a:p>
         </p:txBody>
@@ -8761,11 +9249,11 @@
 </file>
 
 <file path=ppt/slides/slide12.xml><?xml version="1.0" encoding="utf-8"?>
-<p:sld xmlns:a="http://schemas.openxmlformats.org/drawingml/2006/main" xmlns:r="http://schemas.openxmlformats.org/officeDocument/2006/relationships" xmlns:mc="http://schemas.openxmlformats.org/markup-compatibility/2006" xmlns:mv="urn:schemas-microsoft-com:mac:vml" xmlns:p="http://schemas.openxmlformats.org/presentationml/2006/main" xmlns:c="http://schemas.openxmlformats.org/drawingml/2006/chart" xmlns:dgm="http://schemas.openxmlformats.org/drawingml/2006/diagram" xmlns:o="urn:schemas-microsoft-com:office:office" xmlns:v="urn:schemas-microsoft-com:vml" xmlns:pvml="urn:schemas-microsoft-com:office:powerpoint" xmlns:com="http://schemas.openxmlformats.org/drawingml/2006/compatibility" xmlns:p14="http://schemas.microsoft.com/office/powerpoint/2010/main" xmlns:p15="http://schemas.microsoft.com/office/powerpoint/2012/main" xmlns:ahyp="http://schemas.microsoft.com/office/drawing/2018/hyperlinkcolor">
+<p:sld xmlns:a="http://schemas.openxmlformats.org/drawingml/2006/main" xmlns:r="http://schemas.openxmlformats.org/officeDocument/2006/relationships" xmlns:p="http://schemas.openxmlformats.org/presentationml/2006/main">
   <p:cSld>
     <p:spTree>
       <p:nvGrpSpPr>
-        <p:cNvPr id="135" name="Shape 135"/>
+        <p:cNvPr id="1" name="Shape 135"/>
         <p:cNvGrpSpPr/>
         <p:nvPr/>
       </p:nvGrpSpPr>
@@ -8780,7 +9268,9 @@
       <p:sp>
         <p:nvSpPr>
           <p:cNvPr id="136" name="Google Shape;136;p24"/>
-          <p:cNvSpPr txBox="1"/>
+          <p:cNvSpPr txBox="1">
+            <a:spLocks noGrp="1"/>
+          </p:cNvSpPr>
           <p:nvPr>
             <p:ph type="title"/>
           </p:nvPr>
@@ -8795,12 +9285,12 @@
           </a:prstGeom>
         </p:spPr>
         <p:txBody>
-          <a:bodyPr anchorCtr="0" anchor="t" bIns="91425" lIns="91425" spcFirstLastPara="1" rIns="91425" wrap="square" tIns="91425">
+          <a:bodyPr spcFirstLastPara="1" wrap="square" lIns="91425" tIns="91425" rIns="91425" bIns="91425" anchor="t" anchorCtr="0">
             <a:normAutofit fontScale="90000"/>
           </a:bodyPr>
           <a:lstStyle/>
           <a:p>
-            <a:pPr indent="0" lvl="0" marL="0" rtl="0" algn="l">
+            <a:pPr marL="0" lvl="0" indent="0" algn="l" rtl="0">
               <a:spcBef>
                 <a:spcPts val="0"/>
               </a:spcBef>
@@ -8882,11 +9372,11 @@
 </file>
 
 <file path=ppt/slides/slide13.xml><?xml version="1.0" encoding="utf-8"?>
-<p:sld xmlns:a="http://schemas.openxmlformats.org/drawingml/2006/main" xmlns:r="http://schemas.openxmlformats.org/officeDocument/2006/relationships" xmlns:mc="http://schemas.openxmlformats.org/markup-compatibility/2006" xmlns:mv="urn:schemas-microsoft-com:mac:vml" xmlns:p="http://schemas.openxmlformats.org/presentationml/2006/main" xmlns:c="http://schemas.openxmlformats.org/drawingml/2006/chart" xmlns:dgm="http://schemas.openxmlformats.org/drawingml/2006/diagram" xmlns:o="urn:schemas-microsoft-com:office:office" xmlns:v="urn:schemas-microsoft-com:vml" xmlns:pvml="urn:schemas-microsoft-com:office:powerpoint" xmlns:com="http://schemas.openxmlformats.org/drawingml/2006/compatibility" xmlns:p14="http://schemas.microsoft.com/office/powerpoint/2010/main" xmlns:p15="http://schemas.microsoft.com/office/powerpoint/2012/main" xmlns:ahyp="http://schemas.microsoft.com/office/drawing/2018/hyperlinkcolor">
+<p:sld xmlns:a="http://schemas.openxmlformats.org/drawingml/2006/main" xmlns:r="http://schemas.openxmlformats.org/officeDocument/2006/relationships" xmlns:p="http://schemas.openxmlformats.org/presentationml/2006/main">
   <p:cSld>
     <p:spTree>
       <p:nvGrpSpPr>
-        <p:cNvPr id="142" name="Shape 142"/>
+        <p:cNvPr id="1" name="Shape 142"/>
         <p:cNvGrpSpPr/>
         <p:nvPr/>
       </p:nvGrpSpPr>
@@ -8901,7 +9391,9 @@
       <p:sp>
         <p:nvSpPr>
           <p:cNvPr id="143" name="Google Shape;143;p25"/>
-          <p:cNvSpPr txBox="1"/>
+          <p:cNvSpPr txBox="1">
+            <a:spLocks noGrp="1"/>
+          </p:cNvSpPr>
           <p:nvPr>
             <p:ph type="title"/>
           </p:nvPr>
@@ -8916,12 +9408,12 @@
           </a:prstGeom>
         </p:spPr>
         <p:txBody>
-          <a:bodyPr anchorCtr="0" anchor="t" bIns="91425" lIns="91425" spcFirstLastPara="1" rIns="91425" wrap="square" tIns="91425">
+          <a:bodyPr spcFirstLastPara="1" wrap="square" lIns="91425" tIns="91425" rIns="91425" bIns="91425" anchor="t" anchorCtr="0">
             <a:noAutofit/>
           </a:bodyPr>
           <a:lstStyle/>
           <a:p>
-            <a:pPr indent="0" lvl="0" marL="0" rtl="0" algn="l">
+            <a:pPr marL="0" lvl="0" indent="0" algn="l" rtl="0">
               <a:spcBef>
                 <a:spcPts val="0"/>
               </a:spcBef>
@@ -8942,7 +9434,7 @@
             <a:endParaRPr sz="2120"/>
           </a:p>
           <a:p>
-            <a:pPr indent="0" lvl="0" marL="0" rtl="0" algn="l">
+            <a:pPr marL="0" lvl="0" indent="0" algn="l" rtl="0">
               <a:spcBef>
                 <a:spcPts val="0"/>
               </a:spcBef>
@@ -8952,9 +9444,6 @@
               <a:buSzPts val="990"/>
               <a:buNone/>
             </a:pPr>
-            <a:r>
-              <a:t/>
-            </a:r>
             <a:endParaRPr sz="2120"/>
           </a:p>
         </p:txBody>
@@ -9108,11 +9597,11 @@
 </file>
 
 <file path=ppt/slides/slide14.xml><?xml version="1.0" encoding="utf-8"?>
-<p:sld xmlns:a="http://schemas.openxmlformats.org/drawingml/2006/main" xmlns:r="http://schemas.openxmlformats.org/officeDocument/2006/relationships" xmlns:mc="http://schemas.openxmlformats.org/markup-compatibility/2006" xmlns:mv="urn:schemas-microsoft-com:mac:vml" xmlns:p="http://schemas.openxmlformats.org/presentationml/2006/main" xmlns:c="http://schemas.openxmlformats.org/drawingml/2006/chart" xmlns:dgm="http://schemas.openxmlformats.org/drawingml/2006/diagram" xmlns:o="urn:schemas-microsoft-com:office:office" xmlns:v="urn:schemas-microsoft-com:vml" xmlns:pvml="urn:schemas-microsoft-com:office:powerpoint" xmlns:com="http://schemas.openxmlformats.org/drawingml/2006/compatibility" xmlns:p14="http://schemas.microsoft.com/office/powerpoint/2010/main" xmlns:p15="http://schemas.microsoft.com/office/powerpoint/2012/main" xmlns:ahyp="http://schemas.microsoft.com/office/drawing/2018/hyperlinkcolor">
+<p:sld xmlns:a="http://schemas.openxmlformats.org/drawingml/2006/main" xmlns:r="http://schemas.openxmlformats.org/officeDocument/2006/relationships" xmlns:p="http://schemas.openxmlformats.org/presentationml/2006/main">
   <p:cSld>
     <p:spTree>
       <p:nvGrpSpPr>
-        <p:cNvPr id="152" name="Shape 152"/>
+        <p:cNvPr id="1" name="Shape 152"/>
         <p:cNvGrpSpPr/>
         <p:nvPr/>
       </p:nvGrpSpPr>
@@ -9127,7 +9616,9 @@
       <p:sp>
         <p:nvSpPr>
           <p:cNvPr id="153" name="Google Shape;153;p26"/>
-          <p:cNvSpPr txBox="1"/>
+          <p:cNvSpPr txBox="1">
+            <a:spLocks noGrp="1"/>
+          </p:cNvSpPr>
           <p:nvPr>
             <p:ph type="title"/>
           </p:nvPr>
@@ -9142,12 +9633,12 @@
           </a:prstGeom>
         </p:spPr>
         <p:txBody>
-          <a:bodyPr anchorCtr="0" anchor="t" bIns="91425" lIns="91425" spcFirstLastPara="1" rIns="91425" wrap="square" tIns="91425">
+          <a:bodyPr spcFirstLastPara="1" wrap="square" lIns="91425" tIns="91425" rIns="91425" bIns="91425" anchor="t" anchorCtr="0">
             <a:noAutofit/>
           </a:bodyPr>
           <a:lstStyle/>
           <a:p>
-            <a:pPr indent="0" lvl="0" marL="0" rtl="0" algn="l">
+            <a:pPr marL="0" lvl="0" indent="0" algn="l" rtl="0">
               <a:spcBef>
                 <a:spcPts val="0"/>
               </a:spcBef>
@@ -9164,7 +9655,7 @@
             <a:endParaRPr sz="2120"/>
           </a:p>
           <a:p>
-            <a:pPr indent="0" lvl="0" marL="0" rtl="0" algn="l">
+            <a:pPr marL="0" lvl="0" indent="0" algn="l" rtl="0">
               <a:spcBef>
                 <a:spcPts val="0"/>
               </a:spcBef>
@@ -9174,9 +9665,6 @@
               <a:buSzPts val="990"/>
               <a:buNone/>
             </a:pPr>
-            <a:r>
-              <a:t/>
-            </a:r>
             <a:endParaRPr sz="2120"/>
           </a:p>
         </p:txBody>
@@ -9302,11 +9790,11 @@
 </file>
 
 <file path=ppt/slides/slide15.xml><?xml version="1.0" encoding="utf-8"?>
-<p:sld xmlns:a="http://schemas.openxmlformats.org/drawingml/2006/main" xmlns:r="http://schemas.openxmlformats.org/officeDocument/2006/relationships" xmlns:mc="http://schemas.openxmlformats.org/markup-compatibility/2006" xmlns:mv="urn:schemas-microsoft-com:mac:vml" xmlns:p="http://schemas.openxmlformats.org/presentationml/2006/main" xmlns:c="http://schemas.openxmlformats.org/drawingml/2006/chart" xmlns:dgm="http://schemas.openxmlformats.org/drawingml/2006/diagram" xmlns:o="urn:schemas-microsoft-com:office:office" xmlns:v="urn:schemas-microsoft-com:vml" xmlns:pvml="urn:schemas-microsoft-com:office:powerpoint" xmlns:com="http://schemas.openxmlformats.org/drawingml/2006/compatibility" xmlns:p14="http://schemas.microsoft.com/office/powerpoint/2010/main" xmlns:p15="http://schemas.microsoft.com/office/powerpoint/2012/main" xmlns:ahyp="http://schemas.microsoft.com/office/drawing/2018/hyperlinkcolor">
+<p:sld xmlns:a="http://schemas.openxmlformats.org/drawingml/2006/main" xmlns:r="http://schemas.openxmlformats.org/officeDocument/2006/relationships" xmlns:p="http://schemas.openxmlformats.org/presentationml/2006/main">
   <p:cSld>
     <p:spTree>
       <p:nvGrpSpPr>
-        <p:cNvPr id="161" name="Shape 161"/>
+        <p:cNvPr id="1" name="Shape 161"/>
         <p:cNvGrpSpPr/>
         <p:nvPr/>
       </p:nvGrpSpPr>
@@ -9321,7 +9809,9 @@
       <p:sp>
         <p:nvSpPr>
           <p:cNvPr id="162" name="Google Shape;162;p27"/>
-          <p:cNvSpPr txBox="1"/>
+          <p:cNvSpPr txBox="1">
+            <a:spLocks noGrp="1"/>
+          </p:cNvSpPr>
           <p:nvPr>
             <p:ph type="title"/>
           </p:nvPr>
@@ -9336,12 +9826,12 @@
           </a:prstGeom>
         </p:spPr>
         <p:txBody>
-          <a:bodyPr anchorCtr="0" anchor="t" bIns="91425" lIns="91425" spcFirstLastPara="1" rIns="91425" wrap="square" tIns="91425">
+          <a:bodyPr spcFirstLastPara="1" wrap="square" lIns="91425" tIns="91425" rIns="91425" bIns="91425" anchor="t" anchorCtr="0">
             <a:noAutofit/>
           </a:bodyPr>
           <a:lstStyle/>
           <a:p>
-            <a:pPr indent="0" lvl="0" marL="0" rtl="0" algn="l">
+            <a:pPr marL="0" lvl="0" indent="0" algn="l" rtl="0">
               <a:spcBef>
                 <a:spcPts val="0"/>
               </a:spcBef>
@@ -9358,7 +9848,7 @@
             <a:endParaRPr sz="2120"/>
           </a:p>
           <a:p>
-            <a:pPr indent="0" lvl="0" marL="0" rtl="0" algn="l">
+            <a:pPr marL="0" lvl="0" indent="0" algn="l" rtl="0">
               <a:spcBef>
                 <a:spcPts val="0"/>
               </a:spcBef>
@@ -9368,9 +9858,6 @@
               <a:buSzPts val="990"/>
               <a:buNone/>
             </a:pPr>
-            <a:r>
-              <a:t/>
-            </a:r>
             <a:endParaRPr sz="2120"/>
           </a:p>
         </p:txBody>
@@ -9479,12 +9966,12 @@
           </a:ln>
         </p:spPr>
         <p:txBody>
-          <a:bodyPr anchorCtr="0" anchor="t" bIns="91425" lIns="91425" spcFirstLastPara="1" rIns="91425" wrap="square" tIns="91425">
+          <a:bodyPr spcFirstLastPara="1" wrap="square" lIns="91425" tIns="91425" rIns="91425" bIns="91425" anchor="t" anchorCtr="0">
             <a:noAutofit/>
           </a:bodyPr>
           <a:lstStyle/>
           <a:p>
-            <a:pPr indent="0" lvl="0" marL="0" rtl="0" algn="l">
+            <a:pPr marL="0" lvl="0" indent="0" algn="l" rtl="0">
               <a:spcBef>
                 <a:spcPts val="0"/>
               </a:spcBef>
@@ -9493,9 +9980,6 @@
               </a:spcAft>
               <a:buNone/>
             </a:pPr>
-            <a:r>
-              <a:t/>
-            </a:r>
             <a:endParaRPr sz="1800">
               <a:solidFill>
                 <a:schemeClr val="dk2"/>
@@ -9517,29 +10001,29 @@
           </a:xfrm>
           <a:prstGeom prst="foldedCorner">
             <a:avLst>
-              <a:gd fmla="val 16667" name="adj"/>
+              <a:gd name="adj" fmla="val 16667"/>
             </a:avLst>
           </a:prstGeom>
           <a:solidFill>
             <a:schemeClr val="lt2"/>
           </a:solidFill>
-          <a:ln cap="flat" cmpd="sng" w="9525">
+          <a:ln w="9525" cap="flat" cmpd="sng">
             <a:solidFill>
               <a:schemeClr val="dk2"/>
             </a:solidFill>
             <a:prstDash val="solid"/>
             <a:round/>
-            <a:headEnd len="sm" w="sm" type="none"/>
-            <a:tailEnd len="sm" w="sm" type="none"/>
+            <a:headEnd type="none" w="sm" len="sm"/>
+            <a:tailEnd type="none" w="sm" len="sm"/>
           </a:ln>
         </p:spPr>
         <p:txBody>
-          <a:bodyPr anchorCtr="0" anchor="ctr" bIns="91425" lIns="91425" spcFirstLastPara="1" rIns="91425" wrap="square" tIns="91425">
+          <a:bodyPr spcFirstLastPara="1" wrap="square" lIns="91425" tIns="91425" rIns="91425" bIns="91425" anchor="ctr" anchorCtr="0">
             <a:noAutofit/>
           </a:bodyPr>
           <a:lstStyle/>
           <a:p>
-            <a:pPr indent="0" lvl="0" marL="0" rtl="0" algn="ctr">
+            <a:pPr marL="0" lvl="0" indent="0" algn="ctr" rtl="0">
               <a:spcBef>
                 <a:spcPts val="0"/>
               </a:spcBef>
@@ -9555,7 +10039,7 @@
             <a:endParaRPr/>
           </a:p>
           <a:p>
-            <a:pPr indent="0" lvl="0" marL="0" rtl="0" algn="ctr">
+            <a:pPr marL="0" lvl="0" indent="0" algn="ctr" rtl="0">
               <a:spcBef>
                 <a:spcPts val="0"/>
               </a:spcBef>
@@ -9564,13 +10048,10 @@
               </a:spcAft>
               <a:buNone/>
             </a:pPr>
-            <a:r>
-              <a:t/>
-            </a:r>
             <a:endParaRPr/>
           </a:p>
           <a:p>
-            <a:pPr indent="0" lvl="0" marL="0" rtl="0" algn="ctr">
+            <a:pPr marL="0" lvl="0" indent="0" algn="ctr" rtl="0">
               <a:spcBef>
                 <a:spcPts val="0"/>
               </a:spcBef>
@@ -9596,11 +10077,11 @@
 </file>
 
 <file path=ppt/slides/slide16.xml><?xml version="1.0" encoding="utf-8"?>
-<p:sld xmlns:a="http://schemas.openxmlformats.org/drawingml/2006/main" xmlns:r="http://schemas.openxmlformats.org/officeDocument/2006/relationships" xmlns:mc="http://schemas.openxmlformats.org/markup-compatibility/2006" xmlns:mv="urn:schemas-microsoft-com:mac:vml" xmlns:p="http://schemas.openxmlformats.org/presentationml/2006/main" xmlns:c="http://schemas.openxmlformats.org/drawingml/2006/chart" xmlns:dgm="http://schemas.openxmlformats.org/drawingml/2006/diagram" xmlns:o="urn:schemas-microsoft-com:office:office" xmlns:v="urn:schemas-microsoft-com:vml" xmlns:pvml="urn:schemas-microsoft-com:office:powerpoint" xmlns:com="http://schemas.openxmlformats.org/drawingml/2006/compatibility" xmlns:p14="http://schemas.microsoft.com/office/powerpoint/2010/main" xmlns:p15="http://schemas.microsoft.com/office/powerpoint/2012/main" xmlns:ahyp="http://schemas.microsoft.com/office/drawing/2018/hyperlinkcolor">
+<p:sld xmlns:a="http://schemas.openxmlformats.org/drawingml/2006/main" xmlns:r="http://schemas.openxmlformats.org/officeDocument/2006/relationships" xmlns:p="http://schemas.openxmlformats.org/presentationml/2006/main">
   <p:cSld>
     <p:spTree>
       <p:nvGrpSpPr>
-        <p:cNvPr id="171" name="Shape 171"/>
+        <p:cNvPr id="1" name="Shape 171"/>
         <p:cNvGrpSpPr/>
         <p:nvPr/>
       </p:nvGrpSpPr>
@@ -9615,7 +10096,9 @@
       <p:sp>
         <p:nvSpPr>
           <p:cNvPr id="172" name="Google Shape;172;p28"/>
-          <p:cNvSpPr txBox="1"/>
+          <p:cNvSpPr txBox="1">
+            <a:spLocks noGrp="1"/>
+          </p:cNvSpPr>
           <p:nvPr>
             <p:ph type="title"/>
           </p:nvPr>
@@ -9630,12 +10113,12 @@
           </a:prstGeom>
         </p:spPr>
         <p:txBody>
-          <a:bodyPr anchorCtr="0" anchor="t" bIns="91425" lIns="91425" spcFirstLastPara="1" rIns="91425" wrap="square" tIns="91425">
+          <a:bodyPr spcFirstLastPara="1" wrap="square" lIns="91425" tIns="91425" rIns="91425" bIns="91425" anchor="t" anchorCtr="0">
             <a:noAutofit/>
           </a:bodyPr>
           <a:lstStyle/>
           <a:p>
-            <a:pPr indent="0" lvl="0" marL="0" rtl="0" algn="l">
+            <a:pPr marL="0" lvl="0" indent="0" algn="l" rtl="0">
               <a:spcBef>
                 <a:spcPts val="0"/>
               </a:spcBef>
@@ -9652,7 +10135,7 @@
             <a:endParaRPr sz="2120"/>
           </a:p>
           <a:p>
-            <a:pPr indent="0" lvl="0" marL="0" rtl="0" algn="l">
+            <a:pPr marL="0" lvl="0" indent="0" algn="l" rtl="0">
               <a:spcBef>
                 <a:spcPts val="0"/>
               </a:spcBef>
@@ -9662,9 +10145,6 @@
               <a:buSzPts val="990"/>
               <a:buNone/>
             </a:pPr>
-            <a:r>
-              <a:t/>
-            </a:r>
             <a:endParaRPr sz="2120"/>
           </a:p>
         </p:txBody>
@@ -9745,12 +10225,12 @@
           </a:ln>
         </p:spPr>
         <p:txBody>
-          <a:bodyPr anchorCtr="0" anchor="t" bIns="91425" lIns="91425" spcFirstLastPara="1" rIns="91425" wrap="square" tIns="91425">
+          <a:bodyPr spcFirstLastPara="1" wrap="square" lIns="91425" tIns="91425" rIns="91425" bIns="91425" anchor="t" anchorCtr="0">
             <a:noAutofit/>
           </a:bodyPr>
           <a:lstStyle/>
           <a:p>
-            <a:pPr indent="0" lvl="0" marL="0" rtl="0" algn="l">
+            <a:pPr marL="0" lvl="0" indent="0" algn="l" rtl="0">
               <a:spcBef>
                 <a:spcPts val="0"/>
               </a:spcBef>
@@ -9759,9 +10239,6 @@
               </a:spcAft>
               <a:buNone/>
             </a:pPr>
-            <a:r>
-              <a:t/>
-            </a:r>
             <a:endParaRPr sz="1800">
               <a:solidFill>
                 <a:schemeClr val="dk2"/>
@@ -9818,12 +10295,12 @@
           </a:ln>
         </p:spPr>
         <p:txBody>
-          <a:bodyPr anchorCtr="0" anchor="t" bIns="91425" lIns="91425" spcFirstLastPara="1" rIns="91425" wrap="square" tIns="91425">
+          <a:bodyPr spcFirstLastPara="1" wrap="square" lIns="91425" tIns="91425" rIns="91425" bIns="91425" anchor="t" anchorCtr="0">
             <a:spAutoFit/>
           </a:bodyPr>
           <a:lstStyle/>
           <a:p>
-            <a:pPr indent="0" lvl="0" marL="0" rtl="0" algn="l">
+            <a:pPr marL="0" lvl="0" indent="0" algn="l" rtl="0">
               <a:spcBef>
                 <a:spcPts val="0"/>
               </a:spcBef>
@@ -9861,30 +10338,30 @@
           </a:xfrm>
           <a:prstGeom prst="wedgeRectCallout">
             <a:avLst>
-              <a:gd fmla="val -38719" name="adj1"/>
-              <a:gd fmla="val -87495" name="adj2"/>
+              <a:gd name="adj1" fmla="val -38719"/>
+              <a:gd name="adj2" fmla="val -87495"/>
             </a:avLst>
           </a:prstGeom>
           <a:solidFill>
             <a:schemeClr val="lt2"/>
           </a:solidFill>
-          <a:ln cap="flat" cmpd="sng" w="9525">
+          <a:ln w="9525" cap="flat" cmpd="sng">
             <a:solidFill>
               <a:schemeClr val="dk2"/>
             </a:solidFill>
             <a:prstDash val="solid"/>
             <a:round/>
-            <a:headEnd len="sm" w="sm" type="none"/>
-            <a:tailEnd len="sm" w="sm" type="none"/>
+            <a:headEnd type="none" w="sm" len="sm"/>
+            <a:tailEnd type="none" w="sm" len="sm"/>
           </a:ln>
         </p:spPr>
         <p:txBody>
-          <a:bodyPr anchorCtr="0" anchor="ctr" bIns="91425" lIns="91425" spcFirstLastPara="1" rIns="91425" wrap="square" tIns="91425">
+          <a:bodyPr spcFirstLastPara="1" wrap="square" lIns="91425" tIns="91425" rIns="91425" bIns="91425" anchor="ctr" anchorCtr="0">
             <a:noAutofit/>
           </a:bodyPr>
           <a:lstStyle/>
           <a:p>
-            <a:pPr indent="0" lvl="0" marL="0" rtl="0" algn="ctr">
+            <a:pPr marL="0" lvl="0" indent="0" algn="ctr" rtl="0">
               <a:spcBef>
                 <a:spcPts val="0"/>
               </a:spcBef>
@@ -9900,7 +10377,7 @@
             <a:endParaRPr/>
           </a:p>
           <a:p>
-            <a:pPr indent="0" lvl="0" marL="0" rtl="0" algn="ctr">
+            <a:pPr marL="0" lvl="0" indent="0" algn="ctr" rtl="0">
               <a:spcBef>
                 <a:spcPts val="0"/>
               </a:spcBef>
@@ -9926,11 +10403,11 @@
 </file>
 
 <file path=ppt/slides/slide17.xml><?xml version="1.0" encoding="utf-8"?>
-<p:sld xmlns:a="http://schemas.openxmlformats.org/drawingml/2006/main" xmlns:r="http://schemas.openxmlformats.org/officeDocument/2006/relationships" xmlns:mc="http://schemas.openxmlformats.org/markup-compatibility/2006" xmlns:mv="urn:schemas-microsoft-com:mac:vml" xmlns:p="http://schemas.openxmlformats.org/presentationml/2006/main" xmlns:c="http://schemas.openxmlformats.org/drawingml/2006/chart" xmlns:dgm="http://schemas.openxmlformats.org/drawingml/2006/diagram" xmlns:o="urn:schemas-microsoft-com:office:office" xmlns:v="urn:schemas-microsoft-com:vml" xmlns:pvml="urn:schemas-microsoft-com:office:powerpoint" xmlns:com="http://schemas.openxmlformats.org/drawingml/2006/compatibility" xmlns:p14="http://schemas.microsoft.com/office/powerpoint/2010/main" xmlns:p15="http://schemas.microsoft.com/office/powerpoint/2012/main" xmlns:ahyp="http://schemas.microsoft.com/office/drawing/2018/hyperlinkcolor">
+<p:sld xmlns:a="http://schemas.openxmlformats.org/drawingml/2006/main" xmlns:r="http://schemas.openxmlformats.org/officeDocument/2006/relationships" xmlns:p="http://schemas.openxmlformats.org/presentationml/2006/main">
   <p:cSld>
     <p:spTree>
       <p:nvGrpSpPr>
-        <p:cNvPr id="182" name="Shape 182"/>
+        <p:cNvPr id="1" name="Shape 182"/>
         <p:cNvGrpSpPr/>
         <p:nvPr/>
       </p:nvGrpSpPr>
@@ -9945,7 +10422,9 @@
       <p:sp>
         <p:nvSpPr>
           <p:cNvPr id="183" name="Google Shape;183;p29"/>
-          <p:cNvSpPr txBox="1"/>
+          <p:cNvSpPr txBox="1">
+            <a:spLocks noGrp="1"/>
+          </p:cNvSpPr>
           <p:nvPr>
             <p:ph type="title"/>
           </p:nvPr>
@@ -9960,12 +10439,12 @@
           </a:prstGeom>
         </p:spPr>
         <p:txBody>
-          <a:bodyPr anchorCtr="0" anchor="t" bIns="91425" lIns="91425" spcFirstLastPara="1" rIns="91425" wrap="square" tIns="91425">
+          <a:bodyPr spcFirstLastPara="1" wrap="square" lIns="91425" tIns="91425" rIns="91425" bIns="91425" anchor="t" anchorCtr="0">
             <a:noAutofit/>
           </a:bodyPr>
           <a:lstStyle/>
           <a:p>
-            <a:pPr indent="0" lvl="0" marL="0" rtl="0" algn="l">
+            <a:pPr marL="0" lvl="0" indent="0" algn="l" rtl="0">
               <a:spcBef>
                 <a:spcPts val="0"/>
               </a:spcBef>
@@ -9982,7 +10461,7 @@
             <a:endParaRPr sz="2120"/>
           </a:p>
           <a:p>
-            <a:pPr indent="0" lvl="0" marL="0" rtl="0" algn="l">
+            <a:pPr marL="0" lvl="0" indent="0" algn="l" rtl="0">
               <a:spcBef>
                 <a:spcPts val="0"/>
               </a:spcBef>
@@ -9992,9 +10471,6 @@
               <a:buSzPts val="990"/>
               <a:buNone/>
             </a:pPr>
-            <a:r>
-              <a:t/>
-            </a:r>
             <a:endParaRPr sz="2120"/>
           </a:p>
         </p:txBody>
@@ -10019,12 +10495,12 @@
           </a:ln>
         </p:spPr>
         <p:txBody>
-          <a:bodyPr anchorCtr="0" anchor="t" bIns="91425" lIns="91425" spcFirstLastPara="1" rIns="91425" wrap="square" tIns="91425">
+          <a:bodyPr spcFirstLastPara="1" wrap="square" lIns="91425" tIns="91425" rIns="91425" bIns="91425" anchor="t" anchorCtr="0">
             <a:noAutofit/>
           </a:bodyPr>
           <a:lstStyle/>
           <a:p>
-            <a:pPr indent="0" lvl="0" marL="0" rtl="0" algn="l">
+            <a:pPr marL="0" lvl="0" indent="0" algn="l" rtl="0">
               <a:spcBef>
                 <a:spcPts val="0"/>
               </a:spcBef>
@@ -10033,9 +10509,6 @@
               </a:spcAft>
               <a:buNone/>
             </a:pPr>
-            <a:r>
-              <a:t/>
-            </a:r>
             <a:endParaRPr sz="1800">
               <a:solidFill>
                 <a:schemeClr val="dk2"/>
@@ -10085,30 +10558,30 @@
           </a:xfrm>
           <a:prstGeom prst="wedgeRectCallout">
             <a:avLst>
-              <a:gd fmla="val -38719" name="adj1"/>
-              <a:gd fmla="val -87495" name="adj2"/>
+              <a:gd name="adj1" fmla="val -38719"/>
+              <a:gd name="adj2" fmla="val -87495"/>
             </a:avLst>
           </a:prstGeom>
           <a:solidFill>
             <a:srgbClr val="DAE8FC"/>
           </a:solidFill>
-          <a:ln cap="flat" cmpd="sng" w="9525">
+          <a:ln w="9525" cap="flat" cmpd="sng">
             <a:solidFill>
               <a:schemeClr val="dk2"/>
             </a:solidFill>
             <a:prstDash val="solid"/>
             <a:round/>
-            <a:headEnd len="sm" w="sm" type="none"/>
-            <a:tailEnd len="sm" w="sm" type="none"/>
+            <a:headEnd type="none" w="sm" len="sm"/>
+            <a:tailEnd type="none" w="sm" len="sm"/>
           </a:ln>
         </p:spPr>
         <p:txBody>
-          <a:bodyPr anchorCtr="0" anchor="ctr" bIns="91425" lIns="91425" spcFirstLastPara="1" rIns="91425" wrap="square" tIns="91425">
+          <a:bodyPr spcFirstLastPara="1" wrap="square" lIns="91425" tIns="91425" rIns="91425" bIns="91425" anchor="ctr" anchorCtr="0">
             <a:noAutofit/>
           </a:bodyPr>
           <a:lstStyle/>
           <a:p>
-            <a:pPr indent="0" lvl="0" marL="0" rtl="0" algn="ctr">
+            <a:pPr marL="0" lvl="0" indent="0" algn="ctr" rtl="0">
               <a:spcBef>
                 <a:spcPts val="0"/>
               </a:spcBef>
@@ -10138,30 +10611,30 @@
           </a:xfrm>
           <a:prstGeom prst="wedgeRectCallout">
             <a:avLst>
-              <a:gd fmla="val -66025" name="adj1"/>
-              <a:gd fmla="val 35147" name="adj2"/>
+              <a:gd name="adj1" fmla="val -66025"/>
+              <a:gd name="adj2" fmla="val 35147"/>
             </a:avLst>
           </a:prstGeom>
           <a:solidFill>
             <a:srgbClr val="D5E8D4"/>
           </a:solidFill>
-          <a:ln cap="flat" cmpd="sng" w="9525">
+          <a:ln w="9525" cap="flat" cmpd="sng">
             <a:solidFill>
               <a:schemeClr val="dk2"/>
             </a:solidFill>
             <a:prstDash val="solid"/>
             <a:round/>
-            <a:headEnd len="sm" w="sm" type="none"/>
-            <a:tailEnd len="sm" w="sm" type="none"/>
+            <a:headEnd type="none" w="sm" len="sm"/>
+            <a:tailEnd type="none" w="sm" len="sm"/>
           </a:ln>
         </p:spPr>
         <p:txBody>
-          <a:bodyPr anchorCtr="0" anchor="ctr" bIns="91425" lIns="91425" spcFirstLastPara="1" rIns="91425" wrap="square" tIns="91425">
+          <a:bodyPr spcFirstLastPara="1" wrap="square" lIns="91425" tIns="91425" rIns="91425" bIns="91425" anchor="ctr" anchorCtr="0">
             <a:noAutofit/>
           </a:bodyPr>
           <a:lstStyle/>
           <a:p>
-            <a:pPr indent="0" lvl="0" marL="0" rtl="0" algn="ctr">
+            <a:pPr marL="0" lvl="0" indent="0" algn="ctr" rtl="0">
               <a:spcBef>
                 <a:spcPts val="0"/>
               </a:spcBef>
@@ -10172,16 +10645,12 @@
             </a:pPr>
             <a:r>
               <a:rPr lang="en-GB"/>
-              <a:t>D</a:t>
-            </a:r>
-            <a:r>
-              <a:rPr lang="en-GB"/>
-              <a:t>ictionary of GfxObjects with key=GfxObject.id</a:t>
+              <a:t>Dictionary of GfxObjects with key=GfxObject.id</a:t>
             </a:r>
             <a:endParaRPr/>
           </a:p>
           <a:p>
-            <a:pPr indent="0" lvl="0" marL="0" rtl="0" algn="ctr">
+            <a:pPr marL="0" lvl="0" indent="0" algn="ctr" rtl="0">
               <a:spcBef>
                 <a:spcPts val="0"/>
               </a:spcBef>
@@ -10197,7 +10666,7 @@
             <a:endParaRPr/>
           </a:p>
           <a:p>
-            <a:pPr indent="0" lvl="0" marL="0" rtl="0" algn="ctr">
+            <a:pPr marL="0" lvl="0" indent="0" algn="ctr" rtl="0">
               <a:spcBef>
                 <a:spcPts val="0"/>
               </a:spcBef>
@@ -10213,7 +10682,7 @@
             <a:endParaRPr/>
           </a:p>
           <a:p>
-            <a:pPr indent="0" lvl="0" marL="0" rtl="0" algn="ctr">
+            <a:pPr marL="0" lvl="0" indent="0" algn="ctr" rtl="0">
               <a:spcBef>
                 <a:spcPts val="0"/>
               </a:spcBef>
@@ -10229,7 +10698,7 @@
             <a:endParaRPr/>
           </a:p>
           <a:p>
-            <a:pPr indent="0" lvl="0" marL="0" rtl="0" algn="ctr">
+            <a:pPr marL="0" lvl="0" indent="0" algn="ctr" rtl="0">
               <a:spcBef>
                 <a:spcPts val="0"/>
               </a:spcBef>
@@ -10245,7 +10714,7 @@
             <a:endParaRPr/>
           </a:p>
           <a:p>
-            <a:pPr indent="0" lvl="0" marL="0" rtl="0" algn="ctr">
+            <a:pPr marL="0" lvl="0" indent="0" algn="ctr" rtl="0">
               <a:spcBef>
                 <a:spcPts val="0"/>
               </a:spcBef>
@@ -10261,7 +10730,7 @@
             <a:endParaRPr/>
           </a:p>
           <a:p>
-            <a:pPr indent="0" lvl="0" marL="0" rtl="0" algn="l">
+            <a:pPr marL="0" lvl="0" indent="0" algn="l" rtl="0">
               <a:spcBef>
                 <a:spcPts val="0"/>
               </a:spcBef>
@@ -10270,9 +10739,6 @@
               </a:spcAft>
               <a:buNone/>
             </a:pPr>
-            <a:r>
-              <a:t/>
-            </a:r>
             <a:endParaRPr/>
           </a:p>
         </p:txBody>
@@ -10290,30 +10756,30 @@
           </a:xfrm>
           <a:prstGeom prst="wedgeRectCallout">
             <a:avLst>
-              <a:gd fmla="val -63961" name="adj1"/>
-              <a:gd fmla="val 125497" name="adj2"/>
+              <a:gd name="adj1" fmla="val -63961"/>
+              <a:gd name="adj2" fmla="val 125497"/>
             </a:avLst>
           </a:prstGeom>
           <a:solidFill>
             <a:srgbClr val="D5E8D4"/>
           </a:solidFill>
-          <a:ln cap="flat" cmpd="sng" w="9525">
+          <a:ln w="9525" cap="flat" cmpd="sng">
             <a:solidFill>
               <a:schemeClr val="dk2"/>
             </a:solidFill>
             <a:prstDash val="solid"/>
             <a:round/>
-            <a:headEnd len="sm" w="sm" type="none"/>
-            <a:tailEnd len="sm" w="sm" type="none"/>
+            <a:headEnd type="none" w="sm" len="sm"/>
+            <a:tailEnd type="none" w="sm" len="sm"/>
           </a:ln>
         </p:spPr>
         <p:txBody>
-          <a:bodyPr anchorCtr="0" anchor="ctr" bIns="91425" lIns="91425" spcFirstLastPara="1" rIns="91425" wrap="square" tIns="91425">
+          <a:bodyPr spcFirstLastPara="1" wrap="square" lIns="91425" tIns="91425" rIns="91425" bIns="91425" anchor="ctr" anchorCtr="0">
             <a:noAutofit/>
           </a:bodyPr>
           <a:lstStyle/>
           <a:p>
-            <a:pPr indent="0" lvl="0" marL="0" rtl="0" algn="ctr">
+            <a:pPr marL="0" lvl="0" indent="0" algn="ctr" rtl="0">
               <a:spcBef>
                 <a:spcPts val="0"/>
               </a:spcBef>
@@ -10343,30 +10809,30 @@
           </a:xfrm>
           <a:prstGeom prst="wedgeRectCallout">
             <a:avLst>
-              <a:gd fmla="val -62850" name="adj1"/>
-              <a:gd fmla="val -35085" name="adj2"/>
+              <a:gd name="adj1" fmla="val -62850"/>
+              <a:gd name="adj2" fmla="val -35085"/>
             </a:avLst>
           </a:prstGeom>
           <a:solidFill>
             <a:srgbClr val="D5E8D4"/>
           </a:solidFill>
-          <a:ln cap="flat" cmpd="sng" w="9525">
+          <a:ln w="9525" cap="flat" cmpd="sng">
             <a:solidFill>
               <a:schemeClr val="dk2"/>
             </a:solidFill>
             <a:prstDash val="solid"/>
             <a:round/>
-            <a:headEnd len="sm" w="sm" type="none"/>
-            <a:tailEnd len="sm" w="sm" type="none"/>
+            <a:headEnd type="none" w="sm" len="sm"/>
+            <a:tailEnd type="none" w="sm" len="sm"/>
           </a:ln>
         </p:spPr>
         <p:txBody>
-          <a:bodyPr anchorCtr="0" anchor="ctr" bIns="91425" lIns="91425" spcFirstLastPara="1" rIns="91425" wrap="square" tIns="91425">
+          <a:bodyPr spcFirstLastPara="1" wrap="square" lIns="91425" tIns="91425" rIns="91425" bIns="91425" anchor="ctr" anchorCtr="0">
             <a:noAutofit/>
           </a:bodyPr>
           <a:lstStyle/>
           <a:p>
-            <a:pPr indent="0" lvl="0" marL="0" rtl="0" algn="ctr">
+            <a:pPr marL="0" lvl="0" indent="0" algn="ctr" rtl="0">
               <a:spcBef>
                 <a:spcPts val="0"/>
               </a:spcBef>
@@ -10392,11 +10858,11 @@
 </file>
 
 <file path=ppt/slides/slide18.xml><?xml version="1.0" encoding="utf-8"?>
-<p:sld xmlns:a="http://schemas.openxmlformats.org/drawingml/2006/main" xmlns:r="http://schemas.openxmlformats.org/officeDocument/2006/relationships" xmlns:mc="http://schemas.openxmlformats.org/markup-compatibility/2006" xmlns:mv="urn:schemas-microsoft-com:mac:vml" xmlns:p="http://schemas.openxmlformats.org/presentationml/2006/main" xmlns:c="http://schemas.openxmlformats.org/drawingml/2006/chart" xmlns:dgm="http://schemas.openxmlformats.org/drawingml/2006/diagram" xmlns:o="urn:schemas-microsoft-com:office:office" xmlns:v="urn:schemas-microsoft-com:vml" xmlns:pvml="urn:schemas-microsoft-com:office:powerpoint" xmlns:com="http://schemas.openxmlformats.org/drawingml/2006/compatibility" xmlns:p14="http://schemas.microsoft.com/office/powerpoint/2010/main" xmlns:p15="http://schemas.microsoft.com/office/powerpoint/2012/main" xmlns:ahyp="http://schemas.microsoft.com/office/drawing/2018/hyperlinkcolor">
+<p:sld xmlns:a="http://schemas.openxmlformats.org/drawingml/2006/main" xmlns:r="http://schemas.openxmlformats.org/officeDocument/2006/relationships" xmlns:p="http://schemas.openxmlformats.org/presentationml/2006/main">
   <p:cSld>
     <p:spTree>
       <p:nvGrpSpPr>
-        <p:cNvPr id="193" name="Shape 193"/>
+        <p:cNvPr id="1" name="Shape 193"/>
         <p:cNvGrpSpPr/>
         <p:nvPr/>
       </p:nvGrpSpPr>
@@ -10411,7 +10877,9 @@
       <p:sp>
         <p:nvSpPr>
           <p:cNvPr id="194" name="Google Shape;194;p30"/>
-          <p:cNvSpPr txBox="1"/>
+          <p:cNvSpPr txBox="1">
+            <a:spLocks noGrp="1"/>
+          </p:cNvSpPr>
           <p:nvPr>
             <p:ph type="title"/>
           </p:nvPr>
@@ -10426,12 +10894,12 @@
           </a:prstGeom>
         </p:spPr>
         <p:txBody>
-          <a:bodyPr anchorCtr="0" anchor="t" bIns="91425" lIns="91425" spcFirstLastPara="1" rIns="91425" wrap="square" tIns="91425">
-            <a:normAutofit fontScale="90000"/>
+          <a:bodyPr spcFirstLastPara="1" wrap="square" lIns="91425" tIns="91425" rIns="91425" bIns="91425" anchor="t" anchorCtr="0">
+            <a:normAutofit/>
           </a:bodyPr>
           <a:lstStyle/>
           <a:p>
-            <a:pPr indent="0" lvl="0" marL="0" rtl="0" algn="l">
+            <a:pPr marL="0" lvl="0" indent="0" algn="l" rtl="0">
               <a:spcBef>
                 <a:spcPts val="0"/>
               </a:spcBef>
@@ -10452,7 +10920,7 @@
             <a:endParaRPr sz="2120"/>
           </a:p>
           <a:p>
-            <a:pPr indent="0" lvl="0" marL="0" rtl="0" algn="l">
+            <a:pPr marL="0" lvl="0" indent="0" algn="l" rtl="0">
               <a:spcBef>
                 <a:spcPts val="0"/>
               </a:spcBef>
@@ -10461,9 +10929,6 @@
               </a:spcAft>
               <a:buNone/>
             </a:pPr>
-            <a:r>
-              <a:t/>
-            </a:r>
             <a:endParaRPr/>
           </a:p>
         </p:txBody>
@@ -10533,11 +10998,11 @@
 </file>
 
 <file path=ppt/slides/slide19.xml><?xml version="1.0" encoding="utf-8"?>
-<p:sld xmlns:a="http://schemas.openxmlformats.org/drawingml/2006/main" xmlns:r="http://schemas.openxmlformats.org/officeDocument/2006/relationships" xmlns:mc="http://schemas.openxmlformats.org/markup-compatibility/2006" xmlns:mv="urn:schemas-microsoft-com:mac:vml" xmlns:p="http://schemas.openxmlformats.org/presentationml/2006/main" xmlns:c="http://schemas.openxmlformats.org/drawingml/2006/chart" xmlns:dgm="http://schemas.openxmlformats.org/drawingml/2006/diagram" xmlns:o="urn:schemas-microsoft-com:office:office" xmlns:v="urn:schemas-microsoft-com:vml" xmlns:pvml="urn:schemas-microsoft-com:office:powerpoint" xmlns:com="http://schemas.openxmlformats.org/drawingml/2006/compatibility" xmlns:p14="http://schemas.microsoft.com/office/powerpoint/2010/main" xmlns:p15="http://schemas.microsoft.com/office/powerpoint/2012/main" xmlns:ahyp="http://schemas.microsoft.com/office/drawing/2018/hyperlinkcolor">
+<p:sld xmlns:a="http://schemas.openxmlformats.org/drawingml/2006/main" xmlns:r="http://schemas.openxmlformats.org/officeDocument/2006/relationships" xmlns:p="http://schemas.openxmlformats.org/presentationml/2006/main">
   <p:cSld>
     <p:spTree>
       <p:nvGrpSpPr>
-        <p:cNvPr id="200" name="Shape 200"/>
+        <p:cNvPr id="1" name="Shape 200"/>
         <p:cNvGrpSpPr/>
         <p:nvPr/>
       </p:nvGrpSpPr>
@@ -10552,7 +11017,9 @@
       <p:sp>
         <p:nvSpPr>
           <p:cNvPr id="201" name="Google Shape;201;p31"/>
-          <p:cNvSpPr txBox="1"/>
+          <p:cNvSpPr txBox="1">
+            <a:spLocks noGrp="1"/>
+          </p:cNvSpPr>
           <p:nvPr>
             <p:ph type="title"/>
           </p:nvPr>
@@ -10567,12 +11034,12 @@
           </a:prstGeom>
         </p:spPr>
         <p:txBody>
-          <a:bodyPr anchorCtr="0" anchor="t" bIns="91425" lIns="91425" spcFirstLastPara="1" rIns="91425" wrap="square" tIns="91425">
-            <a:normAutofit fontScale="90000"/>
+          <a:bodyPr spcFirstLastPara="1" wrap="square" lIns="91425" tIns="91425" rIns="91425" bIns="91425" anchor="t" anchorCtr="0">
+            <a:normAutofit/>
           </a:bodyPr>
           <a:lstStyle/>
           <a:p>
-            <a:pPr indent="0" lvl="0" marL="0" rtl="0" algn="l">
+            <a:pPr marL="0" lvl="0" indent="0" algn="l" rtl="0">
               <a:spcBef>
                 <a:spcPts val="0"/>
               </a:spcBef>
@@ -10588,7 +11055,7 @@
             <a:endParaRPr sz="2120"/>
           </a:p>
           <a:p>
-            <a:pPr indent="0" lvl="0" marL="0" rtl="0" algn="l">
+            <a:pPr marL="0" lvl="0" indent="0" algn="l" rtl="0">
               <a:spcBef>
                 <a:spcPts val="0"/>
               </a:spcBef>
@@ -10597,9 +11064,6 @@
               </a:spcAft>
               <a:buNone/>
             </a:pPr>
-            <a:r>
-              <a:t/>
-            </a:r>
             <a:endParaRPr/>
           </a:p>
         </p:txBody>
@@ -10669,11 +11133,11 @@
 </file>
 
 <file path=ppt/slides/slide2.xml><?xml version="1.0" encoding="utf-8"?>
-<p:sld xmlns:a="http://schemas.openxmlformats.org/drawingml/2006/main" xmlns:r="http://schemas.openxmlformats.org/officeDocument/2006/relationships" xmlns:mc="http://schemas.openxmlformats.org/markup-compatibility/2006" xmlns:mv="urn:schemas-microsoft-com:mac:vml" xmlns:p="http://schemas.openxmlformats.org/presentationml/2006/main" xmlns:c="http://schemas.openxmlformats.org/drawingml/2006/chart" xmlns:dgm="http://schemas.openxmlformats.org/drawingml/2006/diagram" xmlns:o="urn:schemas-microsoft-com:office:office" xmlns:v="urn:schemas-microsoft-com:vml" xmlns:pvml="urn:schemas-microsoft-com:office:powerpoint" xmlns:com="http://schemas.openxmlformats.org/drawingml/2006/compatibility" xmlns:p14="http://schemas.microsoft.com/office/powerpoint/2010/main" xmlns:p15="http://schemas.microsoft.com/office/powerpoint/2012/main" xmlns:ahyp="http://schemas.microsoft.com/office/drawing/2018/hyperlinkcolor">
+<p:sld xmlns:a="http://schemas.openxmlformats.org/drawingml/2006/main" xmlns:r="http://schemas.openxmlformats.org/officeDocument/2006/relationships" xmlns:p="http://schemas.openxmlformats.org/presentationml/2006/main">
   <p:cSld>
     <p:spTree>
       <p:nvGrpSpPr>
-        <p:cNvPr id="59" name="Shape 59"/>
+        <p:cNvPr id="1" name="Shape 59"/>
         <p:cNvGrpSpPr/>
         <p:nvPr/>
       </p:nvGrpSpPr>
@@ -10688,7 +11152,9 @@
       <p:sp>
         <p:nvSpPr>
           <p:cNvPr id="60" name="Google Shape;60;p14"/>
-          <p:cNvSpPr txBox="1"/>
+          <p:cNvSpPr txBox="1">
+            <a:spLocks noGrp="1"/>
+          </p:cNvSpPr>
           <p:nvPr>
             <p:ph type="title"/>
           </p:nvPr>
@@ -10703,12 +11169,12 @@
           </a:prstGeom>
         </p:spPr>
         <p:txBody>
-          <a:bodyPr anchorCtr="0" anchor="t" bIns="91425" lIns="91425" spcFirstLastPara="1" rIns="91425" wrap="square" tIns="91425">
+          <a:bodyPr spcFirstLastPara="1" wrap="square" lIns="91425" tIns="91425" rIns="91425" bIns="91425" anchor="t" anchorCtr="0">
             <a:normAutofit fontScale="90000"/>
           </a:bodyPr>
           <a:lstStyle/>
           <a:p>
-            <a:pPr indent="0" lvl="0" marL="0" rtl="0" algn="l">
+            <a:pPr marL="0" lvl="0" indent="0" algn="l" rtl="0">
               <a:spcBef>
                 <a:spcPts val="0"/>
               </a:spcBef>
@@ -10748,7 +11214,7 @@
           <a:blip r:embed="rId4">
             <a:alphaModFix/>
           </a:blip>
-          <a:srcRect b="19270" l="0" r="0" t="0"/>
+          <a:srcRect b="19270"/>
           <a:stretch/>
         </p:blipFill>
         <p:spPr>
@@ -10787,12 +11253,12 @@
           </a:ln>
         </p:spPr>
         <p:txBody>
-          <a:bodyPr anchorCtr="0" anchor="t" bIns="91425" lIns="91425" spcFirstLastPara="1" rIns="91425" wrap="square" tIns="91425">
+          <a:bodyPr spcFirstLastPara="1" wrap="square" lIns="91425" tIns="91425" rIns="91425" bIns="91425" anchor="t" anchorCtr="0">
             <a:spAutoFit/>
           </a:bodyPr>
           <a:lstStyle/>
           <a:p>
-            <a:pPr indent="0" lvl="0" marL="88900" marR="88900" rtl="0" algn="l">
+            <a:pPr marL="88900" marR="88900" lvl="0" indent="0" algn="l" rtl="0">
               <a:lnSpc>
                 <a:spcPct val="121875"/>
               </a:lnSpc>
@@ -10933,11 +11399,11 @@
 </file>
 
 <file path=ppt/slides/slide20.xml><?xml version="1.0" encoding="utf-8"?>
-<p:sld xmlns:a="http://schemas.openxmlformats.org/drawingml/2006/main" xmlns:r="http://schemas.openxmlformats.org/officeDocument/2006/relationships" xmlns:mc="http://schemas.openxmlformats.org/markup-compatibility/2006" xmlns:mv="urn:schemas-microsoft-com:mac:vml" xmlns:p="http://schemas.openxmlformats.org/presentationml/2006/main" xmlns:c="http://schemas.openxmlformats.org/drawingml/2006/chart" xmlns:dgm="http://schemas.openxmlformats.org/drawingml/2006/diagram" xmlns:o="urn:schemas-microsoft-com:office:office" xmlns:v="urn:schemas-microsoft-com:vml" xmlns:pvml="urn:schemas-microsoft-com:office:powerpoint" xmlns:com="http://schemas.openxmlformats.org/drawingml/2006/compatibility" xmlns:p14="http://schemas.microsoft.com/office/powerpoint/2010/main" xmlns:p15="http://schemas.microsoft.com/office/powerpoint/2012/main" xmlns:ahyp="http://schemas.microsoft.com/office/drawing/2018/hyperlinkcolor">
+<p:sld xmlns:a="http://schemas.openxmlformats.org/drawingml/2006/main" xmlns:r="http://schemas.openxmlformats.org/officeDocument/2006/relationships" xmlns:p="http://schemas.openxmlformats.org/presentationml/2006/main">
   <p:cSld>
     <p:spTree>
       <p:nvGrpSpPr>
-        <p:cNvPr id="207" name="Shape 207"/>
+        <p:cNvPr id="1" name="Shape 207"/>
         <p:cNvGrpSpPr/>
         <p:nvPr/>
       </p:nvGrpSpPr>
@@ -10952,7 +11418,9 @@
       <p:sp>
         <p:nvSpPr>
           <p:cNvPr id="208" name="Google Shape;208;p32"/>
-          <p:cNvSpPr txBox="1"/>
+          <p:cNvSpPr txBox="1">
+            <a:spLocks noGrp="1"/>
+          </p:cNvSpPr>
           <p:nvPr>
             <p:ph type="title"/>
           </p:nvPr>
@@ -10967,12 +11435,12 @@
           </a:prstGeom>
         </p:spPr>
         <p:txBody>
-          <a:bodyPr anchorCtr="0" anchor="t" bIns="91425" lIns="91425" spcFirstLastPara="1" rIns="91425" wrap="square" tIns="91425">
-            <a:normAutofit fontScale="90000"/>
+          <a:bodyPr spcFirstLastPara="1" wrap="square" lIns="91425" tIns="91425" rIns="91425" bIns="91425" anchor="t" anchorCtr="0">
+            <a:normAutofit/>
           </a:bodyPr>
           <a:lstStyle/>
           <a:p>
-            <a:pPr indent="0" lvl="0" marL="0" rtl="0" algn="l">
+            <a:pPr marL="0" lvl="0" indent="0" algn="l" rtl="0">
               <a:spcBef>
                 <a:spcPts val="0"/>
               </a:spcBef>
@@ -10988,7 +11456,7 @@
             <a:endParaRPr sz="2120"/>
           </a:p>
           <a:p>
-            <a:pPr indent="0" lvl="0" marL="0" rtl="0" algn="l">
+            <a:pPr marL="0" lvl="0" indent="0" algn="l" rtl="0">
               <a:spcBef>
                 <a:spcPts val="0"/>
               </a:spcBef>
@@ -10997,9 +11465,6 @@
               </a:spcAft>
               <a:buNone/>
             </a:pPr>
-            <a:r>
-              <a:t/>
-            </a:r>
             <a:endParaRPr/>
           </a:p>
         </p:txBody>
@@ -11088,6 +11553,113 @@
           </a:ln>
         </p:spPr>
       </p:pic>
+      <p:sp>
+        <p:nvSpPr>
+          <p:cNvPr id="2" name="Speech Bubble: Rectangle with Corners Rounded 1">
+            <a:extLst>
+              <a:ext uri="{FF2B5EF4-FFF2-40B4-BE49-F238E27FC236}">
+                <a16:creationId xmlns:a16="http://schemas.microsoft.com/office/drawing/2014/main" id="{AA6935EC-61BC-22B7-8F06-F988ECB7B58A}"/>
+              </a:ext>
+            </a:extLst>
+          </p:cNvPr>
+          <p:cNvSpPr/>
+          <p:nvPr/>
+        </p:nvSpPr>
+        <p:spPr>
+          <a:xfrm>
+            <a:off x="5573806" y="3341594"/>
+            <a:ext cx="1432112" cy="423582"/>
+          </a:xfrm>
+          <a:prstGeom prst="wedgeRoundRectCallout">
+            <a:avLst>
+              <a:gd name="adj1" fmla="val -116785"/>
+              <a:gd name="adj2" fmla="val 59325"/>
+              <a:gd name="adj3" fmla="val 16667"/>
+            </a:avLst>
+          </a:prstGeom>
+        </p:spPr>
+        <p:style>
+          <a:lnRef idx="2">
+            <a:schemeClr val="dk1"/>
+          </a:lnRef>
+          <a:fillRef idx="1">
+            <a:schemeClr val="lt1"/>
+          </a:fillRef>
+          <a:effectRef idx="0">
+            <a:schemeClr val="dk1"/>
+          </a:effectRef>
+          <a:fontRef idx="minor">
+            <a:schemeClr val="dk1"/>
+          </a:fontRef>
+        </p:style>
+        <p:txBody>
+          <a:bodyPr rtlCol="0" anchor="ctr"/>
+          <a:lstStyle/>
+          <a:p>
+            <a:pPr algn="ctr"/>
+            <a:r>
+              <a:rPr lang="en-GB" dirty="0"/>
+              <a:t>Fill background with black</a:t>
+            </a:r>
+          </a:p>
+        </p:txBody>
+      </p:sp>
+      <p:sp>
+        <p:nvSpPr>
+          <p:cNvPr id="3" name="Speech Bubble: Rectangle with Corners Rounded 2">
+            <a:extLst>
+              <a:ext uri="{FF2B5EF4-FFF2-40B4-BE49-F238E27FC236}">
+                <a16:creationId xmlns:a16="http://schemas.microsoft.com/office/drawing/2014/main" id="{6E21E8C8-C875-0C57-5680-113AF54C6FCD}"/>
+              </a:ext>
+            </a:extLst>
+          </p:cNvPr>
+          <p:cNvSpPr/>
+          <p:nvPr/>
+        </p:nvSpPr>
+        <p:spPr>
+          <a:xfrm>
+            <a:off x="5773271" y="4220709"/>
+            <a:ext cx="1432112" cy="423582"/>
+          </a:xfrm>
+          <a:prstGeom prst="wedgeRoundRectCallout">
+            <a:avLst>
+              <a:gd name="adj1" fmla="val -93311"/>
+              <a:gd name="adj2" fmla="val 70436"/>
+              <a:gd name="adj3" fmla="val 16667"/>
+            </a:avLst>
+          </a:prstGeom>
+        </p:spPr>
+        <p:style>
+          <a:lnRef idx="2">
+            <a:schemeClr val="dk1"/>
+          </a:lnRef>
+          <a:fillRef idx="1">
+            <a:schemeClr val="lt1"/>
+          </a:fillRef>
+          <a:effectRef idx="0">
+            <a:schemeClr val="dk1"/>
+          </a:effectRef>
+          <a:fontRef idx="minor">
+            <a:schemeClr val="dk1"/>
+          </a:fontRef>
+        </p:style>
+        <p:txBody>
+          <a:bodyPr rtlCol="0" anchor="ctr"/>
+          <a:lstStyle/>
+          <a:p>
+            <a:pPr algn="ctr"/>
+            <a:r>
+              <a:rPr lang="en-GB" dirty="0"/>
+              <a:t>Loop through all </a:t>
+            </a:r>
+            <a:r>
+              <a:rPr lang="en-GB" dirty="0" err="1"/>
+              <a:t>gfxObjects</a:t>
+            </a:r>
+            <a:endParaRPr lang="en-GB" dirty="0"/>
+          </a:p>
+        </p:txBody>
+      </p:sp>
     </p:spTree>
   </p:cSld>
   <p:clrMapOvr>
@@ -11097,11 +11669,11 @@
 </file>
 
 <file path=ppt/slides/slide21.xml><?xml version="1.0" encoding="utf-8"?>
-<p:sld xmlns:a="http://schemas.openxmlformats.org/drawingml/2006/main" xmlns:r="http://schemas.openxmlformats.org/officeDocument/2006/relationships" xmlns:mc="http://schemas.openxmlformats.org/markup-compatibility/2006" xmlns:mv="urn:schemas-microsoft-com:mac:vml" xmlns:p="http://schemas.openxmlformats.org/presentationml/2006/main" xmlns:c="http://schemas.openxmlformats.org/drawingml/2006/chart" xmlns:dgm="http://schemas.openxmlformats.org/drawingml/2006/diagram" xmlns:o="urn:schemas-microsoft-com:office:office" xmlns:v="urn:schemas-microsoft-com:vml" xmlns:pvml="urn:schemas-microsoft-com:office:powerpoint" xmlns:com="http://schemas.openxmlformats.org/drawingml/2006/compatibility" xmlns:p14="http://schemas.microsoft.com/office/powerpoint/2010/main" xmlns:p15="http://schemas.microsoft.com/office/powerpoint/2012/main" xmlns:ahyp="http://schemas.microsoft.com/office/drawing/2018/hyperlinkcolor">
+<p:sld xmlns:a="http://schemas.openxmlformats.org/drawingml/2006/main" xmlns:r="http://schemas.openxmlformats.org/officeDocument/2006/relationships" xmlns:p="http://schemas.openxmlformats.org/presentationml/2006/main">
   <p:cSld>
     <p:spTree>
       <p:nvGrpSpPr>
-        <p:cNvPr id="215" name="Shape 215"/>
+        <p:cNvPr id="1" name="Shape 215"/>
         <p:cNvGrpSpPr/>
         <p:nvPr/>
       </p:nvGrpSpPr>
@@ -11116,7 +11688,9 @@
       <p:sp>
         <p:nvSpPr>
           <p:cNvPr id="216" name="Google Shape;216;p33"/>
-          <p:cNvSpPr txBox="1"/>
+          <p:cNvSpPr txBox="1">
+            <a:spLocks noGrp="1"/>
+          </p:cNvSpPr>
           <p:nvPr>
             <p:ph type="title"/>
           </p:nvPr>
@@ -11131,12 +11705,12 @@
           </a:prstGeom>
         </p:spPr>
         <p:txBody>
-          <a:bodyPr anchorCtr="0" anchor="t" bIns="91425" lIns="91425" spcFirstLastPara="1" rIns="91425" wrap="square" tIns="91425">
+          <a:bodyPr spcFirstLastPara="1" wrap="square" lIns="91425" tIns="91425" rIns="91425" bIns="91425" anchor="t" anchorCtr="0">
             <a:normAutofit fontScale="90000"/>
           </a:bodyPr>
           <a:lstStyle/>
           <a:p>
-            <a:pPr indent="0" lvl="0" marL="0" rtl="0" algn="l">
+            <a:pPr marL="0" lvl="0" indent="0" algn="l" rtl="0">
               <a:spcBef>
                 <a:spcPts val="0"/>
               </a:spcBef>
@@ -11194,30 +11768,30 @@
           </a:xfrm>
           <a:prstGeom prst="wedgeRectCallout">
             <a:avLst>
-              <a:gd fmla="val -121055" name="adj1"/>
-              <a:gd fmla="val 82720" name="adj2"/>
+              <a:gd name="adj1" fmla="val -121055"/>
+              <a:gd name="adj2" fmla="val 82720"/>
             </a:avLst>
           </a:prstGeom>
           <a:solidFill>
             <a:schemeClr val="lt2"/>
           </a:solidFill>
-          <a:ln cap="flat" cmpd="sng" w="9525">
+          <a:ln w="9525" cap="flat" cmpd="sng">
             <a:solidFill>
               <a:schemeClr val="dk2"/>
             </a:solidFill>
             <a:prstDash val="solid"/>
             <a:round/>
-            <a:headEnd len="sm" w="sm" type="none"/>
-            <a:tailEnd len="sm" w="sm" type="none"/>
+            <a:headEnd type="none" w="sm" len="sm"/>
+            <a:tailEnd type="none" w="sm" len="sm"/>
           </a:ln>
         </p:spPr>
         <p:txBody>
-          <a:bodyPr anchorCtr="0" anchor="ctr" bIns="91425" lIns="91425" spcFirstLastPara="1" rIns="91425" wrap="square" tIns="91425">
+          <a:bodyPr spcFirstLastPara="1" wrap="square" lIns="91425" tIns="91425" rIns="91425" bIns="91425" anchor="ctr" anchorCtr="0">
             <a:noAutofit/>
           </a:bodyPr>
           <a:lstStyle/>
           <a:p>
-            <a:pPr indent="0" lvl="0" marL="0" rtl="0" algn="ctr">
+            <a:pPr marL="0" lvl="0" indent="0" algn="ctr" rtl="0">
               <a:spcBef>
                 <a:spcPts val="0"/>
               </a:spcBef>
@@ -11247,30 +11821,30 @@
           </a:xfrm>
           <a:prstGeom prst="wedgeRectCallout">
             <a:avLst>
-              <a:gd fmla="val -114826" name="adj1"/>
-              <a:gd fmla="val 69032" name="adj2"/>
+              <a:gd name="adj1" fmla="val -114826"/>
+              <a:gd name="adj2" fmla="val 69032"/>
             </a:avLst>
           </a:prstGeom>
           <a:solidFill>
             <a:schemeClr val="lt2"/>
           </a:solidFill>
-          <a:ln cap="flat" cmpd="sng" w="9525">
+          <a:ln w="9525" cap="flat" cmpd="sng">
             <a:solidFill>
               <a:schemeClr val="dk2"/>
             </a:solidFill>
             <a:prstDash val="solid"/>
             <a:round/>
-            <a:headEnd len="sm" w="sm" type="none"/>
-            <a:tailEnd len="sm" w="sm" type="none"/>
+            <a:headEnd type="none" w="sm" len="sm"/>
+            <a:tailEnd type="none" w="sm" len="sm"/>
           </a:ln>
         </p:spPr>
         <p:txBody>
-          <a:bodyPr anchorCtr="0" anchor="ctr" bIns="91425" lIns="91425" spcFirstLastPara="1" rIns="91425" wrap="square" tIns="91425">
+          <a:bodyPr spcFirstLastPara="1" wrap="square" lIns="91425" tIns="91425" rIns="91425" bIns="91425" anchor="ctr" anchorCtr="0">
             <a:noAutofit/>
           </a:bodyPr>
           <a:lstStyle/>
           <a:p>
-            <a:pPr indent="0" lvl="0" marL="0" rtl="0" algn="ctr">
+            <a:pPr marL="0" lvl="0" indent="0" algn="ctr" rtl="0">
               <a:spcBef>
                 <a:spcPts val="0"/>
               </a:spcBef>
@@ -11328,30 +11902,30 @@
           </a:xfrm>
           <a:prstGeom prst="wedgeRectCallout">
             <a:avLst>
-              <a:gd fmla="val -95288" name="adj1"/>
-              <a:gd fmla="val -30773" name="adj2"/>
+              <a:gd name="adj1" fmla="val -95288"/>
+              <a:gd name="adj2" fmla="val -30773"/>
             </a:avLst>
           </a:prstGeom>
           <a:solidFill>
             <a:schemeClr val="lt2"/>
           </a:solidFill>
-          <a:ln cap="flat" cmpd="sng" w="9525">
+          <a:ln w="9525" cap="flat" cmpd="sng">
             <a:solidFill>
               <a:schemeClr val="dk2"/>
             </a:solidFill>
             <a:prstDash val="solid"/>
             <a:round/>
-            <a:headEnd len="sm" w="sm" type="none"/>
-            <a:tailEnd len="sm" w="sm" type="none"/>
+            <a:headEnd type="none" w="sm" len="sm"/>
+            <a:tailEnd type="none" w="sm" len="sm"/>
           </a:ln>
         </p:spPr>
         <p:txBody>
-          <a:bodyPr anchorCtr="0" anchor="ctr" bIns="91425" lIns="91425" spcFirstLastPara="1" rIns="91425" wrap="square" tIns="91425">
+          <a:bodyPr spcFirstLastPara="1" wrap="square" lIns="91425" tIns="91425" rIns="91425" bIns="91425" anchor="ctr" anchorCtr="0">
             <a:noAutofit/>
           </a:bodyPr>
           <a:lstStyle/>
           <a:p>
-            <a:pPr indent="0" lvl="0" marL="0" rtl="0" algn="ctr">
+            <a:pPr marL="0" lvl="0" indent="0" algn="ctr" rtl="0">
               <a:spcBef>
                 <a:spcPts val="0"/>
               </a:spcBef>
@@ -11361,10 +11935,26 @@
               <a:buNone/>
             </a:pPr>
             <a:r>
-              <a:rPr lang="en-GB"/>
-              <a:t>Step2: Draw it with drawRedFigure. Use the width and height already set on redFig. Could load an image instead…</a:t>
-            </a:r>
-            <a:endParaRPr/>
+              <a:rPr lang="en-GB" dirty="0"/>
+              <a:t>Step2: Draw it with </a:t>
+            </a:r>
+            <a:r>
+              <a:rPr lang="en-GB" dirty="0" err="1"/>
+              <a:t>drawRedFigure</a:t>
+            </a:r>
+            <a:r>
+              <a:rPr lang="en-GB" dirty="0"/>
+              <a:t>. Use the width and height already set on </a:t>
+            </a:r>
+            <a:r>
+              <a:rPr lang="en-GB" dirty="0" err="1"/>
+              <a:t>redFig</a:t>
+            </a:r>
+            <a:r>
+              <a:rPr lang="en-GB" dirty="0"/>
+              <a:t>. Could load an image instead…</a:t>
+            </a:r>
+            <a:endParaRPr dirty="0"/>
           </a:p>
         </p:txBody>
       </p:sp>
@@ -11381,30 +11971,30 @@
           </a:xfrm>
           <a:prstGeom prst="wedgeRectCallout">
             <a:avLst>
-              <a:gd fmla="val -119406" name="adj1"/>
-              <a:gd fmla="val -167407" name="adj2"/>
+              <a:gd name="adj1" fmla="val -119406"/>
+              <a:gd name="adj2" fmla="val -167407"/>
             </a:avLst>
           </a:prstGeom>
           <a:solidFill>
             <a:schemeClr val="lt2"/>
           </a:solidFill>
-          <a:ln cap="flat" cmpd="sng" w="9525">
+          <a:ln w="9525" cap="flat" cmpd="sng">
             <a:solidFill>
               <a:schemeClr val="dk2"/>
             </a:solidFill>
             <a:prstDash val="solid"/>
             <a:round/>
-            <a:headEnd len="sm" w="sm" type="none"/>
-            <a:tailEnd len="sm" w="sm" type="none"/>
+            <a:headEnd type="none" w="sm" len="sm"/>
+            <a:tailEnd type="none" w="sm" len="sm"/>
           </a:ln>
         </p:spPr>
         <p:txBody>
-          <a:bodyPr anchorCtr="0" anchor="ctr" bIns="91425" lIns="91425" spcFirstLastPara="1" rIns="91425" wrap="square" tIns="91425">
+          <a:bodyPr spcFirstLastPara="1" wrap="square" lIns="91425" tIns="91425" rIns="91425" bIns="91425" anchor="ctr" anchorCtr="0">
             <a:noAutofit/>
           </a:bodyPr>
           <a:lstStyle/>
           <a:p>
-            <a:pPr indent="0" lvl="0" marL="0" rtl="0" algn="ctr">
+            <a:pPr marL="0" lvl="0" indent="0" algn="ctr" rtl="0">
               <a:spcBef>
                 <a:spcPts val="0"/>
               </a:spcBef>
@@ -11414,10 +12004,18 @@
               <a:buNone/>
             </a:pPr>
             <a:r>
-              <a:rPr lang="en-GB"/>
-              <a:t>Step3: add your object into the world gfxObjects dictionary</a:t>
-            </a:r>
-            <a:endParaRPr/>
+              <a:rPr lang="en-GB" dirty="0"/>
+              <a:t>Step3: add your object into the world </a:t>
+            </a:r>
+            <a:r>
+              <a:rPr lang="en-GB" dirty="0" err="1"/>
+              <a:t>gfxObjects</a:t>
+            </a:r>
+            <a:r>
+              <a:rPr lang="en-GB" dirty="0"/>
+              <a:t> dictionary</a:t>
+            </a:r>
+            <a:endParaRPr dirty="0"/>
           </a:p>
         </p:txBody>
       </p:sp>
@@ -11430,11 +12028,11 @@
 </file>
 
 <file path=ppt/slides/slide22.xml><?xml version="1.0" encoding="utf-8"?>
-<p:sld xmlns:a="http://schemas.openxmlformats.org/drawingml/2006/main" xmlns:r="http://schemas.openxmlformats.org/officeDocument/2006/relationships" xmlns:mc="http://schemas.openxmlformats.org/markup-compatibility/2006" xmlns:mv="urn:schemas-microsoft-com:mac:vml" xmlns:p="http://schemas.openxmlformats.org/presentationml/2006/main" xmlns:c="http://schemas.openxmlformats.org/drawingml/2006/chart" xmlns:dgm="http://schemas.openxmlformats.org/drawingml/2006/diagram" xmlns:o="urn:schemas-microsoft-com:office:office" xmlns:v="urn:schemas-microsoft-com:vml" xmlns:pvml="urn:schemas-microsoft-com:office:powerpoint" xmlns:com="http://schemas.openxmlformats.org/drawingml/2006/compatibility" xmlns:p14="http://schemas.microsoft.com/office/powerpoint/2010/main" xmlns:p15="http://schemas.microsoft.com/office/powerpoint/2012/main" xmlns:ahyp="http://schemas.microsoft.com/office/drawing/2018/hyperlinkcolor">
+<p:sld xmlns:a="http://schemas.openxmlformats.org/drawingml/2006/main" xmlns:r="http://schemas.openxmlformats.org/officeDocument/2006/relationships" xmlns:p="http://schemas.openxmlformats.org/presentationml/2006/main">
   <p:cSld>
     <p:spTree>
       <p:nvGrpSpPr>
-        <p:cNvPr id="226" name="Shape 226"/>
+        <p:cNvPr id="1" name="Shape 226"/>
         <p:cNvGrpSpPr/>
         <p:nvPr/>
       </p:nvGrpSpPr>
@@ -11449,7 +12047,9 @@
       <p:sp>
         <p:nvSpPr>
           <p:cNvPr id="227" name="Google Shape;227;p34"/>
-          <p:cNvSpPr txBox="1"/>
+          <p:cNvSpPr txBox="1">
+            <a:spLocks noGrp="1"/>
+          </p:cNvSpPr>
           <p:nvPr>
             <p:ph type="title"/>
           </p:nvPr>
@@ -11464,12 +12064,12 @@
           </a:prstGeom>
         </p:spPr>
         <p:txBody>
-          <a:bodyPr anchorCtr="0" anchor="t" bIns="91425" lIns="91425" spcFirstLastPara="1" rIns="91425" wrap="square" tIns="91425">
+          <a:bodyPr spcFirstLastPara="1" wrap="square" lIns="91425" tIns="91425" rIns="91425" bIns="91425" anchor="t" anchorCtr="0">
             <a:normAutofit fontScale="90000"/>
           </a:bodyPr>
           <a:lstStyle/>
           <a:p>
-            <a:pPr indent="0" lvl="0" marL="0" rtl="0" algn="l">
+            <a:pPr marL="0" lvl="0" indent="0" algn="l" rtl="0">
               <a:spcBef>
                 <a:spcPts val="0"/>
               </a:spcBef>
@@ -11590,12 +12190,12 @@
           </a:ln>
         </p:spPr>
         <p:txBody>
-          <a:bodyPr anchorCtr="0" anchor="t" bIns="91425" lIns="91425" spcFirstLastPara="1" rIns="91425" wrap="square" tIns="91425">
+          <a:bodyPr spcFirstLastPara="1" wrap="square" lIns="91425" tIns="91425" rIns="91425" bIns="91425" anchor="t" anchorCtr="0">
             <a:spAutoFit/>
           </a:bodyPr>
           <a:lstStyle/>
           <a:p>
-            <a:pPr indent="0" lvl="0" marL="0" rtl="0" algn="l">
+            <a:pPr marL="0" lvl="0" indent="0" algn="l" rtl="0">
               <a:spcBef>
                 <a:spcPts val="0"/>
               </a:spcBef>
@@ -11629,11 +12229,11 @@
 </file>
 
 <file path=ppt/slides/slide23.xml><?xml version="1.0" encoding="utf-8"?>
-<p:sld xmlns:a="http://schemas.openxmlformats.org/drawingml/2006/main" xmlns:r="http://schemas.openxmlformats.org/officeDocument/2006/relationships" xmlns:mc="http://schemas.openxmlformats.org/markup-compatibility/2006" xmlns:mv="urn:schemas-microsoft-com:mac:vml" xmlns:p="http://schemas.openxmlformats.org/presentationml/2006/main" xmlns:c="http://schemas.openxmlformats.org/drawingml/2006/chart" xmlns:dgm="http://schemas.openxmlformats.org/drawingml/2006/diagram" xmlns:o="urn:schemas-microsoft-com:office:office" xmlns:v="urn:schemas-microsoft-com:vml" xmlns:pvml="urn:schemas-microsoft-com:office:powerpoint" xmlns:com="http://schemas.openxmlformats.org/drawingml/2006/compatibility" xmlns:p14="http://schemas.microsoft.com/office/powerpoint/2010/main" xmlns:p15="http://schemas.microsoft.com/office/powerpoint/2012/main" xmlns:ahyp="http://schemas.microsoft.com/office/drawing/2018/hyperlinkcolor">
+<p:sld xmlns:a="http://schemas.openxmlformats.org/drawingml/2006/main" xmlns:r="http://schemas.openxmlformats.org/officeDocument/2006/relationships" xmlns:p="http://schemas.openxmlformats.org/presentationml/2006/main">
   <p:cSld>
     <p:spTree>
       <p:nvGrpSpPr>
-        <p:cNvPr id="235" name="Shape 235"/>
+        <p:cNvPr id="1" name="Shape 235"/>
         <p:cNvGrpSpPr/>
         <p:nvPr/>
       </p:nvGrpSpPr>
@@ -11648,14 +12248,16 @@
       <p:sp>
         <p:nvSpPr>
           <p:cNvPr id="236" name="Google Shape;236;p35"/>
-          <p:cNvSpPr txBox="1"/>
+          <p:cNvSpPr txBox="1">
+            <a:spLocks noGrp="1"/>
+          </p:cNvSpPr>
           <p:nvPr>
             <p:ph type="title"/>
           </p:nvPr>
         </p:nvSpPr>
         <p:spPr>
           <a:xfrm>
-            <a:off x="311700" y="445025"/>
+            <a:off x="405829" y="75993"/>
             <a:ext cx="8520600" cy="572700"/>
           </a:xfrm>
           <a:prstGeom prst="rect">
@@ -11663,12 +12265,12 @@
           </a:prstGeom>
         </p:spPr>
         <p:txBody>
-          <a:bodyPr anchorCtr="0" anchor="t" bIns="91425" lIns="91425" spcFirstLastPara="1" rIns="91425" wrap="square" tIns="91425">
+          <a:bodyPr spcFirstLastPara="1" wrap="square" lIns="91425" tIns="91425" rIns="91425" bIns="91425" anchor="t" anchorCtr="0">
             <a:normAutofit fontScale="90000"/>
           </a:bodyPr>
           <a:lstStyle/>
           <a:p>
-            <a:pPr indent="0" lvl="0" marL="0" rtl="0" algn="l">
+            <a:pPr marL="0" lvl="0" indent="0" algn="l" rtl="0">
               <a:spcBef>
                 <a:spcPts val="0"/>
               </a:spcBef>
@@ -11678,49 +12280,222 @@
               <a:buNone/>
             </a:pPr>
             <a:r>
-              <a:rPr lang="en-GB"/>
-              <a:t>OOp101-1C</a:t>
-            </a:r>
-            <a:endParaRPr/>
+              <a:rPr lang="en-GB" dirty="0"/>
+              <a:t>OOp101-1C … Saved as pygame101-oop-tut01c.py</a:t>
+            </a:r>
+            <a:endParaRPr dirty="0"/>
+          </a:p>
+        </p:txBody>
+      </p:sp>
+      <p:pic>
+        <p:nvPicPr>
+          <p:cNvPr id="5" name="Picture 4">
+            <a:extLst>
+              <a:ext uri="{FF2B5EF4-FFF2-40B4-BE49-F238E27FC236}">
+                <a16:creationId xmlns:a16="http://schemas.microsoft.com/office/drawing/2014/main" id="{E42D5592-F8F5-56F9-93E8-7B6A9E6BEB26}"/>
+              </a:ext>
+            </a:extLst>
+          </p:cNvPr>
+          <p:cNvPicPr>
+            <a:picLocks noChangeAspect="1"/>
+          </p:cNvPicPr>
+          <p:nvPr/>
+        </p:nvPicPr>
+        <p:blipFill>
+          <a:blip r:embed="rId3"/>
+          <a:stretch>
+            <a:fillRect/>
+          </a:stretch>
+        </p:blipFill>
+        <p:spPr>
+          <a:xfrm>
+            <a:off x="196943" y="1246934"/>
+            <a:ext cx="2295525" cy="2219325"/>
+          </a:xfrm>
+          <a:prstGeom prst="rect">
+            <a:avLst/>
+          </a:prstGeom>
+        </p:spPr>
+      </p:pic>
+      <p:pic>
+        <p:nvPicPr>
+          <p:cNvPr id="7" name="Picture 6">
+            <a:extLst>
+              <a:ext uri="{FF2B5EF4-FFF2-40B4-BE49-F238E27FC236}">
+                <a16:creationId xmlns:a16="http://schemas.microsoft.com/office/drawing/2014/main" id="{59A782FF-B91C-CB9C-6EA3-3D149A0F2143}"/>
+              </a:ext>
+            </a:extLst>
+          </p:cNvPr>
+          <p:cNvPicPr>
+            <a:picLocks noChangeAspect="1"/>
+          </p:cNvPicPr>
+          <p:nvPr/>
+        </p:nvPicPr>
+        <p:blipFill>
+          <a:blip r:embed="rId4"/>
+          <a:stretch>
+            <a:fillRect/>
+          </a:stretch>
+        </p:blipFill>
+        <p:spPr>
+          <a:xfrm>
+            <a:off x="2954431" y="2474259"/>
+            <a:ext cx="5010150" cy="2400300"/>
+          </a:xfrm>
+          <a:prstGeom prst="rect">
+            <a:avLst/>
+          </a:prstGeom>
+        </p:spPr>
+      </p:pic>
+      <p:pic>
+        <p:nvPicPr>
+          <p:cNvPr id="10" name="Picture 9">
+            <a:extLst>
+              <a:ext uri="{FF2B5EF4-FFF2-40B4-BE49-F238E27FC236}">
+                <a16:creationId xmlns:a16="http://schemas.microsoft.com/office/drawing/2014/main" id="{B32E057B-88F0-7202-0862-0DB9A0FF93CD}"/>
+              </a:ext>
+            </a:extLst>
+          </p:cNvPr>
+          <p:cNvPicPr>
+            <a:picLocks noChangeAspect="1"/>
+          </p:cNvPicPr>
+          <p:nvPr/>
+        </p:nvPicPr>
+        <p:blipFill>
+          <a:blip r:embed="rId5"/>
+          <a:stretch>
+            <a:fillRect/>
+          </a:stretch>
+        </p:blipFill>
+        <p:spPr>
+          <a:xfrm>
+            <a:off x="2915490" y="666116"/>
+            <a:ext cx="4581245" cy="1635642"/>
+          </a:xfrm>
+          <a:prstGeom prst="rect">
+            <a:avLst/>
+          </a:prstGeom>
+        </p:spPr>
+      </p:pic>
+      <p:sp>
+        <p:nvSpPr>
+          <p:cNvPr id="8" name="Speech Bubble: Rectangle with Corners Rounded 7">
+            <a:extLst>
+              <a:ext uri="{FF2B5EF4-FFF2-40B4-BE49-F238E27FC236}">
+                <a16:creationId xmlns:a16="http://schemas.microsoft.com/office/drawing/2014/main" id="{3B8FA925-D8D2-35F2-71AC-144D7E3AB7AC}"/>
+              </a:ext>
+            </a:extLst>
+          </p:cNvPr>
+          <p:cNvSpPr/>
+          <p:nvPr/>
+        </p:nvSpPr>
+        <p:spPr>
+          <a:xfrm>
+            <a:off x="5206112" y="534844"/>
+            <a:ext cx="2566288" cy="863650"/>
+          </a:xfrm>
+          <a:prstGeom prst="wedgeRoundRectCallout">
+            <a:avLst>
+              <a:gd name="adj1" fmla="val -77883"/>
+              <a:gd name="adj2" fmla="val 40048"/>
+              <a:gd name="adj3" fmla="val 16667"/>
+            </a:avLst>
+          </a:prstGeom>
+        </p:spPr>
+        <p:style>
+          <a:lnRef idx="2">
+            <a:schemeClr val="dk1"/>
+          </a:lnRef>
+          <a:fillRef idx="1">
+            <a:schemeClr val="lt1"/>
+          </a:fillRef>
+          <a:effectRef idx="0">
+            <a:schemeClr val="dk1"/>
+          </a:effectRef>
+          <a:fontRef idx="minor">
+            <a:schemeClr val="dk1"/>
+          </a:fontRef>
+        </p:style>
+        <p:txBody>
+          <a:bodyPr rtlCol="0" anchor="ctr"/>
+          <a:lstStyle/>
+          <a:p>
+            <a:pPr algn="ctr"/>
+            <a:r>
+              <a:rPr lang="en-GB" sz="1100" dirty="0" err="1"/>
+              <a:t>Keybind</a:t>
+            </a:r>
+            <a:r>
+              <a:rPr lang="en-GB" sz="1100" dirty="0"/>
+              <a:t> dictionary will bind a key like “left” to a key stroke that </a:t>
+            </a:r>
+            <a:r>
+              <a:rPr lang="en-GB" sz="1100" dirty="0" err="1"/>
+              <a:t>pygame</a:t>
+            </a:r>
+            <a:r>
+              <a:rPr lang="en-GB" sz="1100" dirty="0"/>
+              <a:t> can detect. This will allow multiple binds such as “left” to “a” or “left arrow”</a:t>
+            </a:r>
           </a:p>
         </p:txBody>
       </p:sp>
       <p:sp>
         <p:nvSpPr>
-          <p:cNvPr id="237" name="Google Shape;237;p35"/>
-          <p:cNvSpPr txBox="1"/>
-          <p:nvPr>
-            <p:ph idx="1" type="body"/>
-          </p:nvPr>
+          <p:cNvPr id="11" name="Speech Bubble: Rectangle with Corners Rounded 10">
+            <a:extLst>
+              <a:ext uri="{FF2B5EF4-FFF2-40B4-BE49-F238E27FC236}">
+                <a16:creationId xmlns:a16="http://schemas.microsoft.com/office/drawing/2014/main" id="{8E38B9D5-533D-FFA3-03BE-033942FFED93}"/>
+              </a:ext>
+            </a:extLst>
+          </p:cNvPr>
+          <p:cNvSpPr/>
+          <p:nvPr/>
         </p:nvSpPr>
         <p:spPr>
           <a:xfrm>
-            <a:off x="311700" y="1152475"/>
-            <a:ext cx="8520600" cy="3416400"/>
-          </a:xfrm>
-          <a:prstGeom prst="rect">
-            <a:avLst/>
+            <a:off x="6145164" y="2885838"/>
+            <a:ext cx="2566288" cy="863650"/>
+          </a:xfrm>
+          <a:prstGeom prst="wedgeRoundRectCallout">
+            <a:avLst>
+              <a:gd name="adj1" fmla="val -77883"/>
+              <a:gd name="adj2" fmla="val 40048"/>
+              <a:gd name="adj3" fmla="val 16667"/>
+            </a:avLst>
           </a:prstGeom>
         </p:spPr>
+        <p:style>
+          <a:lnRef idx="2">
+            <a:schemeClr val="dk1"/>
+          </a:lnRef>
+          <a:fillRef idx="1">
+            <a:schemeClr val="lt1"/>
+          </a:fillRef>
+          <a:effectRef idx="0">
+            <a:schemeClr val="dk1"/>
+          </a:effectRef>
+          <a:fontRef idx="minor">
+            <a:schemeClr val="dk1"/>
+          </a:fontRef>
+        </p:style>
         <p:txBody>
-          <a:bodyPr anchorCtr="0" anchor="t" bIns="91425" lIns="91425" spcFirstLastPara="1" rIns="91425" wrap="square" tIns="91425">
-            <a:normAutofit/>
-          </a:bodyPr>
+          <a:bodyPr rtlCol="0" anchor="ctr"/>
           <a:lstStyle/>
           <a:p>
-            <a:pPr indent="0" lvl="0" marL="0" rtl="0" algn="l">
-              <a:spcBef>
-                <a:spcPts val="0"/>
-              </a:spcBef>
-              <a:spcAft>
-                <a:spcPts val="1200"/>
-              </a:spcAft>
-              <a:buNone/>
-            </a:pPr>
-            <a:r>
-              <a:t/>
-            </a:r>
-            <a:endParaRPr/>
+            <a:pPr algn="ctr"/>
+            <a:r>
+              <a:rPr lang="en-GB" sz="1100" dirty="0"/>
+              <a:t>Proof of concept code. Will make this abstract so the Player class will need to do </a:t>
+            </a:r>
+            <a:r>
+              <a:rPr lang="en-GB" sz="1100" dirty="0" err="1"/>
+              <a:t>keybind</a:t>
+            </a:r>
+            <a:r>
+              <a:rPr lang="en-GB" sz="1100" dirty="0"/>
+              <a:t> and act on presses.</a:t>
+            </a:r>
           </a:p>
         </p:txBody>
       </p:sp>
@@ -11732,12 +12507,547 @@
 </p:sld>
 </file>
 
-<file path=ppt/slides/slide3.xml><?xml version="1.0" encoding="utf-8"?>
-<p:sld xmlns:a="http://schemas.openxmlformats.org/drawingml/2006/main" xmlns:r="http://schemas.openxmlformats.org/officeDocument/2006/relationships" xmlns:mc="http://schemas.openxmlformats.org/markup-compatibility/2006" xmlns:mv="urn:schemas-microsoft-com:mac:vml" xmlns:p="http://schemas.openxmlformats.org/presentationml/2006/main" xmlns:c="http://schemas.openxmlformats.org/drawingml/2006/chart" xmlns:dgm="http://schemas.openxmlformats.org/drawingml/2006/diagram" xmlns:o="urn:schemas-microsoft-com:office:office" xmlns:v="urn:schemas-microsoft-com:vml" xmlns:pvml="urn:schemas-microsoft-com:office:powerpoint" xmlns:com="http://schemas.openxmlformats.org/drawingml/2006/compatibility" xmlns:p14="http://schemas.microsoft.com/office/powerpoint/2010/main" xmlns:p15="http://schemas.microsoft.com/office/powerpoint/2012/main" xmlns:ahyp="http://schemas.microsoft.com/office/drawing/2018/hyperlinkcolor">
+<file path=ppt/slides/slide24.xml><?xml version="1.0" encoding="utf-8"?>
+<p:sld xmlns:a="http://schemas.openxmlformats.org/drawingml/2006/main" xmlns:r="http://schemas.openxmlformats.org/officeDocument/2006/relationships" xmlns:p="http://schemas.openxmlformats.org/presentationml/2006/main">
   <p:cSld>
     <p:spTree>
       <p:nvGrpSpPr>
-        <p:cNvPr id="66" name="Shape 66"/>
+        <p:cNvPr id="1" name=""/>
+        <p:cNvGrpSpPr/>
+        <p:nvPr/>
+      </p:nvGrpSpPr>
+      <p:grpSpPr>
+        <a:xfrm>
+          <a:off x="0" y="0"/>
+          <a:ext cx="0" cy="0"/>
+          <a:chOff x="0" y="0"/>
+          <a:chExt cx="0" cy="0"/>
+        </a:xfrm>
+      </p:grpSpPr>
+      <p:sp>
+        <p:nvSpPr>
+          <p:cNvPr id="2" name="Title 1">
+            <a:extLst>
+              <a:ext uri="{FF2B5EF4-FFF2-40B4-BE49-F238E27FC236}">
+                <a16:creationId xmlns:a16="http://schemas.microsoft.com/office/drawing/2014/main" id="{C6346450-63A2-0471-F702-2004AB807801}"/>
+              </a:ext>
+            </a:extLst>
+          </p:cNvPr>
+          <p:cNvSpPr>
+            <a:spLocks noGrp="1"/>
+          </p:cNvSpPr>
+          <p:nvPr>
+            <p:ph type="title"/>
+          </p:nvPr>
+        </p:nvSpPr>
+        <p:spPr/>
+        <p:txBody>
+          <a:bodyPr>
+            <a:normAutofit fontScale="90000"/>
+          </a:bodyPr>
+          <a:lstStyle/>
+          <a:p>
+            <a:r>
+              <a:rPr lang="en-GB" dirty="0"/>
+              <a:t>OOp101-1C … Saved as pygame101-oop-tut01c.py</a:t>
+            </a:r>
+          </a:p>
+        </p:txBody>
+      </p:sp>
+      <p:pic>
+        <p:nvPicPr>
+          <p:cNvPr id="7" name="Picture 6">
+            <a:extLst>
+              <a:ext uri="{FF2B5EF4-FFF2-40B4-BE49-F238E27FC236}">
+                <a16:creationId xmlns:a16="http://schemas.microsoft.com/office/drawing/2014/main" id="{13CE44C0-F7E1-71ED-DC63-9353122C17D1}"/>
+              </a:ext>
+            </a:extLst>
+          </p:cNvPr>
+          <p:cNvPicPr>
+            <a:picLocks noChangeAspect="1"/>
+          </p:cNvPicPr>
+          <p:nvPr/>
+        </p:nvPicPr>
+        <p:blipFill>
+          <a:blip r:embed="rId2"/>
+          <a:stretch>
+            <a:fillRect/>
+          </a:stretch>
+        </p:blipFill>
+        <p:spPr>
+          <a:xfrm>
+            <a:off x="4299520" y="1385047"/>
+            <a:ext cx="4667250" cy="1419225"/>
+          </a:xfrm>
+          <a:prstGeom prst="rect">
+            <a:avLst/>
+          </a:prstGeom>
+        </p:spPr>
+      </p:pic>
+      <p:sp>
+        <p:nvSpPr>
+          <p:cNvPr id="8" name="TextBox 7">
+            <a:extLst>
+              <a:ext uri="{FF2B5EF4-FFF2-40B4-BE49-F238E27FC236}">
+                <a16:creationId xmlns:a16="http://schemas.microsoft.com/office/drawing/2014/main" id="{BAB3744D-3549-DDC1-CC89-C04AA98B4723}"/>
+              </a:ext>
+            </a:extLst>
+          </p:cNvPr>
+          <p:cNvSpPr txBox="1"/>
+          <p:nvPr/>
+        </p:nvSpPr>
+        <p:spPr>
+          <a:xfrm>
+            <a:off x="4299521" y="2655795"/>
+            <a:ext cx="4667250" cy="1600438"/>
+          </a:xfrm>
+          <a:prstGeom prst="rect">
+            <a:avLst/>
+          </a:prstGeom>
+          <a:noFill/>
+        </p:spPr>
+        <p:txBody>
+          <a:bodyPr wrap="square" rtlCol="0">
+            <a:spAutoFit/>
+          </a:bodyPr>
+          <a:lstStyle/>
+          <a:p>
+            <a:r>
+              <a:rPr lang="en-GB" dirty="0"/>
+              <a:t>The </a:t>
+            </a:r>
+            <a:r>
+              <a:rPr lang="en-GB" dirty="0" err="1"/>
+              <a:t>gfxObject</a:t>
+            </a:r>
+            <a:r>
+              <a:rPr lang="en-GB" dirty="0"/>
+              <a:t> calls its </a:t>
+            </a:r>
+            <a:r>
+              <a:rPr lang="en-GB" dirty="0" err="1"/>
+              <a:t>handleKeyMovements</a:t>
+            </a:r>
+            <a:r>
+              <a:rPr lang="en-GB" dirty="0"/>
+              <a:t> every frame.</a:t>
+            </a:r>
+          </a:p>
+          <a:p>
+            <a:endParaRPr lang="en-GB" dirty="0"/>
+          </a:p>
+          <a:p>
+            <a:r>
+              <a:rPr lang="en-GB" dirty="0"/>
+              <a:t>This sets the displacement as dx and </a:t>
+            </a:r>
+            <a:r>
+              <a:rPr lang="en-GB" dirty="0" err="1"/>
+              <a:t>dy</a:t>
+            </a:r>
+            <a:endParaRPr lang="en-GB" dirty="0"/>
+          </a:p>
+          <a:p>
+            <a:endParaRPr lang="en-GB" dirty="0"/>
+          </a:p>
+          <a:p>
+            <a:r>
+              <a:rPr lang="en-GB" dirty="0"/>
+              <a:t>The </a:t>
+            </a:r>
+            <a:r>
+              <a:rPr lang="en-GB" dirty="0" err="1"/>
+              <a:t>dy</a:t>
+            </a:r>
+            <a:r>
+              <a:rPr lang="en-GB" dirty="0"/>
+              <a:t> and </a:t>
+            </a:r>
+            <a:r>
+              <a:rPr lang="en-GB" dirty="0" err="1"/>
+              <a:t>dy</a:t>
+            </a:r>
+            <a:r>
+              <a:rPr lang="en-GB" dirty="0"/>
+              <a:t> values are used to update the objects position before drawing it.</a:t>
+            </a:r>
+          </a:p>
+        </p:txBody>
+      </p:sp>
+      <p:pic>
+        <p:nvPicPr>
+          <p:cNvPr id="10" name="Picture 9">
+            <a:extLst>
+              <a:ext uri="{FF2B5EF4-FFF2-40B4-BE49-F238E27FC236}">
+                <a16:creationId xmlns:a16="http://schemas.microsoft.com/office/drawing/2014/main" id="{DBD70799-2E4A-8FBA-7FA0-9D9858839533}"/>
+              </a:ext>
+            </a:extLst>
+          </p:cNvPr>
+          <p:cNvPicPr>
+            <a:picLocks noChangeAspect="1"/>
+          </p:cNvPicPr>
+          <p:nvPr/>
+        </p:nvPicPr>
+        <p:blipFill>
+          <a:blip r:embed="rId3"/>
+          <a:stretch>
+            <a:fillRect/>
+          </a:stretch>
+        </p:blipFill>
+        <p:spPr>
+          <a:xfrm>
+            <a:off x="109817" y="1282655"/>
+            <a:ext cx="3164542" cy="2973578"/>
+          </a:xfrm>
+          <a:prstGeom prst="rect">
+            <a:avLst/>
+          </a:prstGeom>
+        </p:spPr>
+      </p:pic>
+      <p:sp>
+        <p:nvSpPr>
+          <p:cNvPr id="11" name="TextBox 10">
+            <a:extLst>
+              <a:ext uri="{FF2B5EF4-FFF2-40B4-BE49-F238E27FC236}">
+                <a16:creationId xmlns:a16="http://schemas.microsoft.com/office/drawing/2014/main" id="{EDA6F526-142D-35F1-27C2-D3A54DBA8815}"/>
+              </a:ext>
+            </a:extLst>
+          </p:cNvPr>
+          <p:cNvSpPr txBox="1"/>
+          <p:nvPr/>
+        </p:nvSpPr>
+        <p:spPr>
+          <a:xfrm>
+            <a:off x="228600" y="4457700"/>
+            <a:ext cx="3983783" cy="307777"/>
+          </a:xfrm>
+          <a:prstGeom prst="rect">
+            <a:avLst/>
+          </a:prstGeom>
+          <a:noFill/>
+        </p:spPr>
+        <p:txBody>
+          <a:bodyPr wrap="none" rtlCol="0">
+            <a:spAutoFit/>
+          </a:bodyPr>
+          <a:lstStyle/>
+          <a:p>
+            <a:r>
+              <a:rPr lang="en-GB" dirty="0"/>
+              <a:t>See: UML/pygame-101c-uml-class-world(ver3a)</a:t>
+            </a:r>
+          </a:p>
+        </p:txBody>
+      </p:sp>
+    </p:spTree>
+    <p:extLst>
+      <p:ext uri="{BB962C8B-B14F-4D97-AF65-F5344CB8AC3E}">
+        <p14:creationId xmlns:p14="http://schemas.microsoft.com/office/powerpoint/2010/main" val="619874206"/>
+      </p:ext>
+    </p:extLst>
+  </p:cSld>
+  <p:clrMapOvr>
+    <a:masterClrMapping/>
+  </p:clrMapOvr>
+</p:sld>
+</file>
+
+<file path=ppt/slides/slide25.xml><?xml version="1.0" encoding="utf-8"?>
+<p:sld xmlns:a="http://schemas.openxmlformats.org/drawingml/2006/main" xmlns:r="http://schemas.openxmlformats.org/officeDocument/2006/relationships" xmlns:p="http://schemas.openxmlformats.org/presentationml/2006/main">
+  <p:cSld>
+    <p:spTree>
+      <p:nvGrpSpPr>
+        <p:cNvPr id="1" name=""/>
+        <p:cNvGrpSpPr/>
+        <p:nvPr/>
+      </p:nvGrpSpPr>
+      <p:grpSpPr>
+        <a:xfrm>
+          <a:off x="0" y="0"/>
+          <a:ext cx="0" cy="0"/>
+          <a:chOff x="0" y="0"/>
+          <a:chExt cx="0" cy="0"/>
+        </a:xfrm>
+      </p:grpSpPr>
+      <p:sp>
+        <p:nvSpPr>
+          <p:cNvPr id="2" name="Title 1">
+            <a:extLst>
+              <a:ext uri="{FF2B5EF4-FFF2-40B4-BE49-F238E27FC236}">
+                <a16:creationId xmlns:a16="http://schemas.microsoft.com/office/drawing/2014/main" id="{7078DA52-9FAA-AC49-4EDE-CE9CC0A6AD62}"/>
+              </a:ext>
+            </a:extLst>
+          </p:cNvPr>
+          <p:cNvSpPr>
+            <a:spLocks noGrp="1"/>
+          </p:cNvSpPr>
+          <p:nvPr>
+            <p:ph type="title"/>
+          </p:nvPr>
+        </p:nvSpPr>
+        <p:spPr/>
+        <p:txBody>
+          <a:bodyPr>
+            <a:normAutofit fontScale="90000"/>
+          </a:bodyPr>
+          <a:lstStyle/>
+          <a:p>
+            <a:r>
+              <a:rPr lang="en-GB" dirty="0"/>
+              <a:t>OOp101-1C … Saved as pygame101-oop-tut01c.py</a:t>
+            </a:r>
+          </a:p>
+        </p:txBody>
+      </p:sp>
+      <p:pic>
+        <p:nvPicPr>
+          <p:cNvPr id="5" name="Picture 4">
+            <a:extLst>
+              <a:ext uri="{FF2B5EF4-FFF2-40B4-BE49-F238E27FC236}">
+                <a16:creationId xmlns:a16="http://schemas.microsoft.com/office/drawing/2014/main" id="{282E7730-6C19-48AC-0683-F5F1256F8BC4}"/>
+              </a:ext>
+            </a:extLst>
+          </p:cNvPr>
+          <p:cNvPicPr>
+            <a:picLocks noChangeAspect="1"/>
+          </p:cNvPicPr>
+          <p:nvPr/>
+        </p:nvPicPr>
+        <p:blipFill>
+          <a:blip r:embed="rId2"/>
+          <a:stretch>
+            <a:fillRect/>
+          </a:stretch>
+        </p:blipFill>
+        <p:spPr>
+          <a:xfrm>
+            <a:off x="311700" y="1674158"/>
+            <a:ext cx="2472870" cy="1949823"/>
+          </a:xfrm>
+          <a:prstGeom prst="rect">
+            <a:avLst/>
+          </a:prstGeom>
+        </p:spPr>
+      </p:pic>
+      <p:sp>
+        <p:nvSpPr>
+          <p:cNvPr id="6" name="TextBox 5">
+            <a:extLst>
+              <a:ext uri="{FF2B5EF4-FFF2-40B4-BE49-F238E27FC236}">
+                <a16:creationId xmlns:a16="http://schemas.microsoft.com/office/drawing/2014/main" id="{7DF9D039-D851-F50E-E759-91783FB6979E}"/>
+              </a:ext>
+            </a:extLst>
+          </p:cNvPr>
+          <p:cNvSpPr txBox="1"/>
+          <p:nvPr/>
+        </p:nvSpPr>
+        <p:spPr>
+          <a:xfrm>
+            <a:off x="430306" y="1017725"/>
+            <a:ext cx="2194832" cy="307777"/>
+          </a:xfrm>
+          <a:prstGeom prst="rect">
+            <a:avLst/>
+          </a:prstGeom>
+          <a:noFill/>
+        </p:spPr>
+        <p:txBody>
+          <a:bodyPr wrap="none" rtlCol="0">
+            <a:spAutoFit/>
+          </a:bodyPr>
+          <a:lstStyle/>
+          <a:p>
+            <a:r>
+              <a:rPr lang="en-GB" dirty="0"/>
+              <a:t>Developmental Testing…</a:t>
+            </a:r>
+          </a:p>
+        </p:txBody>
+      </p:sp>
+      <p:sp>
+        <p:nvSpPr>
+          <p:cNvPr id="7" name="TextBox 6">
+            <a:extLst>
+              <a:ext uri="{FF2B5EF4-FFF2-40B4-BE49-F238E27FC236}">
+                <a16:creationId xmlns:a16="http://schemas.microsoft.com/office/drawing/2014/main" id="{658A23E4-0650-EC54-DAB3-7354AA27C720}"/>
+              </a:ext>
+            </a:extLst>
+          </p:cNvPr>
+          <p:cNvSpPr txBox="1"/>
+          <p:nvPr/>
+        </p:nvSpPr>
+        <p:spPr>
+          <a:xfrm>
+            <a:off x="430306" y="3817999"/>
+            <a:ext cx="1000595" cy="307777"/>
+          </a:xfrm>
+          <a:prstGeom prst="rect">
+            <a:avLst/>
+          </a:prstGeom>
+          <a:noFill/>
+        </p:spPr>
+        <p:txBody>
+          <a:bodyPr wrap="none" rtlCol="0">
+            <a:spAutoFit/>
+          </a:bodyPr>
+          <a:lstStyle/>
+          <a:p>
+            <a:r>
+              <a:rPr lang="en-GB" dirty="0"/>
+              <a:t>On launch</a:t>
+            </a:r>
+          </a:p>
+        </p:txBody>
+      </p:sp>
+      <p:sp>
+        <p:nvSpPr>
+          <p:cNvPr id="8" name="TextBox 7">
+            <a:extLst>
+              <a:ext uri="{FF2B5EF4-FFF2-40B4-BE49-F238E27FC236}">
+                <a16:creationId xmlns:a16="http://schemas.microsoft.com/office/drawing/2014/main" id="{65A674F3-C156-37B9-630C-F5CDA92C1FAA}"/>
+              </a:ext>
+            </a:extLst>
+          </p:cNvPr>
+          <p:cNvSpPr txBox="1"/>
+          <p:nvPr/>
+        </p:nvSpPr>
+        <p:spPr>
+          <a:xfrm>
+            <a:off x="3124201" y="3817999"/>
+            <a:ext cx="2661306" cy="307777"/>
+          </a:xfrm>
+          <a:prstGeom prst="rect">
+            <a:avLst/>
+          </a:prstGeom>
+          <a:noFill/>
+        </p:spPr>
+        <p:txBody>
+          <a:bodyPr wrap="none" rtlCol="0">
+            <a:spAutoFit/>
+          </a:bodyPr>
+          <a:lstStyle/>
+          <a:p>
+            <a:r>
+              <a:rPr lang="en-GB" dirty="0"/>
+              <a:t>After pressing “d” several times</a:t>
+            </a:r>
+          </a:p>
+        </p:txBody>
+      </p:sp>
+      <p:sp>
+        <p:nvSpPr>
+          <p:cNvPr id="9" name="TextBox 8">
+            <a:extLst>
+              <a:ext uri="{FF2B5EF4-FFF2-40B4-BE49-F238E27FC236}">
+                <a16:creationId xmlns:a16="http://schemas.microsoft.com/office/drawing/2014/main" id="{19775246-A9F5-7A37-86C3-7D41602D2A41}"/>
+              </a:ext>
+            </a:extLst>
+          </p:cNvPr>
+          <p:cNvSpPr txBox="1"/>
+          <p:nvPr/>
+        </p:nvSpPr>
+        <p:spPr>
+          <a:xfrm>
+            <a:off x="5986184" y="3817999"/>
+            <a:ext cx="2661306" cy="307777"/>
+          </a:xfrm>
+          <a:prstGeom prst="rect">
+            <a:avLst/>
+          </a:prstGeom>
+          <a:noFill/>
+        </p:spPr>
+        <p:txBody>
+          <a:bodyPr wrap="none" rtlCol="0">
+            <a:spAutoFit/>
+          </a:bodyPr>
+          <a:lstStyle/>
+          <a:p>
+            <a:r>
+              <a:rPr lang="en-GB" dirty="0"/>
+              <a:t>After pressing “a” several times</a:t>
+            </a:r>
+          </a:p>
+        </p:txBody>
+      </p:sp>
+      <p:pic>
+        <p:nvPicPr>
+          <p:cNvPr id="11" name="Picture 10">
+            <a:extLst>
+              <a:ext uri="{FF2B5EF4-FFF2-40B4-BE49-F238E27FC236}">
+                <a16:creationId xmlns:a16="http://schemas.microsoft.com/office/drawing/2014/main" id="{4FD44C85-7681-2153-07B9-0ACBE5E4969E}"/>
+              </a:ext>
+            </a:extLst>
+          </p:cNvPr>
+          <p:cNvPicPr>
+            <a:picLocks noChangeAspect="1"/>
+          </p:cNvPicPr>
+          <p:nvPr/>
+        </p:nvPicPr>
+        <p:blipFill>
+          <a:blip r:embed="rId3"/>
+          <a:stretch>
+            <a:fillRect/>
+          </a:stretch>
+        </p:blipFill>
+        <p:spPr>
+          <a:xfrm>
+            <a:off x="3188145" y="1720811"/>
+            <a:ext cx="2392386" cy="1903170"/>
+          </a:xfrm>
+          <a:prstGeom prst="rect">
+            <a:avLst/>
+          </a:prstGeom>
+        </p:spPr>
+      </p:pic>
+      <p:pic>
+        <p:nvPicPr>
+          <p:cNvPr id="13" name="Picture 12">
+            <a:extLst>
+              <a:ext uri="{FF2B5EF4-FFF2-40B4-BE49-F238E27FC236}">
+                <a16:creationId xmlns:a16="http://schemas.microsoft.com/office/drawing/2014/main" id="{996C966A-C535-0ED9-5BBC-6F8DDBA00FC8}"/>
+              </a:ext>
+            </a:extLst>
+          </p:cNvPr>
+          <p:cNvPicPr>
+            <a:picLocks noChangeAspect="1"/>
+          </p:cNvPicPr>
+          <p:nvPr/>
+        </p:nvPicPr>
+        <p:blipFill>
+          <a:blip r:embed="rId4"/>
+          <a:stretch>
+            <a:fillRect/>
+          </a:stretch>
+        </p:blipFill>
+        <p:spPr>
+          <a:xfrm>
+            <a:off x="6062563" y="1757623"/>
+            <a:ext cx="2392386" cy="1866358"/>
+          </a:xfrm>
+          <a:prstGeom prst="rect">
+            <a:avLst/>
+          </a:prstGeom>
+        </p:spPr>
+      </p:pic>
+    </p:spTree>
+    <p:extLst>
+      <p:ext uri="{BB962C8B-B14F-4D97-AF65-F5344CB8AC3E}">
+        <p14:creationId xmlns:p14="http://schemas.microsoft.com/office/powerpoint/2010/main" val="1512485308"/>
+      </p:ext>
+    </p:extLst>
+  </p:cSld>
+  <p:clrMapOvr>
+    <a:masterClrMapping/>
+  </p:clrMapOvr>
+</p:sld>
+</file>
+
+<file path=ppt/slides/slide3.xml><?xml version="1.0" encoding="utf-8"?>
+<p:sld xmlns:a="http://schemas.openxmlformats.org/drawingml/2006/main" xmlns:r="http://schemas.openxmlformats.org/officeDocument/2006/relationships" xmlns:p="http://schemas.openxmlformats.org/presentationml/2006/main">
+  <p:cSld>
+    <p:spTree>
+      <p:nvGrpSpPr>
+        <p:cNvPr id="1" name="Shape 66"/>
         <p:cNvGrpSpPr/>
         <p:nvPr/>
       </p:nvGrpSpPr>
@@ -11752,7 +13062,9 @@
       <p:sp>
         <p:nvSpPr>
           <p:cNvPr id="67" name="Google Shape;67;p15"/>
-          <p:cNvSpPr txBox="1"/>
+          <p:cNvSpPr txBox="1">
+            <a:spLocks noGrp="1"/>
+          </p:cNvSpPr>
           <p:nvPr>
             <p:ph type="title"/>
           </p:nvPr>
@@ -11767,12 +13079,12 @@
           </a:prstGeom>
         </p:spPr>
         <p:txBody>
-          <a:bodyPr anchorCtr="0" anchor="t" bIns="91425" lIns="91425" spcFirstLastPara="1" rIns="91425" wrap="square" tIns="91425">
+          <a:bodyPr spcFirstLastPara="1" wrap="square" lIns="91425" tIns="91425" rIns="91425" bIns="91425" anchor="t" anchorCtr="0">
             <a:normAutofit fontScale="90000"/>
           </a:bodyPr>
           <a:lstStyle/>
           <a:p>
-            <a:pPr indent="0" lvl="0" marL="0" rtl="0" algn="l">
+            <a:pPr marL="0" lvl="0" indent="0" algn="l" rtl="0">
               <a:spcBef>
                 <a:spcPts val="0"/>
               </a:spcBef>
@@ -11792,9 +13104,11 @@
       <p:sp>
         <p:nvSpPr>
           <p:cNvPr id="68" name="Google Shape;68;p15"/>
-          <p:cNvSpPr txBox="1"/>
+          <p:cNvSpPr txBox="1">
+            <a:spLocks noGrp="1"/>
+          </p:cNvSpPr>
           <p:nvPr>
-            <p:ph idx="1" type="body"/>
+            <p:ph type="body" idx="1"/>
           </p:nvPr>
         </p:nvSpPr>
         <p:spPr>
@@ -11810,12 +13124,12 @@
           </a:solidFill>
         </p:spPr>
         <p:txBody>
-          <a:bodyPr anchorCtr="0" anchor="t" bIns="91425" lIns="91425" spcFirstLastPara="1" rIns="91425" wrap="square" tIns="91425">
+          <a:bodyPr spcFirstLastPara="1" wrap="square" lIns="91425" tIns="91425" rIns="91425" bIns="91425" anchor="t" anchorCtr="0">
             <a:noAutofit/>
           </a:bodyPr>
           <a:lstStyle/>
           <a:p>
-            <a:pPr indent="0" lvl="0" marL="0" rtl="0" algn="l">
+            <a:pPr marL="0" lvl="0" indent="0" algn="l" rtl="0">
               <a:lnSpc>
                 <a:spcPct val="95000"/>
               </a:lnSpc>
@@ -11833,7 +13147,7 @@
               <a:buNone/>
             </a:pPr>
             <a:r>
-              <a:rPr b="1" i="1" lang="en-GB" sz="1150">
+              <a:rPr lang="en-GB" sz="1150" b="1" i="1">
                 <a:solidFill>
                   <a:srgbClr val="AAD1C3"/>
                 </a:solidFill>
@@ -11847,7 +13161,7 @@
               </a:rPr>
               <a:t>#-------------------------------------------------------------------------------</a:t>
             </a:r>
-            <a:endParaRPr b="1" i="1" sz="1150">
+            <a:endParaRPr sz="1150" b="1" i="1">
               <a:solidFill>
                 <a:srgbClr val="AAD1C3"/>
               </a:solidFill>
@@ -11861,7 +13175,7 @@
             </a:endParaRPr>
           </a:p>
           <a:p>
-            <a:pPr indent="0" lvl="0" marL="0" rtl="0" algn="l">
+            <a:pPr marL="0" lvl="0" indent="0" algn="l" rtl="0">
               <a:lnSpc>
                 <a:spcPct val="95000"/>
               </a:lnSpc>
@@ -11879,7 +13193,7 @@
               <a:buNone/>
             </a:pPr>
             <a:r>
-              <a:rPr b="1" i="1" lang="en-GB" sz="1150">
+              <a:rPr lang="en-GB" sz="1150" b="1" i="1">
                 <a:solidFill>
                   <a:srgbClr val="AAD1C3"/>
                 </a:solidFill>
@@ -11893,7 +13207,7 @@
               </a:rPr>
               <a:t># Name:        pygame-tut01</a:t>
             </a:r>
-            <a:endParaRPr b="1" i="1" sz="1150">
+            <a:endParaRPr sz="1150" b="1" i="1">
               <a:solidFill>
                 <a:srgbClr val="AAD1C3"/>
               </a:solidFill>
@@ -11907,7 +13221,7 @@
             </a:endParaRPr>
           </a:p>
           <a:p>
-            <a:pPr indent="0" lvl="0" marL="0" rtl="0" algn="l">
+            <a:pPr marL="0" lvl="0" indent="0" algn="l" rtl="0">
               <a:lnSpc>
                 <a:spcPct val="95000"/>
               </a:lnSpc>
@@ -11925,7 +13239,7 @@
               <a:buNone/>
             </a:pPr>
             <a:r>
-              <a:rPr b="1" i="1" lang="en-GB" sz="1150">
+              <a:rPr lang="en-GB" sz="1150" b="1" i="1">
                 <a:solidFill>
                   <a:srgbClr val="AAD1C3"/>
                 </a:solidFill>
@@ -11939,7 +13253,7 @@
               </a:rPr>
               <a:t># REF : https://youtu.be/i6xMBig-pP4?list=PLzMcBGfZo4-lp3jAExUCewBfMx3UZFkh5</a:t>
             </a:r>
-            <a:endParaRPr b="1" i="1" sz="1150">
+            <a:endParaRPr sz="1150" b="1" i="1">
               <a:solidFill>
                 <a:srgbClr val="AAD1C3"/>
               </a:solidFill>
@@ -11953,7 +13267,7 @@
             </a:endParaRPr>
           </a:p>
           <a:p>
-            <a:pPr indent="0" lvl="0" marL="0" rtl="0" algn="l">
+            <a:pPr marL="0" lvl="0" indent="0" algn="l" rtl="0">
               <a:lnSpc>
                 <a:spcPct val="95000"/>
               </a:lnSpc>
@@ -11971,7 +13285,7 @@
               <a:buNone/>
             </a:pPr>
             <a:r>
-              <a:rPr b="1" i="1" lang="en-GB" sz="1150">
+              <a:rPr lang="en-GB" sz="1150" b="1" i="1">
                 <a:solidFill>
                   <a:srgbClr val="AAD1C3"/>
                 </a:solidFill>
@@ -11985,7 +13299,7 @@
               </a:rPr>
               <a:t># REF2: https://www.pygame.org/docs/ref/pygame.html#pygame.init</a:t>
             </a:r>
-            <a:endParaRPr b="1" i="1" sz="1150">
+            <a:endParaRPr sz="1150" b="1" i="1">
               <a:solidFill>
                 <a:srgbClr val="AAD1C3"/>
               </a:solidFill>
@@ -11999,7 +13313,7 @@
             </a:endParaRPr>
           </a:p>
           <a:p>
-            <a:pPr indent="0" lvl="0" marL="0" rtl="0" algn="l">
+            <a:pPr marL="0" lvl="0" indent="0" algn="l" rtl="0">
               <a:lnSpc>
                 <a:spcPct val="95000"/>
               </a:lnSpc>
@@ -12017,7 +13331,7 @@
               <a:buNone/>
             </a:pPr>
             <a:r>
-              <a:rPr b="1" i="1" lang="en-GB" sz="1150">
+              <a:rPr lang="en-GB" sz="1150" b="1" i="1">
                 <a:solidFill>
                   <a:srgbClr val="AAD1C3"/>
                 </a:solidFill>
@@ -12031,7 +13345,7 @@
               </a:rPr>
               <a:t>#-------------------------------------------------------------------------------</a:t>
             </a:r>
-            <a:endParaRPr b="1" i="1" sz="1150">
+            <a:endParaRPr sz="1150" b="1" i="1">
               <a:solidFill>
                 <a:srgbClr val="AAD1C3"/>
               </a:solidFill>
@@ -12045,7 +13359,7 @@
             </a:endParaRPr>
           </a:p>
           <a:p>
-            <a:pPr indent="0" lvl="0" marL="0" rtl="0" algn="l">
+            <a:pPr marL="0" lvl="0" indent="0" algn="l" rtl="0">
               <a:lnSpc>
                 <a:spcPct val="95000"/>
               </a:lnSpc>
@@ -12121,7 +13435,7 @@
             </a:endParaRPr>
           </a:p>
           <a:p>
-            <a:pPr indent="0" lvl="0" marL="0" rtl="0" algn="l">
+            <a:pPr marL="0" lvl="0" indent="0" algn="l" rtl="0">
               <a:lnSpc>
                 <a:spcPct val="95000"/>
               </a:lnSpc>
@@ -12165,7 +13479,7 @@
               <a:t> </a:t>
             </a:r>
             <a:r>
-              <a:rPr b="1" lang="en-GB" sz="1000">
+              <a:rPr lang="en-GB" sz="1000" b="1">
                 <a:solidFill>
                   <a:srgbClr val="FF7474"/>
                 </a:solidFill>
@@ -12358,7 +13672,7 @@
             </a:endParaRPr>
           </a:p>
           <a:p>
-            <a:pPr indent="0" lvl="0" marL="0" rtl="0" algn="l">
+            <a:pPr marL="0" lvl="0" indent="0" algn="l" rtl="0">
               <a:lnSpc>
                 <a:spcPct val="95000"/>
               </a:lnSpc>
@@ -12406,7 +13720,7 @@
               <a:t> </a:t>
             </a:r>
             <a:r>
-              <a:rPr b="1" lang="en-GB" sz="1000">
+              <a:rPr lang="en-GB" sz="1000" b="1">
                 <a:solidFill>
                   <a:srgbClr val="FF7474"/>
                 </a:solidFill>
@@ -12479,7 +13793,7 @@
             </a:endParaRPr>
           </a:p>
           <a:p>
-            <a:pPr indent="0" lvl="0" marL="0" rtl="0" algn="l">
+            <a:pPr marL="0" lvl="0" indent="0" algn="l" rtl="0">
               <a:lnSpc>
                 <a:spcPct val="95000"/>
               </a:lnSpc>
@@ -12527,7 +13841,7 @@
               <a:t> </a:t>
             </a:r>
             <a:r>
-              <a:rPr b="1" lang="en-GB" sz="1000">
+              <a:rPr lang="en-GB" sz="1000" b="1">
                 <a:solidFill>
                   <a:srgbClr val="FF7474"/>
                 </a:solidFill>
@@ -12570,7 +13884,7 @@
             </a:endParaRPr>
           </a:p>
           <a:p>
-            <a:pPr indent="0" lvl="0" marL="0" rtl="0" algn="l">
+            <a:pPr marL="0" lvl="0" indent="0" algn="l" rtl="0">
               <a:lnSpc>
                 <a:spcPct val="95000"/>
               </a:lnSpc>
@@ -12618,7 +13932,7 @@
               <a:t> </a:t>
             </a:r>
             <a:r>
-              <a:rPr b="1" lang="en-GB" sz="1000">
+              <a:rPr lang="en-GB" sz="1000" b="1">
                 <a:solidFill>
                   <a:srgbClr val="FF7474"/>
                 </a:solidFill>
@@ -12661,7 +13975,7 @@
             </a:endParaRPr>
           </a:p>
           <a:p>
-            <a:pPr indent="0" lvl="0" marL="0" rtl="0" algn="l">
+            <a:pPr marL="0" lvl="0" indent="0" algn="l" rtl="0">
               <a:lnSpc>
                 <a:spcPct val="95000"/>
               </a:lnSpc>
@@ -12784,7 +14098,7 @@
               <a:t>(</a:t>
             </a:r>
             <a:r>
-              <a:rPr b="1" lang="en-GB" sz="1000">
+              <a:rPr lang="en-GB" sz="1000" b="1">
                 <a:solidFill>
                   <a:srgbClr val="97BCF3"/>
                 </a:solidFill>
@@ -12814,7 +14128,7 @@
               <a:t>,</a:t>
             </a:r>
             <a:r>
-              <a:rPr b="1" lang="en-GB" sz="1000">
+              <a:rPr lang="en-GB" sz="1000" b="1">
                 <a:solidFill>
                   <a:srgbClr val="97BCF3"/>
                 </a:solidFill>
@@ -12889,7 +14203,7 @@
               <a:t> </a:t>
             </a:r>
             <a:r>
-              <a:rPr b="1" i="1" lang="en-GB" sz="1000">
+              <a:rPr lang="en-GB" sz="1000" b="1" i="1">
                 <a:solidFill>
                   <a:srgbClr val="AAD1C3"/>
                 </a:solidFill>
@@ -12903,7 +14217,7 @@
               </a:rPr>
               <a:t>#SVGA : 800x600</a:t>
             </a:r>
-            <a:endParaRPr b="1" i="1" sz="1000">
+            <a:endParaRPr sz="1000" b="1" i="1">
               <a:solidFill>
                 <a:srgbClr val="AAD1C3"/>
               </a:solidFill>
@@ -12917,7 +14231,7 @@
             </a:endParaRPr>
           </a:p>
           <a:p>
-            <a:pPr indent="0" lvl="0" marL="0" rtl="0" algn="l">
+            <a:pPr marL="0" lvl="0" indent="0" algn="l" rtl="0">
               <a:lnSpc>
                 <a:spcPct val="95000"/>
               </a:lnSpc>
@@ -12980,7 +14294,7 @@
               <a:t>(</a:t>
             </a:r>
             <a:r>
-              <a:rPr b="1" lang="en-GB" sz="1000">
+              <a:rPr lang="en-GB" sz="1000" b="1">
                 <a:solidFill>
                   <a:srgbClr val="97BCF3"/>
                 </a:solidFill>
@@ -13023,7 +14337,7 @@
             </a:endParaRPr>
           </a:p>
           <a:p>
-            <a:pPr indent="0" lvl="0" marL="0" rtl="0" algn="l">
+            <a:pPr marL="0" lvl="0" indent="0" algn="l" rtl="0">
               <a:lnSpc>
                 <a:spcPct val="95000"/>
               </a:lnSpc>
@@ -13099,7 +14413,7 @@
             </a:endParaRPr>
           </a:p>
           <a:p>
-            <a:pPr indent="0" lvl="0" marL="0" rtl="0" algn="l">
+            <a:pPr marL="0" lvl="0" indent="0" algn="l" rtl="0">
               <a:lnSpc>
                 <a:spcPct val="95000"/>
               </a:lnSpc>
@@ -13250,7 +14564,7 @@
             </a:endParaRPr>
           </a:p>
           <a:p>
-            <a:pPr indent="0" lvl="0" marL="0" rtl="0" algn="l">
+            <a:pPr marL="0" lvl="0" indent="0" algn="l" rtl="0">
               <a:lnSpc>
                 <a:spcPct val="95000"/>
               </a:lnSpc>
@@ -13326,7 +14640,7 @@
             </a:endParaRPr>
           </a:p>
           <a:p>
-            <a:pPr indent="0" lvl="0" marL="0" rtl="0" algn="l">
+            <a:pPr marL="0" lvl="0" indent="0" algn="l" rtl="0">
               <a:lnSpc>
                 <a:spcPct val="95000"/>
               </a:lnSpc>
@@ -13339,9 +14653,6 @@
               <a:buSzPts val="275"/>
               <a:buNone/>
             </a:pPr>
-            <a:r>
-              <a:t/>
-            </a:r>
             <a:endParaRPr sz="1150">
               <a:solidFill>
                 <a:srgbClr val="67DF87"/>
@@ -13366,11 +14677,11 @@
 </file>
 
 <file path=ppt/slides/slide4.xml><?xml version="1.0" encoding="utf-8"?>
-<p:sld xmlns:a="http://schemas.openxmlformats.org/drawingml/2006/main" xmlns:r="http://schemas.openxmlformats.org/officeDocument/2006/relationships" xmlns:mc="http://schemas.openxmlformats.org/markup-compatibility/2006" xmlns:mv="urn:schemas-microsoft-com:mac:vml" xmlns:p="http://schemas.openxmlformats.org/presentationml/2006/main" xmlns:c="http://schemas.openxmlformats.org/drawingml/2006/chart" xmlns:dgm="http://schemas.openxmlformats.org/drawingml/2006/diagram" xmlns:o="urn:schemas-microsoft-com:office:office" xmlns:v="urn:schemas-microsoft-com:vml" xmlns:pvml="urn:schemas-microsoft-com:office:powerpoint" xmlns:com="http://schemas.openxmlformats.org/drawingml/2006/compatibility" xmlns:p14="http://schemas.microsoft.com/office/powerpoint/2010/main" xmlns:p15="http://schemas.microsoft.com/office/powerpoint/2012/main" xmlns:ahyp="http://schemas.microsoft.com/office/drawing/2018/hyperlinkcolor">
+<p:sld xmlns:a="http://schemas.openxmlformats.org/drawingml/2006/main" xmlns:r="http://schemas.openxmlformats.org/officeDocument/2006/relationships" xmlns:p="http://schemas.openxmlformats.org/presentationml/2006/main">
   <p:cSld>
     <p:spTree>
       <p:nvGrpSpPr>
-        <p:cNvPr id="72" name="Shape 72"/>
+        <p:cNvPr id="1" name="Shape 72"/>
         <p:cNvGrpSpPr/>
         <p:nvPr/>
       </p:nvGrpSpPr>
@@ -13385,7 +14696,9 @@
       <p:sp>
         <p:nvSpPr>
           <p:cNvPr id="73" name="Google Shape;73;p16"/>
-          <p:cNvSpPr txBox="1"/>
+          <p:cNvSpPr txBox="1">
+            <a:spLocks noGrp="1"/>
+          </p:cNvSpPr>
           <p:nvPr>
             <p:ph type="title"/>
           </p:nvPr>
@@ -13400,12 +14713,12 @@
           </a:prstGeom>
         </p:spPr>
         <p:txBody>
-          <a:bodyPr anchorCtr="0" anchor="t" bIns="91425" lIns="91425" spcFirstLastPara="1" rIns="91425" wrap="square" tIns="91425">
+          <a:bodyPr spcFirstLastPara="1" wrap="square" lIns="91425" tIns="91425" rIns="91425" bIns="91425" anchor="t" anchorCtr="0">
             <a:normAutofit fontScale="90000"/>
           </a:bodyPr>
           <a:lstStyle/>
           <a:p>
-            <a:pPr indent="0" lvl="0" marL="0" rtl="0" algn="l">
+            <a:pPr marL="0" lvl="0" indent="0" algn="l" rtl="0">
               <a:spcBef>
                 <a:spcPts val="0"/>
               </a:spcBef>
@@ -13425,9 +14738,11 @@
       <p:sp>
         <p:nvSpPr>
           <p:cNvPr id="74" name="Google Shape;74;p16"/>
-          <p:cNvSpPr txBox="1"/>
+          <p:cNvSpPr txBox="1">
+            <a:spLocks noGrp="1"/>
+          </p:cNvSpPr>
           <p:nvPr>
-            <p:ph idx="1" type="body"/>
+            <p:ph type="body" idx="1"/>
           </p:nvPr>
         </p:nvSpPr>
         <p:spPr>
@@ -13443,12 +14758,12 @@
           </a:solidFill>
         </p:spPr>
         <p:txBody>
-          <a:bodyPr anchorCtr="0" anchor="t" bIns="91425" lIns="91425" spcFirstLastPara="1" rIns="91425" wrap="square" tIns="91425">
+          <a:bodyPr spcFirstLastPara="1" wrap="square" lIns="91425" tIns="91425" rIns="91425" bIns="91425" anchor="t" anchorCtr="0">
             <a:noAutofit/>
           </a:bodyPr>
           <a:lstStyle/>
           <a:p>
-            <a:pPr indent="0" lvl="0" marL="0" rtl="0" algn="l">
+            <a:pPr marL="0" lvl="0" indent="0" algn="l" rtl="0">
               <a:lnSpc>
                 <a:spcPct val="95000"/>
               </a:lnSpc>
@@ -13492,7 +14807,7 @@
               <a:t> </a:t>
             </a:r>
             <a:r>
-              <a:rPr b="1" lang="en-GB" sz="1000">
+              <a:rPr lang="en-GB" sz="1000" b="1">
                 <a:solidFill>
                   <a:srgbClr val="FF7474"/>
                 </a:solidFill>
@@ -13685,7 +15000,7 @@
             </a:endParaRPr>
           </a:p>
           <a:p>
-            <a:pPr indent="0" lvl="0" marL="0" rtl="0" algn="l">
+            <a:pPr marL="0" lvl="0" indent="0" algn="l" rtl="0">
               <a:lnSpc>
                 <a:spcPct val="95000"/>
               </a:lnSpc>
@@ -13714,7 +15029,7 @@
               <a:t>    </a:t>
             </a:r>
             <a:r>
-              <a:rPr b="1" i="1" lang="en-GB" sz="1000">
+              <a:rPr lang="en-GB" sz="1000" b="1" i="1">
                 <a:solidFill>
                   <a:srgbClr val="AAD1C3"/>
                 </a:solidFill>
@@ -13728,7 +15043,7 @@
               </a:rPr>
               <a:t>#initi pygame</a:t>
             </a:r>
-            <a:endParaRPr b="1" i="1" sz="1000">
+            <a:endParaRPr sz="1000" b="1" i="1">
               <a:solidFill>
                 <a:srgbClr val="AAD1C3"/>
               </a:solidFill>
@@ -13742,7 +15057,7 @@
             </a:endParaRPr>
           </a:p>
           <a:p>
-            <a:pPr indent="0" lvl="0" marL="0" rtl="0" algn="l">
+            <a:pPr marL="0" lvl="0" indent="0" algn="l" rtl="0">
               <a:lnSpc>
                 <a:spcPct val="95000"/>
               </a:lnSpc>
@@ -13844,7 +15159,7 @@
             </a:endParaRPr>
           </a:p>
           <a:p>
-            <a:pPr indent="0" lvl="0" marL="0" rtl="0" algn="l">
+            <a:pPr marL="0" lvl="0" indent="0" algn="l" rtl="0">
               <a:lnSpc>
                 <a:spcPct val="95000"/>
               </a:lnSpc>
@@ -14021,7 +15336,7 @@
             </a:endParaRPr>
           </a:p>
           <a:p>
-            <a:pPr indent="0" lvl="0" marL="0" rtl="0" algn="l">
+            <a:pPr marL="0" lvl="0" indent="0" algn="l" rtl="0">
               <a:lnSpc>
                 <a:spcPct val="95000"/>
               </a:lnSpc>
@@ -14243,7 +15558,7 @@
             </a:endParaRPr>
           </a:p>
           <a:p>
-            <a:pPr indent="0" lvl="0" marL="0" rtl="0" algn="l">
+            <a:pPr marL="0" lvl="0" indent="0" algn="l" rtl="0">
               <a:lnSpc>
                 <a:spcPct val="95000"/>
               </a:lnSpc>
@@ -14405,7 +15720,7 @@
             </a:endParaRPr>
           </a:p>
           <a:p>
-            <a:pPr indent="0" lvl="0" marL="0" rtl="0" algn="l">
+            <a:pPr marL="0" lvl="0" indent="0" algn="l" rtl="0">
               <a:lnSpc>
                 <a:spcPct val="95000"/>
               </a:lnSpc>
@@ -14492,7 +15807,7 @@
             </a:endParaRPr>
           </a:p>
           <a:p>
-            <a:pPr indent="0" lvl="0" marL="0" rtl="0" algn="l">
+            <a:pPr marL="0" lvl="0" indent="0" algn="l" rtl="0">
               <a:lnSpc>
                 <a:spcPct val="95000"/>
               </a:lnSpc>
@@ -14505,9 +15820,6 @@
               <a:buSzPts val="1100"/>
               <a:buNone/>
             </a:pPr>
-            <a:r>
-              <a:t/>
-            </a:r>
             <a:endParaRPr sz="1000">
               <a:solidFill>
                 <a:srgbClr val="C2E890"/>
@@ -14522,7 +15834,7 @@
             </a:endParaRPr>
           </a:p>
           <a:p>
-            <a:pPr indent="0" lvl="0" marL="0" rtl="0" algn="l">
+            <a:pPr marL="0" lvl="0" indent="0" algn="l" rtl="0">
               <a:lnSpc>
                 <a:spcPct val="95000"/>
               </a:lnSpc>
@@ -14566,7 +15878,7 @@
               <a:t> </a:t>
             </a:r>
             <a:r>
-              <a:rPr b="1" lang="en-GB" sz="1000">
+              <a:rPr lang="en-GB" sz="1000" b="1">
                 <a:solidFill>
                   <a:srgbClr val="FF7474"/>
                 </a:solidFill>
@@ -14609,7 +15921,7 @@
             </a:endParaRPr>
           </a:p>
           <a:p>
-            <a:pPr indent="0" lvl="0" marL="0" rtl="0" algn="l">
+            <a:pPr marL="0" lvl="0" indent="0" algn="l" rtl="0">
               <a:lnSpc>
                 <a:spcPct val="95000"/>
               </a:lnSpc>
@@ -14721,11 +16033,11 @@
 </file>
 
 <file path=ppt/slides/slide5.xml><?xml version="1.0" encoding="utf-8"?>
-<p:sld xmlns:a="http://schemas.openxmlformats.org/drawingml/2006/main" xmlns:r="http://schemas.openxmlformats.org/officeDocument/2006/relationships" xmlns:mc="http://schemas.openxmlformats.org/markup-compatibility/2006" xmlns:mv="urn:schemas-microsoft-com:mac:vml" xmlns:p="http://schemas.openxmlformats.org/presentationml/2006/main" xmlns:c="http://schemas.openxmlformats.org/drawingml/2006/chart" xmlns:dgm="http://schemas.openxmlformats.org/drawingml/2006/diagram" xmlns:o="urn:schemas-microsoft-com:office:office" xmlns:v="urn:schemas-microsoft-com:vml" xmlns:pvml="urn:schemas-microsoft-com:office:powerpoint" xmlns:com="http://schemas.openxmlformats.org/drawingml/2006/compatibility" xmlns:p14="http://schemas.microsoft.com/office/powerpoint/2010/main" xmlns:p15="http://schemas.microsoft.com/office/powerpoint/2012/main" xmlns:ahyp="http://schemas.microsoft.com/office/drawing/2018/hyperlinkcolor">
+<p:sld xmlns:a="http://schemas.openxmlformats.org/drawingml/2006/main" xmlns:r="http://schemas.openxmlformats.org/officeDocument/2006/relationships" xmlns:p="http://schemas.openxmlformats.org/presentationml/2006/main">
   <p:cSld>
     <p:spTree>
       <p:nvGrpSpPr>
-        <p:cNvPr id="78" name="Shape 78"/>
+        <p:cNvPr id="1" name="Shape 78"/>
         <p:cNvGrpSpPr/>
         <p:nvPr/>
       </p:nvGrpSpPr>
@@ -14740,7 +16052,9 @@
       <p:sp>
         <p:nvSpPr>
           <p:cNvPr id="79" name="Google Shape;79;p17"/>
-          <p:cNvSpPr txBox="1"/>
+          <p:cNvSpPr txBox="1">
+            <a:spLocks noGrp="1"/>
+          </p:cNvSpPr>
           <p:nvPr>
             <p:ph type="title"/>
           </p:nvPr>
@@ -14755,12 +16069,12 @@
           </a:prstGeom>
         </p:spPr>
         <p:txBody>
-          <a:bodyPr anchorCtr="0" anchor="t" bIns="91425" lIns="91425" spcFirstLastPara="1" rIns="91425" wrap="square" tIns="91425">
+          <a:bodyPr spcFirstLastPara="1" wrap="square" lIns="91425" tIns="91425" rIns="91425" bIns="91425" anchor="t" anchorCtr="0">
             <a:normAutofit fontScale="90000"/>
           </a:bodyPr>
           <a:lstStyle/>
           <a:p>
-            <a:pPr indent="0" lvl="0" marL="0" rtl="0" algn="l">
+            <a:pPr marL="0" lvl="0" indent="0" algn="l" rtl="0">
               <a:spcBef>
                 <a:spcPts val="0"/>
               </a:spcBef>
@@ -14780,9 +16094,11 @@
       <p:sp>
         <p:nvSpPr>
           <p:cNvPr id="80" name="Google Shape;80;p17"/>
-          <p:cNvSpPr txBox="1"/>
+          <p:cNvSpPr txBox="1">
+            <a:spLocks noGrp="1"/>
+          </p:cNvSpPr>
           <p:nvPr>
-            <p:ph idx="1" type="body"/>
+            <p:ph type="body" idx="1"/>
           </p:nvPr>
         </p:nvSpPr>
         <p:spPr>
@@ -14798,12 +16114,12 @@
           </a:solidFill>
         </p:spPr>
         <p:txBody>
-          <a:bodyPr anchorCtr="0" anchor="t" bIns="91425" lIns="91425" spcFirstLastPara="1" rIns="91425" wrap="square" tIns="91425">
+          <a:bodyPr spcFirstLastPara="1" wrap="square" lIns="91425" tIns="91425" rIns="91425" bIns="91425" anchor="t" anchorCtr="0">
             <a:noAutofit/>
           </a:bodyPr>
           <a:lstStyle/>
           <a:p>
-            <a:pPr indent="0" lvl="0" marL="0" rtl="0" algn="l">
+            <a:pPr marL="0" lvl="0" indent="0" algn="l" rtl="0">
               <a:lnSpc>
                 <a:spcPct val="95000"/>
               </a:lnSpc>
@@ -14847,7 +16163,7 @@
               <a:t> </a:t>
             </a:r>
             <a:r>
-              <a:rPr b="1" lang="en-GB" sz="1000">
+              <a:rPr lang="en-GB" sz="1000" b="1">
                 <a:solidFill>
                   <a:srgbClr val="FF7474"/>
                 </a:solidFill>
@@ -14920,7 +16236,7 @@
             </a:endParaRPr>
           </a:p>
           <a:p>
-            <a:pPr indent="0" lvl="0" marL="0" rtl="0" algn="l">
+            <a:pPr marL="0" lvl="0" indent="0" algn="l" rtl="0">
               <a:lnSpc>
                 <a:spcPct val="95000"/>
               </a:lnSpc>
@@ -15037,7 +16353,7 @@
             </a:endParaRPr>
           </a:p>
           <a:p>
-            <a:pPr indent="0" lvl="0" marL="0" rtl="0" algn="l">
+            <a:pPr marL="0" lvl="0" indent="0" algn="l" rtl="0">
               <a:lnSpc>
                 <a:spcPct val="95000"/>
               </a:lnSpc>
@@ -15050,9 +16366,6 @@
               <a:buSzPts val="1100"/>
               <a:buNone/>
             </a:pPr>
-            <a:r>
-              <a:t/>
-            </a:r>
             <a:endParaRPr sz="1000">
               <a:solidFill>
                 <a:schemeClr val="dk1"/>
@@ -15067,7 +16380,7 @@
             </a:endParaRPr>
           </a:p>
           <a:p>
-            <a:pPr indent="0" lvl="0" marL="0" rtl="0" algn="l">
+            <a:pPr marL="0" lvl="0" indent="0" algn="l" rtl="0">
               <a:lnSpc>
                 <a:spcPct val="95000"/>
               </a:lnSpc>
@@ -15169,7 +16482,7 @@
             </a:endParaRPr>
           </a:p>
           <a:p>
-            <a:pPr indent="0" lvl="0" marL="0" rtl="0" algn="l">
+            <a:pPr marL="0" lvl="0" indent="0" algn="l" rtl="0">
               <a:lnSpc>
                 <a:spcPct val="95000"/>
               </a:lnSpc>
@@ -15331,7 +16644,7 @@
             </a:endParaRPr>
           </a:p>
           <a:p>
-            <a:pPr indent="0" lvl="0" marL="0" rtl="0" algn="l">
+            <a:pPr marL="0" lvl="0" indent="0" algn="l" rtl="0">
               <a:lnSpc>
                 <a:spcPct val="95000"/>
               </a:lnSpc>
@@ -15344,9 +16657,6 @@
               <a:buSzPts val="1100"/>
               <a:buNone/>
             </a:pPr>
-            <a:r>
-              <a:t/>
-            </a:r>
             <a:endParaRPr sz="1000">
               <a:solidFill>
                 <a:schemeClr val="dk1"/>
@@ -15361,7 +16671,7 @@
             </a:endParaRPr>
           </a:p>
           <a:p>
-            <a:pPr indent="0" lvl="0" marL="0" rtl="0" algn="l">
+            <a:pPr marL="0" lvl="0" indent="0" algn="l" rtl="0">
               <a:lnSpc>
                 <a:spcPct val="95000"/>
               </a:lnSpc>
@@ -15390,7 +16700,7 @@
               <a:t>        </a:t>
             </a:r>
             <a:r>
-              <a:rPr b="1" i="1" lang="en-GB" sz="1000">
+              <a:rPr lang="en-GB" sz="1000" b="1" i="1">
                 <a:solidFill>
                   <a:srgbClr val="AAD1C3"/>
                 </a:solidFill>
@@ -15404,7 +16714,7 @@
               </a:rPr>
               <a:t>#event handler loop here</a:t>
             </a:r>
-            <a:endParaRPr b="1" i="1" sz="1000">
+            <a:endParaRPr sz="1000" b="1" i="1">
               <a:solidFill>
                 <a:srgbClr val="AAD1C3"/>
               </a:solidFill>
@@ -15418,7 +16728,7 @@
             </a:endParaRPr>
           </a:p>
           <a:p>
-            <a:pPr indent="0" lvl="0" marL="0" rtl="0" algn="l">
+            <a:pPr marL="0" lvl="0" indent="0" algn="l" rtl="0">
               <a:lnSpc>
                 <a:spcPct val="95000"/>
               </a:lnSpc>
@@ -15640,7 +16950,7 @@
             </a:endParaRPr>
           </a:p>
           <a:p>
-            <a:pPr indent="0" lvl="0" marL="0" rtl="0" algn="l">
+            <a:pPr marL="0" lvl="0" indent="0" algn="l" rtl="0">
               <a:lnSpc>
                 <a:spcPct val="95000"/>
               </a:lnSpc>
@@ -15862,7 +17172,7 @@
             </a:endParaRPr>
           </a:p>
           <a:p>
-            <a:pPr indent="0" lvl="0" marL="0" rtl="0" algn="l">
+            <a:pPr marL="0" lvl="0" indent="0" algn="l" rtl="0">
               <a:lnSpc>
                 <a:spcPct val="95000"/>
               </a:lnSpc>
@@ -15979,7 +17289,7 @@
             </a:endParaRPr>
           </a:p>
           <a:p>
-            <a:pPr indent="0" lvl="0" marL="0" rtl="0" algn="l">
+            <a:pPr marL="0" lvl="0" indent="0" algn="l" rtl="0">
               <a:lnSpc>
                 <a:spcPct val="95000"/>
               </a:lnSpc>
@@ -15992,9 +17302,6 @@
               <a:buSzPts val="1100"/>
               <a:buNone/>
             </a:pPr>
-            <a:r>
-              <a:t/>
-            </a:r>
             <a:endParaRPr sz="1000">
               <a:solidFill>
                 <a:srgbClr val="67DF87"/>
@@ -16019,11 +17326,11 @@
 </file>
 
 <file path=ppt/slides/slide6.xml><?xml version="1.0" encoding="utf-8"?>
-<p:sld xmlns:a="http://schemas.openxmlformats.org/drawingml/2006/main" xmlns:r="http://schemas.openxmlformats.org/officeDocument/2006/relationships" xmlns:mc="http://schemas.openxmlformats.org/markup-compatibility/2006" xmlns:mv="urn:schemas-microsoft-com:mac:vml" xmlns:p="http://schemas.openxmlformats.org/presentationml/2006/main" xmlns:c="http://schemas.openxmlformats.org/drawingml/2006/chart" xmlns:dgm="http://schemas.openxmlformats.org/drawingml/2006/diagram" xmlns:o="urn:schemas-microsoft-com:office:office" xmlns:v="urn:schemas-microsoft-com:vml" xmlns:pvml="urn:schemas-microsoft-com:office:powerpoint" xmlns:com="http://schemas.openxmlformats.org/drawingml/2006/compatibility" xmlns:p14="http://schemas.microsoft.com/office/powerpoint/2010/main" xmlns:p15="http://schemas.microsoft.com/office/powerpoint/2012/main" xmlns:ahyp="http://schemas.microsoft.com/office/drawing/2018/hyperlinkcolor">
+<p:sld xmlns:a="http://schemas.openxmlformats.org/drawingml/2006/main" xmlns:r="http://schemas.openxmlformats.org/officeDocument/2006/relationships" xmlns:p="http://schemas.openxmlformats.org/presentationml/2006/main">
   <p:cSld>
     <p:spTree>
       <p:nvGrpSpPr>
-        <p:cNvPr id="84" name="Shape 84"/>
+        <p:cNvPr id="1" name="Shape 84"/>
         <p:cNvGrpSpPr/>
         <p:nvPr/>
       </p:nvGrpSpPr>
@@ -16038,7 +17345,9 @@
       <p:sp>
         <p:nvSpPr>
           <p:cNvPr id="85" name="Google Shape;85;p18"/>
-          <p:cNvSpPr txBox="1"/>
+          <p:cNvSpPr txBox="1">
+            <a:spLocks noGrp="1"/>
+          </p:cNvSpPr>
           <p:nvPr>
             <p:ph type="title"/>
           </p:nvPr>
@@ -16053,12 +17362,12 @@
           </a:prstGeom>
         </p:spPr>
         <p:txBody>
-          <a:bodyPr anchorCtr="0" anchor="t" bIns="91425" lIns="91425" spcFirstLastPara="1" rIns="91425" wrap="square" tIns="91425">
+          <a:bodyPr spcFirstLastPara="1" wrap="square" lIns="91425" tIns="91425" rIns="91425" bIns="91425" anchor="t" anchorCtr="0">
             <a:normAutofit fontScale="90000"/>
           </a:bodyPr>
           <a:lstStyle/>
           <a:p>
-            <a:pPr indent="0" lvl="0" marL="0" rtl="0" algn="l">
+            <a:pPr marL="0" lvl="0" indent="0" algn="l" rtl="0">
               <a:spcBef>
                 <a:spcPts val="0"/>
               </a:spcBef>
@@ -16078,9 +17387,11 @@
       <p:sp>
         <p:nvSpPr>
           <p:cNvPr id="86" name="Google Shape;86;p18"/>
-          <p:cNvSpPr txBox="1"/>
+          <p:cNvSpPr txBox="1">
+            <a:spLocks noGrp="1"/>
+          </p:cNvSpPr>
           <p:nvPr>
-            <p:ph idx="1" type="body"/>
+            <p:ph type="body" idx="1"/>
           </p:nvPr>
         </p:nvSpPr>
         <p:spPr>
@@ -16093,12 +17404,12 @@
           </a:prstGeom>
         </p:spPr>
         <p:txBody>
-          <a:bodyPr anchorCtr="0" anchor="t" bIns="91425" lIns="91425" spcFirstLastPara="1" rIns="91425" wrap="square" tIns="91425">
-            <a:normAutofit lnSpcReduction="10000"/>
+          <a:bodyPr spcFirstLastPara="1" wrap="square" lIns="91425" tIns="91425" rIns="91425" bIns="91425" anchor="t" anchorCtr="0">
+            <a:normAutofit/>
           </a:bodyPr>
           <a:lstStyle/>
           <a:p>
-            <a:pPr indent="0" lvl="0" marL="0" rtl="0" algn="l">
+            <a:pPr marL="0" lvl="0" indent="0" algn="l" rtl="0">
               <a:spcBef>
                 <a:spcPts val="0"/>
               </a:spcBef>
@@ -16114,7 +17425,7 @@
             <a:endParaRPr/>
           </a:p>
           <a:p>
-            <a:pPr indent="0" lvl="0" marL="0" rtl="0" algn="l">
+            <a:pPr marL="0" lvl="0" indent="0" algn="l" rtl="0">
               <a:spcBef>
                 <a:spcPts val="1200"/>
               </a:spcBef>
@@ -16130,7 +17441,7 @@
             <a:endParaRPr/>
           </a:p>
           <a:p>
-            <a:pPr indent="0" lvl="0" marL="0" rtl="0" algn="l">
+            <a:pPr marL="0" lvl="0" indent="0" algn="l" rtl="0">
               <a:spcBef>
                 <a:spcPts val="1200"/>
               </a:spcBef>
@@ -16146,7 +17457,7 @@
             <a:endParaRPr/>
           </a:p>
           <a:p>
-            <a:pPr indent="0" lvl="0" marL="0" rtl="0" algn="l">
+            <a:pPr marL="0" lvl="0" indent="0" algn="l" rtl="0">
               <a:spcBef>
                 <a:spcPts val="1200"/>
               </a:spcBef>
@@ -16162,7 +17473,7 @@
             <a:endParaRPr/>
           </a:p>
           <a:p>
-            <a:pPr indent="0" lvl="0" marL="0" rtl="0" algn="l">
+            <a:pPr marL="0" lvl="0" indent="0" algn="l" rtl="0">
               <a:spcBef>
                 <a:spcPts val="1200"/>
               </a:spcBef>
@@ -16171,13 +17482,10 @@
               </a:spcAft>
               <a:buNone/>
             </a:pPr>
-            <a:r>
-              <a:t/>
-            </a:r>
             <a:endParaRPr/>
           </a:p>
           <a:p>
-            <a:pPr indent="0" lvl="0" marL="0" rtl="0" algn="l">
+            <a:pPr marL="0" lvl="0" indent="0" algn="l" rtl="0">
               <a:spcBef>
                 <a:spcPts val="1200"/>
               </a:spcBef>
@@ -16188,20 +17496,12 @@
             </a:pPr>
             <a:r>
               <a:rPr lang="en-GB"/>
-              <a:t>While the final oop version is a lot more code it is far more </a:t>
-            </a:r>
-            <a:r>
-              <a:rPr lang="en-GB"/>
-              <a:t>reusable</a:t>
-            </a:r>
-            <a:r>
-              <a:rPr lang="en-GB"/>
-              <a:t> and dynamic!</a:t>
+              <a:t>While the final oop version is a lot more code it is far more reusable and dynamic!</a:t>
             </a:r>
             <a:endParaRPr/>
           </a:p>
           <a:p>
-            <a:pPr indent="0" lvl="0" marL="0" rtl="0" algn="l">
+            <a:pPr marL="0" lvl="0" indent="0" algn="l" rtl="0">
               <a:spcBef>
                 <a:spcPts val="1200"/>
               </a:spcBef>
@@ -16210,9 +17510,6 @@
               </a:spcAft>
               <a:buNone/>
             </a:pPr>
-            <a:r>
-              <a:t/>
-            </a:r>
             <a:endParaRPr/>
           </a:p>
         </p:txBody>
@@ -16226,11 +17523,11 @@
 </file>
 
 <file path=ppt/slides/slide7.xml><?xml version="1.0" encoding="utf-8"?>
-<p:sld xmlns:a="http://schemas.openxmlformats.org/drawingml/2006/main" xmlns:r="http://schemas.openxmlformats.org/officeDocument/2006/relationships" xmlns:mc="http://schemas.openxmlformats.org/markup-compatibility/2006" xmlns:mv="urn:schemas-microsoft-com:mac:vml" xmlns:p="http://schemas.openxmlformats.org/presentationml/2006/main" xmlns:c="http://schemas.openxmlformats.org/drawingml/2006/chart" xmlns:dgm="http://schemas.openxmlformats.org/drawingml/2006/diagram" xmlns:o="urn:schemas-microsoft-com:office:office" xmlns:v="urn:schemas-microsoft-com:vml" xmlns:pvml="urn:schemas-microsoft-com:office:powerpoint" xmlns:com="http://schemas.openxmlformats.org/drawingml/2006/compatibility" xmlns:p14="http://schemas.microsoft.com/office/powerpoint/2010/main" xmlns:p15="http://schemas.microsoft.com/office/powerpoint/2012/main" xmlns:ahyp="http://schemas.microsoft.com/office/drawing/2018/hyperlinkcolor">
+<p:sld xmlns:a="http://schemas.openxmlformats.org/drawingml/2006/main" xmlns:r="http://schemas.openxmlformats.org/officeDocument/2006/relationships" xmlns:p="http://schemas.openxmlformats.org/presentationml/2006/main">
   <p:cSld>
     <p:spTree>
       <p:nvGrpSpPr>
-        <p:cNvPr id="90" name="Shape 90"/>
+        <p:cNvPr id="1" name="Shape 90"/>
         <p:cNvGrpSpPr/>
         <p:nvPr/>
       </p:nvGrpSpPr>
@@ -16245,7 +17542,9 @@
       <p:sp>
         <p:nvSpPr>
           <p:cNvPr id="91" name="Google Shape;91;p19"/>
-          <p:cNvSpPr txBox="1"/>
+          <p:cNvSpPr txBox="1">
+            <a:spLocks noGrp="1"/>
+          </p:cNvSpPr>
           <p:nvPr>
             <p:ph type="title"/>
           </p:nvPr>
@@ -16260,12 +17559,12 @@
           </a:prstGeom>
         </p:spPr>
         <p:txBody>
-          <a:bodyPr anchorCtr="0" anchor="t" bIns="91425" lIns="91425" spcFirstLastPara="1" rIns="91425" wrap="square" tIns="91425">
+          <a:bodyPr spcFirstLastPara="1" wrap="square" lIns="91425" tIns="91425" rIns="91425" bIns="91425" anchor="t" anchorCtr="0">
             <a:normAutofit fontScale="90000"/>
           </a:bodyPr>
           <a:lstStyle/>
           <a:p>
-            <a:pPr indent="0" lvl="0" marL="0" rtl="0" algn="l">
+            <a:pPr marL="0" lvl="0" indent="0" algn="l" rtl="0">
               <a:spcBef>
                 <a:spcPts val="0"/>
               </a:spcBef>
@@ -16351,29 +17650,29 @@
           </a:xfrm>
           <a:prstGeom prst="foldedCorner">
             <a:avLst>
-              <a:gd fmla="val 16667" name="adj"/>
+              <a:gd name="adj" fmla="val 16667"/>
             </a:avLst>
           </a:prstGeom>
           <a:solidFill>
             <a:schemeClr val="lt2"/>
           </a:solidFill>
-          <a:ln cap="flat" cmpd="sng" w="9525">
+          <a:ln w="9525" cap="flat" cmpd="sng">
             <a:solidFill>
               <a:schemeClr val="dk2"/>
             </a:solidFill>
             <a:prstDash val="solid"/>
             <a:round/>
-            <a:headEnd len="sm" w="sm" type="none"/>
-            <a:tailEnd len="sm" w="sm" type="none"/>
+            <a:headEnd type="none" w="sm" len="sm"/>
+            <a:tailEnd type="none" w="sm" len="sm"/>
           </a:ln>
         </p:spPr>
         <p:txBody>
-          <a:bodyPr anchorCtr="0" anchor="t" bIns="91425" lIns="91425" spcFirstLastPara="1" rIns="91425" wrap="square" tIns="91425">
+          <a:bodyPr spcFirstLastPara="1" wrap="square" lIns="91425" tIns="91425" rIns="91425" bIns="91425" anchor="t" anchorCtr="0">
             <a:noAutofit/>
           </a:bodyPr>
           <a:lstStyle/>
           <a:p>
-            <a:pPr indent="0" lvl="0" marL="0" rtl="0" algn="l">
+            <a:pPr marL="0" lvl="0" indent="0" algn="l" rtl="0">
               <a:spcBef>
                 <a:spcPts val="0"/>
               </a:spcBef>
@@ -16384,11 +17683,7 @@
             </a:pPr>
             <a:r>
               <a:rPr lang="en-GB" sz="1200"/>
-              <a:t>Instantiate </a:t>
-            </a:r>
-            <a:r>
-              <a:rPr lang="en-GB" sz="1200"/>
-              <a:t>the world as “w”</a:t>
+              <a:t>Instantiate the world as “w”</a:t>
             </a:r>
             <a:endParaRPr sz="1200"/>
           </a:p>
@@ -16403,11 +17698,11 @@
 </file>
 
 <file path=ppt/slides/slide8.xml><?xml version="1.0" encoding="utf-8"?>
-<p:sld xmlns:a="http://schemas.openxmlformats.org/drawingml/2006/main" xmlns:r="http://schemas.openxmlformats.org/officeDocument/2006/relationships" xmlns:mc="http://schemas.openxmlformats.org/markup-compatibility/2006" xmlns:mv="urn:schemas-microsoft-com:mac:vml" xmlns:p="http://schemas.openxmlformats.org/presentationml/2006/main" xmlns:c="http://schemas.openxmlformats.org/drawingml/2006/chart" xmlns:dgm="http://schemas.openxmlformats.org/drawingml/2006/diagram" xmlns:o="urn:schemas-microsoft-com:office:office" xmlns:v="urn:schemas-microsoft-com:vml" xmlns:pvml="urn:schemas-microsoft-com:office:powerpoint" xmlns:com="http://schemas.openxmlformats.org/drawingml/2006/compatibility" xmlns:p14="http://schemas.microsoft.com/office/powerpoint/2010/main" xmlns:p15="http://schemas.microsoft.com/office/powerpoint/2012/main" xmlns:ahyp="http://schemas.microsoft.com/office/drawing/2018/hyperlinkcolor">
+<p:sld xmlns:a="http://schemas.openxmlformats.org/drawingml/2006/main" xmlns:r="http://schemas.openxmlformats.org/officeDocument/2006/relationships" xmlns:p="http://schemas.openxmlformats.org/presentationml/2006/main">
   <p:cSld>
     <p:spTree>
       <p:nvGrpSpPr>
-        <p:cNvPr id="98" name="Shape 98"/>
+        <p:cNvPr id="1" name="Shape 98"/>
         <p:cNvGrpSpPr/>
         <p:nvPr/>
       </p:nvGrpSpPr>
@@ -16422,7 +17717,9 @@
       <p:sp>
         <p:nvSpPr>
           <p:cNvPr id="99" name="Google Shape;99;p20"/>
-          <p:cNvSpPr txBox="1"/>
+          <p:cNvSpPr txBox="1">
+            <a:spLocks noGrp="1"/>
+          </p:cNvSpPr>
           <p:nvPr>
             <p:ph type="title"/>
           </p:nvPr>
@@ -16437,12 +17734,12 @@
           </a:prstGeom>
         </p:spPr>
         <p:txBody>
-          <a:bodyPr anchorCtr="0" anchor="t" bIns="91425" lIns="91425" spcFirstLastPara="1" rIns="91425" wrap="square" tIns="91425">
+          <a:bodyPr spcFirstLastPara="1" wrap="square" lIns="91425" tIns="91425" rIns="91425" bIns="91425" anchor="t" anchorCtr="0">
             <a:normAutofit fontScale="90000"/>
           </a:bodyPr>
           <a:lstStyle/>
           <a:p>
-            <a:pPr indent="0" lvl="0" marL="0" rtl="0" algn="l">
+            <a:pPr marL="0" lvl="0" indent="0" algn="l" rtl="0">
               <a:spcBef>
                 <a:spcPts val="0"/>
               </a:spcBef>
@@ -16524,11 +17821,11 @@
 </file>
 
 <file path=ppt/slides/slide9.xml><?xml version="1.0" encoding="utf-8"?>
-<p:sld xmlns:a="http://schemas.openxmlformats.org/drawingml/2006/main" xmlns:r="http://schemas.openxmlformats.org/officeDocument/2006/relationships" xmlns:mc="http://schemas.openxmlformats.org/markup-compatibility/2006" xmlns:mv="urn:schemas-microsoft-com:mac:vml" xmlns:p="http://schemas.openxmlformats.org/presentationml/2006/main" xmlns:c="http://schemas.openxmlformats.org/drawingml/2006/chart" xmlns:dgm="http://schemas.openxmlformats.org/drawingml/2006/diagram" xmlns:o="urn:schemas-microsoft-com:office:office" xmlns:v="urn:schemas-microsoft-com:vml" xmlns:pvml="urn:schemas-microsoft-com:office:powerpoint" xmlns:com="http://schemas.openxmlformats.org/drawingml/2006/compatibility" xmlns:p14="http://schemas.microsoft.com/office/powerpoint/2010/main" xmlns:p15="http://schemas.microsoft.com/office/powerpoint/2012/main" xmlns:ahyp="http://schemas.microsoft.com/office/drawing/2018/hyperlinkcolor">
+<p:sld xmlns:a="http://schemas.openxmlformats.org/drawingml/2006/main" xmlns:r="http://schemas.openxmlformats.org/officeDocument/2006/relationships" xmlns:p="http://schemas.openxmlformats.org/presentationml/2006/main">
   <p:cSld>
     <p:spTree>
       <p:nvGrpSpPr>
-        <p:cNvPr id="105" name="Shape 105"/>
+        <p:cNvPr id="1" name="Shape 105"/>
         <p:cNvGrpSpPr/>
         <p:nvPr/>
       </p:nvGrpSpPr>
@@ -16543,7 +17840,9 @@
       <p:sp>
         <p:nvSpPr>
           <p:cNvPr id="106" name="Google Shape;106;p21"/>
-          <p:cNvSpPr txBox="1"/>
+          <p:cNvSpPr txBox="1">
+            <a:spLocks noGrp="1"/>
+          </p:cNvSpPr>
           <p:nvPr>
             <p:ph type="title"/>
           </p:nvPr>
@@ -16558,12 +17857,12 @@
           </a:prstGeom>
         </p:spPr>
         <p:txBody>
-          <a:bodyPr anchorCtr="0" anchor="t" bIns="91425" lIns="91425" spcFirstLastPara="1" rIns="91425" wrap="square" tIns="91425">
+          <a:bodyPr spcFirstLastPara="1" wrap="square" lIns="91425" tIns="91425" rIns="91425" bIns="91425" anchor="t" anchorCtr="0">
             <a:normAutofit fontScale="90000"/>
           </a:bodyPr>
           <a:lstStyle/>
           <a:p>
-            <a:pPr indent="0" lvl="0" marL="0" rtl="0" algn="l">
+            <a:pPr marL="0" lvl="0" indent="0" algn="l" rtl="0">
               <a:spcBef>
                 <a:spcPts val="0"/>
               </a:spcBef>
@@ -16673,7 +17972,288 @@
 </file>
 
 <file path=ppt/theme/theme1.xml><?xml version="1.0" encoding="utf-8"?>
-<a:theme xmlns:a="http://schemas.openxmlformats.org/drawingml/2006/main" xmlns:r="http://schemas.openxmlformats.org/officeDocument/2006/relationships">
+<a:theme xmlns:a="http://schemas.openxmlformats.org/drawingml/2006/main" name="Simple Light">
+  <a:themeElements>
+    <a:clrScheme name="Simple Light">
+      <a:dk1>
+        <a:srgbClr val="000000"/>
+      </a:dk1>
+      <a:lt1>
+        <a:srgbClr val="FFFFFF"/>
+      </a:lt1>
+      <a:dk2>
+        <a:srgbClr val="595959"/>
+      </a:dk2>
+      <a:lt2>
+        <a:srgbClr val="EEEEEE"/>
+      </a:lt2>
+      <a:accent1>
+        <a:srgbClr val="4285F4"/>
+      </a:accent1>
+      <a:accent2>
+        <a:srgbClr val="212121"/>
+      </a:accent2>
+      <a:accent3>
+        <a:srgbClr val="78909C"/>
+      </a:accent3>
+      <a:accent4>
+        <a:srgbClr val="FFAB40"/>
+      </a:accent4>
+      <a:accent5>
+        <a:srgbClr val="0097A7"/>
+      </a:accent5>
+      <a:accent6>
+        <a:srgbClr val="EEFF41"/>
+      </a:accent6>
+      <a:hlink>
+        <a:srgbClr val="0097A7"/>
+      </a:hlink>
+      <a:folHlink>
+        <a:srgbClr val="0097A7"/>
+      </a:folHlink>
+    </a:clrScheme>
+    <a:fontScheme name="Office">
+      <a:majorFont>
+        <a:latin typeface="Arial"/>
+        <a:ea typeface=""/>
+        <a:cs typeface=""/>
+        <a:font script="Jpan" typeface="ＭＳ Ｐゴシック"/>
+        <a:font script="Hang" typeface="맑은 고딕"/>
+        <a:font script="Hans" typeface="宋体"/>
+        <a:font script="Hant" typeface="新細明體"/>
+        <a:font script="Arab" typeface="Times New Roman"/>
+        <a:font script="Hebr" typeface="Times New Roman"/>
+        <a:font script="Thai" typeface="Angsana New"/>
+        <a:font script="Ethi" typeface="Nyala"/>
+        <a:font script="Beng" typeface="Vrinda"/>
+        <a:font script="Gujr" typeface="Shruti"/>
+        <a:font script="Khmr" typeface="MoolBoran"/>
+        <a:font script="Knda" typeface="Tunga"/>
+        <a:font script="Guru" typeface="Raavi"/>
+        <a:font script="Cans" typeface="Euphemia"/>
+        <a:font script="Cher" typeface="Plantagenet Cherokee"/>
+        <a:font script="Yiii" typeface="Microsoft Yi Baiti"/>
+        <a:font script="Tibt" typeface="Microsoft Himalaya"/>
+        <a:font script="Thaa" typeface="MV Boli"/>
+        <a:font script="Deva" typeface="Mangal"/>
+        <a:font script="Telu" typeface="Gautami"/>
+        <a:font script="Taml" typeface="Latha"/>
+        <a:font script="Syrc" typeface="Estrangelo Edessa"/>
+        <a:font script="Orya" typeface="Kalinga"/>
+        <a:font script="Mlym" typeface="Kartika"/>
+        <a:font script="Laoo" typeface="DokChampa"/>
+        <a:font script="Sinh" typeface="Iskoola Pota"/>
+        <a:font script="Mong" typeface="Mongolian Baiti"/>
+        <a:font script="Viet" typeface="Times New Roman"/>
+        <a:font script="Uigh" typeface="Microsoft Uighur"/>
+        <a:font script="Geor" typeface="Sylfaen"/>
+      </a:majorFont>
+      <a:minorFont>
+        <a:latin typeface="Arial"/>
+        <a:ea typeface=""/>
+        <a:cs typeface=""/>
+        <a:font script="Jpan" typeface="ＭＳ Ｐゴシック"/>
+        <a:font script="Hang" typeface="맑은 고딕"/>
+        <a:font script="Hans" typeface="宋体"/>
+        <a:font script="Hant" typeface="新細明體"/>
+        <a:font script="Arab" typeface="Arial"/>
+        <a:font script="Hebr" typeface="Arial"/>
+        <a:font script="Thai" typeface="Cordia New"/>
+        <a:font script="Ethi" typeface="Nyala"/>
+        <a:font script="Beng" typeface="Vrinda"/>
+        <a:font script="Gujr" typeface="Shruti"/>
+        <a:font script="Khmr" typeface="DaunPenh"/>
+        <a:font script="Knda" typeface="Tunga"/>
+        <a:font script="Guru" typeface="Raavi"/>
+        <a:font script="Cans" typeface="Euphemia"/>
+        <a:font script="Cher" typeface="Plantagenet Cherokee"/>
+        <a:font script="Yiii" typeface="Microsoft Yi Baiti"/>
+        <a:font script="Tibt" typeface="Microsoft Himalaya"/>
+        <a:font script="Thaa" typeface="MV Boli"/>
+        <a:font script="Deva" typeface="Mangal"/>
+        <a:font script="Telu" typeface="Gautami"/>
+        <a:font script="Taml" typeface="Latha"/>
+        <a:font script="Syrc" typeface="Estrangelo Edessa"/>
+        <a:font script="Orya" typeface="Kalinga"/>
+        <a:font script="Mlym" typeface="Kartika"/>
+        <a:font script="Laoo" typeface="DokChampa"/>
+        <a:font script="Sinh" typeface="Iskoola Pota"/>
+        <a:font script="Mong" typeface="Mongolian Baiti"/>
+        <a:font script="Viet" typeface="Arial"/>
+        <a:font script="Uigh" typeface="Microsoft Uighur"/>
+        <a:font script="Geor" typeface="Sylfaen"/>
+      </a:minorFont>
+    </a:fontScheme>
+    <a:fmtScheme name="Office">
+      <a:fillStyleLst>
+        <a:solidFill>
+          <a:schemeClr val="phClr"/>
+        </a:solidFill>
+        <a:gradFill rotWithShape="1">
+          <a:gsLst>
+            <a:gs pos="0">
+              <a:schemeClr val="phClr">
+                <a:tint val="50000"/>
+                <a:satMod val="300000"/>
+              </a:schemeClr>
+            </a:gs>
+            <a:gs pos="35000">
+              <a:schemeClr val="phClr">
+                <a:tint val="37000"/>
+                <a:satMod val="300000"/>
+              </a:schemeClr>
+            </a:gs>
+            <a:gs pos="100000">
+              <a:schemeClr val="phClr">
+                <a:tint val="15000"/>
+                <a:satMod val="350000"/>
+              </a:schemeClr>
+            </a:gs>
+          </a:gsLst>
+          <a:lin ang="16200000" scaled="1"/>
+        </a:gradFill>
+        <a:gradFill rotWithShape="1">
+          <a:gsLst>
+            <a:gs pos="0">
+              <a:schemeClr val="phClr">
+                <a:tint val="100000"/>
+                <a:shade val="100000"/>
+                <a:satMod val="130000"/>
+              </a:schemeClr>
+            </a:gs>
+            <a:gs pos="100000">
+              <a:schemeClr val="phClr">
+                <a:tint val="50000"/>
+                <a:shade val="100000"/>
+                <a:satMod val="350000"/>
+              </a:schemeClr>
+            </a:gs>
+          </a:gsLst>
+          <a:lin ang="16200000" scaled="0"/>
+        </a:gradFill>
+      </a:fillStyleLst>
+      <a:lnStyleLst>
+        <a:ln w="9525" cap="flat" cmpd="sng" algn="ctr">
+          <a:solidFill>
+            <a:schemeClr val="phClr">
+              <a:shade val="95000"/>
+              <a:satMod val="105000"/>
+            </a:schemeClr>
+          </a:solidFill>
+          <a:prstDash val="solid"/>
+        </a:ln>
+        <a:ln w="25400" cap="flat" cmpd="sng" algn="ctr">
+          <a:solidFill>
+            <a:schemeClr val="phClr"/>
+          </a:solidFill>
+          <a:prstDash val="solid"/>
+        </a:ln>
+        <a:ln w="38100" cap="flat" cmpd="sng" algn="ctr">
+          <a:solidFill>
+            <a:schemeClr val="phClr"/>
+          </a:solidFill>
+          <a:prstDash val="solid"/>
+        </a:ln>
+      </a:lnStyleLst>
+      <a:effectStyleLst>
+        <a:effectStyle>
+          <a:effectLst>
+            <a:outerShdw blurRad="40000" dist="20000" dir="5400000" rotWithShape="0">
+              <a:srgbClr val="000000">
+                <a:alpha val="38000"/>
+              </a:srgbClr>
+            </a:outerShdw>
+          </a:effectLst>
+        </a:effectStyle>
+        <a:effectStyle>
+          <a:effectLst>
+            <a:outerShdw blurRad="40000" dist="23000" dir="5400000" rotWithShape="0">
+              <a:srgbClr val="000000">
+                <a:alpha val="35000"/>
+              </a:srgbClr>
+            </a:outerShdw>
+          </a:effectLst>
+        </a:effectStyle>
+        <a:effectStyle>
+          <a:effectLst>
+            <a:outerShdw blurRad="40000" dist="23000" dir="5400000" rotWithShape="0">
+              <a:srgbClr val="000000">
+                <a:alpha val="35000"/>
+              </a:srgbClr>
+            </a:outerShdw>
+          </a:effectLst>
+          <a:scene3d>
+            <a:camera prst="orthographicFront">
+              <a:rot lat="0" lon="0" rev="0"/>
+            </a:camera>
+            <a:lightRig rig="threePt" dir="t">
+              <a:rot lat="0" lon="0" rev="1200000"/>
+            </a:lightRig>
+          </a:scene3d>
+          <a:sp3d>
+            <a:bevelT w="63500" h="25400"/>
+          </a:sp3d>
+        </a:effectStyle>
+      </a:effectStyleLst>
+      <a:bgFillStyleLst>
+        <a:solidFill>
+          <a:schemeClr val="phClr"/>
+        </a:solidFill>
+        <a:gradFill rotWithShape="1">
+          <a:gsLst>
+            <a:gs pos="0">
+              <a:schemeClr val="phClr">
+                <a:tint val="40000"/>
+                <a:satMod val="350000"/>
+              </a:schemeClr>
+            </a:gs>
+            <a:gs pos="40000">
+              <a:schemeClr val="phClr">
+                <a:tint val="45000"/>
+                <a:shade val="99000"/>
+                <a:satMod val="350000"/>
+              </a:schemeClr>
+            </a:gs>
+            <a:gs pos="100000">
+              <a:schemeClr val="phClr">
+                <a:shade val="20000"/>
+                <a:satMod val="255000"/>
+              </a:schemeClr>
+            </a:gs>
+          </a:gsLst>
+          <a:path path="circle">
+            <a:fillToRect l="50000" t="-80000" r="50000" b="180000"/>
+          </a:path>
+        </a:gradFill>
+        <a:gradFill rotWithShape="1">
+          <a:gsLst>
+            <a:gs pos="0">
+              <a:schemeClr val="phClr">
+                <a:tint val="80000"/>
+                <a:satMod val="300000"/>
+              </a:schemeClr>
+            </a:gs>
+            <a:gs pos="100000">
+              <a:schemeClr val="phClr">
+                <a:shade val="30000"/>
+                <a:satMod val="200000"/>
+              </a:schemeClr>
+            </a:gs>
+          </a:gsLst>
+          <a:path path="circle">
+            <a:fillToRect l="50000" t="50000" r="50000" b="50000"/>
+          </a:path>
+        </a:gradFill>
+      </a:bgFillStyleLst>
+    </a:fmtScheme>
+  </a:themeElements>
+  <a:objectDefaults/>
+  <a:extraClrSchemeLst/>
+</a:theme>
+</file>
+
+<file path=ppt/theme/theme2.xml><?xml version="1.0" encoding="utf-8"?>
+<a:theme xmlns:a="http://schemas.openxmlformats.org/drawingml/2006/main">
   <a:themeElements>
     <a:clrScheme name="Default">
       <a:dk1>
@@ -16948,284 +18528,7 @@
       </a:bgFillStyleLst>
     </a:fmtScheme>
   </a:themeElements>
-</a:theme>
-</file>
-
-<file path=ppt/theme/theme2.xml><?xml version="1.0" encoding="utf-8"?>
-<a:theme xmlns:a="http://schemas.openxmlformats.org/drawingml/2006/main" xmlns:r="http://schemas.openxmlformats.org/officeDocument/2006/relationships" name="Simple Light">
-  <a:themeElements>
-    <a:clrScheme name="Simple Light">
-      <a:dk1>
-        <a:srgbClr val="000000"/>
-      </a:dk1>
-      <a:lt1>
-        <a:srgbClr val="FFFFFF"/>
-      </a:lt1>
-      <a:dk2>
-        <a:srgbClr val="595959"/>
-      </a:dk2>
-      <a:lt2>
-        <a:srgbClr val="EEEEEE"/>
-      </a:lt2>
-      <a:accent1>
-        <a:srgbClr val="4285F4"/>
-      </a:accent1>
-      <a:accent2>
-        <a:srgbClr val="212121"/>
-      </a:accent2>
-      <a:accent3>
-        <a:srgbClr val="78909C"/>
-      </a:accent3>
-      <a:accent4>
-        <a:srgbClr val="FFAB40"/>
-      </a:accent4>
-      <a:accent5>
-        <a:srgbClr val="0097A7"/>
-      </a:accent5>
-      <a:accent6>
-        <a:srgbClr val="EEFF41"/>
-      </a:accent6>
-      <a:hlink>
-        <a:srgbClr val="0097A7"/>
-      </a:hlink>
-      <a:folHlink>
-        <a:srgbClr val="0097A7"/>
-      </a:folHlink>
-    </a:clrScheme>
-    <a:fontScheme name="Office">
-      <a:majorFont>
-        <a:latin typeface="Arial"/>
-        <a:ea typeface=""/>
-        <a:cs typeface=""/>
-        <a:font script="Jpan" typeface="ＭＳ Ｐゴシック"/>
-        <a:font script="Hang" typeface="맑은 고딕"/>
-        <a:font script="Hans" typeface="宋体"/>
-        <a:font script="Hant" typeface="新細明體"/>
-        <a:font script="Arab" typeface="Times New Roman"/>
-        <a:font script="Hebr" typeface="Times New Roman"/>
-        <a:font script="Thai" typeface="Angsana New"/>
-        <a:font script="Ethi" typeface="Nyala"/>
-        <a:font script="Beng" typeface="Vrinda"/>
-        <a:font script="Gujr" typeface="Shruti"/>
-        <a:font script="Khmr" typeface="MoolBoran"/>
-        <a:font script="Knda" typeface="Tunga"/>
-        <a:font script="Guru" typeface="Raavi"/>
-        <a:font script="Cans" typeface="Euphemia"/>
-        <a:font script="Cher" typeface="Plantagenet Cherokee"/>
-        <a:font script="Yiii" typeface="Microsoft Yi Baiti"/>
-        <a:font script="Tibt" typeface="Microsoft Himalaya"/>
-        <a:font script="Thaa" typeface="MV Boli"/>
-        <a:font script="Deva" typeface="Mangal"/>
-        <a:font script="Telu" typeface="Gautami"/>
-        <a:font script="Taml" typeface="Latha"/>
-        <a:font script="Syrc" typeface="Estrangelo Edessa"/>
-        <a:font script="Orya" typeface="Kalinga"/>
-        <a:font script="Mlym" typeface="Kartika"/>
-        <a:font script="Laoo" typeface="DokChampa"/>
-        <a:font script="Sinh" typeface="Iskoola Pota"/>
-        <a:font script="Mong" typeface="Mongolian Baiti"/>
-        <a:font script="Viet" typeface="Times New Roman"/>
-        <a:font script="Uigh" typeface="Microsoft Uighur"/>
-        <a:font script="Geor" typeface="Sylfaen"/>
-      </a:majorFont>
-      <a:minorFont>
-        <a:latin typeface="Arial"/>
-        <a:ea typeface=""/>
-        <a:cs typeface=""/>
-        <a:font script="Jpan" typeface="ＭＳ Ｐゴシック"/>
-        <a:font script="Hang" typeface="맑은 고딕"/>
-        <a:font script="Hans" typeface="宋体"/>
-        <a:font script="Hant" typeface="新細明體"/>
-        <a:font script="Arab" typeface="Arial"/>
-        <a:font script="Hebr" typeface="Arial"/>
-        <a:font script="Thai" typeface="Cordia New"/>
-        <a:font script="Ethi" typeface="Nyala"/>
-        <a:font script="Beng" typeface="Vrinda"/>
-        <a:font script="Gujr" typeface="Shruti"/>
-        <a:font script="Khmr" typeface="DaunPenh"/>
-        <a:font script="Knda" typeface="Tunga"/>
-        <a:font script="Guru" typeface="Raavi"/>
-        <a:font script="Cans" typeface="Euphemia"/>
-        <a:font script="Cher" typeface="Plantagenet Cherokee"/>
-        <a:font script="Yiii" typeface="Microsoft Yi Baiti"/>
-        <a:font script="Tibt" typeface="Microsoft Himalaya"/>
-        <a:font script="Thaa" typeface="MV Boli"/>
-        <a:font script="Deva" typeface="Mangal"/>
-        <a:font script="Telu" typeface="Gautami"/>
-        <a:font script="Taml" typeface="Latha"/>
-        <a:font script="Syrc" typeface="Estrangelo Edessa"/>
-        <a:font script="Orya" typeface="Kalinga"/>
-        <a:font script="Mlym" typeface="Kartika"/>
-        <a:font script="Laoo" typeface="DokChampa"/>
-        <a:font script="Sinh" typeface="Iskoola Pota"/>
-        <a:font script="Mong" typeface="Mongolian Baiti"/>
-        <a:font script="Viet" typeface="Arial"/>
-        <a:font script="Uigh" typeface="Microsoft Uighur"/>
-        <a:font script="Geor" typeface="Sylfaen"/>
-      </a:minorFont>
-    </a:fontScheme>
-    <a:fmtScheme name="Office">
-      <a:fillStyleLst>
-        <a:solidFill>
-          <a:schemeClr val="phClr"/>
-        </a:solidFill>
-        <a:gradFill rotWithShape="1">
-          <a:gsLst>
-            <a:gs pos="0">
-              <a:schemeClr val="phClr">
-                <a:tint val="50000"/>
-                <a:satMod val="300000"/>
-              </a:schemeClr>
-            </a:gs>
-            <a:gs pos="35000">
-              <a:schemeClr val="phClr">
-                <a:tint val="37000"/>
-                <a:satMod val="300000"/>
-              </a:schemeClr>
-            </a:gs>
-            <a:gs pos="100000">
-              <a:schemeClr val="phClr">
-                <a:tint val="15000"/>
-                <a:satMod val="350000"/>
-              </a:schemeClr>
-            </a:gs>
-          </a:gsLst>
-          <a:lin ang="16200000" scaled="1"/>
-        </a:gradFill>
-        <a:gradFill rotWithShape="1">
-          <a:gsLst>
-            <a:gs pos="0">
-              <a:schemeClr val="phClr">
-                <a:tint val="100000"/>
-                <a:shade val="100000"/>
-                <a:satMod val="130000"/>
-              </a:schemeClr>
-            </a:gs>
-            <a:gs pos="100000">
-              <a:schemeClr val="phClr">
-                <a:tint val="50000"/>
-                <a:shade val="100000"/>
-                <a:satMod val="350000"/>
-              </a:schemeClr>
-            </a:gs>
-          </a:gsLst>
-          <a:lin ang="16200000" scaled="0"/>
-        </a:gradFill>
-      </a:fillStyleLst>
-      <a:lnStyleLst>
-        <a:ln w="9525" cap="flat" cmpd="sng" algn="ctr">
-          <a:solidFill>
-            <a:schemeClr val="phClr">
-              <a:shade val="95000"/>
-              <a:satMod val="105000"/>
-            </a:schemeClr>
-          </a:solidFill>
-          <a:prstDash val="solid"/>
-        </a:ln>
-        <a:ln w="25400" cap="flat" cmpd="sng" algn="ctr">
-          <a:solidFill>
-            <a:schemeClr val="phClr"/>
-          </a:solidFill>
-          <a:prstDash val="solid"/>
-        </a:ln>
-        <a:ln w="38100" cap="flat" cmpd="sng" algn="ctr">
-          <a:solidFill>
-            <a:schemeClr val="phClr"/>
-          </a:solidFill>
-          <a:prstDash val="solid"/>
-        </a:ln>
-      </a:lnStyleLst>
-      <a:effectStyleLst>
-        <a:effectStyle>
-          <a:effectLst>
-            <a:outerShdw blurRad="40000" dist="20000" dir="5400000" rotWithShape="0">
-              <a:srgbClr val="000000">
-                <a:alpha val="38000"/>
-              </a:srgbClr>
-            </a:outerShdw>
-          </a:effectLst>
-        </a:effectStyle>
-        <a:effectStyle>
-          <a:effectLst>
-            <a:outerShdw blurRad="40000" dist="23000" dir="5400000" rotWithShape="0">
-              <a:srgbClr val="000000">
-                <a:alpha val="35000"/>
-              </a:srgbClr>
-            </a:outerShdw>
-          </a:effectLst>
-        </a:effectStyle>
-        <a:effectStyle>
-          <a:effectLst>
-            <a:outerShdw blurRad="40000" dist="23000" dir="5400000" rotWithShape="0">
-              <a:srgbClr val="000000">
-                <a:alpha val="35000"/>
-              </a:srgbClr>
-            </a:outerShdw>
-          </a:effectLst>
-          <a:scene3d>
-            <a:camera prst="orthographicFront">
-              <a:rot lat="0" lon="0" rev="0"/>
-            </a:camera>
-            <a:lightRig rig="threePt" dir="t">
-              <a:rot lat="0" lon="0" rev="1200000"/>
-            </a:lightRig>
-          </a:scene3d>
-          <a:sp3d>
-            <a:bevelT w="63500" h="25400"/>
-          </a:sp3d>
-        </a:effectStyle>
-      </a:effectStyleLst>
-      <a:bgFillStyleLst>
-        <a:solidFill>
-          <a:schemeClr val="phClr"/>
-        </a:solidFill>
-        <a:gradFill rotWithShape="1">
-          <a:gsLst>
-            <a:gs pos="0">
-              <a:schemeClr val="phClr">
-                <a:tint val="40000"/>
-                <a:satMod val="350000"/>
-              </a:schemeClr>
-            </a:gs>
-            <a:gs pos="40000">
-              <a:schemeClr val="phClr">
-                <a:tint val="45000"/>
-                <a:shade val="99000"/>
-                <a:satMod val="350000"/>
-              </a:schemeClr>
-            </a:gs>
-            <a:gs pos="100000">
-              <a:schemeClr val="phClr">
-                <a:shade val="20000"/>
-                <a:satMod val="255000"/>
-              </a:schemeClr>
-            </a:gs>
-          </a:gsLst>
-          <a:path path="circle">
-            <a:fillToRect l="50000" t="-80000" r="50000" b="180000"/>
-          </a:path>
-        </a:gradFill>
-        <a:gradFill rotWithShape="1">
-          <a:gsLst>
-            <a:gs pos="0">
-              <a:schemeClr val="phClr">
-                <a:tint val="80000"/>
-                <a:satMod val="300000"/>
-              </a:schemeClr>
-            </a:gs>
-            <a:gs pos="100000">
-              <a:schemeClr val="phClr">
-                <a:shade val="30000"/>
-                <a:satMod val="200000"/>
-              </a:schemeClr>
-            </a:gs>
-          </a:gsLst>
-          <a:path path="circle">
-            <a:fillToRect l="50000" t="50000" r="50000" b="50000"/>
-          </a:path>
-        </a:gradFill>
-      </a:bgFillStyleLst>
-    </a:fmtScheme>
-  </a:themeElements>
+  <a:objectDefaults/>
+  <a:extraClrSchemeLst/>
 </a:theme>
 </file>
--- a/tech_with_tim/Pygame-Tuts-101-1ABC/Docs/Pygame-101-Tuts-by-MrH.pptx
+++ b/tech_with_tim/Pygame-Tuts-101-1ABC/Docs/Pygame-101-Tuts-by-MrH.pptx
@@ -5,7 +5,7 @@
     <p:sldMasterId id="2147483659" r:id="rId1"/>
   </p:sldMasterIdLst>
   <p:notesMasterIdLst>
-    <p:notesMasterId r:id="rId27"/>
+    <p:notesMasterId r:id="rId38"/>
   </p:notesMasterIdLst>
   <p:sldIdLst>
     <p:sldId id="256" r:id="rId2"/>
@@ -33,6 +33,17 @@
     <p:sldId id="278" r:id="rId24"/>
     <p:sldId id="279" r:id="rId25"/>
     <p:sldId id="280" r:id="rId26"/>
+    <p:sldId id="281" r:id="rId27"/>
+    <p:sldId id="282" r:id="rId28"/>
+    <p:sldId id="283" r:id="rId29"/>
+    <p:sldId id="284" r:id="rId30"/>
+    <p:sldId id="285" r:id="rId31"/>
+    <p:sldId id="286" r:id="rId32"/>
+    <p:sldId id="287" r:id="rId33"/>
+    <p:sldId id="288" r:id="rId34"/>
+    <p:sldId id="291" r:id="rId35"/>
+    <p:sldId id="289" r:id="rId36"/>
+    <p:sldId id="290" r:id="rId37"/>
   </p:sldIdLst>
   <p:sldSz cx="9144000" cy="5143500" type="screen16x9"/>
   <p:notesSz cx="6858000" cy="9144000"/>
@@ -13042,6 +13053,1825 @@
 </p:sld>
 </file>
 
+<file path=ppt/slides/slide26.xml><?xml version="1.0" encoding="utf-8"?>
+<p:sld xmlns:a="http://schemas.openxmlformats.org/drawingml/2006/main" xmlns:r="http://schemas.openxmlformats.org/officeDocument/2006/relationships" xmlns:p="http://schemas.openxmlformats.org/presentationml/2006/main">
+  <p:cSld>
+    <p:spTree>
+      <p:nvGrpSpPr>
+        <p:cNvPr id="1" name=""/>
+        <p:cNvGrpSpPr/>
+        <p:nvPr/>
+      </p:nvGrpSpPr>
+      <p:grpSpPr>
+        <a:xfrm>
+          <a:off x="0" y="0"/>
+          <a:ext cx="0" cy="0"/>
+          <a:chOff x="0" y="0"/>
+          <a:chExt cx="0" cy="0"/>
+        </a:xfrm>
+      </p:grpSpPr>
+      <p:sp>
+        <p:nvSpPr>
+          <p:cNvPr id="2" name="Title 1">
+            <a:extLst>
+              <a:ext uri="{FF2B5EF4-FFF2-40B4-BE49-F238E27FC236}">
+                <a16:creationId xmlns:a16="http://schemas.microsoft.com/office/drawing/2014/main" id="{606CCBFD-0939-32CA-0D31-BF3EA69E46CF}"/>
+              </a:ext>
+            </a:extLst>
+          </p:cNvPr>
+          <p:cNvSpPr>
+            <a:spLocks noGrp="1"/>
+          </p:cNvSpPr>
+          <p:nvPr>
+            <p:ph type="title"/>
+          </p:nvPr>
+        </p:nvSpPr>
+        <p:spPr>
+          <a:xfrm>
+            <a:off x="311700" y="55060"/>
+            <a:ext cx="8520600" cy="572700"/>
+          </a:xfrm>
+        </p:spPr>
+        <p:txBody>
+          <a:bodyPr>
+            <a:normAutofit fontScale="90000"/>
+          </a:bodyPr>
+          <a:lstStyle/>
+          <a:p>
+            <a:r>
+              <a:rPr lang="en-GB" dirty="0"/>
+              <a:t>OOp101-1C2 … Saved as pygame101-oop-tut01c2.py</a:t>
+            </a:r>
+          </a:p>
+        </p:txBody>
+      </p:sp>
+      <p:sp>
+        <p:nvSpPr>
+          <p:cNvPr id="3" name="Text Placeholder 2">
+            <a:extLst>
+              <a:ext uri="{FF2B5EF4-FFF2-40B4-BE49-F238E27FC236}">
+                <a16:creationId xmlns:a16="http://schemas.microsoft.com/office/drawing/2014/main" id="{E7D77B09-785B-C4F3-70EE-DE95632E9006}"/>
+              </a:ext>
+            </a:extLst>
+          </p:cNvPr>
+          <p:cNvSpPr>
+            <a:spLocks noGrp="1"/>
+          </p:cNvSpPr>
+          <p:nvPr>
+            <p:ph type="body" idx="1"/>
+          </p:nvPr>
+        </p:nvSpPr>
+        <p:spPr>
+          <a:xfrm>
+            <a:off x="311700" y="627760"/>
+            <a:ext cx="8520600" cy="3416400"/>
+          </a:xfrm>
+        </p:spPr>
+        <p:txBody>
+          <a:bodyPr>
+            <a:normAutofit/>
+          </a:bodyPr>
+          <a:lstStyle/>
+          <a:p>
+            <a:pPr marL="114300" indent="0">
+              <a:buNone/>
+            </a:pPr>
+            <a:r>
+              <a:rPr lang="en-GB" dirty="0" err="1"/>
+              <a:t>gfxObject</a:t>
+            </a:r>
+            <a:r>
+              <a:rPr lang="en-GB" dirty="0"/>
+              <a:t> alterations:</a:t>
+            </a:r>
+          </a:p>
+          <a:p>
+            <a:r>
+              <a:rPr lang="en-GB" dirty="0"/>
+              <a:t>Added getters and setters for position.</a:t>
+            </a:r>
+          </a:p>
+          <a:p>
+            <a:endParaRPr lang="en-GB" dirty="0"/>
+          </a:p>
+          <a:p>
+            <a:r>
+              <a:rPr lang="en-GB" dirty="0"/>
+              <a:t>Changed </a:t>
+            </a:r>
+            <a:r>
+              <a:rPr lang="en-GB" dirty="0" err="1"/>
+              <a:t>key_binds</a:t>
+            </a:r>
+            <a:r>
+              <a:rPr lang="en-GB" dirty="0"/>
+              <a:t> dictionary to be of the format {</a:t>
+            </a:r>
+            <a:r>
+              <a:rPr lang="en-GB" dirty="0" err="1"/>
+              <a:t>keyString</a:t>
+            </a:r>
+            <a:r>
+              <a:rPr lang="en-GB" dirty="0"/>
+              <a:t> : [</a:t>
+            </a:r>
+            <a:r>
+              <a:rPr lang="en-GB" dirty="0" err="1"/>
+              <a:t>pygameKeys</a:t>
+            </a:r>
+            <a:r>
+              <a:rPr lang="en-GB" dirty="0"/>
+              <a:t>]}</a:t>
+            </a:r>
+          </a:p>
+          <a:p>
+            <a:pPr marL="114300" indent="0">
+              <a:buNone/>
+            </a:pPr>
+            <a:r>
+              <a:rPr lang="en-GB" dirty="0"/>
+              <a:t>	i.e. a list of keys so multiple keys </a:t>
+            </a:r>
+          </a:p>
+          <a:p>
+            <a:r>
+              <a:rPr lang="en-GB" dirty="0"/>
+              <a:t>Helper methods to manage this:</a:t>
+            </a:r>
+          </a:p>
+          <a:p>
+            <a:pPr lvl="1"/>
+            <a:r>
+              <a:rPr lang="en-GB" dirty="0" err="1"/>
+              <a:t>getKeyIdStrings</a:t>
+            </a:r>
+            <a:r>
+              <a:rPr lang="en-GB" dirty="0"/>
+              <a:t>() : list of key strings to bind to : </a:t>
+            </a:r>
+            <a:r>
+              <a:rPr lang="en-GB" dirty="0">
+                <a:solidFill>
+                  <a:srgbClr val="C2E890"/>
+                </a:solidFill>
+                <a:effectLst/>
+                <a:highlight>
+                  <a:srgbClr val="282828"/>
+                </a:highlight>
+                <a:latin typeface="Consolas" panose="020B0609020204030204" pitchFamily="49" charset="0"/>
+              </a:rPr>
+              <a:t>[</a:t>
+            </a:r>
+            <a:r>
+              <a:rPr lang="en-GB" dirty="0">
+                <a:solidFill>
+                  <a:srgbClr val="E1B42B"/>
+                </a:solidFill>
+                <a:effectLst/>
+                <a:highlight>
+                  <a:srgbClr val="282828"/>
+                </a:highlight>
+                <a:latin typeface="Consolas" panose="020B0609020204030204" pitchFamily="49" charset="0"/>
+              </a:rPr>
+              <a:t>"left"</a:t>
+            </a:r>
+            <a:r>
+              <a:rPr lang="en-GB" dirty="0">
+                <a:solidFill>
+                  <a:srgbClr val="C2E890"/>
+                </a:solidFill>
+                <a:effectLst/>
+                <a:highlight>
+                  <a:srgbClr val="282828"/>
+                </a:highlight>
+                <a:latin typeface="Consolas" panose="020B0609020204030204" pitchFamily="49" charset="0"/>
+              </a:rPr>
+              <a:t>,</a:t>
+            </a:r>
+            <a:r>
+              <a:rPr lang="en-GB" dirty="0">
+                <a:solidFill>
+                  <a:srgbClr val="C0C0C0"/>
+                </a:solidFill>
+                <a:effectLst/>
+                <a:highlight>
+                  <a:srgbClr val="282828"/>
+                </a:highlight>
+                <a:latin typeface="Consolas" panose="020B0609020204030204" pitchFamily="49" charset="0"/>
+              </a:rPr>
+              <a:t> </a:t>
+            </a:r>
+            <a:r>
+              <a:rPr lang="en-GB" dirty="0">
+                <a:solidFill>
+                  <a:srgbClr val="E1B42B"/>
+                </a:solidFill>
+                <a:effectLst/>
+                <a:highlight>
+                  <a:srgbClr val="282828"/>
+                </a:highlight>
+                <a:latin typeface="Consolas" panose="020B0609020204030204" pitchFamily="49" charset="0"/>
+              </a:rPr>
+              <a:t>"right"</a:t>
+            </a:r>
+            <a:r>
+              <a:rPr lang="en-GB" dirty="0">
+                <a:solidFill>
+                  <a:srgbClr val="C2E890"/>
+                </a:solidFill>
+                <a:effectLst/>
+                <a:highlight>
+                  <a:srgbClr val="282828"/>
+                </a:highlight>
+                <a:latin typeface="Consolas" panose="020B0609020204030204" pitchFamily="49" charset="0"/>
+              </a:rPr>
+              <a:t>,</a:t>
+            </a:r>
+            <a:r>
+              <a:rPr lang="en-GB" dirty="0">
+                <a:solidFill>
+                  <a:srgbClr val="C0C0C0"/>
+                </a:solidFill>
+                <a:effectLst/>
+                <a:highlight>
+                  <a:srgbClr val="282828"/>
+                </a:highlight>
+                <a:latin typeface="Consolas" panose="020B0609020204030204" pitchFamily="49" charset="0"/>
+              </a:rPr>
+              <a:t> </a:t>
+            </a:r>
+            <a:r>
+              <a:rPr lang="en-GB" dirty="0">
+                <a:solidFill>
+                  <a:srgbClr val="E1B42B"/>
+                </a:solidFill>
+                <a:effectLst/>
+                <a:highlight>
+                  <a:srgbClr val="282828"/>
+                </a:highlight>
+                <a:latin typeface="Consolas" panose="020B0609020204030204" pitchFamily="49" charset="0"/>
+              </a:rPr>
+              <a:t>"up"</a:t>
+            </a:r>
+            <a:r>
+              <a:rPr lang="en-GB" dirty="0">
+                <a:solidFill>
+                  <a:srgbClr val="C2E890"/>
+                </a:solidFill>
+                <a:effectLst/>
+                <a:highlight>
+                  <a:srgbClr val="282828"/>
+                </a:highlight>
+                <a:latin typeface="Consolas" panose="020B0609020204030204" pitchFamily="49" charset="0"/>
+              </a:rPr>
+              <a:t>,</a:t>
+            </a:r>
+            <a:r>
+              <a:rPr lang="en-GB" dirty="0">
+                <a:solidFill>
+                  <a:srgbClr val="C0C0C0"/>
+                </a:solidFill>
+                <a:effectLst/>
+                <a:highlight>
+                  <a:srgbClr val="282828"/>
+                </a:highlight>
+                <a:latin typeface="Consolas" panose="020B0609020204030204" pitchFamily="49" charset="0"/>
+              </a:rPr>
+              <a:t> </a:t>
+            </a:r>
+            <a:r>
+              <a:rPr lang="en-GB" dirty="0">
+                <a:solidFill>
+                  <a:srgbClr val="E1B42B"/>
+                </a:solidFill>
+                <a:effectLst/>
+                <a:highlight>
+                  <a:srgbClr val="282828"/>
+                </a:highlight>
+                <a:latin typeface="Consolas" panose="020B0609020204030204" pitchFamily="49" charset="0"/>
+              </a:rPr>
+              <a:t>"down"</a:t>
+            </a:r>
+            <a:r>
+              <a:rPr lang="en-GB" dirty="0">
+                <a:solidFill>
+                  <a:srgbClr val="C2E890"/>
+                </a:solidFill>
+                <a:effectLst/>
+                <a:highlight>
+                  <a:srgbClr val="282828"/>
+                </a:highlight>
+                <a:latin typeface="Consolas" panose="020B0609020204030204" pitchFamily="49" charset="0"/>
+              </a:rPr>
+              <a:t>,</a:t>
+            </a:r>
+            <a:r>
+              <a:rPr lang="en-GB" dirty="0">
+                <a:solidFill>
+                  <a:srgbClr val="C0C0C0"/>
+                </a:solidFill>
+                <a:effectLst/>
+                <a:highlight>
+                  <a:srgbClr val="282828"/>
+                </a:highlight>
+                <a:latin typeface="Consolas" panose="020B0609020204030204" pitchFamily="49" charset="0"/>
+              </a:rPr>
+              <a:t> </a:t>
+            </a:r>
+            <a:r>
+              <a:rPr lang="en-GB" dirty="0">
+                <a:solidFill>
+                  <a:srgbClr val="E1B42B"/>
+                </a:solidFill>
+                <a:effectLst/>
+                <a:highlight>
+                  <a:srgbClr val="282828"/>
+                </a:highlight>
+                <a:latin typeface="Consolas" panose="020B0609020204030204" pitchFamily="49" charset="0"/>
+              </a:rPr>
+              <a:t>"jump"</a:t>
+            </a:r>
+            <a:r>
+              <a:rPr lang="en-GB" dirty="0">
+                <a:solidFill>
+                  <a:srgbClr val="C2E890"/>
+                </a:solidFill>
+                <a:effectLst/>
+                <a:highlight>
+                  <a:srgbClr val="282828"/>
+                </a:highlight>
+                <a:latin typeface="Consolas" panose="020B0609020204030204" pitchFamily="49" charset="0"/>
+              </a:rPr>
+              <a:t>,</a:t>
+            </a:r>
+            <a:r>
+              <a:rPr lang="en-GB" dirty="0">
+                <a:solidFill>
+                  <a:srgbClr val="C0C0C0"/>
+                </a:solidFill>
+                <a:effectLst/>
+                <a:highlight>
+                  <a:srgbClr val="282828"/>
+                </a:highlight>
+                <a:latin typeface="Consolas" panose="020B0609020204030204" pitchFamily="49" charset="0"/>
+              </a:rPr>
+              <a:t> </a:t>
+            </a:r>
+            <a:r>
+              <a:rPr lang="en-GB" dirty="0">
+                <a:solidFill>
+                  <a:srgbClr val="E1B42B"/>
+                </a:solidFill>
+                <a:effectLst/>
+                <a:highlight>
+                  <a:srgbClr val="282828"/>
+                </a:highlight>
+                <a:latin typeface="Consolas" panose="020B0609020204030204" pitchFamily="49" charset="0"/>
+              </a:rPr>
+              <a:t>"fire"</a:t>
+            </a:r>
+            <a:r>
+              <a:rPr lang="en-GB" dirty="0">
+                <a:solidFill>
+                  <a:srgbClr val="C2E890"/>
+                </a:solidFill>
+                <a:effectLst/>
+                <a:highlight>
+                  <a:srgbClr val="282828"/>
+                </a:highlight>
+                <a:latin typeface="Consolas" panose="020B0609020204030204" pitchFamily="49" charset="0"/>
+              </a:rPr>
+              <a:t>,</a:t>
+            </a:r>
+            <a:r>
+              <a:rPr lang="en-GB" dirty="0">
+                <a:solidFill>
+                  <a:srgbClr val="C0C0C0"/>
+                </a:solidFill>
+                <a:effectLst/>
+                <a:highlight>
+                  <a:srgbClr val="282828"/>
+                </a:highlight>
+                <a:latin typeface="Consolas" panose="020B0609020204030204" pitchFamily="49" charset="0"/>
+              </a:rPr>
+              <a:t> </a:t>
+            </a:r>
+            <a:r>
+              <a:rPr lang="en-GB" dirty="0">
+                <a:solidFill>
+                  <a:srgbClr val="E1B42B"/>
+                </a:solidFill>
+                <a:effectLst/>
+                <a:highlight>
+                  <a:srgbClr val="282828"/>
+                </a:highlight>
+                <a:latin typeface="Consolas" panose="020B0609020204030204" pitchFamily="49" charset="0"/>
+              </a:rPr>
+              <a:t>"fire2"</a:t>
+            </a:r>
+            <a:r>
+              <a:rPr lang="en-GB" dirty="0">
+                <a:solidFill>
+                  <a:srgbClr val="C2E890"/>
+                </a:solidFill>
+                <a:effectLst/>
+                <a:highlight>
+                  <a:srgbClr val="282828"/>
+                </a:highlight>
+                <a:latin typeface="Consolas" panose="020B0609020204030204" pitchFamily="49" charset="0"/>
+              </a:rPr>
+              <a:t>,</a:t>
+            </a:r>
+            <a:r>
+              <a:rPr lang="en-GB" dirty="0">
+                <a:solidFill>
+                  <a:srgbClr val="C0C0C0"/>
+                </a:solidFill>
+                <a:effectLst/>
+                <a:highlight>
+                  <a:srgbClr val="282828"/>
+                </a:highlight>
+                <a:latin typeface="Consolas" panose="020B0609020204030204" pitchFamily="49" charset="0"/>
+              </a:rPr>
+              <a:t> </a:t>
+            </a:r>
+            <a:r>
+              <a:rPr lang="en-GB" dirty="0">
+                <a:solidFill>
+                  <a:srgbClr val="E1B42B"/>
+                </a:solidFill>
+                <a:effectLst/>
+                <a:highlight>
+                  <a:srgbClr val="282828"/>
+                </a:highlight>
+                <a:latin typeface="Consolas" panose="020B0609020204030204" pitchFamily="49" charset="0"/>
+              </a:rPr>
+              <a:t>"use"</a:t>
+            </a:r>
+            <a:r>
+              <a:rPr lang="en-GB" dirty="0">
+                <a:solidFill>
+                  <a:srgbClr val="C2E890"/>
+                </a:solidFill>
+                <a:effectLst/>
+                <a:highlight>
+                  <a:srgbClr val="282828"/>
+                </a:highlight>
+                <a:latin typeface="Consolas" panose="020B0609020204030204" pitchFamily="49" charset="0"/>
+              </a:rPr>
+              <a:t>,</a:t>
+            </a:r>
+            <a:r>
+              <a:rPr lang="en-GB" dirty="0">
+                <a:solidFill>
+                  <a:srgbClr val="C0C0C0"/>
+                </a:solidFill>
+                <a:effectLst/>
+                <a:highlight>
+                  <a:srgbClr val="282828"/>
+                </a:highlight>
+                <a:latin typeface="Consolas" panose="020B0609020204030204" pitchFamily="49" charset="0"/>
+              </a:rPr>
+              <a:t> </a:t>
+            </a:r>
+            <a:r>
+              <a:rPr lang="en-GB" dirty="0">
+                <a:solidFill>
+                  <a:srgbClr val="E1B42B"/>
+                </a:solidFill>
+                <a:effectLst/>
+                <a:highlight>
+                  <a:srgbClr val="282828"/>
+                </a:highlight>
+                <a:latin typeface="Consolas" panose="020B0609020204030204" pitchFamily="49" charset="0"/>
+              </a:rPr>
+              <a:t>"duck"</a:t>
+            </a:r>
+            <a:r>
+              <a:rPr lang="en-GB" dirty="0">
+                <a:solidFill>
+                  <a:srgbClr val="C2E890"/>
+                </a:solidFill>
+                <a:effectLst/>
+                <a:highlight>
+                  <a:srgbClr val="282828"/>
+                </a:highlight>
+                <a:latin typeface="Consolas" panose="020B0609020204030204" pitchFamily="49" charset="0"/>
+              </a:rPr>
+              <a:t>]</a:t>
+            </a:r>
+          </a:p>
+          <a:p>
+            <a:pPr lvl="1"/>
+            <a:r>
+              <a:rPr lang="en-GB" dirty="0" err="1">
+                <a:solidFill>
+                  <a:schemeClr val="tx1"/>
+                </a:solidFill>
+              </a:rPr>
+              <a:t>wasPressed</a:t>
+            </a:r>
+            <a:r>
+              <a:rPr lang="en-GB" dirty="0">
+                <a:solidFill>
+                  <a:schemeClr val="tx1"/>
+                </a:solidFill>
+              </a:rPr>
+              <a:t>(</a:t>
+            </a:r>
+            <a:r>
+              <a:rPr lang="en-GB" dirty="0" err="1">
+                <a:solidFill>
+                  <a:schemeClr val="tx1"/>
+                </a:solidFill>
+              </a:rPr>
+              <a:t>keyIdString</a:t>
+            </a:r>
+            <a:r>
+              <a:rPr lang="en-GB" dirty="0">
+                <a:solidFill>
+                  <a:schemeClr val="tx1"/>
+                </a:solidFill>
+              </a:rPr>
+              <a:t>, </a:t>
+            </a:r>
+            <a:r>
+              <a:rPr lang="en-GB" dirty="0" err="1">
+                <a:solidFill>
+                  <a:schemeClr val="tx1"/>
+                </a:solidFill>
+              </a:rPr>
+              <a:t>keys:pygame.key</a:t>
+            </a:r>
+            <a:r>
+              <a:rPr lang="en-GB" dirty="0">
+                <a:solidFill>
+                  <a:schemeClr val="tx1"/>
+                </a:solidFill>
+              </a:rPr>
+              <a:t>) -&gt; bool :</a:t>
+            </a:r>
+          </a:p>
+          <a:p>
+            <a:pPr marL="596900" lvl="1" indent="0">
+              <a:buNone/>
+            </a:pPr>
+            <a:r>
+              <a:rPr lang="en-GB" dirty="0"/>
+              <a:t>	returns True if a </a:t>
+            </a:r>
+            <a:r>
+              <a:rPr lang="en-GB" dirty="0" err="1"/>
+              <a:t>keyBindString</a:t>
+            </a:r>
+            <a:r>
+              <a:rPr lang="en-GB" dirty="0"/>
+              <a:t> and matching </a:t>
+            </a:r>
+            <a:r>
+              <a:rPr lang="en-GB" dirty="0" err="1"/>
+              <a:t>pygame</a:t>
+            </a:r>
+            <a:r>
+              <a:rPr lang="en-GB" dirty="0"/>
+              <a:t> key was prepressed</a:t>
+            </a:r>
+            <a:br>
+              <a:rPr lang="en-GB" sz="1800" dirty="0">
+                <a:effectLst/>
+                <a:highlight>
+                  <a:srgbClr val="282828"/>
+                </a:highlight>
+                <a:latin typeface="Consolas" panose="020B0609020204030204" pitchFamily="49" charset="0"/>
+              </a:rPr>
+            </a:br>
+            <a:endParaRPr lang="en-GB" sz="1800" dirty="0">
+              <a:effectLst/>
+              <a:highlight>
+                <a:srgbClr val="282828"/>
+              </a:highlight>
+              <a:latin typeface="Consolas" panose="020B0609020204030204" pitchFamily="49" charset="0"/>
+            </a:endParaRPr>
+          </a:p>
+          <a:p>
+            <a:pPr lvl="1"/>
+            <a:endParaRPr lang="en-GB" dirty="0"/>
+          </a:p>
+        </p:txBody>
+      </p:sp>
+    </p:spTree>
+    <p:extLst>
+      <p:ext uri="{BB962C8B-B14F-4D97-AF65-F5344CB8AC3E}">
+        <p14:creationId xmlns:p14="http://schemas.microsoft.com/office/powerpoint/2010/main" val="4223829216"/>
+      </p:ext>
+    </p:extLst>
+  </p:cSld>
+  <p:clrMapOvr>
+    <a:masterClrMapping/>
+  </p:clrMapOvr>
+</p:sld>
+</file>
+
+<file path=ppt/slides/slide27.xml><?xml version="1.0" encoding="utf-8"?>
+<p:sld xmlns:a="http://schemas.openxmlformats.org/drawingml/2006/main" xmlns:r="http://schemas.openxmlformats.org/officeDocument/2006/relationships" xmlns:p="http://schemas.openxmlformats.org/presentationml/2006/main">
+  <p:cSld>
+    <p:spTree>
+      <p:nvGrpSpPr>
+        <p:cNvPr id="1" name=""/>
+        <p:cNvGrpSpPr/>
+        <p:nvPr/>
+      </p:nvGrpSpPr>
+      <p:grpSpPr>
+        <a:xfrm>
+          <a:off x="0" y="0"/>
+          <a:ext cx="0" cy="0"/>
+          <a:chOff x="0" y="0"/>
+          <a:chExt cx="0" cy="0"/>
+        </a:xfrm>
+      </p:grpSpPr>
+      <p:sp>
+        <p:nvSpPr>
+          <p:cNvPr id="2" name="Title 1">
+            <a:extLst>
+              <a:ext uri="{FF2B5EF4-FFF2-40B4-BE49-F238E27FC236}">
+                <a16:creationId xmlns:a16="http://schemas.microsoft.com/office/drawing/2014/main" id="{EA29DC3D-D5C8-1B8F-75C0-227D6D53B8EB}"/>
+              </a:ext>
+            </a:extLst>
+          </p:cNvPr>
+          <p:cNvSpPr>
+            <a:spLocks noGrp="1"/>
+          </p:cNvSpPr>
+          <p:nvPr>
+            <p:ph type="title"/>
+          </p:nvPr>
+        </p:nvSpPr>
+        <p:spPr>
+          <a:xfrm>
+            <a:off x="311700" y="95401"/>
+            <a:ext cx="8520600" cy="572700"/>
+          </a:xfrm>
+        </p:spPr>
+        <p:txBody>
+          <a:bodyPr>
+            <a:normAutofit fontScale="90000"/>
+          </a:bodyPr>
+          <a:lstStyle/>
+          <a:p>
+            <a:r>
+              <a:rPr lang="en-GB" dirty="0"/>
+              <a:t>Class </a:t>
+            </a:r>
+            <a:r>
+              <a:rPr lang="en-GB" dirty="0" err="1"/>
+              <a:t>GfxObject</a:t>
+            </a:r>
+            <a:r>
+              <a:rPr lang="en-GB" dirty="0"/>
+              <a:t> UML updated</a:t>
+            </a:r>
+          </a:p>
+        </p:txBody>
+      </p:sp>
+      <p:pic>
+        <p:nvPicPr>
+          <p:cNvPr id="5" name="Picture 4">
+            <a:extLst>
+              <a:ext uri="{FF2B5EF4-FFF2-40B4-BE49-F238E27FC236}">
+                <a16:creationId xmlns:a16="http://schemas.microsoft.com/office/drawing/2014/main" id="{89534AF2-8752-B0E7-3709-D783E891CBC2}"/>
+              </a:ext>
+            </a:extLst>
+          </p:cNvPr>
+          <p:cNvPicPr>
+            <a:picLocks noChangeAspect="1"/>
+          </p:cNvPicPr>
+          <p:nvPr/>
+        </p:nvPicPr>
+        <p:blipFill>
+          <a:blip r:embed="rId2"/>
+          <a:stretch>
+            <a:fillRect/>
+          </a:stretch>
+        </p:blipFill>
+        <p:spPr>
+          <a:xfrm>
+            <a:off x="4961157" y="381751"/>
+            <a:ext cx="4007670" cy="4652682"/>
+          </a:xfrm>
+          <a:prstGeom prst="rect">
+            <a:avLst/>
+          </a:prstGeom>
+        </p:spPr>
+      </p:pic>
+      <p:sp>
+        <p:nvSpPr>
+          <p:cNvPr id="6" name="TextBox 5">
+            <a:extLst>
+              <a:ext uri="{FF2B5EF4-FFF2-40B4-BE49-F238E27FC236}">
+                <a16:creationId xmlns:a16="http://schemas.microsoft.com/office/drawing/2014/main" id="{E95A281C-7567-2E94-546C-4B5DF0C0E78E}"/>
+              </a:ext>
+            </a:extLst>
+          </p:cNvPr>
+          <p:cNvSpPr txBox="1"/>
+          <p:nvPr/>
+        </p:nvSpPr>
+        <p:spPr>
+          <a:xfrm>
+            <a:off x="5022476" y="0"/>
+            <a:ext cx="3946351" cy="307777"/>
+          </a:xfrm>
+          <a:prstGeom prst="rect">
+            <a:avLst/>
+          </a:prstGeom>
+          <a:noFill/>
+        </p:spPr>
+        <p:txBody>
+          <a:bodyPr wrap="square">
+            <a:spAutoFit/>
+          </a:bodyPr>
+          <a:lstStyle/>
+          <a:p>
+            <a:r>
+              <a:rPr lang="en-GB" dirty="0"/>
+              <a:t>See: UML/pygame-101c-uml-class-world(ver3b)</a:t>
+            </a:r>
+          </a:p>
+        </p:txBody>
+      </p:sp>
+      <p:pic>
+        <p:nvPicPr>
+          <p:cNvPr id="10" name="Picture 9">
+            <a:extLst>
+              <a:ext uri="{FF2B5EF4-FFF2-40B4-BE49-F238E27FC236}">
+                <a16:creationId xmlns:a16="http://schemas.microsoft.com/office/drawing/2014/main" id="{CC688E8F-442B-5601-3563-47E7196583E5}"/>
+              </a:ext>
+            </a:extLst>
+          </p:cNvPr>
+          <p:cNvPicPr>
+            <a:picLocks noChangeAspect="1"/>
+          </p:cNvPicPr>
+          <p:nvPr/>
+        </p:nvPicPr>
+        <p:blipFill>
+          <a:blip r:embed="rId3"/>
+          <a:stretch>
+            <a:fillRect/>
+          </a:stretch>
+        </p:blipFill>
+        <p:spPr>
+          <a:xfrm>
+            <a:off x="256615" y="695325"/>
+            <a:ext cx="1638300" cy="1876425"/>
+          </a:xfrm>
+          <a:prstGeom prst="rect">
+            <a:avLst/>
+          </a:prstGeom>
+        </p:spPr>
+      </p:pic>
+      <p:pic>
+        <p:nvPicPr>
+          <p:cNvPr id="12" name="Picture 11">
+            <a:extLst>
+              <a:ext uri="{FF2B5EF4-FFF2-40B4-BE49-F238E27FC236}">
+                <a16:creationId xmlns:a16="http://schemas.microsoft.com/office/drawing/2014/main" id="{8A7B331B-1D74-3462-734B-6DFB7FE8A172}"/>
+              </a:ext>
+            </a:extLst>
+          </p:cNvPr>
+          <p:cNvPicPr>
+            <a:picLocks noChangeAspect="1"/>
+          </p:cNvPicPr>
+          <p:nvPr/>
+        </p:nvPicPr>
+        <p:blipFill>
+          <a:blip r:embed="rId4"/>
+          <a:stretch>
+            <a:fillRect/>
+          </a:stretch>
+        </p:blipFill>
+        <p:spPr>
+          <a:xfrm>
+            <a:off x="2324379" y="668101"/>
+            <a:ext cx="2047875" cy="3181350"/>
+          </a:xfrm>
+          <a:prstGeom prst="rect">
+            <a:avLst/>
+          </a:prstGeom>
+        </p:spPr>
+      </p:pic>
+      <p:sp>
+        <p:nvSpPr>
+          <p:cNvPr id="13" name="Arrow: Right 12">
+            <a:extLst>
+              <a:ext uri="{FF2B5EF4-FFF2-40B4-BE49-F238E27FC236}">
+                <a16:creationId xmlns:a16="http://schemas.microsoft.com/office/drawing/2014/main" id="{3D10851E-E210-FA85-2F56-278D5E3D8F54}"/>
+              </a:ext>
+            </a:extLst>
+          </p:cNvPr>
+          <p:cNvSpPr/>
+          <p:nvPr/>
+        </p:nvSpPr>
+        <p:spPr>
+          <a:xfrm>
+            <a:off x="311700" y="1815353"/>
+            <a:ext cx="448059" cy="174812"/>
+          </a:xfrm>
+          <a:prstGeom prst="rightArrow">
+            <a:avLst/>
+          </a:prstGeom>
+        </p:spPr>
+        <p:style>
+          <a:lnRef idx="1">
+            <a:schemeClr val="accent6"/>
+          </a:lnRef>
+          <a:fillRef idx="2">
+            <a:schemeClr val="accent6"/>
+          </a:fillRef>
+          <a:effectRef idx="1">
+            <a:schemeClr val="accent6"/>
+          </a:effectRef>
+          <a:fontRef idx="minor">
+            <a:schemeClr val="dk1"/>
+          </a:fontRef>
+        </p:style>
+        <p:txBody>
+          <a:bodyPr rtlCol="0" anchor="ctr"/>
+          <a:lstStyle/>
+          <a:p>
+            <a:pPr algn="ctr"/>
+            <a:endParaRPr lang="en-GB"/>
+          </a:p>
+        </p:txBody>
+      </p:sp>
+      <p:sp>
+        <p:nvSpPr>
+          <p:cNvPr id="14" name="Arrow: Right 13">
+            <a:extLst>
+              <a:ext uri="{FF2B5EF4-FFF2-40B4-BE49-F238E27FC236}">
+                <a16:creationId xmlns:a16="http://schemas.microsoft.com/office/drawing/2014/main" id="{0AFA1EF1-A4D6-EB73-F47F-80AAD9CA5D16}"/>
+              </a:ext>
+            </a:extLst>
+          </p:cNvPr>
+          <p:cNvSpPr/>
+          <p:nvPr/>
+        </p:nvSpPr>
+        <p:spPr>
+          <a:xfrm>
+            <a:off x="2324379" y="1633537"/>
+            <a:ext cx="448059" cy="174812"/>
+          </a:xfrm>
+          <a:prstGeom prst="rightArrow">
+            <a:avLst/>
+          </a:prstGeom>
+        </p:spPr>
+        <p:style>
+          <a:lnRef idx="1">
+            <a:schemeClr val="accent5"/>
+          </a:lnRef>
+          <a:fillRef idx="2">
+            <a:schemeClr val="accent5"/>
+          </a:fillRef>
+          <a:effectRef idx="1">
+            <a:schemeClr val="accent5"/>
+          </a:effectRef>
+          <a:fontRef idx="minor">
+            <a:schemeClr val="dk1"/>
+          </a:fontRef>
+        </p:style>
+        <p:txBody>
+          <a:bodyPr rtlCol="0" anchor="ctr"/>
+          <a:lstStyle/>
+          <a:p>
+            <a:pPr algn="ctr"/>
+            <a:endParaRPr lang="en-GB"/>
+          </a:p>
+        </p:txBody>
+      </p:sp>
+      <p:sp>
+        <p:nvSpPr>
+          <p:cNvPr id="15" name="Arrow: Right 14">
+            <a:extLst>
+              <a:ext uri="{FF2B5EF4-FFF2-40B4-BE49-F238E27FC236}">
+                <a16:creationId xmlns:a16="http://schemas.microsoft.com/office/drawing/2014/main" id="{2F13EDF3-27A5-CFC8-1501-43F77BFAE4CD}"/>
+              </a:ext>
+            </a:extLst>
+          </p:cNvPr>
+          <p:cNvSpPr/>
+          <p:nvPr/>
+        </p:nvSpPr>
+        <p:spPr>
+          <a:xfrm>
+            <a:off x="2324379" y="1808349"/>
+            <a:ext cx="448059" cy="174812"/>
+          </a:xfrm>
+          <a:prstGeom prst="rightArrow">
+            <a:avLst/>
+          </a:prstGeom>
+        </p:spPr>
+        <p:style>
+          <a:lnRef idx="1">
+            <a:schemeClr val="accent5"/>
+          </a:lnRef>
+          <a:fillRef idx="2">
+            <a:schemeClr val="accent5"/>
+          </a:fillRef>
+          <a:effectRef idx="1">
+            <a:schemeClr val="accent5"/>
+          </a:effectRef>
+          <a:fontRef idx="minor">
+            <a:schemeClr val="dk1"/>
+          </a:fontRef>
+        </p:style>
+        <p:txBody>
+          <a:bodyPr rtlCol="0" anchor="ctr"/>
+          <a:lstStyle/>
+          <a:p>
+            <a:pPr algn="ctr"/>
+            <a:endParaRPr lang="en-GB"/>
+          </a:p>
+        </p:txBody>
+      </p:sp>
+      <p:sp>
+        <p:nvSpPr>
+          <p:cNvPr id="16" name="Arrow: Right 15">
+            <a:extLst>
+              <a:ext uri="{FF2B5EF4-FFF2-40B4-BE49-F238E27FC236}">
+                <a16:creationId xmlns:a16="http://schemas.microsoft.com/office/drawing/2014/main" id="{2E4EDA62-8E91-E69F-42F3-5F9D9E1A3396}"/>
+              </a:ext>
+            </a:extLst>
+          </p:cNvPr>
+          <p:cNvSpPr/>
+          <p:nvPr/>
+        </p:nvSpPr>
+        <p:spPr>
+          <a:xfrm>
+            <a:off x="2324378" y="3072934"/>
+            <a:ext cx="448059" cy="174812"/>
+          </a:xfrm>
+          <a:prstGeom prst="rightArrow">
+            <a:avLst/>
+          </a:prstGeom>
+        </p:spPr>
+        <p:style>
+          <a:lnRef idx="1">
+            <a:schemeClr val="accent5"/>
+          </a:lnRef>
+          <a:fillRef idx="2">
+            <a:schemeClr val="accent5"/>
+          </a:fillRef>
+          <a:effectRef idx="1">
+            <a:schemeClr val="accent5"/>
+          </a:effectRef>
+          <a:fontRef idx="minor">
+            <a:schemeClr val="dk1"/>
+          </a:fontRef>
+        </p:style>
+        <p:txBody>
+          <a:bodyPr rtlCol="0" anchor="ctr"/>
+          <a:lstStyle/>
+          <a:p>
+            <a:pPr algn="ctr"/>
+            <a:endParaRPr lang="en-GB"/>
+          </a:p>
+        </p:txBody>
+      </p:sp>
+      <p:sp>
+        <p:nvSpPr>
+          <p:cNvPr id="17" name="Arrow: Right 16">
+            <a:extLst>
+              <a:ext uri="{FF2B5EF4-FFF2-40B4-BE49-F238E27FC236}">
+                <a16:creationId xmlns:a16="http://schemas.microsoft.com/office/drawing/2014/main" id="{30C1FACA-E1FC-106F-E428-CFCFD68C1FC2}"/>
+              </a:ext>
+            </a:extLst>
+          </p:cNvPr>
+          <p:cNvSpPr/>
+          <p:nvPr/>
+        </p:nvSpPr>
+        <p:spPr>
+          <a:xfrm>
+            <a:off x="2324377" y="3461192"/>
+            <a:ext cx="448059" cy="174812"/>
+          </a:xfrm>
+          <a:prstGeom prst="rightArrow">
+            <a:avLst/>
+          </a:prstGeom>
+        </p:spPr>
+        <p:style>
+          <a:lnRef idx="1">
+            <a:schemeClr val="accent5"/>
+          </a:lnRef>
+          <a:fillRef idx="2">
+            <a:schemeClr val="accent5"/>
+          </a:fillRef>
+          <a:effectRef idx="1">
+            <a:schemeClr val="accent5"/>
+          </a:effectRef>
+          <a:fontRef idx="minor">
+            <a:schemeClr val="dk1"/>
+          </a:fontRef>
+        </p:style>
+        <p:txBody>
+          <a:bodyPr rtlCol="0" anchor="ctr"/>
+          <a:lstStyle/>
+          <a:p>
+            <a:pPr algn="ctr"/>
+            <a:endParaRPr lang="en-GB"/>
+          </a:p>
+        </p:txBody>
+      </p:sp>
+      <p:sp>
+        <p:nvSpPr>
+          <p:cNvPr id="18" name="Arrow: Right 17">
+            <a:extLst>
+              <a:ext uri="{FF2B5EF4-FFF2-40B4-BE49-F238E27FC236}">
+                <a16:creationId xmlns:a16="http://schemas.microsoft.com/office/drawing/2014/main" id="{34CD9A32-F687-C8A4-B461-4D0698442A19}"/>
+              </a:ext>
+            </a:extLst>
+          </p:cNvPr>
+          <p:cNvSpPr/>
+          <p:nvPr/>
+        </p:nvSpPr>
+        <p:spPr>
+          <a:xfrm>
+            <a:off x="2324376" y="1084969"/>
+            <a:ext cx="448059" cy="174812"/>
+          </a:xfrm>
+          <a:prstGeom prst="rightArrow">
+            <a:avLst/>
+          </a:prstGeom>
+        </p:spPr>
+        <p:style>
+          <a:lnRef idx="1">
+            <a:schemeClr val="accent6"/>
+          </a:lnRef>
+          <a:fillRef idx="2">
+            <a:schemeClr val="accent6"/>
+          </a:fillRef>
+          <a:effectRef idx="1">
+            <a:schemeClr val="accent6"/>
+          </a:effectRef>
+          <a:fontRef idx="minor">
+            <a:schemeClr val="dk1"/>
+          </a:fontRef>
+        </p:style>
+        <p:txBody>
+          <a:bodyPr rtlCol="0" anchor="ctr"/>
+          <a:lstStyle/>
+          <a:p>
+            <a:pPr algn="ctr"/>
+            <a:endParaRPr lang="en-GB"/>
+          </a:p>
+        </p:txBody>
+      </p:sp>
+      <p:sp>
+        <p:nvSpPr>
+          <p:cNvPr id="19" name="Arrow: Right 18">
+            <a:extLst>
+              <a:ext uri="{FF2B5EF4-FFF2-40B4-BE49-F238E27FC236}">
+                <a16:creationId xmlns:a16="http://schemas.microsoft.com/office/drawing/2014/main" id="{BFCD41B6-8F16-F132-1954-F718C9E550EC}"/>
+              </a:ext>
+            </a:extLst>
+          </p:cNvPr>
+          <p:cNvSpPr/>
+          <p:nvPr/>
+        </p:nvSpPr>
+        <p:spPr>
+          <a:xfrm>
+            <a:off x="2324375" y="3286380"/>
+            <a:ext cx="448059" cy="174812"/>
+          </a:xfrm>
+          <a:prstGeom prst="rightArrow">
+            <a:avLst/>
+          </a:prstGeom>
+        </p:spPr>
+        <p:style>
+          <a:lnRef idx="1">
+            <a:schemeClr val="accent6"/>
+          </a:lnRef>
+          <a:fillRef idx="2">
+            <a:schemeClr val="accent6"/>
+          </a:fillRef>
+          <a:effectRef idx="1">
+            <a:schemeClr val="accent6"/>
+          </a:effectRef>
+          <a:fontRef idx="minor">
+            <a:schemeClr val="dk1"/>
+          </a:fontRef>
+        </p:style>
+        <p:txBody>
+          <a:bodyPr rtlCol="0" anchor="ctr"/>
+          <a:lstStyle/>
+          <a:p>
+            <a:pPr algn="ctr"/>
+            <a:endParaRPr lang="en-GB"/>
+          </a:p>
+        </p:txBody>
+      </p:sp>
+      <p:sp>
+        <p:nvSpPr>
+          <p:cNvPr id="20" name="Arrow: Right 19">
+            <a:extLst>
+              <a:ext uri="{FF2B5EF4-FFF2-40B4-BE49-F238E27FC236}">
+                <a16:creationId xmlns:a16="http://schemas.microsoft.com/office/drawing/2014/main" id="{797F056B-D9FE-9B35-390E-C21FFDE80454}"/>
+              </a:ext>
+            </a:extLst>
+          </p:cNvPr>
+          <p:cNvSpPr/>
+          <p:nvPr/>
+        </p:nvSpPr>
+        <p:spPr>
+          <a:xfrm>
+            <a:off x="2324375" y="3655321"/>
+            <a:ext cx="448059" cy="174812"/>
+          </a:xfrm>
+          <a:prstGeom prst="rightArrow">
+            <a:avLst/>
+          </a:prstGeom>
+        </p:spPr>
+        <p:style>
+          <a:lnRef idx="1">
+            <a:schemeClr val="accent6"/>
+          </a:lnRef>
+          <a:fillRef idx="2">
+            <a:schemeClr val="accent6"/>
+          </a:fillRef>
+          <a:effectRef idx="1">
+            <a:schemeClr val="accent6"/>
+          </a:effectRef>
+          <a:fontRef idx="minor">
+            <a:schemeClr val="dk1"/>
+          </a:fontRef>
+        </p:style>
+        <p:txBody>
+          <a:bodyPr rtlCol="0" anchor="ctr"/>
+          <a:lstStyle/>
+          <a:p>
+            <a:pPr algn="ctr"/>
+            <a:endParaRPr lang="en-GB"/>
+          </a:p>
+        </p:txBody>
+      </p:sp>
+      <p:sp>
+        <p:nvSpPr>
+          <p:cNvPr id="21" name="Arrow: Right 20">
+            <a:extLst>
+              <a:ext uri="{FF2B5EF4-FFF2-40B4-BE49-F238E27FC236}">
+                <a16:creationId xmlns:a16="http://schemas.microsoft.com/office/drawing/2014/main" id="{952E3ABB-C57B-3D2D-5AC6-C8BDF2BA9AAC}"/>
+              </a:ext>
+            </a:extLst>
+          </p:cNvPr>
+          <p:cNvSpPr/>
+          <p:nvPr/>
+        </p:nvSpPr>
+        <p:spPr>
+          <a:xfrm>
+            <a:off x="535729" y="2979086"/>
+            <a:ext cx="687953" cy="268660"/>
+          </a:xfrm>
+          <a:prstGeom prst="rightArrow">
+            <a:avLst/>
+          </a:prstGeom>
+        </p:spPr>
+        <p:style>
+          <a:lnRef idx="1">
+            <a:schemeClr val="accent5"/>
+          </a:lnRef>
+          <a:fillRef idx="2">
+            <a:schemeClr val="accent5"/>
+          </a:fillRef>
+          <a:effectRef idx="1">
+            <a:schemeClr val="accent5"/>
+          </a:effectRef>
+          <a:fontRef idx="minor">
+            <a:schemeClr val="dk1"/>
+          </a:fontRef>
+        </p:style>
+        <p:txBody>
+          <a:bodyPr rtlCol="0" anchor="ctr"/>
+          <a:lstStyle/>
+          <a:p>
+            <a:pPr algn="ctr"/>
+            <a:r>
+              <a:rPr lang="en-GB" dirty="0"/>
+              <a:t>new</a:t>
+            </a:r>
+          </a:p>
+        </p:txBody>
+      </p:sp>
+      <p:sp>
+        <p:nvSpPr>
+          <p:cNvPr id="22" name="Arrow: Right 21">
+            <a:extLst>
+              <a:ext uri="{FF2B5EF4-FFF2-40B4-BE49-F238E27FC236}">
+                <a16:creationId xmlns:a16="http://schemas.microsoft.com/office/drawing/2014/main" id="{4C81669E-EBC1-429A-E6C4-10001956F1EF}"/>
+              </a:ext>
+            </a:extLst>
+          </p:cNvPr>
+          <p:cNvSpPr/>
+          <p:nvPr/>
+        </p:nvSpPr>
+        <p:spPr>
+          <a:xfrm>
+            <a:off x="398388" y="3373786"/>
+            <a:ext cx="1107766" cy="241535"/>
+          </a:xfrm>
+          <a:prstGeom prst="rightArrow">
+            <a:avLst/>
+          </a:prstGeom>
+        </p:spPr>
+        <p:style>
+          <a:lnRef idx="1">
+            <a:schemeClr val="accent6"/>
+          </a:lnRef>
+          <a:fillRef idx="2">
+            <a:schemeClr val="accent6"/>
+          </a:fillRef>
+          <a:effectRef idx="1">
+            <a:schemeClr val="accent6"/>
+          </a:effectRef>
+          <a:fontRef idx="minor">
+            <a:schemeClr val="dk1"/>
+          </a:fontRef>
+        </p:style>
+        <p:txBody>
+          <a:bodyPr rtlCol="0" anchor="ctr"/>
+          <a:lstStyle/>
+          <a:p>
+            <a:pPr algn="ctr"/>
+            <a:r>
+              <a:rPr lang="en-GB" dirty="0"/>
+              <a:t>refactored</a:t>
+            </a:r>
+          </a:p>
+        </p:txBody>
+      </p:sp>
+      <p:sp>
+        <p:nvSpPr>
+          <p:cNvPr id="23" name="Arrow: Right 22">
+            <a:extLst>
+              <a:ext uri="{FF2B5EF4-FFF2-40B4-BE49-F238E27FC236}">
+                <a16:creationId xmlns:a16="http://schemas.microsoft.com/office/drawing/2014/main" id="{F31ADD09-6AD3-2CB3-4129-0968A39EFA80}"/>
+              </a:ext>
+            </a:extLst>
+          </p:cNvPr>
+          <p:cNvSpPr/>
+          <p:nvPr/>
+        </p:nvSpPr>
+        <p:spPr>
+          <a:xfrm>
+            <a:off x="4513098" y="2272745"/>
+            <a:ext cx="448059" cy="174812"/>
+          </a:xfrm>
+          <a:prstGeom prst="rightArrow">
+            <a:avLst/>
+          </a:prstGeom>
+        </p:spPr>
+        <p:style>
+          <a:lnRef idx="1">
+            <a:schemeClr val="accent5"/>
+          </a:lnRef>
+          <a:fillRef idx="2">
+            <a:schemeClr val="accent5"/>
+          </a:fillRef>
+          <a:effectRef idx="1">
+            <a:schemeClr val="accent5"/>
+          </a:effectRef>
+          <a:fontRef idx="minor">
+            <a:schemeClr val="dk1"/>
+          </a:fontRef>
+        </p:style>
+        <p:txBody>
+          <a:bodyPr rtlCol="0" anchor="ctr"/>
+          <a:lstStyle/>
+          <a:p>
+            <a:pPr algn="ctr"/>
+            <a:endParaRPr lang="en-GB"/>
+          </a:p>
+        </p:txBody>
+      </p:sp>
+      <p:sp>
+        <p:nvSpPr>
+          <p:cNvPr id="24" name="Arrow: Right 23">
+            <a:extLst>
+              <a:ext uri="{FF2B5EF4-FFF2-40B4-BE49-F238E27FC236}">
+                <a16:creationId xmlns:a16="http://schemas.microsoft.com/office/drawing/2014/main" id="{15CA7925-EC96-AE4B-33AB-902334C512BF}"/>
+              </a:ext>
+            </a:extLst>
+          </p:cNvPr>
+          <p:cNvSpPr/>
+          <p:nvPr/>
+        </p:nvSpPr>
+        <p:spPr>
+          <a:xfrm>
+            <a:off x="4513097" y="2508247"/>
+            <a:ext cx="448059" cy="174812"/>
+          </a:xfrm>
+          <a:prstGeom prst="rightArrow">
+            <a:avLst/>
+          </a:prstGeom>
+        </p:spPr>
+        <p:style>
+          <a:lnRef idx="1">
+            <a:schemeClr val="accent5"/>
+          </a:lnRef>
+          <a:fillRef idx="2">
+            <a:schemeClr val="accent5"/>
+          </a:fillRef>
+          <a:effectRef idx="1">
+            <a:schemeClr val="accent5"/>
+          </a:effectRef>
+          <a:fontRef idx="minor">
+            <a:schemeClr val="dk1"/>
+          </a:fontRef>
+        </p:style>
+        <p:txBody>
+          <a:bodyPr rtlCol="0" anchor="ctr"/>
+          <a:lstStyle/>
+          <a:p>
+            <a:pPr algn="ctr"/>
+            <a:endParaRPr lang="en-GB"/>
+          </a:p>
+        </p:txBody>
+      </p:sp>
+      <p:sp>
+        <p:nvSpPr>
+          <p:cNvPr id="25" name="Arrow: Right 24">
+            <a:extLst>
+              <a:ext uri="{FF2B5EF4-FFF2-40B4-BE49-F238E27FC236}">
+                <a16:creationId xmlns:a16="http://schemas.microsoft.com/office/drawing/2014/main" id="{D7C3D827-080B-2241-134B-8EFBA55A7882}"/>
+              </a:ext>
+            </a:extLst>
+          </p:cNvPr>
+          <p:cNvSpPr/>
+          <p:nvPr/>
+        </p:nvSpPr>
+        <p:spPr>
+          <a:xfrm>
+            <a:off x="4532071" y="1608299"/>
+            <a:ext cx="448059" cy="174812"/>
+          </a:xfrm>
+          <a:prstGeom prst="rightArrow">
+            <a:avLst/>
+          </a:prstGeom>
+        </p:spPr>
+        <p:style>
+          <a:lnRef idx="1">
+            <a:schemeClr val="accent6"/>
+          </a:lnRef>
+          <a:fillRef idx="2">
+            <a:schemeClr val="accent6"/>
+          </a:fillRef>
+          <a:effectRef idx="1">
+            <a:schemeClr val="accent6"/>
+          </a:effectRef>
+          <a:fontRef idx="minor">
+            <a:schemeClr val="dk1"/>
+          </a:fontRef>
+        </p:style>
+        <p:txBody>
+          <a:bodyPr rtlCol="0" anchor="ctr"/>
+          <a:lstStyle/>
+          <a:p>
+            <a:pPr algn="ctr"/>
+            <a:endParaRPr lang="en-GB"/>
+          </a:p>
+        </p:txBody>
+      </p:sp>
+      <p:sp>
+        <p:nvSpPr>
+          <p:cNvPr id="26" name="Arrow: Right 25">
+            <a:extLst>
+              <a:ext uri="{FF2B5EF4-FFF2-40B4-BE49-F238E27FC236}">
+                <a16:creationId xmlns:a16="http://schemas.microsoft.com/office/drawing/2014/main" id="{D0822BA2-1907-7209-7BBE-C166DFF4B7E0}"/>
+              </a:ext>
+            </a:extLst>
+          </p:cNvPr>
+          <p:cNvSpPr/>
+          <p:nvPr/>
+        </p:nvSpPr>
+        <p:spPr>
+          <a:xfrm>
+            <a:off x="4521804" y="3394479"/>
+            <a:ext cx="448059" cy="174812"/>
+          </a:xfrm>
+          <a:prstGeom prst="rightArrow">
+            <a:avLst/>
+          </a:prstGeom>
+        </p:spPr>
+        <p:style>
+          <a:lnRef idx="1">
+            <a:schemeClr val="accent6"/>
+          </a:lnRef>
+          <a:fillRef idx="2">
+            <a:schemeClr val="accent6"/>
+          </a:fillRef>
+          <a:effectRef idx="1">
+            <a:schemeClr val="accent6"/>
+          </a:effectRef>
+          <a:fontRef idx="minor">
+            <a:schemeClr val="dk1"/>
+          </a:fontRef>
+        </p:style>
+        <p:txBody>
+          <a:bodyPr rtlCol="0" anchor="ctr"/>
+          <a:lstStyle/>
+          <a:p>
+            <a:pPr algn="ctr"/>
+            <a:endParaRPr lang="en-GB"/>
+          </a:p>
+        </p:txBody>
+      </p:sp>
+      <p:sp>
+        <p:nvSpPr>
+          <p:cNvPr id="27" name="Arrow: Right 26">
+            <a:extLst>
+              <a:ext uri="{FF2B5EF4-FFF2-40B4-BE49-F238E27FC236}">
+                <a16:creationId xmlns:a16="http://schemas.microsoft.com/office/drawing/2014/main" id="{529D2CDE-64B4-5007-425C-920912F1E235}"/>
+              </a:ext>
+            </a:extLst>
+          </p:cNvPr>
+          <p:cNvSpPr/>
+          <p:nvPr/>
+        </p:nvSpPr>
+        <p:spPr>
+          <a:xfrm>
+            <a:off x="4521803" y="3740734"/>
+            <a:ext cx="448059" cy="174812"/>
+          </a:xfrm>
+          <a:prstGeom prst="rightArrow">
+            <a:avLst/>
+          </a:prstGeom>
+        </p:spPr>
+        <p:style>
+          <a:lnRef idx="1">
+            <a:schemeClr val="accent6"/>
+          </a:lnRef>
+          <a:fillRef idx="2">
+            <a:schemeClr val="accent6"/>
+          </a:fillRef>
+          <a:effectRef idx="1">
+            <a:schemeClr val="accent6"/>
+          </a:effectRef>
+          <a:fontRef idx="minor">
+            <a:schemeClr val="dk1"/>
+          </a:fontRef>
+        </p:style>
+        <p:txBody>
+          <a:bodyPr rtlCol="0" anchor="ctr"/>
+          <a:lstStyle/>
+          <a:p>
+            <a:pPr algn="ctr"/>
+            <a:endParaRPr lang="en-GB"/>
+          </a:p>
+        </p:txBody>
+      </p:sp>
+      <p:sp>
+        <p:nvSpPr>
+          <p:cNvPr id="28" name="Arrow: Right 27">
+            <a:extLst>
+              <a:ext uri="{FF2B5EF4-FFF2-40B4-BE49-F238E27FC236}">
+                <a16:creationId xmlns:a16="http://schemas.microsoft.com/office/drawing/2014/main" id="{70D0126A-F3AB-CDDA-1ED9-84ED3D982A97}"/>
+              </a:ext>
+            </a:extLst>
+          </p:cNvPr>
+          <p:cNvSpPr/>
+          <p:nvPr/>
+        </p:nvSpPr>
+        <p:spPr>
+          <a:xfrm>
+            <a:off x="4521802" y="4511941"/>
+            <a:ext cx="448059" cy="174812"/>
+          </a:xfrm>
+          <a:prstGeom prst="rightArrow">
+            <a:avLst/>
+          </a:prstGeom>
+        </p:spPr>
+        <p:style>
+          <a:lnRef idx="1">
+            <a:schemeClr val="accent5"/>
+          </a:lnRef>
+          <a:fillRef idx="2">
+            <a:schemeClr val="accent5"/>
+          </a:fillRef>
+          <a:effectRef idx="1">
+            <a:schemeClr val="accent5"/>
+          </a:effectRef>
+          <a:fontRef idx="minor">
+            <a:schemeClr val="dk1"/>
+          </a:fontRef>
+        </p:style>
+        <p:txBody>
+          <a:bodyPr rtlCol="0" anchor="ctr"/>
+          <a:lstStyle/>
+          <a:p>
+            <a:pPr algn="ctr"/>
+            <a:endParaRPr lang="en-GB"/>
+          </a:p>
+        </p:txBody>
+      </p:sp>
+      <p:sp>
+        <p:nvSpPr>
+          <p:cNvPr id="29" name="Arrow: Right 28">
+            <a:extLst>
+              <a:ext uri="{FF2B5EF4-FFF2-40B4-BE49-F238E27FC236}">
+                <a16:creationId xmlns:a16="http://schemas.microsoft.com/office/drawing/2014/main" id="{87A7F74B-C82B-4368-655E-DAFFAAE33008}"/>
+              </a:ext>
+            </a:extLst>
+          </p:cNvPr>
+          <p:cNvSpPr/>
+          <p:nvPr/>
+        </p:nvSpPr>
+        <p:spPr>
+          <a:xfrm>
+            <a:off x="4532071" y="4773187"/>
+            <a:ext cx="448059" cy="174812"/>
+          </a:xfrm>
+          <a:prstGeom prst="rightArrow">
+            <a:avLst/>
+          </a:prstGeom>
+        </p:spPr>
+        <p:style>
+          <a:lnRef idx="1">
+            <a:schemeClr val="accent5"/>
+          </a:lnRef>
+          <a:fillRef idx="2">
+            <a:schemeClr val="accent5"/>
+          </a:fillRef>
+          <a:effectRef idx="1">
+            <a:schemeClr val="accent5"/>
+          </a:effectRef>
+          <a:fontRef idx="minor">
+            <a:schemeClr val="dk1"/>
+          </a:fontRef>
+        </p:style>
+        <p:txBody>
+          <a:bodyPr rtlCol="0" anchor="ctr"/>
+          <a:lstStyle/>
+          <a:p>
+            <a:pPr algn="ctr"/>
+            <a:endParaRPr lang="en-GB"/>
+          </a:p>
+        </p:txBody>
+      </p:sp>
+    </p:spTree>
+    <p:extLst>
+      <p:ext uri="{BB962C8B-B14F-4D97-AF65-F5344CB8AC3E}">
+        <p14:creationId xmlns:p14="http://schemas.microsoft.com/office/powerpoint/2010/main" val="1998632435"/>
+      </p:ext>
+    </p:extLst>
+  </p:cSld>
+  <p:clrMapOvr>
+    <a:masterClrMapping/>
+  </p:clrMapOvr>
+</p:sld>
+</file>
+
+<file path=ppt/slides/slide28.xml><?xml version="1.0" encoding="utf-8"?>
+<p:sld xmlns:a="http://schemas.openxmlformats.org/drawingml/2006/main" xmlns:r="http://schemas.openxmlformats.org/officeDocument/2006/relationships" xmlns:p="http://schemas.openxmlformats.org/presentationml/2006/main">
+  <p:cSld>
+    <p:spTree>
+      <p:nvGrpSpPr>
+        <p:cNvPr id="1" name=""/>
+        <p:cNvGrpSpPr/>
+        <p:nvPr/>
+      </p:nvGrpSpPr>
+      <p:grpSpPr>
+        <a:xfrm>
+          <a:off x="0" y="0"/>
+          <a:ext cx="0" cy="0"/>
+          <a:chOff x="0" y="0"/>
+          <a:chExt cx="0" cy="0"/>
+        </a:xfrm>
+      </p:grpSpPr>
+      <p:sp>
+        <p:nvSpPr>
+          <p:cNvPr id="2" name="Title 1">
+            <a:extLst>
+              <a:ext uri="{FF2B5EF4-FFF2-40B4-BE49-F238E27FC236}">
+                <a16:creationId xmlns:a16="http://schemas.microsoft.com/office/drawing/2014/main" id="{E100C4C4-ECC7-18BE-A34A-75F9B1031E02}"/>
+              </a:ext>
+            </a:extLst>
+          </p:cNvPr>
+          <p:cNvSpPr>
+            <a:spLocks noGrp="1"/>
+          </p:cNvSpPr>
+          <p:nvPr>
+            <p:ph type="title"/>
+          </p:nvPr>
+        </p:nvSpPr>
+        <p:spPr/>
+        <p:txBody>
+          <a:bodyPr>
+            <a:normAutofit fontScale="90000"/>
+          </a:bodyPr>
+          <a:lstStyle/>
+          <a:p>
+            <a:r>
+              <a:rPr lang="en-GB" dirty="0"/>
+              <a:t>OOp101-1C2 - __</a:t>
+            </a:r>
+            <a:r>
+              <a:rPr lang="en-GB" dirty="0" err="1"/>
+              <a:t>init</a:t>
+            </a:r>
+            <a:r>
+              <a:rPr lang="en-GB" dirty="0"/>
+              <a:t>__ refactored</a:t>
+            </a:r>
+          </a:p>
+        </p:txBody>
+      </p:sp>
+      <p:pic>
+        <p:nvPicPr>
+          <p:cNvPr id="5" name="Picture 4">
+            <a:extLst>
+              <a:ext uri="{FF2B5EF4-FFF2-40B4-BE49-F238E27FC236}">
+                <a16:creationId xmlns:a16="http://schemas.microsoft.com/office/drawing/2014/main" id="{88D273F8-AA76-F111-3A77-7D0D0E8BBFD9}"/>
+              </a:ext>
+            </a:extLst>
+          </p:cNvPr>
+          <p:cNvPicPr>
+            <a:picLocks noChangeAspect="1"/>
+          </p:cNvPicPr>
+          <p:nvPr/>
+        </p:nvPicPr>
+        <p:blipFill>
+          <a:blip r:embed="rId2"/>
+          <a:stretch>
+            <a:fillRect/>
+          </a:stretch>
+        </p:blipFill>
+        <p:spPr>
+          <a:xfrm>
+            <a:off x="6919759" y="913839"/>
+            <a:ext cx="2153924" cy="3315820"/>
+          </a:xfrm>
+          <a:prstGeom prst="rect">
+            <a:avLst/>
+          </a:prstGeom>
+        </p:spPr>
+      </p:pic>
+      <p:pic>
+        <p:nvPicPr>
+          <p:cNvPr id="7" name="Picture 6">
+            <a:extLst>
+              <a:ext uri="{FF2B5EF4-FFF2-40B4-BE49-F238E27FC236}">
+                <a16:creationId xmlns:a16="http://schemas.microsoft.com/office/drawing/2014/main" id="{5A493AD3-5E0B-9BA7-9E61-EF1CAFEC276D}"/>
+              </a:ext>
+            </a:extLst>
+          </p:cNvPr>
+          <p:cNvPicPr>
+            <a:picLocks noChangeAspect="1"/>
+          </p:cNvPicPr>
+          <p:nvPr/>
+        </p:nvPicPr>
+        <p:blipFill>
+          <a:blip r:embed="rId3"/>
+          <a:stretch>
+            <a:fillRect/>
+          </a:stretch>
+        </p:blipFill>
+        <p:spPr>
+          <a:xfrm>
+            <a:off x="70317" y="976312"/>
+            <a:ext cx="6724650" cy="3190875"/>
+          </a:xfrm>
+          <a:prstGeom prst="rect">
+            <a:avLst/>
+          </a:prstGeom>
+        </p:spPr>
+      </p:pic>
+    </p:spTree>
+    <p:extLst>
+      <p:ext uri="{BB962C8B-B14F-4D97-AF65-F5344CB8AC3E}">
+        <p14:creationId xmlns:p14="http://schemas.microsoft.com/office/powerpoint/2010/main" val="3960066381"/>
+      </p:ext>
+    </p:extLst>
+  </p:cSld>
+  <p:clrMapOvr>
+    <a:masterClrMapping/>
+  </p:clrMapOvr>
+</p:sld>
+</file>
+
+<file path=ppt/slides/slide29.xml><?xml version="1.0" encoding="utf-8"?>
+<p:sld xmlns:a="http://schemas.openxmlformats.org/drawingml/2006/main" xmlns:r="http://schemas.openxmlformats.org/officeDocument/2006/relationships" xmlns:p="http://schemas.openxmlformats.org/presentationml/2006/main">
+  <p:cSld>
+    <p:spTree>
+      <p:nvGrpSpPr>
+        <p:cNvPr id="1" name=""/>
+        <p:cNvGrpSpPr/>
+        <p:nvPr/>
+      </p:nvGrpSpPr>
+      <p:grpSpPr>
+        <a:xfrm>
+          <a:off x="0" y="0"/>
+          <a:ext cx="0" cy="0"/>
+          <a:chOff x="0" y="0"/>
+          <a:chExt cx="0" cy="0"/>
+        </a:xfrm>
+      </p:grpSpPr>
+      <p:sp>
+        <p:nvSpPr>
+          <p:cNvPr id="2" name="Title 1">
+            <a:extLst>
+              <a:ext uri="{FF2B5EF4-FFF2-40B4-BE49-F238E27FC236}">
+                <a16:creationId xmlns:a16="http://schemas.microsoft.com/office/drawing/2014/main" id="{E100C4C4-ECC7-18BE-A34A-75F9B1031E02}"/>
+              </a:ext>
+            </a:extLst>
+          </p:cNvPr>
+          <p:cNvSpPr>
+            <a:spLocks noGrp="1"/>
+          </p:cNvSpPr>
+          <p:nvPr>
+            <p:ph type="title"/>
+          </p:nvPr>
+        </p:nvSpPr>
+        <p:spPr/>
+        <p:txBody>
+          <a:bodyPr>
+            <a:normAutofit fontScale="90000"/>
+          </a:bodyPr>
+          <a:lstStyle/>
+          <a:p>
+            <a:r>
+              <a:rPr lang="en-GB" dirty="0"/>
+              <a:t>OOp101-1C2 – Getter &amp; Setter for position</a:t>
+            </a:r>
+          </a:p>
+        </p:txBody>
+      </p:sp>
+      <p:pic>
+        <p:nvPicPr>
+          <p:cNvPr id="5" name="Picture 4">
+            <a:extLst>
+              <a:ext uri="{FF2B5EF4-FFF2-40B4-BE49-F238E27FC236}">
+                <a16:creationId xmlns:a16="http://schemas.microsoft.com/office/drawing/2014/main" id="{88D273F8-AA76-F111-3A77-7D0D0E8BBFD9}"/>
+              </a:ext>
+            </a:extLst>
+          </p:cNvPr>
+          <p:cNvPicPr>
+            <a:picLocks noChangeAspect="1"/>
+          </p:cNvPicPr>
+          <p:nvPr/>
+        </p:nvPicPr>
+        <p:blipFill>
+          <a:blip r:embed="rId2"/>
+          <a:stretch>
+            <a:fillRect/>
+          </a:stretch>
+        </p:blipFill>
+        <p:spPr>
+          <a:xfrm>
+            <a:off x="6919759" y="913839"/>
+            <a:ext cx="2153924" cy="3315820"/>
+          </a:xfrm>
+          <a:prstGeom prst="rect">
+            <a:avLst/>
+          </a:prstGeom>
+        </p:spPr>
+      </p:pic>
+      <p:pic>
+        <p:nvPicPr>
+          <p:cNvPr id="4" name="Picture 3">
+            <a:extLst>
+              <a:ext uri="{FF2B5EF4-FFF2-40B4-BE49-F238E27FC236}">
+                <a16:creationId xmlns:a16="http://schemas.microsoft.com/office/drawing/2014/main" id="{A635CA1D-D40B-C55E-339E-B2AE23759414}"/>
+              </a:ext>
+            </a:extLst>
+          </p:cNvPr>
+          <p:cNvPicPr>
+            <a:picLocks noChangeAspect="1"/>
+          </p:cNvPicPr>
+          <p:nvPr/>
+        </p:nvPicPr>
+        <p:blipFill>
+          <a:blip r:embed="rId3"/>
+          <a:stretch>
+            <a:fillRect/>
+          </a:stretch>
+        </p:blipFill>
+        <p:spPr>
+          <a:xfrm>
+            <a:off x="311700" y="1211075"/>
+            <a:ext cx="5419725" cy="2600325"/>
+          </a:xfrm>
+          <a:prstGeom prst="rect">
+            <a:avLst/>
+          </a:prstGeom>
+        </p:spPr>
+      </p:pic>
+    </p:spTree>
+    <p:extLst>
+      <p:ext uri="{BB962C8B-B14F-4D97-AF65-F5344CB8AC3E}">
+        <p14:creationId xmlns:p14="http://schemas.microsoft.com/office/powerpoint/2010/main" val="2174637034"/>
+      </p:ext>
+    </p:extLst>
+  </p:cSld>
+  <p:clrMapOvr>
+    <a:masterClrMapping/>
+  </p:clrMapOvr>
+</p:sld>
+</file>
+
 <file path=ppt/slides/slide3.xml><?xml version="1.0" encoding="utf-8"?>
 <p:sld xmlns:a="http://schemas.openxmlformats.org/drawingml/2006/main" xmlns:r="http://schemas.openxmlformats.org/officeDocument/2006/relationships" xmlns:p="http://schemas.openxmlformats.org/presentationml/2006/main">
   <p:cSld>
@@ -14669,6 +16499,1308 @@
         </p:txBody>
       </p:sp>
     </p:spTree>
+  </p:cSld>
+  <p:clrMapOvr>
+    <a:masterClrMapping/>
+  </p:clrMapOvr>
+</p:sld>
+</file>
+
+<file path=ppt/slides/slide30.xml><?xml version="1.0" encoding="utf-8"?>
+<p:sld xmlns:a="http://schemas.openxmlformats.org/drawingml/2006/main" xmlns:r="http://schemas.openxmlformats.org/officeDocument/2006/relationships" xmlns:p="http://schemas.openxmlformats.org/presentationml/2006/main">
+  <p:cSld>
+    <p:spTree>
+      <p:nvGrpSpPr>
+        <p:cNvPr id="1" name=""/>
+        <p:cNvGrpSpPr/>
+        <p:nvPr/>
+      </p:nvGrpSpPr>
+      <p:grpSpPr>
+        <a:xfrm>
+          <a:off x="0" y="0"/>
+          <a:ext cx="0" cy="0"/>
+          <a:chOff x="0" y="0"/>
+          <a:chExt cx="0" cy="0"/>
+        </a:xfrm>
+      </p:grpSpPr>
+      <p:sp>
+        <p:nvSpPr>
+          <p:cNvPr id="2" name="Title 1">
+            <a:extLst>
+              <a:ext uri="{FF2B5EF4-FFF2-40B4-BE49-F238E27FC236}">
+                <a16:creationId xmlns:a16="http://schemas.microsoft.com/office/drawing/2014/main" id="{E100C4C4-ECC7-18BE-A34A-75F9B1031E02}"/>
+              </a:ext>
+            </a:extLst>
+          </p:cNvPr>
+          <p:cNvSpPr>
+            <a:spLocks noGrp="1"/>
+          </p:cNvSpPr>
+          <p:nvPr>
+            <p:ph type="title"/>
+          </p:nvPr>
+        </p:nvSpPr>
+        <p:spPr/>
+        <p:txBody>
+          <a:bodyPr>
+            <a:normAutofit fontScale="90000"/>
+          </a:bodyPr>
+          <a:lstStyle/>
+          <a:p>
+            <a:r>
+              <a:rPr lang="en-GB" dirty="0"/>
+              <a:t>OOp101-1C2 – helper method : </a:t>
+            </a:r>
+            <a:r>
+              <a:rPr lang="en-GB" dirty="0" err="1"/>
+              <a:t>getKeyIdString</a:t>
+            </a:r>
+            <a:endParaRPr lang="en-GB" dirty="0"/>
+          </a:p>
+        </p:txBody>
+      </p:sp>
+      <p:pic>
+        <p:nvPicPr>
+          <p:cNvPr id="5" name="Picture 4">
+            <a:extLst>
+              <a:ext uri="{FF2B5EF4-FFF2-40B4-BE49-F238E27FC236}">
+                <a16:creationId xmlns:a16="http://schemas.microsoft.com/office/drawing/2014/main" id="{88D273F8-AA76-F111-3A77-7D0D0E8BBFD9}"/>
+              </a:ext>
+            </a:extLst>
+          </p:cNvPr>
+          <p:cNvPicPr>
+            <a:picLocks noChangeAspect="1"/>
+          </p:cNvPicPr>
+          <p:nvPr/>
+        </p:nvPicPr>
+        <p:blipFill>
+          <a:blip r:embed="rId2"/>
+          <a:stretch>
+            <a:fillRect/>
+          </a:stretch>
+        </p:blipFill>
+        <p:spPr>
+          <a:xfrm>
+            <a:off x="6990076" y="1570175"/>
+            <a:ext cx="2153924" cy="3315820"/>
+          </a:xfrm>
+          <a:prstGeom prst="rect">
+            <a:avLst/>
+          </a:prstGeom>
+        </p:spPr>
+      </p:pic>
+      <p:pic>
+        <p:nvPicPr>
+          <p:cNvPr id="6" name="Picture 5">
+            <a:extLst>
+              <a:ext uri="{FF2B5EF4-FFF2-40B4-BE49-F238E27FC236}">
+                <a16:creationId xmlns:a16="http://schemas.microsoft.com/office/drawing/2014/main" id="{58810E6B-D6FA-44F1-F367-E965801E7849}"/>
+              </a:ext>
+            </a:extLst>
+          </p:cNvPr>
+          <p:cNvPicPr>
+            <a:picLocks noChangeAspect="1"/>
+          </p:cNvPicPr>
+          <p:nvPr/>
+        </p:nvPicPr>
+        <p:blipFill>
+          <a:blip r:embed="rId3"/>
+          <a:stretch>
+            <a:fillRect/>
+          </a:stretch>
+        </p:blipFill>
+        <p:spPr>
+          <a:xfrm>
+            <a:off x="151126" y="1091684"/>
+            <a:ext cx="6838950" cy="1104900"/>
+          </a:xfrm>
+          <a:prstGeom prst="rect">
+            <a:avLst/>
+          </a:prstGeom>
+        </p:spPr>
+      </p:pic>
+    </p:spTree>
+    <p:extLst>
+      <p:ext uri="{BB962C8B-B14F-4D97-AF65-F5344CB8AC3E}">
+        <p14:creationId xmlns:p14="http://schemas.microsoft.com/office/powerpoint/2010/main" val="2131309554"/>
+      </p:ext>
+    </p:extLst>
+  </p:cSld>
+  <p:clrMapOvr>
+    <a:masterClrMapping/>
+  </p:clrMapOvr>
+</p:sld>
+</file>
+
+<file path=ppt/slides/slide31.xml><?xml version="1.0" encoding="utf-8"?>
+<p:sld xmlns:a="http://schemas.openxmlformats.org/drawingml/2006/main" xmlns:r="http://schemas.openxmlformats.org/officeDocument/2006/relationships" xmlns:p="http://schemas.openxmlformats.org/presentationml/2006/main">
+  <p:cSld>
+    <p:spTree>
+      <p:nvGrpSpPr>
+        <p:cNvPr id="1" name=""/>
+        <p:cNvGrpSpPr/>
+        <p:nvPr/>
+      </p:nvGrpSpPr>
+      <p:grpSpPr>
+        <a:xfrm>
+          <a:off x="0" y="0"/>
+          <a:ext cx="0" cy="0"/>
+          <a:chOff x="0" y="0"/>
+          <a:chExt cx="0" cy="0"/>
+        </a:xfrm>
+      </p:grpSpPr>
+      <p:sp>
+        <p:nvSpPr>
+          <p:cNvPr id="2" name="Title 1">
+            <a:extLst>
+              <a:ext uri="{FF2B5EF4-FFF2-40B4-BE49-F238E27FC236}">
+                <a16:creationId xmlns:a16="http://schemas.microsoft.com/office/drawing/2014/main" id="{E100C4C4-ECC7-18BE-A34A-75F9B1031E02}"/>
+              </a:ext>
+            </a:extLst>
+          </p:cNvPr>
+          <p:cNvSpPr>
+            <a:spLocks noGrp="1"/>
+          </p:cNvSpPr>
+          <p:nvPr>
+            <p:ph type="title"/>
+          </p:nvPr>
+        </p:nvSpPr>
+        <p:spPr>
+          <a:xfrm>
+            <a:off x="311700" y="95402"/>
+            <a:ext cx="8520600" cy="572700"/>
+          </a:xfrm>
+        </p:spPr>
+        <p:txBody>
+          <a:bodyPr>
+            <a:normAutofit fontScale="90000"/>
+          </a:bodyPr>
+          <a:lstStyle/>
+          <a:p>
+            <a:r>
+              <a:rPr lang="en-GB" dirty="0"/>
+              <a:t>OOp101-1C2 – helper method : </a:t>
+            </a:r>
+            <a:r>
+              <a:rPr lang="en-GB" dirty="0" err="1"/>
+              <a:t>wasPressed</a:t>
+            </a:r>
+            <a:endParaRPr lang="en-GB" dirty="0"/>
+          </a:p>
+        </p:txBody>
+      </p:sp>
+      <p:pic>
+        <p:nvPicPr>
+          <p:cNvPr id="5" name="Picture 4">
+            <a:extLst>
+              <a:ext uri="{FF2B5EF4-FFF2-40B4-BE49-F238E27FC236}">
+                <a16:creationId xmlns:a16="http://schemas.microsoft.com/office/drawing/2014/main" id="{88D273F8-AA76-F111-3A77-7D0D0E8BBFD9}"/>
+              </a:ext>
+            </a:extLst>
+          </p:cNvPr>
+          <p:cNvPicPr>
+            <a:picLocks noChangeAspect="1"/>
+          </p:cNvPicPr>
+          <p:nvPr/>
+        </p:nvPicPr>
+        <p:blipFill>
+          <a:blip r:embed="rId2"/>
+          <a:stretch>
+            <a:fillRect/>
+          </a:stretch>
+        </p:blipFill>
+        <p:spPr>
+          <a:xfrm>
+            <a:off x="6990076" y="1570175"/>
+            <a:ext cx="2153924" cy="3315820"/>
+          </a:xfrm>
+          <a:prstGeom prst="rect">
+            <a:avLst/>
+          </a:prstGeom>
+        </p:spPr>
+      </p:pic>
+      <p:pic>
+        <p:nvPicPr>
+          <p:cNvPr id="4" name="Picture 3">
+            <a:extLst>
+              <a:ext uri="{FF2B5EF4-FFF2-40B4-BE49-F238E27FC236}">
+                <a16:creationId xmlns:a16="http://schemas.microsoft.com/office/drawing/2014/main" id="{AFB72F1F-A8B2-20C8-7A9F-A9842AC9FB32}"/>
+              </a:ext>
+            </a:extLst>
+          </p:cNvPr>
+          <p:cNvPicPr>
+            <a:picLocks noChangeAspect="1"/>
+          </p:cNvPicPr>
+          <p:nvPr/>
+        </p:nvPicPr>
+        <p:blipFill>
+          <a:blip r:embed="rId3"/>
+          <a:stretch>
+            <a:fillRect/>
+          </a:stretch>
+        </p:blipFill>
+        <p:spPr>
+          <a:xfrm>
+            <a:off x="226920" y="1789810"/>
+            <a:ext cx="5086350" cy="2876550"/>
+          </a:xfrm>
+          <a:prstGeom prst="rect">
+            <a:avLst/>
+          </a:prstGeom>
+        </p:spPr>
+      </p:pic>
+      <p:sp>
+        <p:nvSpPr>
+          <p:cNvPr id="7" name="TextBox 6">
+            <a:extLst>
+              <a:ext uri="{FF2B5EF4-FFF2-40B4-BE49-F238E27FC236}">
+                <a16:creationId xmlns:a16="http://schemas.microsoft.com/office/drawing/2014/main" id="{04FC837C-1AF6-B82B-9030-6521DF4B736E}"/>
+              </a:ext>
+            </a:extLst>
+          </p:cNvPr>
+          <p:cNvSpPr txBox="1"/>
+          <p:nvPr/>
+        </p:nvSpPr>
+        <p:spPr>
+          <a:xfrm>
+            <a:off x="363071" y="595918"/>
+            <a:ext cx="6423553" cy="954107"/>
+          </a:xfrm>
+          <a:prstGeom prst="rect">
+            <a:avLst/>
+          </a:prstGeom>
+          <a:noFill/>
+        </p:spPr>
+        <p:txBody>
+          <a:bodyPr wrap="none" rtlCol="0">
+            <a:spAutoFit/>
+          </a:bodyPr>
+          <a:lstStyle/>
+          <a:p>
+            <a:r>
+              <a:rPr lang="en-GB" dirty="0"/>
+              <a:t>Returns True if a matching </a:t>
+            </a:r>
+            <a:r>
+              <a:rPr lang="en-GB" dirty="0" err="1"/>
+              <a:t>KeyId</a:t>
+            </a:r>
+            <a:r>
+              <a:rPr lang="en-GB" dirty="0"/>
+              <a:t> (</a:t>
+            </a:r>
+            <a:r>
+              <a:rPr lang="en-GB" dirty="0" err="1"/>
+              <a:t>eg</a:t>
+            </a:r>
+            <a:r>
+              <a:rPr lang="en-GB" dirty="0"/>
+              <a:t> “left”) from </a:t>
+            </a:r>
+            <a:r>
+              <a:rPr lang="en-GB" dirty="0" err="1"/>
+              <a:t>getKeyIdStrings</a:t>
+            </a:r>
+            <a:r>
+              <a:rPr lang="en-GB" dirty="0"/>
+              <a:t> </a:t>
+            </a:r>
+          </a:p>
+          <a:p>
+            <a:r>
+              <a:rPr lang="en-GB" dirty="0"/>
+              <a:t> matches a </a:t>
+            </a:r>
+            <a:r>
+              <a:rPr lang="en-GB" dirty="0" err="1"/>
+              <a:t>pygame.key</a:t>
+            </a:r>
+            <a:r>
+              <a:rPr lang="en-GB" dirty="0"/>
+              <a:t> </a:t>
+            </a:r>
+            <a:r>
+              <a:rPr lang="en-GB" dirty="0" err="1"/>
+              <a:t>keybind</a:t>
+            </a:r>
+            <a:r>
+              <a:rPr lang="en-GB" dirty="0"/>
+              <a:t> set by </a:t>
+            </a:r>
+            <a:r>
+              <a:rPr lang="en-GB" dirty="0" err="1"/>
+              <a:t>add_keybind</a:t>
+            </a:r>
+            <a:r>
+              <a:rPr lang="en-GB" dirty="0"/>
+              <a:t>()</a:t>
+            </a:r>
+          </a:p>
+          <a:p>
+            <a:endParaRPr lang="en-GB" dirty="0"/>
+          </a:p>
+          <a:p>
+            <a:r>
+              <a:rPr lang="en-GB" dirty="0"/>
+              <a:t>Helpful warning messages explaining how to correct a mismatched </a:t>
+            </a:r>
+            <a:r>
+              <a:rPr lang="en-GB" dirty="0" err="1"/>
+              <a:t>keyIdString</a:t>
+            </a:r>
+            <a:endParaRPr lang="en-GB" dirty="0"/>
+          </a:p>
+        </p:txBody>
+      </p:sp>
+    </p:spTree>
+    <p:extLst>
+      <p:ext uri="{BB962C8B-B14F-4D97-AF65-F5344CB8AC3E}">
+        <p14:creationId xmlns:p14="http://schemas.microsoft.com/office/powerpoint/2010/main" val="2757259571"/>
+      </p:ext>
+    </p:extLst>
+  </p:cSld>
+  <p:clrMapOvr>
+    <a:masterClrMapping/>
+  </p:clrMapOvr>
+</p:sld>
+</file>
+
+<file path=ppt/slides/slide32.xml><?xml version="1.0" encoding="utf-8"?>
+<p:sld xmlns:a="http://schemas.openxmlformats.org/drawingml/2006/main" xmlns:r="http://schemas.openxmlformats.org/officeDocument/2006/relationships" xmlns:p="http://schemas.openxmlformats.org/presentationml/2006/main">
+  <p:cSld>
+    <p:spTree>
+      <p:nvGrpSpPr>
+        <p:cNvPr id="1" name=""/>
+        <p:cNvGrpSpPr/>
+        <p:nvPr/>
+      </p:nvGrpSpPr>
+      <p:grpSpPr>
+        <a:xfrm>
+          <a:off x="0" y="0"/>
+          <a:ext cx="0" cy="0"/>
+          <a:chOff x="0" y="0"/>
+          <a:chExt cx="0" cy="0"/>
+        </a:xfrm>
+      </p:grpSpPr>
+      <p:sp>
+        <p:nvSpPr>
+          <p:cNvPr id="2" name="Title 1">
+            <a:extLst>
+              <a:ext uri="{FF2B5EF4-FFF2-40B4-BE49-F238E27FC236}">
+                <a16:creationId xmlns:a16="http://schemas.microsoft.com/office/drawing/2014/main" id="{E100C4C4-ECC7-18BE-A34A-75F9B1031E02}"/>
+              </a:ext>
+            </a:extLst>
+          </p:cNvPr>
+          <p:cNvSpPr>
+            <a:spLocks noGrp="1"/>
+          </p:cNvSpPr>
+          <p:nvPr>
+            <p:ph type="title"/>
+          </p:nvPr>
+        </p:nvSpPr>
+        <p:spPr>
+          <a:xfrm>
+            <a:off x="311700" y="95402"/>
+            <a:ext cx="8520600" cy="572700"/>
+          </a:xfrm>
+        </p:spPr>
+        <p:txBody>
+          <a:bodyPr>
+            <a:normAutofit fontScale="90000"/>
+          </a:bodyPr>
+          <a:lstStyle/>
+          <a:p>
+            <a:r>
+              <a:rPr lang="en-GB" dirty="0"/>
+              <a:t>OOp101-1C2 – refactored </a:t>
+            </a:r>
+            <a:r>
+              <a:rPr lang="en-GB" dirty="0" err="1"/>
+              <a:t>add_key_bind</a:t>
+            </a:r>
+            <a:r>
+              <a:rPr lang="en-GB" dirty="0"/>
+              <a:t>()</a:t>
+            </a:r>
+          </a:p>
+        </p:txBody>
+      </p:sp>
+      <p:pic>
+        <p:nvPicPr>
+          <p:cNvPr id="5" name="Picture 4">
+            <a:extLst>
+              <a:ext uri="{FF2B5EF4-FFF2-40B4-BE49-F238E27FC236}">
+                <a16:creationId xmlns:a16="http://schemas.microsoft.com/office/drawing/2014/main" id="{88D273F8-AA76-F111-3A77-7D0D0E8BBFD9}"/>
+              </a:ext>
+            </a:extLst>
+          </p:cNvPr>
+          <p:cNvPicPr>
+            <a:picLocks noChangeAspect="1"/>
+          </p:cNvPicPr>
+          <p:nvPr/>
+        </p:nvPicPr>
+        <p:blipFill>
+          <a:blip r:embed="rId2"/>
+          <a:stretch>
+            <a:fillRect/>
+          </a:stretch>
+        </p:blipFill>
+        <p:spPr>
+          <a:xfrm>
+            <a:off x="6990076" y="1570175"/>
+            <a:ext cx="2153924" cy="3315820"/>
+          </a:xfrm>
+          <a:prstGeom prst="rect">
+            <a:avLst/>
+          </a:prstGeom>
+        </p:spPr>
+      </p:pic>
+      <p:pic>
+        <p:nvPicPr>
+          <p:cNvPr id="6" name="Picture 5">
+            <a:extLst>
+              <a:ext uri="{FF2B5EF4-FFF2-40B4-BE49-F238E27FC236}">
+                <a16:creationId xmlns:a16="http://schemas.microsoft.com/office/drawing/2014/main" id="{2D12DFCA-C15B-B60F-1648-363DD06B1958}"/>
+              </a:ext>
+            </a:extLst>
+          </p:cNvPr>
+          <p:cNvPicPr>
+            <a:picLocks noChangeAspect="1"/>
+          </p:cNvPicPr>
+          <p:nvPr/>
+        </p:nvPicPr>
+        <p:blipFill>
+          <a:blip r:embed="rId3"/>
+          <a:stretch>
+            <a:fillRect/>
+          </a:stretch>
+        </p:blipFill>
+        <p:spPr>
+          <a:xfrm>
+            <a:off x="103271" y="668102"/>
+            <a:ext cx="6572250" cy="4276725"/>
+          </a:xfrm>
+          <a:prstGeom prst="rect">
+            <a:avLst/>
+          </a:prstGeom>
+        </p:spPr>
+      </p:pic>
+    </p:spTree>
+    <p:extLst>
+      <p:ext uri="{BB962C8B-B14F-4D97-AF65-F5344CB8AC3E}">
+        <p14:creationId xmlns:p14="http://schemas.microsoft.com/office/powerpoint/2010/main" val="3052855121"/>
+      </p:ext>
+    </p:extLst>
+  </p:cSld>
+  <p:clrMapOvr>
+    <a:masterClrMapping/>
+  </p:clrMapOvr>
+</p:sld>
+</file>
+
+<file path=ppt/slides/slide33.xml><?xml version="1.0" encoding="utf-8"?>
+<p:sld xmlns:a="http://schemas.openxmlformats.org/drawingml/2006/main" xmlns:r="http://schemas.openxmlformats.org/officeDocument/2006/relationships" xmlns:p="http://schemas.openxmlformats.org/presentationml/2006/main">
+  <p:cSld>
+    <p:spTree>
+      <p:nvGrpSpPr>
+        <p:cNvPr id="1" name=""/>
+        <p:cNvGrpSpPr/>
+        <p:nvPr/>
+      </p:nvGrpSpPr>
+      <p:grpSpPr>
+        <a:xfrm>
+          <a:off x="0" y="0"/>
+          <a:ext cx="0" cy="0"/>
+          <a:chOff x="0" y="0"/>
+          <a:chExt cx="0" cy="0"/>
+        </a:xfrm>
+      </p:grpSpPr>
+      <p:sp>
+        <p:nvSpPr>
+          <p:cNvPr id="2" name="Title 1">
+            <a:extLst>
+              <a:ext uri="{FF2B5EF4-FFF2-40B4-BE49-F238E27FC236}">
+                <a16:creationId xmlns:a16="http://schemas.microsoft.com/office/drawing/2014/main" id="{E100C4C4-ECC7-18BE-A34A-75F9B1031E02}"/>
+              </a:ext>
+            </a:extLst>
+          </p:cNvPr>
+          <p:cNvSpPr>
+            <a:spLocks noGrp="1"/>
+          </p:cNvSpPr>
+          <p:nvPr>
+            <p:ph type="title"/>
+          </p:nvPr>
+        </p:nvSpPr>
+        <p:spPr>
+          <a:xfrm>
+            <a:off x="311700" y="95402"/>
+            <a:ext cx="8520600" cy="572700"/>
+          </a:xfrm>
+        </p:spPr>
+        <p:txBody>
+          <a:bodyPr>
+            <a:normAutofit fontScale="90000"/>
+          </a:bodyPr>
+          <a:lstStyle/>
+          <a:p>
+            <a:r>
+              <a:rPr lang="en-GB" dirty="0"/>
+              <a:t>OOp101-1C2 – refactored </a:t>
+            </a:r>
+            <a:r>
+              <a:rPr lang="en-GB" dirty="0" err="1"/>
+              <a:t>handleKeyMovement</a:t>
+            </a:r>
+            <a:r>
+              <a:rPr lang="en-GB" dirty="0"/>
+              <a:t>()</a:t>
+            </a:r>
+          </a:p>
+        </p:txBody>
+      </p:sp>
+      <p:pic>
+        <p:nvPicPr>
+          <p:cNvPr id="5" name="Picture 4">
+            <a:extLst>
+              <a:ext uri="{FF2B5EF4-FFF2-40B4-BE49-F238E27FC236}">
+                <a16:creationId xmlns:a16="http://schemas.microsoft.com/office/drawing/2014/main" id="{88D273F8-AA76-F111-3A77-7D0D0E8BBFD9}"/>
+              </a:ext>
+            </a:extLst>
+          </p:cNvPr>
+          <p:cNvPicPr>
+            <a:picLocks noChangeAspect="1"/>
+          </p:cNvPicPr>
+          <p:nvPr/>
+        </p:nvPicPr>
+        <p:blipFill>
+          <a:blip r:embed="rId2"/>
+          <a:stretch>
+            <a:fillRect/>
+          </a:stretch>
+        </p:blipFill>
+        <p:spPr>
+          <a:xfrm>
+            <a:off x="6990076" y="1570175"/>
+            <a:ext cx="2153924" cy="3315820"/>
+          </a:xfrm>
+          <a:prstGeom prst="rect">
+            <a:avLst/>
+          </a:prstGeom>
+        </p:spPr>
+      </p:pic>
+      <p:pic>
+        <p:nvPicPr>
+          <p:cNvPr id="4" name="Picture 3">
+            <a:extLst>
+              <a:ext uri="{FF2B5EF4-FFF2-40B4-BE49-F238E27FC236}">
+                <a16:creationId xmlns:a16="http://schemas.microsoft.com/office/drawing/2014/main" id="{46FBFD94-A5A7-B695-45AF-1E5741C365CD}"/>
+              </a:ext>
+            </a:extLst>
+          </p:cNvPr>
+          <p:cNvPicPr>
+            <a:picLocks noChangeAspect="1"/>
+          </p:cNvPicPr>
+          <p:nvPr/>
+        </p:nvPicPr>
+        <p:blipFill>
+          <a:blip r:embed="rId3"/>
+          <a:stretch>
+            <a:fillRect/>
+          </a:stretch>
+        </p:blipFill>
+        <p:spPr>
+          <a:xfrm>
+            <a:off x="311700" y="861172"/>
+            <a:ext cx="5219700" cy="3905250"/>
+          </a:xfrm>
+          <a:prstGeom prst="rect">
+            <a:avLst/>
+          </a:prstGeom>
+        </p:spPr>
+      </p:pic>
+      <p:sp>
+        <p:nvSpPr>
+          <p:cNvPr id="7" name="TextBox 6">
+            <a:extLst>
+              <a:ext uri="{FF2B5EF4-FFF2-40B4-BE49-F238E27FC236}">
+                <a16:creationId xmlns:a16="http://schemas.microsoft.com/office/drawing/2014/main" id="{F36E58A7-4265-75FD-FA91-19E1F46D60BD}"/>
+              </a:ext>
+            </a:extLst>
+          </p:cNvPr>
+          <p:cNvSpPr txBox="1"/>
+          <p:nvPr/>
+        </p:nvSpPr>
+        <p:spPr>
+          <a:xfrm>
+            <a:off x="5674659" y="526908"/>
+            <a:ext cx="2834430" cy="954107"/>
+          </a:xfrm>
+          <a:prstGeom prst="rect">
+            <a:avLst/>
+          </a:prstGeom>
+          <a:noFill/>
+        </p:spPr>
+        <p:txBody>
+          <a:bodyPr wrap="none" rtlCol="0">
+            <a:spAutoFit/>
+          </a:bodyPr>
+          <a:lstStyle/>
+          <a:p>
+            <a:r>
+              <a:rPr lang="en-GB" dirty="0"/>
+              <a:t>This is CONCEPT code so when </a:t>
+            </a:r>
+          </a:p>
+          <a:p>
+            <a:r>
+              <a:rPr lang="en-GB" dirty="0"/>
+              <a:t>  implementing a Player Object </a:t>
+            </a:r>
+          </a:p>
+          <a:p>
+            <a:r>
+              <a:rPr lang="en-GB" dirty="0"/>
+              <a:t>  as a descendant of </a:t>
+            </a:r>
+            <a:r>
+              <a:rPr lang="en-GB" dirty="0" err="1"/>
+              <a:t>GfxObject</a:t>
+            </a:r>
+            <a:endParaRPr lang="en-GB" dirty="0"/>
+          </a:p>
+          <a:p>
+            <a:r>
+              <a:rPr lang="en-GB" dirty="0"/>
+              <a:t>  how to do this is easier…</a:t>
+            </a:r>
+          </a:p>
+        </p:txBody>
+      </p:sp>
+    </p:spTree>
+    <p:extLst>
+      <p:ext uri="{BB962C8B-B14F-4D97-AF65-F5344CB8AC3E}">
+        <p14:creationId xmlns:p14="http://schemas.microsoft.com/office/powerpoint/2010/main" val="462094726"/>
+      </p:ext>
+    </p:extLst>
+  </p:cSld>
+  <p:clrMapOvr>
+    <a:masterClrMapping/>
+  </p:clrMapOvr>
+</p:sld>
+</file>
+
+<file path=ppt/slides/slide34.xml><?xml version="1.0" encoding="utf-8"?>
+<p:sld xmlns:a="http://schemas.openxmlformats.org/drawingml/2006/main" xmlns:r="http://schemas.openxmlformats.org/officeDocument/2006/relationships" xmlns:p="http://schemas.openxmlformats.org/presentationml/2006/main">
+  <p:cSld>
+    <p:spTree>
+      <p:nvGrpSpPr>
+        <p:cNvPr id="1" name=""/>
+        <p:cNvGrpSpPr/>
+        <p:nvPr/>
+      </p:nvGrpSpPr>
+      <p:grpSpPr>
+        <a:xfrm>
+          <a:off x="0" y="0"/>
+          <a:ext cx="0" cy="0"/>
+          <a:chOff x="0" y="0"/>
+          <a:chExt cx="0" cy="0"/>
+        </a:xfrm>
+      </p:grpSpPr>
+      <p:sp>
+        <p:nvSpPr>
+          <p:cNvPr id="2" name="Title 1">
+            <a:extLst>
+              <a:ext uri="{FF2B5EF4-FFF2-40B4-BE49-F238E27FC236}">
+                <a16:creationId xmlns:a16="http://schemas.microsoft.com/office/drawing/2014/main" id="{33464FEF-E82E-18D2-8739-91593A895F81}"/>
+              </a:ext>
+            </a:extLst>
+          </p:cNvPr>
+          <p:cNvSpPr>
+            <a:spLocks noGrp="1"/>
+          </p:cNvSpPr>
+          <p:nvPr>
+            <p:ph type="title"/>
+          </p:nvPr>
+        </p:nvSpPr>
+        <p:spPr/>
+        <p:txBody>
+          <a:bodyPr>
+            <a:normAutofit fontScale="90000"/>
+          </a:bodyPr>
+          <a:lstStyle/>
+          <a:p>
+            <a:r>
+              <a:rPr lang="en-GB" dirty="0"/>
+              <a:t>Adding </a:t>
+            </a:r>
+            <a:r>
+              <a:rPr lang="en-GB" dirty="0" err="1"/>
+              <a:t>keybinds</a:t>
+            </a:r>
+            <a:r>
+              <a:rPr lang="en-GB" dirty="0"/>
+              <a:t> in main()</a:t>
+            </a:r>
+          </a:p>
+        </p:txBody>
+      </p:sp>
+      <p:pic>
+        <p:nvPicPr>
+          <p:cNvPr id="5" name="Picture 4">
+            <a:extLst>
+              <a:ext uri="{FF2B5EF4-FFF2-40B4-BE49-F238E27FC236}">
+                <a16:creationId xmlns:a16="http://schemas.microsoft.com/office/drawing/2014/main" id="{D2929301-7DB7-73DC-290E-8369B0237C10}"/>
+              </a:ext>
+            </a:extLst>
+          </p:cNvPr>
+          <p:cNvPicPr>
+            <a:picLocks noChangeAspect="1"/>
+          </p:cNvPicPr>
+          <p:nvPr/>
+        </p:nvPicPr>
+        <p:blipFill>
+          <a:blip r:embed="rId2"/>
+          <a:stretch>
+            <a:fillRect/>
+          </a:stretch>
+        </p:blipFill>
+        <p:spPr>
+          <a:xfrm>
+            <a:off x="311700" y="1105707"/>
+            <a:ext cx="5368458" cy="3757086"/>
+          </a:xfrm>
+          <a:prstGeom prst="rect">
+            <a:avLst/>
+          </a:prstGeom>
+        </p:spPr>
+      </p:pic>
+      <p:sp>
+        <p:nvSpPr>
+          <p:cNvPr id="6" name="TextBox 5">
+            <a:extLst>
+              <a:ext uri="{FF2B5EF4-FFF2-40B4-BE49-F238E27FC236}">
+                <a16:creationId xmlns:a16="http://schemas.microsoft.com/office/drawing/2014/main" id="{F37D1A6A-F52B-B1E6-AA93-E9632C62B330}"/>
+              </a:ext>
+            </a:extLst>
+          </p:cNvPr>
+          <p:cNvSpPr txBox="1"/>
+          <p:nvPr/>
+        </p:nvSpPr>
+        <p:spPr>
+          <a:xfrm>
+            <a:off x="5842748" y="1017725"/>
+            <a:ext cx="3230372" cy="1169551"/>
+          </a:xfrm>
+          <a:prstGeom prst="rect">
+            <a:avLst/>
+          </a:prstGeom>
+          <a:noFill/>
+        </p:spPr>
+        <p:txBody>
+          <a:bodyPr wrap="none" rtlCol="0">
+            <a:spAutoFit/>
+          </a:bodyPr>
+          <a:lstStyle/>
+          <a:p>
+            <a:r>
+              <a:rPr lang="en-GB" dirty="0"/>
+              <a:t>Note its now possible to have multiple </a:t>
+            </a:r>
+          </a:p>
+          <a:p>
+            <a:r>
+              <a:rPr lang="en-GB" dirty="0"/>
+              <a:t>key-binds onto one action</a:t>
+            </a:r>
+          </a:p>
+          <a:p>
+            <a:endParaRPr lang="en-GB" dirty="0"/>
+          </a:p>
+          <a:p>
+            <a:r>
+              <a:rPr lang="en-GB" dirty="0"/>
+              <a:t>In this case we have </a:t>
+            </a:r>
+          </a:p>
+          <a:p>
+            <a:r>
+              <a:rPr lang="en-GB" dirty="0"/>
+              <a:t>“left” bound to both “a” and “left arrow”</a:t>
+            </a:r>
+          </a:p>
+        </p:txBody>
+      </p:sp>
+    </p:spTree>
+    <p:extLst>
+      <p:ext uri="{BB962C8B-B14F-4D97-AF65-F5344CB8AC3E}">
+        <p14:creationId xmlns:p14="http://schemas.microsoft.com/office/powerpoint/2010/main" val="3211014490"/>
+      </p:ext>
+    </p:extLst>
+  </p:cSld>
+  <p:clrMapOvr>
+    <a:masterClrMapping/>
+  </p:clrMapOvr>
+</p:sld>
+</file>
+
+<file path=ppt/slides/slide35.xml><?xml version="1.0" encoding="utf-8"?>
+<p:sld xmlns:a="http://schemas.openxmlformats.org/drawingml/2006/main" xmlns:r="http://schemas.openxmlformats.org/officeDocument/2006/relationships" xmlns:p="http://schemas.openxmlformats.org/presentationml/2006/main">
+  <p:cSld>
+    <p:spTree>
+      <p:nvGrpSpPr>
+        <p:cNvPr id="1" name=""/>
+        <p:cNvGrpSpPr/>
+        <p:nvPr/>
+      </p:nvGrpSpPr>
+      <p:grpSpPr>
+        <a:xfrm>
+          <a:off x="0" y="0"/>
+          <a:ext cx="0" cy="0"/>
+          <a:chOff x="0" y="0"/>
+          <a:chExt cx="0" cy="0"/>
+        </a:xfrm>
+      </p:grpSpPr>
+      <p:sp>
+        <p:nvSpPr>
+          <p:cNvPr id="2" name="Title 1">
+            <a:extLst>
+              <a:ext uri="{FF2B5EF4-FFF2-40B4-BE49-F238E27FC236}">
+                <a16:creationId xmlns:a16="http://schemas.microsoft.com/office/drawing/2014/main" id="{E100C4C4-ECC7-18BE-A34A-75F9B1031E02}"/>
+              </a:ext>
+            </a:extLst>
+          </p:cNvPr>
+          <p:cNvSpPr>
+            <a:spLocks noGrp="1"/>
+          </p:cNvSpPr>
+          <p:nvPr>
+            <p:ph type="title"/>
+          </p:nvPr>
+        </p:nvSpPr>
+        <p:spPr>
+          <a:xfrm>
+            <a:off x="311700" y="95402"/>
+            <a:ext cx="8520600" cy="572700"/>
+          </a:xfrm>
+        </p:spPr>
+        <p:txBody>
+          <a:bodyPr>
+            <a:normAutofit fontScale="90000"/>
+          </a:bodyPr>
+          <a:lstStyle/>
+          <a:p>
+            <a:r>
+              <a:rPr lang="en-GB" dirty="0"/>
+              <a:t>OOp101-1C2 – main function refactored </a:t>
+            </a:r>
+            <a:r>
+              <a:rPr lang="en-GB" dirty="0" err="1"/>
+              <a:t>drawRedFigure</a:t>
+            </a:r>
+            <a:endParaRPr lang="en-GB" dirty="0"/>
+          </a:p>
+        </p:txBody>
+      </p:sp>
+      <p:pic>
+        <p:nvPicPr>
+          <p:cNvPr id="5" name="Picture 4">
+            <a:extLst>
+              <a:ext uri="{FF2B5EF4-FFF2-40B4-BE49-F238E27FC236}">
+                <a16:creationId xmlns:a16="http://schemas.microsoft.com/office/drawing/2014/main" id="{88D273F8-AA76-F111-3A77-7D0D0E8BBFD9}"/>
+              </a:ext>
+            </a:extLst>
+          </p:cNvPr>
+          <p:cNvPicPr>
+            <a:picLocks noChangeAspect="1"/>
+          </p:cNvPicPr>
+          <p:nvPr/>
+        </p:nvPicPr>
+        <p:blipFill>
+          <a:blip r:embed="rId2"/>
+          <a:stretch>
+            <a:fillRect/>
+          </a:stretch>
+        </p:blipFill>
+        <p:spPr>
+          <a:xfrm>
+            <a:off x="6990076" y="1570175"/>
+            <a:ext cx="2153924" cy="3315820"/>
+          </a:xfrm>
+          <a:prstGeom prst="rect">
+            <a:avLst/>
+          </a:prstGeom>
+        </p:spPr>
+      </p:pic>
+      <p:sp>
+        <p:nvSpPr>
+          <p:cNvPr id="7" name="TextBox 6">
+            <a:extLst>
+              <a:ext uri="{FF2B5EF4-FFF2-40B4-BE49-F238E27FC236}">
+                <a16:creationId xmlns:a16="http://schemas.microsoft.com/office/drawing/2014/main" id="{F36E58A7-4265-75FD-FA91-19E1F46D60BD}"/>
+              </a:ext>
+            </a:extLst>
+          </p:cNvPr>
+          <p:cNvSpPr txBox="1"/>
+          <p:nvPr/>
+        </p:nvSpPr>
+        <p:spPr>
+          <a:xfrm>
+            <a:off x="605118" y="3151178"/>
+            <a:ext cx="3735318" cy="307777"/>
+          </a:xfrm>
+          <a:prstGeom prst="rect">
+            <a:avLst/>
+          </a:prstGeom>
+          <a:noFill/>
+        </p:spPr>
+        <p:txBody>
+          <a:bodyPr wrap="none" rtlCol="0">
+            <a:spAutoFit/>
+          </a:bodyPr>
+          <a:lstStyle/>
+          <a:p>
+            <a:r>
+              <a:rPr lang="en-GB" dirty="0"/>
+              <a:t>Changed rectangle to look more like a player</a:t>
+            </a:r>
+          </a:p>
+        </p:txBody>
+      </p:sp>
+      <p:pic>
+        <p:nvPicPr>
+          <p:cNvPr id="6" name="Picture 5">
+            <a:extLst>
+              <a:ext uri="{FF2B5EF4-FFF2-40B4-BE49-F238E27FC236}">
+                <a16:creationId xmlns:a16="http://schemas.microsoft.com/office/drawing/2014/main" id="{3F9C0C1E-FBFB-EF3C-2642-10EBC79B8784}"/>
+              </a:ext>
+            </a:extLst>
+          </p:cNvPr>
+          <p:cNvPicPr>
+            <a:picLocks noChangeAspect="1"/>
+          </p:cNvPicPr>
+          <p:nvPr/>
+        </p:nvPicPr>
+        <p:blipFill>
+          <a:blip r:embed="rId3"/>
+          <a:stretch>
+            <a:fillRect/>
+          </a:stretch>
+        </p:blipFill>
+        <p:spPr>
+          <a:xfrm>
+            <a:off x="512109" y="1390089"/>
+            <a:ext cx="5162550" cy="1543050"/>
+          </a:xfrm>
+          <a:prstGeom prst="rect">
+            <a:avLst/>
+          </a:prstGeom>
+        </p:spPr>
+      </p:pic>
+      <p:pic>
+        <p:nvPicPr>
+          <p:cNvPr id="9" name="Picture 8">
+            <a:extLst>
+              <a:ext uri="{FF2B5EF4-FFF2-40B4-BE49-F238E27FC236}">
+                <a16:creationId xmlns:a16="http://schemas.microsoft.com/office/drawing/2014/main" id="{A6DDAEDF-63F0-C500-5E58-CA1AC336DBE4}"/>
+              </a:ext>
+            </a:extLst>
+          </p:cNvPr>
+          <p:cNvPicPr>
+            <a:picLocks noChangeAspect="1"/>
+          </p:cNvPicPr>
+          <p:nvPr/>
+        </p:nvPicPr>
+        <p:blipFill>
+          <a:blip r:embed="rId4"/>
+          <a:stretch>
+            <a:fillRect/>
+          </a:stretch>
+        </p:blipFill>
+        <p:spPr>
+          <a:xfrm>
+            <a:off x="4803566" y="3073192"/>
+            <a:ext cx="742950" cy="771525"/>
+          </a:xfrm>
+          <a:prstGeom prst="rect">
+            <a:avLst/>
+          </a:prstGeom>
+        </p:spPr>
+      </p:pic>
+    </p:spTree>
+    <p:extLst>
+      <p:ext uri="{BB962C8B-B14F-4D97-AF65-F5344CB8AC3E}">
+        <p14:creationId xmlns:p14="http://schemas.microsoft.com/office/powerpoint/2010/main" val="1708881174"/>
+      </p:ext>
+    </p:extLst>
+  </p:cSld>
+  <p:clrMapOvr>
+    <a:masterClrMapping/>
+  </p:clrMapOvr>
+</p:sld>
+</file>
+
+<file path=ppt/slides/slide36.xml><?xml version="1.0" encoding="utf-8"?>
+<p:sld xmlns:a="http://schemas.openxmlformats.org/drawingml/2006/main" xmlns:r="http://schemas.openxmlformats.org/officeDocument/2006/relationships" xmlns:p="http://schemas.openxmlformats.org/presentationml/2006/main">
+  <p:cSld>
+    <p:spTree>
+      <p:nvGrpSpPr>
+        <p:cNvPr id="1" name=""/>
+        <p:cNvGrpSpPr/>
+        <p:nvPr/>
+      </p:nvGrpSpPr>
+      <p:grpSpPr>
+        <a:xfrm>
+          <a:off x="0" y="0"/>
+          <a:ext cx="0" cy="0"/>
+          <a:chOff x="0" y="0"/>
+          <a:chExt cx="0" cy="0"/>
+        </a:xfrm>
+      </p:grpSpPr>
+      <p:sp>
+        <p:nvSpPr>
+          <p:cNvPr id="2" name="Title 1">
+            <a:extLst>
+              <a:ext uri="{FF2B5EF4-FFF2-40B4-BE49-F238E27FC236}">
+                <a16:creationId xmlns:a16="http://schemas.microsoft.com/office/drawing/2014/main" id="{E100C4C4-ECC7-18BE-A34A-75F9B1031E02}"/>
+              </a:ext>
+            </a:extLst>
+          </p:cNvPr>
+          <p:cNvSpPr>
+            <a:spLocks noGrp="1"/>
+          </p:cNvSpPr>
+          <p:nvPr>
+            <p:ph type="title"/>
+          </p:nvPr>
+        </p:nvSpPr>
+        <p:spPr>
+          <a:xfrm>
+            <a:off x="311700" y="95402"/>
+            <a:ext cx="8520600" cy="572700"/>
+          </a:xfrm>
+        </p:spPr>
+        <p:txBody>
+          <a:bodyPr>
+            <a:normAutofit fontScale="90000"/>
+          </a:bodyPr>
+          <a:lstStyle/>
+          <a:p>
+            <a:r>
+              <a:rPr lang="en-GB" dirty="0"/>
+              <a:t>OOp101-1C2 – developmental Testing of </a:t>
+            </a:r>
+            <a:r>
+              <a:rPr lang="en-GB" dirty="0" err="1"/>
+              <a:t>redFigure</a:t>
+            </a:r>
+            <a:endParaRPr lang="en-GB" dirty="0"/>
+          </a:p>
+        </p:txBody>
+      </p:sp>
+      <p:sp>
+        <p:nvSpPr>
+          <p:cNvPr id="3" name="TextBox 2">
+            <a:extLst>
+              <a:ext uri="{FF2B5EF4-FFF2-40B4-BE49-F238E27FC236}">
+                <a16:creationId xmlns:a16="http://schemas.microsoft.com/office/drawing/2014/main" id="{A280B686-544B-DB5E-1714-E8D7C6346B28}"/>
+              </a:ext>
+            </a:extLst>
+          </p:cNvPr>
+          <p:cNvSpPr txBox="1"/>
+          <p:nvPr/>
+        </p:nvSpPr>
+        <p:spPr>
+          <a:xfrm>
+            <a:off x="430306" y="3817999"/>
+            <a:ext cx="1000595" cy="307777"/>
+          </a:xfrm>
+          <a:prstGeom prst="rect">
+            <a:avLst/>
+          </a:prstGeom>
+          <a:noFill/>
+        </p:spPr>
+        <p:txBody>
+          <a:bodyPr wrap="none" rtlCol="0">
+            <a:spAutoFit/>
+          </a:bodyPr>
+          <a:lstStyle/>
+          <a:p>
+            <a:r>
+              <a:rPr lang="en-GB" dirty="0"/>
+              <a:t>On launch</a:t>
+            </a:r>
+          </a:p>
+        </p:txBody>
+      </p:sp>
+      <p:sp>
+        <p:nvSpPr>
+          <p:cNvPr id="4" name="TextBox 3">
+            <a:extLst>
+              <a:ext uri="{FF2B5EF4-FFF2-40B4-BE49-F238E27FC236}">
+                <a16:creationId xmlns:a16="http://schemas.microsoft.com/office/drawing/2014/main" id="{F381A76B-40D9-FC3B-6522-7751A35B85D6}"/>
+              </a:ext>
+            </a:extLst>
+          </p:cNvPr>
+          <p:cNvSpPr txBox="1"/>
+          <p:nvPr/>
+        </p:nvSpPr>
+        <p:spPr>
+          <a:xfrm>
+            <a:off x="3124201" y="3817999"/>
+            <a:ext cx="2661306" cy="307777"/>
+          </a:xfrm>
+          <a:prstGeom prst="rect">
+            <a:avLst/>
+          </a:prstGeom>
+          <a:noFill/>
+        </p:spPr>
+        <p:txBody>
+          <a:bodyPr wrap="none" rtlCol="0">
+            <a:spAutoFit/>
+          </a:bodyPr>
+          <a:lstStyle/>
+          <a:p>
+            <a:r>
+              <a:rPr lang="en-GB" dirty="0"/>
+              <a:t>After pressing “d” several times</a:t>
+            </a:r>
+          </a:p>
+        </p:txBody>
+      </p:sp>
+      <p:sp>
+        <p:nvSpPr>
+          <p:cNvPr id="8" name="TextBox 7">
+            <a:extLst>
+              <a:ext uri="{FF2B5EF4-FFF2-40B4-BE49-F238E27FC236}">
+                <a16:creationId xmlns:a16="http://schemas.microsoft.com/office/drawing/2014/main" id="{20CB8462-0AA4-C0ED-0426-FCC0757FC5A8}"/>
+              </a:ext>
+            </a:extLst>
+          </p:cNvPr>
+          <p:cNvSpPr txBox="1"/>
+          <p:nvPr/>
+        </p:nvSpPr>
+        <p:spPr>
+          <a:xfrm>
+            <a:off x="5986184" y="3817999"/>
+            <a:ext cx="2674130" cy="523220"/>
+          </a:xfrm>
+          <a:prstGeom prst="rect">
+            <a:avLst/>
+          </a:prstGeom>
+          <a:noFill/>
+        </p:spPr>
+        <p:txBody>
+          <a:bodyPr wrap="none" rtlCol="0">
+            <a:spAutoFit/>
+          </a:bodyPr>
+          <a:lstStyle/>
+          <a:p>
+            <a:r>
+              <a:rPr lang="en-GB" dirty="0"/>
+              <a:t>After pressing “a” or “left arrow”</a:t>
+            </a:r>
+          </a:p>
+          <a:p>
+            <a:r>
+              <a:rPr lang="en-GB" dirty="0"/>
+              <a:t>several times</a:t>
+            </a:r>
+          </a:p>
+        </p:txBody>
+      </p:sp>
+      <p:pic>
+        <p:nvPicPr>
+          <p:cNvPr id="11" name="Picture 10">
+            <a:extLst>
+              <a:ext uri="{FF2B5EF4-FFF2-40B4-BE49-F238E27FC236}">
+                <a16:creationId xmlns:a16="http://schemas.microsoft.com/office/drawing/2014/main" id="{82D08D96-E6B6-A889-B5CA-56455F348C99}"/>
+              </a:ext>
+            </a:extLst>
+          </p:cNvPr>
+          <p:cNvPicPr>
+            <a:picLocks noChangeAspect="1"/>
+          </p:cNvPicPr>
+          <p:nvPr/>
+        </p:nvPicPr>
+        <p:blipFill>
+          <a:blip r:embed="rId2"/>
+          <a:stretch>
+            <a:fillRect/>
+          </a:stretch>
+        </p:blipFill>
+        <p:spPr>
+          <a:xfrm>
+            <a:off x="130380" y="1383315"/>
+            <a:ext cx="2665501" cy="2107142"/>
+          </a:xfrm>
+          <a:prstGeom prst="rect">
+            <a:avLst/>
+          </a:prstGeom>
+        </p:spPr>
+      </p:pic>
+      <p:pic>
+        <p:nvPicPr>
+          <p:cNvPr id="13" name="Picture 12">
+            <a:extLst>
+              <a:ext uri="{FF2B5EF4-FFF2-40B4-BE49-F238E27FC236}">
+                <a16:creationId xmlns:a16="http://schemas.microsoft.com/office/drawing/2014/main" id="{5EC54AA9-BCD1-C134-0A99-B247DCEDB1DA}"/>
+              </a:ext>
+            </a:extLst>
+          </p:cNvPr>
+          <p:cNvPicPr>
+            <a:picLocks noChangeAspect="1"/>
+          </p:cNvPicPr>
+          <p:nvPr/>
+        </p:nvPicPr>
+        <p:blipFill>
+          <a:blip r:embed="rId3"/>
+          <a:stretch>
+            <a:fillRect/>
+          </a:stretch>
+        </p:blipFill>
+        <p:spPr>
+          <a:xfrm>
+            <a:off x="3025588" y="1383314"/>
+            <a:ext cx="2661305" cy="2107143"/>
+          </a:xfrm>
+          <a:prstGeom prst="rect">
+            <a:avLst/>
+          </a:prstGeom>
+        </p:spPr>
+      </p:pic>
+      <p:pic>
+        <p:nvPicPr>
+          <p:cNvPr id="15" name="Picture 14">
+            <a:extLst>
+              <a:ext uri="{FF2B5EF4-FFF2-40B4-BE49-F238E27FC236}">
+                <a16:creationId xmlns:a16="http://schemas.microsoft.com/office/drawing/2014/main" id="{5D737D3E-73ED-C38F-C82E-EA7FFB8B07B3}"/>
+              </a:ext>
+            </a:extLst>
+          </p:cNvPr>
+          <p:cNvPicPr>
+            <a:picLocks noChangeAspect="1"/>
+          </p:cNvPicPr>
+          <p:nvPr/>
+        </p:nvPicPr>
+        <p:blipFill>
+          <a:blip r:embed="rId4"/>
+          <a:stretch>
+            <a:fillRect/>
+          </a:stretch>
+        </p:blipFill>
+        <p:spPr>
+          <a:xfrm>
+            <a:off x="5986184" y="1383314"/>
+            <a:ext cx="2661306" cy="2112411"/>
+          </a:xfrm>
+          <a:prstGeom prst="rect">
+            <a:avLst/>
+          </a:prstGeom>
+        </p:spPr>
+      </p:pic>
+    </p:spTree>
+    <p:extLst>
+      <p:ext uri="{BB962C8B-B14F-4D97-AF65-F5344CB8AC3E}">
+        <p14:creationId xmlns:p14="http://schemas.microsoft.com/office/powerpoint/2010/main" val="1996103019"/>
+      </p:ext>
+    </p:extLst>
   </p:cSld>
   <p:clrMapOvr>
     <a:masterClrMapping/>
